--- a/templates/english_service_template.pptx
+++ b/templates/english_service_template.pptx
@@ -5,7 +5,7 @@
     <p:sldMasterId id="2147483648" r:id="rId1"/>
   </p:sldMasterIdLst>
   <p:notesMasterIdLst>
-    <p:notesMasterId r:id="rId152"/>
+    <p:notesMasterId r:id="rId153"/>
   </p:notesMasterIdLst>
   <p:sldIdLst>
     <p:sldId id="256" r:id="rId2"/>
@@ -151,13 +151,14 @@
     <p:sldId id="613" r:id="rId142"/>
     <p:sldId id="612" r:id="rId143"/>
     <p:sldId id="614" r:id="rId144"/>
-    <p:sldId id="630" r:id="rId145"/>
-    <p:sldId id="625" r:id="rId146"/>
-    <p:sldId id="623" r:id="rId147"/>
-    <p:sldId id="624" r:id="rId148"/>
-    <p:sldId id="396" r:id="rId149"/>
-    <p:sldId id="615" r:id="rId150"/>
-    <p:sldId id="605" r:id="rId151"/>
+    <p:sldId id="632" r:id="rId145"/>
+    <p:sldId id="630" r:id="rId146"/>
+    <p:sldId id="625" r:id="rId147"/>
+    <p:sldId id="623" r:id="rId148"/>
+    <p:sldId id="624" r:id="rId149"/>
+    <p:sldId id="396" r:id="rId150"/>
+    <p:sldId id="615" r:id="rId151"/>
+    <p:sldId id="605" r:id="rId152"/>
   </p:sldIdLst>
   <p:sldSz cx="12192000" cy="6858000"/>
   <p:notesSz cx="6858000" cy="9144000"/>
@@ -650,7 +651,12 @@
             <p:ph type="sldImg"/>
           </p:nvPr>
         </p:nvSpPr>
-        <p:spPr/>
+        <p:spPr>
+          <a:xfrm>
+            <a:off x="381000" y="685800"/>
+            <a:ext cx="6096000" cy="3429000"/>
+          </a:xfrm>
+        </p:spPr>
       </p:sp>
       <p:sp>
         <p:nvSpPr>
@@ -674,7 +680,7 @@
     </p:spTree>
     <p:extLst>
       <p:ext uri="{BB962C8B-B14F-4D97-AF65-F5344CB8AC3E}">
-        <p14:creationId xmlns:p14="http://schemas.microsoft.com/office/powerpoint/2010/main" val="237972582"/>
+        <p14:creationId xmlns:p14="http://schemas.microsoft.com/office/powerpoint/2010/main" val="3989873695"/>
       </p:ext>
     </p:extLst>
   </p:cSld>
@@ -2549,7 +2555,7 @@
     </p:spTree>
     <p:extLst>
       <p:ext uri="{BB962C8B-B14F-4D97-AF65-F5344CB8AC3E}">
-        <p14:creationId xmlns:p14="http://schemas.microsoft.com/office/powerpoint/2010/main" val="53431757"/>
+        <p14:creationId xmlns:p14="http://schemas.microsoft.com/office/powerpoint/2010/main" val="389535415"/>
       </p:ext>
     </p:extLst>
   </p:cSld>
@@ -2610,7 +2616,7 @@
     </p:spTree>
     <p:extLst>
       <p:ext uri="{BB962C8B-B14F-4D97-AF65-F5344CB8AC3E}">
-        <p14:creationId xmlns:p14="http://schemas.microsoft.com/office/powerpoint/2010/main" val="592522477"/>
+        <p14:creationId xmlns:p14="http://schemas.microsoft.com/office/powerpoint/2010/main" val="53431757"/>
       </p:ext>
     </p:extLst>
   </p:cSld>
@@ -2671,7 +2677,7 @@
     </p:spTree>
     <p:extLst>
       <p:ext uri="{BB962C8B-B14F-4D97-AF65-F5344CB8AC3E}">
-        <p14:creationId xmlns:p14="http://schemas.microsoft.com/office/powerpoint/2010/main" val="4152215167"/>
+        <p14:creationId xmlns:p14="http://schemas.microsoft.com/office/powerpoint/2010/main" val="592522477"/>
       </p:ext>
     </p:extLst>
   </p:cSld>
@@ -2798,7 +2804,7 @@
     </p:spTree>
     <p:extLst>
       <p:ext uri="{BB962C8B-B14F-4D97-AF65-F5344CB8AC3E}">
-        <p14:creationId xmlns:p14="http://schemas.microsoft.com/office/powerpoint/2010/main" val="2788973842"/>
+        <p14:creationId xmlns:p14="http://schemas.microsoft.com/office/powerpoint/2010/main" val="4152215167"/>
       </p:ext>
     </p:extLst>
   </p:cSld>
@@ -2859,7 +2865,7 @@
     </p:spTree>
     <p:extLst>
       <p:ext uri="{BB962C8B-B14F-4D97-AF65-F5344CB8AC3E}">
-        <p14:creationId xmlns:p14="http://schemas.microsoft.com/office/powerpoint/2010/main" val="4225157981"/>
+        <p14:creationId xmlns:p14="http://schemas.microsoft.com/office/powerpoint/2010/main" val="2788973842"/>
       </p:ext>
     </p:extLst>
   </p:cSld>
@@ -2920,6 +2926,67 @@
     </p:spTree>
     <p:extLst>
       <p:ext uri="{BB962C8B-B14F-4D97-AF65-F5344CB8AC3E}">
+        <p14:creationId xmlns:p14="http://schemas.microsoft.com/office/powerpoint/2010/main" val="4225157981"/>
+      </p:ext>
+    </p:extLst>
+  </p:cSld>
+  <p:clrMapOvr>
+    <a:masterClrMapping/>
+  </p:clrMapOvr>
+</p:notes>
+</file>
+
+<file path=ppt/notesSlides/notesSlide43.xml><?xml version="1.0" encoding="utf-8"?>
+<p:notes xmlns:a="http://schemas.openxmlformats.org/drawingml/2006/main" xmlns:r="http://schemas.openxmlformats.org/officeDocument/2006/relationships" xmlns:p="http://schemas.openxmlformats.org/presentationml/2006/main">
+  <p:cSld>
+    <p:spTree>
+      <p:nvGrpSpPr>
+        <p:cNvPr id="1" name=""/>
+        <p:cNvGrpSpPr/>
+        <p:nvPr/>
+      </p:nvGrpSpPr>
+      <p:grpSpPr>
+        <a:xfrm>
+          <a:off x="0" y="0"/>
+          <a:ext cx="0" cy="0"/>
+          <a:chOff x="0" y="0"/>
+          <a:chExt cx="0" cy="0"/>
+        </a:xfrm>
+      </p:grpSpPr>
+      <p:sp>
+        <p:nvSpPr>
+          <p:cNvPr id="2" name="Slide Image Placeholder 1"/>
+          <p:cNvSpPr>
+            <a:spLocks noGrp="1" noRot="1" noChangeAspect="1"/>
+          </p:cNvSpPr>
+          <p:nvPr>
+            <p:ph type="sldImg"/>
+          </p:nvPr>
+        </p:nvSpPr>
+        <p:spPr/>
+      </p:sp>
+      <p:sp>
+        <p:nvSpPr>
+          <p:cNvPr id="3" name="Notes Placeholder 2"/>
+          <p:cNvSpPr>
+            <a:spLocks noGrp="1"/>
+          </p:cNvSpPr>
+          <p:nvPr>
+            <p:ph type="body" idx="1"/>
+          </p:nvPr>
+        </p:nvSpPr>
+        <p:spPr/>
+        <p:txBody>
+          <a:bodyPr/>
+          <a:lstStyle/>
+          <a:p>
+            <a:endParaRPr lang="en-US"/>
+          </a:p>
+        </p:txBody>
+      </p:sp>
+    </p:spTree>
+    <p:extLst>
+      <p:ext uri="{BB962C8B-B14F-4D97-AF65-F5344CB8AC3E}">
         <p14:creationId xmlns:p14="http://schemas.microsoft.com/office/powerpoint/2010/main" val="2853633569"/>
       </p:ext>
     </p:extLst>
@@ -2930,7 +2997,7 @@
 </p:notes>
 </file>
 
-<file path=ppt/notesSlides/notesSlide43.xml><?xml version="1.0" encoding="utf-8"?>
+<file path=ppt/notesSlides/notesSlide44.xml><?xml version="1.0" encoding="utf-8"?>
 <p:notes xmlns:a="http://schemas.openxmlformats.org/drawingml/2006/main" xmlns:r="http://schemas.openxmlformats.org/officeDocument/2006/relationships" xmlns:p="http://schemas.openxmlformats.org/presentationml/2006/main">
   <p:cSld>
     <p:spTree>
@@ -3397,7 +3464,7 @@
           <a:p>
             <a:fld id="{61891397-8D29-43D4-8B0E-AE2AF53A4F0E}" type="datetimeFigureOut">
               <a:rPr lang="en-IN" smtClean="0"/>
-              <a:t>06/05/23</a:t>
+              <a:t>17/06/23</a:t>
             </a:fld>
             <a:endParaRPr lang="en-IN"/>
           </a:p>
@@ -4343,7 +4410,7 @@
 
 <file path=ppt/slides/slide1.xml><?xml version="1.0" encoding="utf-8"?>
 <p:sld xmlns:a="http://schemas.openxmlformats.org/drawingml/2006/main" xmlns:r="http://schemas.openxmlformats.org/officeDocument/2006/relationships" xmlns:p="http://schemas.openxmlformats.org/presentationml/2006/main">
-  <p:cSld name="Title">
+  <p:cSld>
     <p:spTree>
       <p:nvGrpSpPr>
         <p:cNvPr id="1" name=""/>
@@ -4360,14 +4427,14 @@
       </p:grpSpPr>
       <p:sp>
         <p:nvSpPr>
-          <p:cNvPr id="20" name="Emmanuel Mar Thoma Church"/>
-          <p:cNvSpPr txBox="1"/>
-          <p:nvPr/>
-        </p:nvSpPr>
-        <p:spPr>
-          <a:xfrm>
-            <a:off x="199696" y="176408"/>
-            <a:ext cx="11792608" cy="1200329"/>
+          <p:cNvPr id="20" name="first_slide"/>
+          <p:cNvSpPr txBox="1"/>
+          <p:nvPr/>
+        </p:nvSpPr>
+        <p:spPr>
+          <a:xfrm>
+            <a:off x="266701" y="71675"/>
+            <a:ext cx="11658599" cy="1107996"/>
           </a:xfrm>
           <a:prstGeom prst="rect">
             <a:avLst/>
@@ -4382,12 +4449,12 @@
           </a:ln>
           <a:extLst>
             <a:ext uri="{C572A759-6A51-4108-AA02-DFA0A04FC94B}">
-              <ma14:wrappingTextBoxFlag xmlns="" xmlns:m="http://schemas.openxmlformats.org/officeDocument/2006/math" xmlns:a14="http://schemas.microsoft.com/office/drawing/2010/main" xmlns:ma14="http://schemas.microsoft.com/office/mac/drawingml/2011/main" val="1"/>
-            </a:ext>
-          </a:extLst>
-        </p:spPr>
-        <p:txBody>
-          <a:bodyPr wrap="square" lIns="45719" rIns="45719">
+              <ma14:wrappingTextBoxFlag xmlns:ma14="http://schemas.microsoft.com/office/mac/drawingml/2011/main" xmlns:a14="http://schemas.microsoft.com/office/drawing/2010/main" xmlns:m="http://schemas.openxmlformats.org/officeDocument/2006/math" xmlns="" val="1"/>
+            </a:ext>
+          </a:extLst>
+        </p:spPr>
+        <p:txBody>
+          <a:bodyPr wrap="square" lIns="34289" rIns="34289">
             <a:spAutoFit/>
           </a:bodyPr>
           <a:lstStyle>
@@ -4397,10 +4464,10 @@
           </a:lstStyle>
           <a:p>
             <a:r>
-              <a:rPr sz="7200" b="1" dirty="0">
+              <a:rPr sz="6600" b="1" dirty="0">
                 <a:solidFill>
                   <a:schemeClr val="accent1">
-                    <a:lumMod val="50000"/>
+                    <a:lumMod val="75000"/>
                   </a:schemeClr>
                 </a:solidFill>
               </a:rPr>
@@ -4417,23 +4484,23 @@
         </p:nvSpPr>
         <p:spPr>
           <a:xfrm>
-            <a:off x="595144" y="1454564"/>
-            <a:ext cx="11001712" cy="923330"/>
-          </a:xfrm>
-          <a:prstGeom prst="rect">
-            <a:avLst/>
-          </a:prstGeom>
-          <a:ln w="12700">
-            <a:miter lim="400000"/>
-          </a:ln>
-          <a:extLst>
-            <a:ext uri="{C572A759-6A51-4108-AA02-DFA0A04FC94B}">
-              <ma14:wrappingTextBoxFlag xmlns="" xmlns:m="http://schemas.openxmlformats.org/officeDocument/2006/math" xmlns:a14="http://schemas.microsoft.com/office/drawing/2010/main" xmlns:ma14="http://schemas.microsoft.com/office/mac/drawingml/2011/main" val="1"/>
-            </a:ext>
-          </a:extLst>
-        </p:spPr>
-        <p:txBody>
-          <a:bodyPr wrap="square" lIns="45719" rIns="45719">
+            <a:off x="1334532" y="1179671"/>
+            <a:ext cx="9522936" cy="1200329"/>
+          </a:xfrm>
+          <a:prstGeom prst="rect">
+            <a:avLst/>
+          </a:prstGeom>
+          <a:ln w="12700">
+            <a:miter lim="400000"/>
+          </a:ln>
+          <a:extLst>
+            <a:ext uri="{C572A759-6A51-4108-AA02-DFA0A04FC94B}">
+              <ma14:wrappingTextBoxFlag xmlns:ma14="http://schemas.microsoft.com/office/mac/drawingml/2011/main" xmlns:a14="http://schemas.microsoft.com/office/drawing/2010/main" xmlns:m="http://schemas.openxmlformats.org/officeDocument/2006/math" xmlns="" val="1"/>
+            </a:ext>
+          </a:extLst>
+        </p:spPr>
+        <p:txBody>
+          <a:bodyPr wrap="square" lIns="34289" rIns="34289">
             <a:spAutoFit/>
           </a:bodyPr>
           <a:lstStyle>
@@ -4447,41 +4514,50 @@
           <a:p>
             <a:pPr algn="ctr"/>
             <a:r>
-              <a:rPr sz="5400" b="1" dirty="0">
+              <a:rPr lang="en-US" sz="7200" b="1" dirty="0">
                 <a:solidFill>
-                  <a:schemeClr val="accent2"/>
+                  <a:schemeClr val="tx1"/>
                 </a:solidFill>
+                <a:latin typeface="+mj-lt"/>
+                <a:cs typeface="Noto Serif Malayalam" pitchFamily="2" charset="0"/>
               </a:rPr>
-              <a:t>HOLY COMMUNION SERVICE</a:t>
-            </a:r>
-          </a:p>
-        </p:txBody>
-      </p:sp>
-      <p:sp>
-        <p:nvSpPr>
-          <p:cNvPr id="22" name="25th September, 2022"/>
-          <p:cNvSpPr txBox="1"/>
-          <p:nvPr/>
-        </p:nvSpPr>
-        <p:spPr>
-          <a:xfrm>
-            <a:off x="3567494" y="2280536"/>
-            <a:ext cx="5057012" cy="707886"/>
-          </a:xfrm>
-          <a:prstGeom prst="rect">
-            <a:avLst/>
-          </a:prstGeom>
-          <a:ln w="12700">
-            <a:miter lim="400000"/>
-          </a:ln>
-          <a:extLst>
-            <a:ext uri="{C572A759-6A51-4108-AA02-DFA0A04FC94B}">
-              <ma14:wrappingTextBoxFlag xmlns="" xmlns:m="http://schemas.openxmlformats.org/officeDocument/2006/math" xmlns:a14="http://schemas.microsoft.com/office/drawing/2010/main" xmlns:ma14="http://schemas.microsoft.com/office/mac/drawingml/2011/main" val="1"/>
-            </a:ext>
-          </a:extLst>
-        </p:spPr>
-        <p:txBody>
-          <a:bodyPr wrap="square" lIns="45719" rIns="45719">
+              <a:t>Holy Communion Service</a:t>
+            </a:r>
+            <a:endParaRPr sz="7200" b="1" dirty="0">
+              <a:solidFill>
+                <a:schemeClr val="tx1"/>
+              </a:solidFill>
+              <a:latin typeface="+mj-lt"/>
+              <a:cs typeface="Noto Serif Malayalam" pitchFamily="2" charset="0"/>
+            </a:endParaRPr>
+          </a:p>
+        </p:txBody>
+      </p:sp>
+      <p:sp>
+        <p:nvSpPr>
+          <p:cNvPr id="22" name="todays_date"/>
+          <p:cNvSpPr txBox="1"/>
+          <p:nvPr/>
+        </p:nvSpPr>
+        <p:spPr>
+          <a:xfrm>
+            <a:off x="2590800" y="2380000"/>
+            <a:ext cx="7264399" cy="707886"/>
+          </a:xfrm>
+          <a:prstGeom prst="rect">
+            <a:avLst/>
+          </a:prstGeom>
+          <a:ln w="12700">
+            <a:miter lim="400000"/>
+          </a:ln>
+          <a:extLst>
+            <a:ext uri="{C572A759-6A51-4108-AA02-DFA0A04FC94B}">
+              <ma14:wrappingTextBoxFlag xmlns:ma14="http://schemas.microsoft.com/office/mac/drawingml/2011/main" xmlns:a14="http://schemas.microsoft.com/office/drawing/2010/main" xmlns:m="http://schemas.openxmlformats.org/officeDocument/2006/math" xmlns="" val="1"/>
+            </a:ext>
+          </a:extLst>
+        </p:spPr>
+        <p:txBody>
+          <a:bodyPr wrap="square" lIns="34289" rIns="34289">
             <a:spAutoFit/>
           </a:bodyPr>
           <a:lstStyle>
@@ -4497,7 +4573,15 @@
           <a:p>
             <a:pPr algn="ctr"/>
             <a:r>
-              <a:rPr sz="4000" b="1" dirty="0"/>
+              <a:rPr sz="4000" b="1" dirty="0">
+                <a:solidFill>
+                  <a:schemeClr val="accent6">
+                    <a:lumMod val="75000"/>
+                  </a:schemeClr>
+                </a:solidFill>
+                <a:latin typeface="+mj-lt"/>
+                <a:cs typeface="Noto Serif Malayalam" pitchFamily="2" charset="0"/>
+              </a:rPr>
               <a:t>25th September, 2022</a:t>
             </a:r>
           </a:p>
@@ -4511,23 +4595,23 @@
         </p:nvSpPr>
         <p:spPr>
           <a:xfrm>
-            <a:off x="217711" y="5424733"/>
-            <a:ext cx="12010318" cy="1569660"/>
-          </a:xfrm>
-          <a:prstGeom prst="rect">
-            <a:avLst/>
-          </a:prstGeom>
-          <a:ln w="12700">
-            <a:miter lim="400000"/>
-          </a:ln>
-          <a:extLst>
-            <a:ext uri="{C572A759-6A51-4108-AA02-DFA0A04FC94B}">
-              <ma14:wrappingTextBoxFlag xmlns="" xmlns:m="http://schemas.openxmlformats.org/officeDocument/2006/math" xmlns:a14="http://schemas.microsoft.com/office/drawing/2010/main" xmlns:ma14="http://schemas.microsoft.com/office/mac/drawingml/2011/main" val="1"/>
-            </a:ext>
-          </a:extLst>
-        </p:spPr>
-        <p:txBody>
-          <a:bodyPr wrap="square" lIns="45719" rIns="45719">
+            <a:off x="-1" y="5335713"/>
+            <a:ext cx="12191999" cy="1323439"/>
+          </a:xfrm>
+          <a:prstGeom prst="rect">
+            <a:avLst/>
+          </a:prstGeom>
+          <a:ln w="12700">
+            <a:miter lim="400000"/>
+          </a:ln>
+          <a:extLst>
+            <a:ext uri="{C572A759-6A51-4108-AA02-DFA0A04FC94B}">
+              <ma14:wrappingTextBoxFlag xmlns:ma14="http://schemas.microsoft.com/office/mac/drawingml/2011/main" xmlns:a14="http://schemas.microsoft.com/office/drawing/2010/main" xmlns:m="http://schemas.openxmlformats.org/officeDocument/2006/math" xmlns="" val="1"/>
+            </a:ext>
+          </a:extLst>
+        </p:spPr>
+        <p:txBody>
+          <a:bodyPr wrap="square" lIns="34289" rIns="34289">
             <a:spAutoFit/>
           </a:bodyPr>
           <a:lstStyle>
@@ -4538,41 +4622,43 @@
           <a:p>
             <a:pPr algn="ctr"/>
             <a:r>
-              <a:rPr sz="4800" b="1" dirty="0">
+              <a:rPr lang="ml-IN" sz="4000" b="1" dirty="0">
                 <a:solidFill>
                   <a:srgbClr val="FF0000"/>
                 </a:solidFill>
+                <a:latin typeface="Noto Serif Malayalam" pitchFamily="2" charset="0"/>
+                <a:cs typeface="Noto Serif Malayalam" pitchFamily="2" charset="0"/>
               </a:rPr>
-              <a:t>Kindly switch off or keep your mobile phones in silent mode.</a:t>
-            </a:r>
-          </a:p>
-        </p:txBody>
-      </p:sp>
-      <p:sp>
-        <p:nvSpPr>
-          <p:cNvPr id="24" name="Theme: We believe in Christ who will come again"/>
-          <p:cNvSpPr txBox="1"/>
-          <p:nvPr/>
-        </p:nvSpPr>
-        <p:spPr>
-          <a:xfrm>
-            <a:off x="199696" y="3429000"/>
-            <a:ext cx="11792607" cy="1754326"/>
-          </a:xfrm>
-          <a:prstGeom prst="rect">
-            <a:avLst/>
-          </a:prstGeom>
-          <a:ln w="12700">
-            <a:miter lim="400000"/>
-          </a:ln>
-          <a:extLst>
-            <a:ext uri="{C572A759-6A51-4108-AA02-DFA0A04FC94B}">
-              <ma14:wrappingTextBoxFlag xmlns="" xmlns:m="http://schemas.openxmlformats.org/officeDocument/2006/math" xmlns:a14="http://schemas.microsoft.com/office/drawing/2010/main" xmlns:ma14="http://schemas.microsoft.com/office/mac/drawingml/2011/main" val="1"/>
-            </a:ext>
-          </a:extLst>
-        </p:spPr>
-        <p:txBody>
-          <a:bodyPr wrap="square" lIns="45719" rIns="45719">
+              <a:t>ദയവായി നിങ്ങളുടെ മൊബൈൽ ഫോണുകൾ സൈലന്റ് മോഡിൽ സൂക്ഷിക്കുക.</a:t>
+            </a:r>
+          </a:p>
+        </p:txBody>
+      </p:sp>
+      <p:sp>
+        <p:nvSpPr>
+          <p:cNvPr id="24" name="theme"/>
+          <p:cNvSpPr txBox="1"/>
+          <p:nvPr/>
+        </p:nvSpPr>
+        <p:spPr>
+          <a:xfrm>
+            <a:off x="266701" y="3564940"/>
+            <a:ext cx="11658599" cy="923330"/>
+          </a:xfrm>
+          <a:prstGeom prst="rect">
+            <a:avLst/>
+          </a:prstGeom>
+          <a:ln w="12700">
+            <a:miter lim="400000"/>
+          </a:ln>
+          <a:extLst>
+            <a:ext uri="{C572A759-6A51-4108-AA02-DFA0A04FC94B}">
+              <ma14:wrappingTextBoxFlag xmlns:ma14="http://schemas.microsoft.com/office/mac/drawingml/2011/main" xmlns:a14="http://schemas.microsoft.com/office/drawing/2010/main" xmlns:m="http://schemas.openxmlformats.org/officeDocument/2006/math" xmlns="" val="1"/>
+            </a:ext>
+          </a:extLst>
+        </p:spPr>
+        <p:txBody>
+          <a:bodyPr wrap="square" lIns="34289" rIns="34289">
             <a:spAutoFit/>
           </a:bodyPr>
           <a:lstStyle/>
@@ -4580,25 +4666,17 @@
             <a:pPr algn="ctr">
               <a:defRPr sz="3300"/>
             </a:pPr>
-            <a:r>
-              <a:rPr sz="5400" b="1" u="sng" dirty="0">
-                <a:solidFill>
-                  <a:schemeClr val="accent2">
-                    <a:lumMod val="50000"/>
-                  </a:schemeClr>
-                </a:solidFill>
-              </a:rPr>
-              <a:t>Theme</a:t>
-            </a:r>
             <a:r>
               <a:rPr sz="5400" b="1" dirty="0">
                 <a:solidFill>
                   <a:schemeClr val="accent2">
-                    <a:lumMod val="50000"/>
+                    <a:lumMod val="75000"/>
                   </a:schemeClr>
                 </a:solidFill>
+                <a:latin typeface="+mj-lt"/>
+                <a:cs typeface="Noto Serif Malayalam" pitchFamily="2" charset="0"/>
               </a:rPr>
-              <a:t>: We believe in Christ who will come again</a:t>
+              <a:t>We believe in Christ who will come again</a:t>
             </a:r>
           </a:p>
         </p:txBody>
@@ -4609,6 +4687,80 @@
     <a:masterClrMapping/>
   </p:clrMapOvr>
   <p:transition spd="med"/>
+  <p:timing>
+    <p:tnLst>
+      <p:par>
+        <p:cTn id="1" dur="indefinite" restart="never" nodeType="tmRoot">
+          <p:childTnLst>
+            <p:seq concurrent="1" nextAc="seek">
+              <p:cTn id="2" dur="indefinite" nodeType="mainSeq">
+                <p:childTnLst>
+                  <p:par>
+                    <p:cTn id="3" fill="hold">
+                      <p:stCondLst>
+                        <p:cond delay="indefinite"/>
+                        <p:cond evt="onBegin" delay="0">
+                          <p:tn val="2"/>
+                        </p:cond>
+                      </p:stCondLst>
+                      <p:childTnLst>
+                        <p:par>
+                          <p:cTn id="4" fill="hold">
+                            <p:stCondLst>
+                              <p:cond delay="0"/>
+                            </p:stCondLst>
+                            <p:childTnLst>
+                              <p:par>
+                                <p:cTn id="5" presetID="3" presetClass="emph" presetSubtype="2" repeatCount="indefinite" fill="hold" nodeType="withEffect">
+                                  <p:stCondLst>
+                                    <p:cond delay="0"/>
+                                  </p:stCondLst>
+                                  <p:childTnLst>
+                                    <p:animClr clrSpc="rgb" dir="cw">
+                                      <p:cBhvr override="childStyle">
+                                        <p:cTn id="6" dur="3000" fill="hold"/>
+                                        <p:tgtEl>
+                                          <p:spTgt spid="23"/>
+                                        </p:tgtEl>
+                                        <p:attrNameLst>
+                                          <p:attrName>style.color</p:attrName>
+                                        </p:attrNameLst>
+                                      </p:cBhvr>
+                                      <p:to>
+                                        <a:srgbClr val="0432FF"/>
+                                      </p:to>
+                                    </p:animClr>
+                                  </p:childTnLst>
+                                </p:cTn>
+                              </p:par>
+                            </p:childTnLst>
+                          </p:cTn>
+                        </p:par>
+                      </p:childTnLst>
+                    </p:cTn>
+                  </p:par>
+                </p:childTnLst>
+              </p:cTn>
+              <p:prevCondLst>
+                <p:cond evt="onPrev" delay="0">
+                  <p:tgtEl>
+                    <p:sldTgt/>
+                  </p:tgtEl>
+                </p:cond>
+              </p:prevCondLst>
+              <p:nextCondLst>
+                <p:cond evt="onNext" delay="0">
+                  <p:tgtEl>
+                    <p:sldTgt/>
+                  </p:tgtEl>
+                </p:cond>
+              </p:nextCondLst>
+            </p:seq>
+          </p:childTnLst>
+        </p:cTn>
+      </p:par>
+    </p:tnLst>
+  </p:timing>
 </p:sld>
 </file>
 
@@ -4805,8 +4957,8 @@
         </p:nvSpPr>
         <p:spPr>
           <a:xfrm>
-            <a:off x="622300" y="2321005"/>
-            <a:ext cx="11442700" cy="2215991"/>
+            <a:off x="374650" y="2105561"/>
+            <a:ext cx="11442700" cy="2646878"/>
           </a:xfrm>
           <a:prstGeom prst="rect">
             <a:avLst/>
@@ -4830,7 +4982,7 @@
               <a:defRPr sz="3600"/>
             </a:pPr>
             <a:r>
-              <a:rPr lang="en-US" sz="13800" b="1" dirty="0">
+              <a:rPr lang="en-US" sz="16600" b="1" dirty="0">
                 <a:solidFill>
                   <a:schemeClr val="accent1">
                     <a:lumMod val="50000"/>
@@ -4840,7 +4992,7 @@
               </a:rPr>
               <a:t>Intercessory Prayers</a:t>
             </a:r>
-            <a:endParaRPr sz="13800" b="1" dirty="0">
+            <a:endParaRPr sz="16600" b="1" dirty="0">
               <a:solidFill>
                 <a:schemeClr val="accent1">
                   <a:lumMod val="50000"/>
@@ -11623,8 +11775,8 @@
         </p:nvSpPr>
         <p:spPr>
           <a:xfrm>
-            <a:off x="162806" y="2052185"/>
-            <a:ext cx="11866388" cy="2308324"/>
+            <a:off x="1459636" y="2051700"/>
+            <a:ext cx="9272729" cy="2754600"/>
           </a:xfrm>
           <a:prstGeom prst="rect">
             <a:avLst/>
@@ -11665,7 +11817,14 @@
           </a:lstStyle>
           <a:p>
             <a:r>
-              <a:rPr sz="14400" b="1" dirty="0"/>
+              <a:rPr sz="17300" b="1" dirty="0">
+                <a:solidFill>
+                  <a:schemeClr val="accent6">
+                    <a:lumMod val="50000"/>
+                  </a:schemeClr>
+                </a:solidFill>
+                <a:latin typeface="SAVOYE LET PLAIN:1.0" pitchFamily="2" charset="0"/>
+              </a:rPr>
               <a:t>Announcements</a:t>
             </a:r>
           </a:p>
@@ -12804,6 +12963,20 @@
 <file path=ppt/slides/slide143.xml><?xml version="1.0" encoding="utf-8"?>
 <p:sld xmlns:a="http://schemas.openxmlformats.org/drawingml/2006/main" xmlns:r="http://schemas.openxmlformats.org/officeDocument/2006/relationships" xmlns:p="http://schemas.openxmlformats.org/presentationml/2006/main" show="0">
   <p:cSld>
+    <p:bg>
+      <p:bgPr>
+        <a:blipFill dpi="0" rotWithShape="1">
+          <a:blip r:embed="rId3">
+            <a:lum/>
+          </a:blip>
+          <a:srcRect/>
+          <a:stretch>
+            <a:fillRect/>
+          </a:stretch>
+        </a:blipFill>
+        <a:effectLst/>
+      </p:bgPr>
+    </p:bg>
     <p:spTree>
       <p:nvGrpSpPr>
         <p:cNvPr id="1" name=""/>
@@ -13127,6 +13300,270 @@
   <p:cSld>
     <p:bg>
       <p:bgPr>
+        <a:blipFill dpi="0" rotWithShape="1">
+          <a:blip r:embed="rId3">
+            <a:lum/>
+          </a:blip>
+          <a:srcRect/>
+          <a:stretch>
+            <a:fillRect/>
+          </a:stretch>
+        </a:blipFill>
+        <a:effectLst/>
+      </p:bgPr>
+    </p:bg>
+    <p:spTree>
+      <p:nvGrpSpPr>
+        <p:cNvPr id="1" name=""/>
+        <p:cNvGrpSpPr/>
+        <p:nvPr/>
+      </p:nvGrpSpPr>
+      <p:grpSpPr>
+        <a:xfrm>
+          <a:off x="0" y="0"/>
+          <a:ext cx="0" cy="0"/>
+          <a:chOff x="0" y="0"/>
+          <a:chExt cx="0" cy="0"/>
+        </a:xfrm>
+      </p:grpSpPr>
+      <p:sp>
+        <p:nvSpPr>
+          <p:cNvPr id="477" name="Announcements"/>
+          <p:cNvSpPr txBox="1"/>
+          <p:nvPr/>
+        </p:nvSpPr>
+        <p:spPr>
+          <a:xfrm>
+            <a:off x="754634" y="26732"/>
+            <a:ext cx="10682731" cy="1477328"/>
+          </a:xfrm>
+          <a:prstGeom prst="rect">
+            <a:avLst/>
+          </a:prstGeom>
+          <a:ln>
+            <a:solidFill>
+              <a:srgbClr val="C00000"/>
+            </a:solidFill>
+          </a:ln>
+          <a:extLst>
+            <a:ext uri="{C572A759-6A51-4108-AA02-DFA0A04FC94B}">
+              <ma14:wrappingTextBoxFlag xmlns:ma14="http://schemas.microsoft.com/office/mac/drawingml/2011/main" xmlns:a14="http://schemas.microsoft.com/office/drawing/2010/main" xmlns:m="http://schemas.openxmlformats.org/officeDocument/2006/math" xmlns="" val="1"/>
+            </a:ext>
+          </a:extLst>
+        </p:spPr>
+        <p:style>
+          <a:lnRef idx="2">
+            <a:schemeClr val="dk1"/>
+          </a:lnRef>
+          <a:fillRef idx="1">
+            <a:schemeClr val="lt1"/>
+          </a:fillRef>
+          <a:effectRef idx="0">
+            <a:schemeClr val="dk1"/>
+          </a:effectRef>
+          <a:fontRef idx="minor">
+            <a:schemeClr val="dk1"/>
+          </a:fontRef>
+        </p:style>
+        <p:txBody>
+          <a:bodyPr wrap="none" lIns="34289" rIns="34289">
+            <a:spAutoFit/>
+          </a:bodyPr>
+          <a:lstStyle>
+            <a:lvl1pPr algn="ctr">
+              <a:defRPr sz="10000"/>
+            </a:lvl1pPr>
+          </a:lstStyle>
+          <a:p>
+            <a:r>
+              <a:rPr lang="en-US" sz="9000" b="1" dirty="0">
+                <a:solidFill>
+                  <a:schemeClr val="accent6">
+                    <a:lumMod val="50000"/>
+                  </a:schemeClr>
+                </a:solidFill>
+                <a:latin typeface="SAVOYE LET PLAIN:1.0" pitchFamily="2" charset="0"/>
+                <a:cs typeface="Big Caslon Medium" panose="02000603090000020003" pitchFamily="2" charset="-79"/>
+              </a:rPr>
+              <a:t>Welcome to our beloved Newlyweds!</a:t>
+            </a:r>
+            <a:endParaRPr lang="ml-IN" sz="9000" b="1" dirty="0">
+              <a:solidFill>
+                <a:schemeClr val="accent6">
+                  <a:lumMod val="50000"/>
+                </a:schemeClr>
+              </a:solidFill>
+              <a:latin typeface="SAVOYE LET PLAIN:1.0" pitchFamily="2" charset="0"/>
+              <a:cs typeface="Noto Serif Malayalam" pitchFamily="2" charset="0"/>
+            </a:endParaRPr>
+          </a:p>
+        </p:txBody>
+      </p:sp>
+      <p:sp>
+        <p:nvSpPr>
+          <p:cNvPr id="4" name="TextBox 3">
+            <a:extLst>
+              <a:ext uri="{FF2B5EF4-FFF2-40B4-BE49-F238E27FC236}">
+                <a16:creationId xmlns:a16="http://schemas.microsoft.com/office/drawing/2014/main" id="{ADDA8F1B-142D-2023-1852-A13B80081F65}"/>
+              </a:ext>
+            </a:extLst>
+          </p:cNvPr>
+          <p:cNvSpPr txBox="1"/>
+          <p:nvPr/>
+        </p:nvSpPr>
+        <p:spPr>
+          <a:xfrm>
+            <a:off x="7939790" y="2588455"/>
+            <a:ext cx="1554271" cy="3785650"/>
+          </a:xfrm>
+          <a:prstGeom prst="rect">
+            <a:avLst/>
+          </a:prstGeom>
+          <a:noFill/>
+          <a:ln w="12700" cap="flat">
+            <a:noFill/>
+            <a:miter lim="400000"/>
+          </a:ln>
+          <a:effectLst/>
+          <a:sp3d/>
+        </p:spPr>
+        <p:style>
+          <a:lnRef idx="0">
+            <a:scrgbClr r="0" g="0" b="0"/>
+          </a:lnRef>
+          <a:fillRef idx="0">
+            <a:scrgbClr r="0" g="0" b="0"/>
+          </a:fillRef>
+          <a:effectRef idx="0">
+            <a:scrgbClr r="0" g="0" b="0"/>
+          </a:effectRef>
+          <a:fontRef idx="none"/>
+        </p:style>
+        <p:txBody>
+          <a:bodyPr rot="0" spcFirstLastPara="1" vertOverflow="overflow" horzOverflow="overflow" vert="horz" wrap="none" lIns="45719" tIns="45719" rIns="45719" bIns="45719" numCol="1" spcCol="38100" rtlCol="0" anchor="t">
+            <a:spAutoFit/>
+          </a:bodyPr>
+          <a:lstStyle/>
+          <a:p>
+            <a:pPr marL="0" marR="0" indent="0" algn="ctr" defTabSz="914400" rtl="0" fontAlgn="auto" latinLnBrk="0" hangingPunct="0">
+              <a:lnSpc>
+                <a:spcPct val="100000"/>
+              </a:lnSpc>
+              <a:spcBef>
+                <a:spcPts val="0"/>
+              </a:spcBef>
+              <a:spcAft>
+                <a:spcPts val="0"/>
+              </a:spcAft>
+              <a:buClrTx/>
+              <a:buSzTx/>
+              <a:buFontTx/>
+              <a:buNone/>
+              <a:tabLst/>
+            </a:pPr>
+            <a:r>
+              <a:rPr kumimoji="0" lang="en-US" sz="8000" b="1" i="0" u="none" strike="noStrike" cap="none" spc="0" normalizeH="0" baseline="0" dirty="0">
+                <a:ln>
+                  <a:noFill/>
+                </a:ln>
+                <a:solidFill>
+                  <a:srgbClr val="000000"/>
+                </a:solidFill>
+                <a:effectLst/>
+                <a:uFillTx/>
+                <a:latin typeface="SAVOYE LET PLAIN:1.0" pitchFamily="2" charset="0"/>
+                <a:sym typeface="Goudy Bookletter 1911"/>
+              </a:rPr>
+              <a:t>John</a:t>
+            </a:r>
+          </a:p>
+          <a:p>
+            <a:pPr marL="0" marR="0" indent="0" algn="ctr" defTabSz="914400" rtl="0" fontAlgn="auto" latinLnBrk="0" hangingPunct="0">
+              <a:lnSpc>
+                <a:spcPct val="100000"/>
+              </a:lnSpc>
+              <a:spcBef>
+                <a:spcPts val="0"/>
+              </a:spcBef>
+              <a:spcAft>
+                <a:spcPts val="0"/>
+              </a:spcAft>
+              <a:buClrTx/>
+              <a:buSzTx/>
+              <a:buFontTx/>
+              <a:buNone/>
+              <a:tabLst/>
+            </a:pPr>
+            <a:r>
+              <a:rPr kumimoji="0" lang="en-US" sz="8000" b="1" i="0" u="none" strike="noStrike" cap="none" spc="0" normalizeH="0" baseline="0" dirty="0">
+                <a:ln>
+                  <a:noFill/>
+                </a:ln>
+                <a:solidFill>
+                  <a:srgbClr val="000000"/>
+                </a:solidFill>
+                <a:effectLst/>
+                <a:uFillTx/>
+                <a:latin typeface="SAVOYE LET PLAIN:1.0" pitchFamily="2" charset="0"/>
+                <a:sym typeface="Goudy Bookletter 1911"/>
+              </a:rPr>
+              <a:t>&amp;</a:t>
+            </a:r>
+          </a:p>
+          <a:p>
+            <a:pPr marL="0" marR="0" indent="0" algn="ctr" defTabSz="914400" rtl="0" fontAlgn="auto" latinLnBrk="0" hangingPunct="0">
+              <a:lnSpc>
+                <a:spcPct val="100000"/>
+              </a:lnSpc>
+              <a:spcBef>
+                <a:spcPts val="0"/>
+              </a:spcBef>
+              <a:spcAft>
+                <a:spcPts val="0"/>
+              </a:spcAft>
+              <a:buClrTx/>
+              <a:buSzTx/>
+              <a:buFontTx/>
+              <a:buNone/>
+              <a:tabLst/>
+            </a:pPr>
+            <a:r>
+              <a:rPr kumimoji="0" lang="en-US" sz="8000" b="1" i="0" u="none" strike="noStrike" cap="none" spc="0" normalizeH="0" baseline="0" dirty="0">
+                <a:ln>
+                  <a:noFill/>
+                </a:ln>
+                <a:solidFill>
+                  <a:srgbClr val="000000"/>
+                </a:solidFill>
+                <a:effectLst/>
+                <a:uFillTx/>
+                <a:latin typeface="SAVOYE LET PLAIN:1.0" pitchFamily="2" charset="0"/>
+                <a:sym typeface="Goudy Bookletter 1911"/>
+              </a:rPr>
+              <a:t>Alice</a:t>
+            </a:r>
+          </a:p>
+        </p:txBody>
+      </p:sp>
+    </p:spTree>
+    <p:extLst>
+      <p:ext uri="{BB962C8B-B14F-4D97-AF65-F5344CB8AC3E}">
+        <p14:creationId xmlns:p14="http://schemas.microsoft.com/office/powerpoint/2010/main" val="1983739601"/>
+      </p:ext>
+    </p:extLst>
+  </p:cSld>
+  <p:clrMapOvr>
+    <a:masterClrMapping/>
+  </p:clrMapOvr>
+  <p:transition spd="med"/>
+</p:sld>
+</file>
+
+<file path=ppt/slides/slide145.xml><?xml version="1.0" encoding="utf-8"?>
+<p:sld xmlns:a="http://schemas.openxmlformats.org/drawingml/2006/main" xmlns:r="http://schemas.openxmlformats.org/officeDocument/2006/relationships" xmlns:p="http://schemas.openxmlformats.org/presentationml/2006/main" show="0">
+  <p:cSld>
+    <p:bg>
+      <p:bgPr>
         <a:solidFill>
           <a:schemeClr val="tx1"/>
         </a:solidFill>
@@ -13476,7 +13913,7 @@
 </p:sld>
 </file>
 
-<file path=ppt/slides/slide145.xml><?xml version="1.0" encoding="utf-8"?>
+<file path=ppt/slides/slide146.xml><?xml version="1.0" encoding="utf-8"?>
 <p:sld xmlns:a="http://schemas.openxmlformats.org/drawingml/2006/main" xmlns:r="http://schemas.openxmlformats.org/officeDocument/2006/relationships" xmlns:p="http://schemas.openxmlformats.org/presentationml/2006/main">
   <p:cSld>
     <p:bg>
@@ -13515,16 +13952,15 @@
         </p:nvSpPr>
         <p:spPr>
           <a:xfrm>
-            <a:off x="1" y="601616"/>
+            <a:off x="0" y="348398"/>
             <a:ext cx="12192000" cy="5401479"/>
           </a:xfrm>
           <a:prstGeom prst="rect">
             <a:avLst/>
           </a:prstGeom>
-          <a:ln w="25400">
-            <a:solidFill>
-              <a:schemeClr val="accent1"/>
-            </a:solidFill>
+          <a:noFill/>
+          <a:ln>
+            <a:noFill/>
           </a:ln>
           <a:extLst>
             <a:ext uri="{C572A759-6A51-4108-AA02-DFA0A04FC94B}">
@@ -13532,6 +13968,20 @@
             </a:ext>
           </a:extLst>
         </p:spPr>
+        <p:style>
+          <a:lnRef idx="0">
+            <a:scrgbClr r="0" g="0" b="0"/>
+          </a:lnRef>
+          <a:fillRef idx="0">
+            <a:scrgbClr r="0" g="0" b="0"/>
+          </a:fillRef>
+          <a:effectRef idx="0">
+            <a:scrgbClr r="0" g="0" b="0"/>
+          </a:effectRef>
+          <a:fontRef idx="minor">
+            <a:schemeClr val="dk1"/>
+          </a:fontRef>
+        </p:style>
         <p:txBody>
           <a:bodyPr wrap="square" lIns="34289" rIns="34289">
             <a:spAutoFit/>
@@ -13594,7 +14044,7 @@
 </p:sld>
 </file>
 
-<file path=ppt/slides/slide146.xml><?xml version="1.0" encoding="utf-8"?>
+<file path=ppt/slides/slide147.xml><?xml version="1.0" encoding="utf-8"?>
 <p:sld xmlns:a="http://schemas.openxmlformats.org/drawingml/2006/main" xmlns:r="http://schemas.openxmlformats.org/officeDocument/2006/relationships" xmlns:p="http://schemas.openxmlformats.org/presentationml/2006/main">
   <p:cSld>
     <p:spTree>
@@ -13701,7 +14151,7 @@
 </p:sld>
 </file>
 
-<file path=ppt/slides/slide147.xml><?xml version="1.0" encoding="utf-8"?>
+<file path=ppt/slides/slide148.xml><?xml version="1.0" encoding="utf-8"?>
 <p:sld xmlns:a="http://schemas.openxmlformats.org/drawingml/2006/main" xmlns:r="http://schemas.openxmlformats.org/officeDocument/2006/relationships" xmlns:p="http://schemas.openxmlformats.org/presentationml/2006/main">
   <p:cSld>
     <p:bg>
@@ -13734,27 +14184,45 @@
       </p:grpSpPr>
       <p:sp>
         <p:nvSpPr>
-          <p:cNvPr id="482" name="Thank you for your prayerful participation.…"/>
-          <p:cNvSpPr txBox="1"/>
-          <p:nvPr/>
-        </p:nvSpPr>
-        <p:spPr>
-          <a:xfrm>
-            <a:off x="0" y="120402"/>
-            <a:ext cx="12192000" cy="6617196"/>
-          </a:xfrm>
-          <a:prstGeom prst="rect">
-            <a:avLst/>
-          </a:prstGeom>
-          <a:ln w="12700">
-            <a:miter lim="400000"/>
-          </a:ln>
-          <a:extLst>
-            <a:ext uri="{C572A759-6A51-4108-AA02-DFA0A04FC94B}">
-              <ma14:wrappingTextBoxFlag xmlns:ma14="http://schemas.microsoft.com/office/mac/drawingml/2011/main" xmlns:a14="http://schemas.microsoft.com/office/drawing/2010/main" xmlns:m="http://schemas.openxmlformats.org/officeDocument/2006/math" xmlns="" val="1"/>
-            </a:ext>
-          </a:extLst>
-        </p:spPr>
+          <p:cNvPr id="2" name="Thank you for your prayerful participation.…">
+            <a:extLst>
+              <a:ext uri="{FF2B5EF4-FFF2-40B4-BE49-F238E27FC236}">
+                <a16:creationId xmlns:a16="http://schemas.microsoft.com/office/drawing/2014/main" id="{89238A35-9912-4954-1FBB-12DD4A0837D6}"/>
+              </a:ext>
+            </a:extLst>
+          </p:cNvPr>
+          <p:cNvSpPr txBox="1"/>
+          <p:nvPr/>
+        </p:nvSpPr>
+        <p:spPr>
+          <a:xfrm>
+            <a:off x="2086708" y="120402"/>
+            <a:ext cx="8018585" cy="6617196"/>
+          </a:xfrm>
+          <a:prstGeom prst="rect">
+            <a:avLst/>
+          </a:prstGeom>
+          <a:ln/>
+          <a:extLst>
+            <a:ext uri="{C572A759-6A51-4108-AA02-DFA0A04FC94B}">
+              <ma14:wrappingTextBoxFlag xmlns="" xmlns:m="http://schemas.openxmlformats.org/officeDocument/2006/math" xmlns:a14="http://schemas.microsoft.com/office/drawing/2010/main" xmlns:ma14="http://schemas.microsoft.com/office/mac/drawingml/2011/main" val="1"/>
+            </a:ext>
+          </a:extLst>
+        </p:spPr>
+        <p:style>
+          <a:lnRef idx="2">
+            <a:schemeClr val="dk1"/>
+          </a:lnRef>
+          <a:fillRef idx="1">
+            <a:schemeClr val="lt1"/>
+          </a:fillRef>
+          <a:effectRef idx="0">
+            <a:schemeClr val="dk1"/>
+          </a:effectRef>
+          <a:fontRef idx="minor">
+            <a:schemeClr val="dk1"/>
+          </a:fontRef>
+        </p:style>
         <p:txBody>
           <a:bodyPr wrap="square" lIns="45719" rIns="45719">
             <a:spAutoFit/>
@@ -13766,11 +14234,21 @@
             </a:pPr>
             <a:r>
               <a:rPr sz="9600" b="1" dirty="0">
+                <a:solidFill>
+                  <a:schemeClr val="accent6">
+                    <a:lumMod val="50000"/>
+                  </a:schemeClr>
+                </a:solidFill>
                 <a:latin typeface="SAVOYE LET PLAIN:1.0" pitchFamily="2" charset="0"/>
               </a:rPr>
-              <a:t>Thank you for your prayerful participation.</a:t>
+              <a:t>Thank you for your </a:t>
             </a:r>
             <a:endParaRPr lang="en-US" sz="9600" b="1" dirty="0">
+              <a:solidFill>
+                <a:schemeClr val="accent6">
+                  <a:lumMod val="50000"/>
+                </a:schemeClr>
+              </a:solidFill>
               <a:latin typeface="SAVOYE LET PLAIN:1.0" pitchFamily="2" charset="0"/>
             </a:endParaRPr>
           </a:p>
@@ -13778,7 +14256,23 @@
             <a:pPr algn="ctr">
               <a:defRPr sz="6600"/>
             </a:pPr>
-            <a:endParaRPr sz="4000" b="1" dirty="0">
+            <a:r>
+              <a:rPr sz="9600" b="1" dirty="0">
+                <a:solidFill>
+                  <a:schemeClr val="accent6">
+                    <a:lumMod val="50000"/>
+                  </a:schemeClr>
+                </a:solidFill>
+                <a:latin typeface="SAVOYE LET PLAIN:1.0" pitchFamily="2" charset="0"/>
+              </a:rPr>
+              <a:t>prayerful participation.</a:t>
+            </a:r>
+            <a:endParaRPr lang="en-US" sz="9600" b="1" dirty="0">
+              <a:solidFill>
+                <a:schemeClr val="accent6">
+                  <a:lumMod val="50000"/>
+                </a:schemeClr>
+              </a:solidFill>
               <a:latin typeface="SAVOYE LET PLAIN:1.0" pitchFamily="2" charset="0"/>
             </a:endParaRPr>
           </a:p>
@@ -13786,32 +14280,83 @@
             <a:pPr algn="ctr">
               <a:defRPr sz="6600"/>
             </a:pPr>
+            <a:endParaRPr sz="4000" b="1" dirty="0">
+              <a:solidFill>
+                <a:schemeClr val="accent6">
+                  <a:lumMod val="50000"/>
+                </a:schemeClr>
+              </a:solidFill>
+              <a:latin typeface="SAVOYE LET PLAIN:1.0" pitchFamily="2" charset="0"/>
+            </a:endParaRPr>
+          </a:p>
+          <a:p>
+            <a:pPr algn="ctr">
+              <a:defRPr sz="6600"/>
+            </a:pPr>
             <a:r>
               <a:rPr sz="9600" b="1" dirty="0">
+                <a:solidFill>
+                  <a:schemeClr val="accent6">
+                    <a:lumMod val="50000"/>
+                  </a:schemeClr>
+                </a:solidFill>
                 <a:latin typeface="SAVOYE LET PLAIN:1.0" pitchFamily="2" charset="0"/>
               </a:rPr>
               <a:t>Please join us for the </a:t>
             </a:r>
+            <a:endParaRPr lang="en-US" sz="9600" b="1" dirty="0">
+              <a:solidFill>
+                <a:schemeClr val="accent6">
+                  <a:lumMod val="50000"/>
+                </a:schemeClr>
+              </a:solidFill>
+              <a:latin typeface="SAVOYE LET PLAIN:1.0" pitchFamily="2" charset="0"/>
+            </a:endParaRPr>
+          </a:p>
+          <a:p>
+            <a:pPr algn="ctr">
+              <a:defRPr sz="6600"/>
+            </a:pPr>
             <a:r>
               <a:rPr lang="en-US" sz="9600" b="1" dirty="0">
+                <a:solidFill>
+                  <a:schemeClr val="accent6">
+                    <a:lumMod val="50000"/>
+                  </a:schemeClr>
+                </a:solidFill>
                 <a:latin typeface="SAVOYE LET PLAIN:1.0" pitchFamily="2" charset="0"/>
               </a:rPr>
               <a:t>Breakfast</a:t>
             </a:r>
             <a:r>
               <a:rPr sz="9600" b="1" dirty="0">
+                <a:solidFill>
+                  <a:schemeClr val="accent6">
+                    <a:lumMod val="50000"/>
+                  </a:schemeClr>
+                </a:solidFill>
                 <a:latin typeface="SAVOYE LET PLAIN:1.0" pitchFamily="2" charset="0"/>
               </a:rPr>
               <a:t> </a:t>
             </a:r>
             <a:r>
               <a:rPr lang="en-US" sz="9600" b="1" dirty="0">
+                <a:solidFill>
+                  <a:schemeClr val="accent6">
+                    <a:lumMod val="50000"/>
+                  </a:schemeClr>
+                </a:solidFill>
                 <a:latin typeface="SAVOYE LET PLAIN:1.0" pitchFamily="2" charset="0"/>
               </a:rPr>
               <a:t>F</a:t>
             </a:r>
             <a:r>
               <a:rPr sz="9600" b="1" dirty="0">
+                <a:solidFill>
+                  <a:schemeClr val="accent6">
+                    <a:lumMod val="50000"/>
+                  </a:schemeClr>
+                </a:solidFill>
                 <a:latin typeface="SAVOYE LET PLAIN:1.0" pitchFamily="2" charset="0"/>
               </a:rPr>
               <a:t>ellowship…</a:t>
@@ -13833,7 +14378,7 @@
 </p:sld>
 </file>
 
-<file path=ppt/slides/slide148.xml><?xml version="1.0" encoding="utf-8"?>
+<file path=ppt/slides/slide149.xml><?xml version="1.0" encoding="utf-8"?>
 <p:sld xmlns:a="http://schemas.openxmlformats.org/drawingml/2006/main" xmlns:r="http://schemas.openxmlformats.org/officeDocument/2006/relationships" xmlns:p="http://schemas.openxmlformats.org/presentationml/2006/main">
   <p:cSld>
     <p:spTree>
@@ -14406,7 +14951,178 @@
 </p:sld>
 </file>
 
-<file path=ppt/slides/slide149.xml><?xml version="1.0" encoding="utf-8"?>
+<file path=ppt/slides/slide15.xml><?xml version="1.0" encoding="utf-8"?>
+<p:sld xmlns:a="http://schemas.openxmlformats.org/drawingml/2006/main" xmlns:r="http://schemas.openxmlformats.org/officeDocument/2006/relationships" xmlns:p="http://schemas.openxmlformats.org/presentationml/2006/main">
+  <p:cSld>
+    <p:spTree>
+      <p:nvGrpSpPr>
+        <p:cNvPr id="1" name=""/>
+        <p:cNvGrpSpPr/>
+        <p:nvPr/>
+      </p:nvGrpSpPr>
+      <p:grpSpPr>
+        <a:xfrm>
+          <a:off x="0" y="0"/>
+          <a:ext cx="0" cy="0"/>
+          <a:chOff x="0" y="0"/>
+          <a:chExt cx="0" cy="0"/>
+        </a:xfrm>
+      </p:grpSpPr>
+      <p:sp>
+        <p:nvSpPr>
+          <p:cNvPr id="58" name="Accept, O Lord, these our prayers and petitions. Make us worthy to observe in purity and goodness of heart your precepts and those of your holy apostles and of your apostle Paul, architect and builder of your Church.…"/>
+          <p:cNvSpPr txBox="1"/>
+          <p:nvPr/>
+        </p:nvSpPr>
+        <p:spPr>
+          <a:xfrm>
+            <a:off x="915451" y="89448"/>
+            <a:ext cx="11150425" cy="6924973"/>
+          </a:xfrm>
+          <a:prstGeom prst="rect">
+            <a:avLst/>
+          </a:prstGeom>
+          <a:ln w="12700">
+            <a:miter lim="400000"/>
+          </a:ln>
+          <a:extLst>
+            <a:ext uri="{C572A759-6A51-4108-AA02-DFA0A04FC94B}">
+              <ma14:wrappingTextBoxFlag xmlns="" xmlns:m="http://schemas.openxmlformats.org/officeDocument/2006/math" xmlns:a14="http://schemas.microsoft.com/office/drawing/2010/main" xmlns:ma14="http://schemas.microsoft.com/office/mac/drawingml/2011/main" val="1"/>
+            </a:ext>
+          </a:extLst>
+        </p:spPr>
+        <p:txBody>
+          <a:bodyPr wrap="square" lIns="45719" rIns="45719">
+            <a:spAutoFit/>
+          </a:bodyPr>
+          <a:lstStyle/>
+          <a:p>
+            <a:pPr algn="just">
+              <a:lnSpc>
+                <a:spcPct val="125000"/>
+              </a:lnSpc>
+              <a:defRPr sz="3600">
+                <a:solidFill>
+                  <a:srgbClr val="FF0000"/>
+                </a:solidFill>
+              </a:defRPr>
+            </a:pPr>
+            <a:r>
+              <a:rPr sz="4800" b="1" dirty="0"/>
+              <a:t>Accept, O Lord, these our prayers and petitions. Make us worthy to observe in purity and goodness of heart your precepts and those of your holy apostles and of your apostle Paul, architect and builder of your Church. </a:t>
+            </a:r>
+          </a:p>
+          <a:p>
+            <a:pPr algn="just">
+              <a:defRPr sz="3600">
+                <a:solidFill>
+                  <a:srgbClr val="CC3300"/>
+                </a:solidFill>
+              </a:defRPr>
+            </a:pPr>
+            <a:endParaRPr sz="2800" b="1" dirty="0"/>
+          </a:p>
+          <a:p>
+            <a:pPr algn="just">
+              <a:defRPr sz="3600"/>
+            </a:pPr>
+            <a:r>
+              <a:rPr sz="4800" b="1" dirty="0"/>
+              <a:t>Amen.</a:t>
+            </a:r>
+          </a:p>
+        </p:txBody>
+      </p:sp>
+      <p:sp>
+        <p:nvSpPr>
+          <p:cNvPr id="59" name="P."/>
+          <p:cNvSpPr txBox="1"/>
+          <p:nvPr/>
+        </p:nvSpPr>
+        <p:spPr>
+          <a:xfrm>
+            <a:off x="148196" y="257286"/>
+            <a:ext cx="932115" cy="769441"/>
+          </a:xfrm>
+          <a:prstGeom prst="rect">
+            <a:avLst/>
+          </a:prstGeom>
+          <a:ln w="12700">
+            <a:miter lim="400000"/>
+          </a:ln>
+          <a:extLst>
+            <a:ext uri="{C572A759-6A51-4108-AA02-DFA0A04FC94B}">
+              <ma14:wrappingTextBoxFlag xmlns="" xmlns:m="http://schemas.openxmlformats.org/officeDocument/2006/math" xmlns:a14="http://schemas.microsoft.com/office/drawing/2010/main" xmlns:ma14="http://schemas.microsoft.com/office/mac/drawingml/2011/main" val="1"/>
+            </a:ext>
+          </a:extLst>
+        </p:spPr>
+        <p:txBody>
+          <a:bodyPr wrap="square" lIns="45719" rIns="45719">
+            <a:spAutoFit/>
+          </a:bodyPr>
+          <a:lstStyle>
+            <a:lvl1pPr>
+              <a:defRPr sz="3600"/>
+            </a:lvl1pPr>
+          </a:lstStyle>
+          <a:p>
+            <a:r>
+              <a:rPr sz="4400" b="1" dirty="0"/>
+              <a:t>P. </a:t>
+            </a:r>
+          </a:p>
+        </p:txBody>
+      </p:sp>
+      <p:sp>
+        <p:nvSpPr>
+          <p:cNvPr id="60" name="C."/>
+          <p:cNvSpPr txBox="1"/>
+          <p:nvPr/>
+        </p:nvSpPr>
+        <p:spPr>
+          <a:xfrm>
+            <a:off x="148196" y="6088559"/>
+            <a:ext cx="932115" cy="769441"/>
+          </a:xfrm>
+          <a:prstGeom prst="rect">
+            <a:avLst/>
+          </a:prstGeom>
+          <a:ln w="12700">
+            <a:miter lim="400000"/>
+          </a:ln>
+          <a:extLst>
+            <a:ext uri="{C572A759-6A51-4108-AA02-DFA0A04FC94B}">
+              <ma14:wrappingTextBoxFlag xmlns="" xmlns:m="http://schemas.openxmlformats.org/officeDocument/2006/math" xmlns:a14="http://schemas.microsoft.com/office/drawing/2010/main" xmlns:ma14="http://schemas.microsoft.com/office/mac/drawingml/2011/main" val="1"/>
+            </a:ext>
+          </a:extLst>
+        </p:spPr>
+        <p:txBody>
+          <a:bodyPr wrap="square" lIns="45719" rIns="45719">
+            <a:spAutoFit/>
+          </a:bodyPr>
+          <a:lstStyle>
+            <a:lvl1pPr>
+              <a:defRPr sz="3600"/>
+            </a:lvl1pPr>
+          </a:lstStyle>
+          <a:p>
+            <a:r>
+              <a:rPr sz="4400" b="1" dirty="0"/>
+              <a:t>C. </a:t>
+            </a:r>
+          </a:p>
+        </p:txBody>
+      </p:sp>
+    </p:spTree>
+  </p:cSld>
+  <p:clrMapOvr>
+    <a:masterClrMapping/>
+  </p:clrMapOvr>
+  <p:transition spd="med"/>
+</p:sld>
+</file>
+
+<file path=ppt/slides/slide150.xml><?xml version="1.0" encoding="utf-8"?>
 <p:sld xmlns:a="http://schemas.openxmlformats.org/drawingml/2006/main" xmlns:r="http://schemas.openxmlformats.org/officeDocument/2006/relationships" xmlns:p="http://schemas.openxmlformats.org/presentationml/2006/main">
   <p:cSld>
     <p:spTree>
@@ -14900,178 +15616,7 @@
 </p:sld>
 </file>
 
-<file path=ppt/slides/slide15.xml><?xml version="1.0" encoding="utf-8"?>
-<p:sld xmlns:a="http://schemas.openxmlformats.org/drawingml/2006/main" xmlns:r="http://schemas.openxmlformats.org/officeDocument/2006/relationships" xmlns:p="http://schemas.openxmlformats.org/presentationml/2006/main">
-  <p:cSld>
-    <p:spTree>
-      <p:nvGrpSpPr>
-        <p:cNvPr id="1" name=""/>
-        <p:cNvGrpSpPr/>
-        <p:nvPr/>
-      </p:nvGrpSpPr>
-      <p:grpSpPr>
-        <a:xfrm>
-          <a:off x="0" y="0"/>
-          <a:ext cx="0" cy="0"/>
-          <a:chOff x="0" y="0"/>
-          <a:chExt cx="0" cy="0"/>
-        </a:xfrm>
-      </p:grpSpPr>
-      <p:sp>
-        <p:nvSpPr>
-          <p:cNvPr id="58" name="Accept, O Lord, these our prayers and petitions. Make us worthy to observe in purity and goodness of heart your precepts and those of your holy apostles and of your apostle Paul, architect and builder of your Church.…"/>
-          <p:cNvSpPr txBox="1"/>
-          <p:nvPr/>
-        </p:nvSpPr>
-        <p:spPr>
-          <a:xfrm>
-            <a:off x="915451" y="89448"/>
-            <a:ext cx="11150425" cy="6924973"/>
-          </a:xfrm>
-          <a:prstGeom prst="rect">
-            <a:avLst/>
-          </a:prstGeom>
-          <a:ln w="12700">
-            <a:miter lim="400000"/>
-          </a:ln>
-          <a:extLst>
-            <a:ext uri="{C572A759-6A51-4108-AA02-DFA0A04FC94B}">
-              <ma14:wrappingTextBoxFlag xmlns="" xmlns:m="http://schemas.openxmlformats.org/officeDocument/2006/math" xmlns:a14="http://schemas.microsoft.com/office/drawing/2010/main" xmlns:ma14="http://schemas.microsoft.com/office/mac/drawingml/2011/main" val="1"/>
-            </a:ext>
-          </a:extLst>
-        </p:spPr>
-        <p:txBody>
-          <a:bodyPr wrap="square" lIns="45719" rIns="45719">
-            <a:spAutoFit/>
-          </a:bodyPr>
-          <a:lstStyle/>
-          <a:p>
-            <a:pPr algn="just">
-              <a:lnSpc>
-                <a:spcPct val="125000"/>
-              </a:lnSpc>
-              <a:defRPr sz="3600">
-                <a:solidFill>
-                  <a:srgbClr val="FF0000"/>
-                </a:solidFill>
-              </a:defRPr>
-            </a:pPr>
-            <a:r>
-              <a:rPr sz="4800" b="1" dirty="0"/>
-              <a:t>Accept, O Lord, these our prayers and petitions. Make us worthy to observe in purity and goodness of heart your precepts and those of your holy apostles and of your apostle Paul, architect and builder of your Church. </a:t>
-            </a:r>
-          </a:p>
-          <a:p>
-            <a:pPr algn="just">
-              <a:defRPr sz="3600">
-                <a:solidFill>
-                  <a:srgbClr val="CC3300"/>
-                </a:solidFill>
-              </a:defRPr>
-            </a:pPr>
-            <a:endParaRPr sz="2800" b="1" dirty="0"/>
-          </a:p>
-          <a:p>
-            <a:pPr algn="just">
-              <a:defRPr sz="3600"/>
-            </a:pPr>
-            <a:r>
-              <a:rPr sz="4800" b="1" dirty="0"/>
-              <a:t>Amen.</a:t>
-            </a:r>
-          </a:p>
-        </p:txBody>
-      </p:sp>
-      <p:sp>
-        <p:nvSpPr>
-          <p:cNvPr id="59" name="P."/>
-          <p:cNvSpPr txBox="1"/>
-          <p:nvPr/>
-        </p:nvSpPr>
-        <p:spPr>
-          <a:xfrm>
-            <a:off x="148196" y="257286"/>
-            <a:ext cx="932115" cy="769441"/>
-          </a:xfrm>
-          <a:prstGeom prst="rect">
-            <a:avLst/>
-          </a:prstGeom>
-          <a:ln w="12700">
-            <a:miter lim="400000"/>
-          </a:ln>
-          <a:extLst>
-            <a:ext uri="{C572A759-6A51-4108-AA02-DFA0A04FC94B}">
-              <ma14:wrappingTextBoxFlag xmlns="" xmlns:m="http://schemas.openxmlformats.org/officeDocument/2006/math" xmlns:a14="http://schemas.microsoft.com/office/drawing/2010/main" xmlns:ma14="http://schemas.microsoft.com/office/mac/drawingml/2011/main" val="1"/>
-            </a:ext>
-          </a:extLst>
-        </p:spPr>
-        <p:txBody>
-          <a:bodyPr wrap="square" lIns="45719" rIns="45719">
-            <a:spAutoFit/>
-          </a:bodyPr>
-          <a:lstStyle>
-            <a:lvl1pPr>
-              <a:defRPr sz="3600"/>
-            </a:lvl1pPr>
-          </a:lstStyle>
-          <a:p>
-            <a:r>
-              <a:rPr sz="4400" b="1" dirty="0"/>
-              <a:t>P. </a:t>
-            </a:r>
-          </a:p>
-        </p:txBody>
-      </p:sp>
-      <p:sp>
-        <p:nvSpPr>
-          <p:cNvPr id="60" name="C."/>
-          <p:cNvSpPr txBox="1"/>
-          <p:nvPr/>
-        </p:nvSpPr>
-        <p:spPr>
-          <a:xfrm>
-            <a:off x="148196" y="6088559"/>
-            <a:ext cx="932115" cy="769441"/>
-          </a:xfrm>
-          <a:prstGeom prst="rect">
-            <a:avLst/>
-          </a:prstGeom>
-          <a:ln w="12700">
-            <a:miter lim="400000"/>
-          </a:ln>
-          <a:extLst>
-            <a:ext uri="{C572A759-6A51-4108-AA02-DFA0A04FC94B}">
-              <ma14:wrappingTextBoxFlag xmlns="" xmlns:m="http://schemas.openxmlformats.org/officeDocument/2006/math" xmlns:a14="http://schemas.microsoft.com/office/drawing/2010/main" xmlns:ma14="http://schemas.microsoft.com/office/mac/drawingml/2011/main" val="1"/>
-            </a:ext>
-          </a:extLst>
-        </p:spPr>
-        <p:txBody>
-          <a:bodyPr wrap="square" lIns="45719" rIns="45719">
-            <a:spAutoFit/>
-          </a:bodyPr>
-          <a:lstStyle>
-            <a:lvl1pPr>
-              <a:defRPr sz="3600"/>
-            </a:lvl1pPr>
-          </a:lstStyle>
-          <a:p>
-            <a:r>
-              <a:rPr sz="4400" b="1" dirty="0"/>
-              <a:t>C. </a:t>
-            </a:r>
-          </a:p>
-        </p:txBody>
-      </p:sp>
-    </p:spTree>
-  </p:cSld>
-  <p:clrMapOvr>
-    <a:masterClrMapping/>
-  </p:clrMapOvr>
-  <p:transition spd="med"/>
-</p:sld>
-</file>
-
-<file path=ppt/slides/slide150.xml><?xml version="1.0" encoding="utf-8"?>
+<file path=ppt/slides/slide151.xml><?xml version="1.0" encoding="utf-8"?>
 <p:sld xmlns:a="http://schemas.openxmlformats.org/drawingml/2006/main" xmlns:r="http://schemas.openxmlformats.org/officeDocument/2006/relationships" xmlns:p="http://schemas.openxmlformats.org/presentationml/2006/main">
   <p:cSld>
     <p:spTree>
@@ -20069,7 +20614,7 @@
                 </a:solidFill>
                 <a:latin typeface="SAVOYE LET PLAIN:1.0" pitchFamily="2" charset="0"/>
               </a:rPr>
-              <a:t>Birthday and </a:t>
+              <a:t>Birthdays &amp; </a:t>
             </a:r>
           </a:p>
           <a:p>

--- a/templates/english_service_template.pptx
+++ b/templates/english_service_template.pptx
@@ -3464,7 +3464,7 @@
           <a:p>
             <a:fld id="{61891397-8D29-43D4-8B0E-AE2AF53A4F0E}" type="datetimeFigureOut">
               <a:rPr lang="en-IN" smtClean="0"/>
-              <a:t>17/06/23</a:t>
+              <a:t>26/08/23</a:t>
             </a:fld>
             <a:endParaRPr lang="en-IN"/>
           </a:p>
@@ -3573,7 +3573,7 @@
           </a:ln>
           <a:extLst>
             <a:ext uri="{C572A759-6A51-4108-AA02-DFA0A04FC94B}">
-              <ma14:wrappingTextBoxFlag xmlns="" xmlns:m="http://schemas.openxmlformats.org/officeDocument/2006/math" xmlns:a14="http://schemas.microsoft.com/office/drawing/2010/main" xmlns:ma14="http://schemas.microsoft.com/office/mac/drawingml/2011/main" val="1"/>
+              <ma14:wrappingTextBoxFlag xmlns:ma14="http://schemas.microsoft.com/office/mac/drawingml/2011/main" xmlns:a14="http://schemas.microsoft.com/office/drawing/2010/main" xmlns:m="http://schemas.openxmlformats.org/officeDocument/2006/math" xmlns="" val="1"/>
             </a:ext>
           </a:extLst>
         </p:spPr>
@@ -3610,7 +3610,7 @@
           </a:ln>
           <a:extLst>
             <a:ext uri="{C572A759-6A51-4108-AA02-DFA0A04FC94B}">
-              <ma14:wrappingTextBoxFlag xmlns="" xmlns:m="http://schemas.openxmlformats.org/officeDocument/2006/math" xmlns:a14="http://schemas.microsoft.com/office/drawing/2010/main" xmlns:ma14="http://schemas.microsoft.com/office/mac/drawingml/2011/main" val="1"/>
+              <ma14:wrappingTextBoxFlag xmlns:ma14="http://schemas.microsoft.com/office/mac/drawingml/2011/main" xmlns:a14="http://schemas.microsoft.com/office/drawing/2010/main" xmlns:m="http://schemas.openxmlformats.org/officeDocument/2006/math" xmlns="" val="1"/>
             </a:ext>
           </a:extLst>
         </p:spPr>
@@ -4449,7 +4449,7 @@
           </a:ln>
           <a:extLst>
             <a:ext uri="{C572A759-6A51-4108-AA02-DFA0A04FC94B}">
-              <ma14:wrappingTextBoxFlag xmlns:ma14="http://schemas.microsoft.com/office/mac/drawingml/2011/main" xmlns:a14="http://schemas.microsoft.com/office/drawing/2010/main" xmlns:m="http://schemas.openxmlformats.org/officeDocument/2006/math" xmlns="" val="1"/>
+              <ma14:wrappingTextBoxFlag xmlns="" xmlns:m="http://schemas.openxmlformats.org/officeDocument/2006/math" xmlns:a14="http://schemas.microsoft.com/office/drawing/2010/main" xmlns:ma14="http://schemas.microsoft.com/office/mac/drawingml/2011/main" val="1"/>
             </a:ext>
           </a:extLst>
         </p:spPr>
@@ -4484,18 +4484,18 @@
         </p:nvSpPr>
         <p:spPr>
           <a:xfrm>
-            <a:off x="1334532" y="1179671"/>
-            <a:ext cx="9522936" cy="1200329"/>
-          </a:xfrm>
-          <a:prstGeom prst="rect">
-            <a:avLst/>
-          </a:prstGeom>
-          <a:ln w="12700">
-            <a:miter lim="400000"/>
-          </a:ln>
-          <a:extLst>
-            <a:ext uri="{C572A759-6A51-4108-AA02-DFA0A04FC94B}">
-              <ma14:wrappingTextBoxFlag xmlns:ma14="http://schemas.microsoft.com/office/mac/drawingml/2011/main" xmlns:a14="http://schemas.microsoft.com/office/drawing/2010/main" xmlns:m="http://schemas.openxmlformats.org/officeDocument/2006/math" xmlns="" val="1"/>
+            <a:off x="889143" y="1179671"/>
+            <a:ext cx="10413715" cy="1200329"/>
+          </a:xfrm>
+          <a:prstGeom prst="rect">
+            <a:avLst/>
+          </a:prstGeom>
+          <a:ln w="12700">
+            <a:miter lim="400000"/>
+          </a:ln>
+          <a:extLst>
+            <a:ext uri="{C572A759-6A51-4108-AA02-DFA0A04FC94B}">
+              <ma14:wrappingTextBoxFlag xmlns="" xmlns:m="http://schemas.openxmlformats.org/officeDocument/2006/math" xmlns:a14="http://schemas.microsoft.com/office/drawing/2010/main" xmlns:ma14="http://schemas.microsoft.com/office/mac/drawingml/2011/main" val="1"/>
             </a:ext>
           </a:extLst>
         </p:spPr>
@@ -4552,7 +4552,7 @@
           </a:ln>
           <a:extLst>
             <a:ext uri="{C572A759-6A51-4108-AA02-DFA0A04FC94B}">
-              <ma14:wrappingTextBoxFlag xmlns:ma14="http://schemas.microsoft.com/office/mac/drawingml/2011/main" xmlns:a14="http://schemas.microsoft.com/office/drawing/2010/main" xmlns:m="http://schemas.openxmlformats.org/officeDocument/2006/math" xmlns="" val="1"/>
+              <ma14:wrappingTextBoxFlag xmlns="" xmlns:m="http://schemas.openxmlformats.org/officeDocument/2006/math" xmlns:a14="http://schemas.microsoft.com/office/drawing/2010/main" xmlns:ma14="http://schemas.microsoft.com/office/mac/drawingml/2011/main" val="1"/>
             </a:ext>
           </a:extLst>
         </p:spPr>
@@ -4606,7 +4606,7 @@
           </a:ln>
           <a:extLst>
             <a:ext uri="{C572A759-6A51-4108-AA02-DFA0A04FC94B}">
-              <ma14:wrappingTextBoxFlag xmlns:ma14="http://schemas.microsoft.com/office/mac/drawingml/2011/main" xmlns:a14="http://schemas.microsoft.com/office/drawing/2010/main" xmlns:m="http://schemas.openxmlformats.org/officeDocument/2006/math" xmlns="" val="1"/>
+              <ma14:wrappingTextBoxFlag xmlns="" xmlns:m="http://schemas.openxmlformats.org/officeDocument/2006/math" xmlns:a14="http://schemas.microsoft.com/office/drawing/2010/main" xmlns:ma14="http://schemas.microsoft.com/office/mac/drawingml/2011/main" val="1"/>
             </a:ext>
           </a:extLst>
         </p:spPr>
@@ -4653,7 +4653,7 @@
           </a:ln>
           <a:extLst>
             <a:ext uri="{C572A759-6A51-4108-AA02-DFA0A04FC94B}">
-              <ma14:wrappingTextBoxFlag xmlns:ma14="http://schemas.microsoft.com/office/mac/drawingml/2011/main" xmlns:a14="http://schemas.microsoft.com/office/drawing/2010/main" xmlns:m="http://schemas.openxmlformats.org/officeDocument/2006/math" xmlns="" val="1"/>
+              <ma14:wrappingTextBoxFlag xmlns="" xmlns:m="http://schemas.openxmlformats.org/officeDocument/2006/math" xmlns:a14="http://schemas.microsoft.com/office/drawing/2010/main" xmlns:ma14="http://schemas.microsoft.com/office/mac/drawingml/2011/main" val="1"/>
             </a:ext>
           </a:extLst>
         </p:spPr>
@@ -4800,7 +4800,7 @@
           </a:ln>
           <a:extLst>
             <a:ext uri="{C572A759-6A51-4108-AA02-DFA0A04FC94B}">
-              <ma14:wrappingTextBoxFlag xmlns="" xmlns:m="http://schemas.openxmlformats.org/officeDocument/2006/math" xmlns:a14="http://schemas.microsoft.com/office/drawing/2010/main" xmlns:ma14="http://schemas.microsoft.com/office/mac/drawingml/2011/main" val="1"/>
+              <ma14:wrappingTextBoxFlag xmlns:ma14="http://schemas.microsoft.com/office/mac/drawingml/2011/main" xmlns:a14="http://schemas.microsoft.com/office/drawing/2010/main" xmlns:m="http://schemas.openxmlformats.org/officeDocument/2006/math" xmlns="" val="1"/>
             </a:ext>
           </a:extLst>
         </p:spPr>
@@ -4902,7 +4902,7 @@
           </a:ln>
           <a:extLst>
             <a:ext uri="{C572A759-6A51-4108-AA02-DFA0A04FC94B}">
-              <ma14:wrappingTextBoxFlag xmlns="" xmlns:m="http://schemas.openxmlformats.org/officeDocument/2006/math" xmlns:a14="http://schemas.microsoft.com/office/drawing/2010/main" xmlns:ma14="http://schemas.microsoft.com/office/mac/drawingml/2011/main" val="1"/>
+              <ma14:wrappingTextBoxFlag xmlns:ma14="http://schemas.microsoft.com/office/mac/drawingml/2011/main" xmlns:a14="http://schemas.microsoft.com/office/drawing/2010/main" xmlns:m="http://schemas.openxmlformats.org/officeDocument/2006/math" xmlns="" val="1"/>
             </a:ext>
           </a:extLst>
         </p:spPr>
@@ -4957,18 +4957,18 @@
         </p:nvSpPr>
         <p:spPr>
           <a:xfrm>
-            <a:off x="374650" y="2105561"/>
-            <a:ext cx="11442700" cy="2646878"/>
-          </a:xfrm>
-          <a:prstGeom prst="rect">
-            <a:avLst/>
-          </a:prstGeom>
-          <a:ln w="12700">
-            <a:miter lim="400000"/>
-          </a:ln>
-          <a:extLst>
-            <a:ext uri="{C572A759-6A51-4108-AA02-DFA0A04FC94B}">
-              <ma14:wrappingTextBoxFlag xmlns="" xmlns:m="http://schemas.openxmlformats.org/officeDocument/2006/math" xmlns:a14="http://schemas.microsoft.com/office/drawing/2010/main" xmlns:ma14="http://schemas.microsoft.com/office/mac/drawingml/2011/main" val="1"/>
+            <a:off x="374650" y="1259175"/>
+            <a:ext cx="11442700" cy="4339650"/>
+          </a:xfrm>
+          <a:prstGeom prst="rect">
+            <a:avLst/>
+          </a:prstGeom>
+          <a:ln w="12700">
+            <a:miter lim="400000"/>
+          </a:ln>
+          <a:extLst>
+            <a:ext uri="{C572A759-6A51-4108-AA02-DFA0A04FC94B}">
+              <ma14:wrappingTextBoxFlag xmlns:ma14="http://schemas.microsoft.com/office/mac/drawingml/2011/main" xmlns:a14="http://schemas.microsoft.com/office/drawing/2010/main" xmlns:m="http://schemas.openxmlformats.org/officeDocument/2006/math" xmlns="" val="1"/>
             </a:ext>
           </a:extLst>
         </p:spPr>
@@ -4982,23 +4982,23 @@
               <a:defRPr sz="3600"/>
             </a:pPr>
             <a:r>
-              <a:rPr lang="en-US" sz="16600" b="1" dirty="0">
+              <a:rPr lang="en-US" sz="13800" dirty="0">
                 <a:solidFill>
                   <a:schemeClr val="accent1">
                     <a:lumMod val="50000"/>
                   </a:schemeClr>
                 </a:solidFill>
-                <a:latin typeface="SAVOYE LET PLAIN:1.0" pitchFamily="2" charset="0"/>
+                <a:latin typeface="Goudy Bookletter 1911" panose="02000503000000000000" pitchFamily="2" charset="0"/>
               </a:rPr>
               <a:t>Intercessory Prayers</a:t>
             </a:r>
-            <a:endParaRPr sz="16600" b="1" dirty="0">
+            <a:endParaRPr sz="13800" dirty="0">
               <a:solidFill>
                 <a:schemeClr val="accent1">
                   <a:lumMod val="50000"/>
                 </a:schemeClr>
               </a:solidFill>
-              <a:latin typeface="SAVOYE LET PLAIN:1.0" pitchFamily="2" charset="0"/>
+              <a:latin typeface="Goudy Bookletter 1911" panose="02000503000000000000" pitchFamily="2" charset="0"/>
             </a:endParaRPr>
           </a:p>
         </p:txBody>
@@ -5022,7 +5022,7 @@
           </a:ln>
           <a:extLst>
             <a:ext uri="{C572A759-6A51-4108-AA02-DFA0A04FC94B}">
-              <ma14:wrappingTextBoxFlag xmlns="" xmlns:m="http://schemas.openxmlformats.org/officeDocument/2006/math" xmlns:a14="http://schemas.microsoft.com/office/drawing/2010/main" xmlns:ma14="http://schemas.microsoft.com/office/mac/drawingml/2011/main" val="1"/>
+              <ma14:wrappingTextBoxFlag xmlns:ma14="http://schemas.microsoft.com/office/mac/drawingml/2011/main" xmlns:a14="http://schemas.microsoft.com/office/drawing/2010/main" xmlns:m="http://schemas.openxmlformats.org/officeDocument/2006/math" xmlns="" val="1"/>
             </a:ext>
           </a:extLst>
         </p:spPr>
@@ -5085,7 +5085,7 @@
           </a:ln>
           <a:extLst>
             <a:ext uri="{C572A759-6A51-4108-AA02-DFA0A04FC94B}">
-              <ma14:wrappingTextBoxFlag xmlns:ma14="http://schemas.microsoft.com/office/mac/drawingml/2011/main" xmlns:a14="http://schemas.microsoft.com/office/drawing/2010/main" xmlns:m="http://schemas.openxmlformats.org/officeDocument/2006/math" xmlns="" val="1"/>
+              <ma14:wrappingTextBoxFlag xmlns="" xmlns:m="http://schemas.openxmlformats.org/officeDocument/2006/math" xmlns:a14="http://schemas.microsoft.com/office/drawing/2010/main" xmlns:ma14="http://schemas.microsoft.com/office/mac/drawingml/2011/main" val="1"/>
             </a:ext>
           </a:extLst>
         </p:spPr>
@@ -5132,7 +5132,7 @@
           </a:ln>
           <a:extLst>
             <a:ext uri="{C572A759-6A51-4108-AA02-DFA0A04FC94B}">
-              <ma14:wrappingTextBoxFlag xmlns:ma14="http://schemas.microsoft.com/office/mac/drawingml/2011/main" xmlns:a14="http://schemas.microsoft.com/office/drawing/2010/main" xmlns:m="http://schemas.openxmlformats.org/officeDocument/2006/math" xmlns="" val="1"/>
+              <ma14:wrappingTextBoxFlag xmlns="" xmlns:m="http://schemas.openxmlformats.org/officeDocument/2006/math" xmlns:a14="http://schemas.microsoft.com/office/drawing/2010/main" xmlns:ma14="http://schemas.microsoft.com/office/mac/drawingml/2011/main" val="1"/>
             </a:ext>
           </a:extLst>
         </p:spPr>
@@ -5203,7 +5203,7 @@
           </a:ln>
           <a:extLst>
             <a:ext uri="{C572A759-6A51-4108-AA02-DFA0A04FC94B}">
-              <ma14:wrappingTextBoxFlag xmlns="" xmlns:m="http://schemas.openxmlformats.org/officeDocument/2006/math" xmlns:a14="http://schemas.microsoft.com/office/drawing/2010/main" xmlns:ma14="http://schemas.microsoft.com/office/mac/drawingml/2011/main" val="1"/>
+              <ma14:wrappingTextBoxFlag xmlns:ma14="http://schemas.microsoft.com/office/mac/drawingml/2011/main" xmlns:a14="http://schemas.microsoft.com/office/drawing/2010/main" xmlns:m="http://schemas.openxmlformats.org/officeDocument/2006/math" xmlns="" val="1"/>
             </a:ext>
           </a:extLst>
         </p:spPr>
@@ -5250,7 +5250,7 @@
           </a:ln>
           <a:extLst>
             <a:ext uri="{C572A759-6A51-4108-AA02-DFA0A04FC94B}">
-              <ma14:wrappingTextBoxFlag xmlns="" xmlns:m="http://schemas.openxmlformats.org/officeDocument/2006/math" xmlns:a14="http://schemas.microsoft.com/office/drawing/2010/main" xmlns:ma14="http://schemas.microsoft.com/office/mac/drawingml/2011/main" val="1"/>
+              <ma14:wrappingTextBoxFlag xmlns:ma14="http://schemas.microsoft.com/office/mac/drawingml/2011/main" xmlns:a14="http://schemas.microsoft.com/office/drawing/2010/main" xmlns:m="http://schemas.openxmlformats.org/officeDocument/2006/math" xmlns="" val="1"/>
             </a:ext>
           </a:extLst>
         </p:spPr>
@@ -5316,7 +5316,7 @@
           </a:ln>
           <a:extLst>
             <a:ext uri="{C572A759-6A51-4108-AA02-DFA0A04FC94B}">
-              <ma14:wrappingTextBoxFlag xmlns="" xmlns:m="http://schemas.openxmlformats.org/officeDocument/2006/math" xmlns:a14="http://schemas.microsoft.com/office/drawing/2010/main" xmlns:ma14="http://schemas.microsoft.com/office/mac/drawingml/2011/main" val="1"/>
+              <ma14:wrappingTextBoxFlag xmlns:ma14="http://schemas.microsoft.com/office/mac/drawingml/2011/main" xmlns:a14="http://schemas.microsoft.com/office/drawing/2010/main" xmlns:m="http://schemas.openxmlformats.org/officeDocument/2006/math" xmlns="" val="1"/>
             </a:ext>
           </a:extLst>
         </p:spPr>
@@ -5359,7 +5359,7 @@
           </a:ln>
           <a:extLst>
             <a:ext uri="{C572A759-6A51-4108-AA02-DFA0A04FC94B}">
-              <ma14:wrappingTextBoxFlag xmlns="" xmlns:m="http://schemas.openxmlformats.org/officeDocument/2006/math" xmlns:a14="http://schemas.microsoft.com/office/drawing/2010/main" xmlns:ma14="http://schemas.microsoft.com/office/mac/drawingml/2011/main" val="1"/>
+              <ma14:wrappingTextBoxFlag xmlns:ma14="http://schemas.microsoft.com/office/mac/drawingml/2011/main" xmlns:a14="http://schemas.microsoft.com/office/drawing/2010/main" xmlns:m="http://schemas.openxmlformats.org/officeDocument/2006/math" xmlns="" val="1"/>
             </a:ext>
           </a:extLst>
         </p:spPr>
@@ -5425,7 +5425,7 @@
           </a:ln>
           <a:extLst>
             <a:ext uri="{C572A759-6A51-4108-AA02-DFA0A04FC94B}">
-              <ma14:wrappingTextBoxFlag xmlns="" xmlns:m="http://schemas.openxmlformats.org/officeDocument/2006/math" xmlns:a14="http://schemas.microsoft.com/office/drawing/2010/main" xmlns:ma14="http://schemas.microsoft.com/office/mac/drawingml/2011/main" val="1"/>
+              <ma14:wrappingTextBoxFlag xmlns:ma14="http://schemas.microsoft.com/office/mac/drawingml/2011/main" xmlns:a14="http://schemas.microsoft.com/office/drawing/2010/main" xmlns:m="http://schemas.openxmlformats.org/officeDocument/2006/math" xmlns="" val="1"/>
             </a:ext>
           </a:extLst>
         </p:spPr>
@@ -5507,7 +5507,7 @@
           </a:ln>
           <a:extLst>
             <a:ext uri="{C572A759-6A51-4108-AA02-DFA0A04FC94B}">
-              <ma14:wrappingTextBoxFlag xmlns="" xmlns:m="http://schemas.openxmlformats.org/officeDocument/2006/math" xmlns:a14="http://schemas.microsoft.com/office/drawing/2010/main" xmlns:ma14="http://schemas.microsoft.com/office/mac/drawingml/2011/main" val="1"/>
+              <ma14:wrappingTextBoxFlag xmlns:ma14="http://schemas.microsoft.com/office/mac/drawingml/2011/main" xmlns:a14="http://schemas.microsoft.com/office/drawing/2010/main" xmlns:m="http://schemas.openxmlformats.org/officeDocument/2006/math" xmlns="" val="1"/>
             </a:ext>
           </a:extLst>
         </p:spPr>
@@ -5548,7 +5548,7 @@
           </a:ln>
           <a:extLst>
             <a:ext uri="{C572A759-6A51-4108-AA02-DFA0A04FC94B}">
-              <ma14:wrappingTextBoxFlag xmlns="" xmlns:m="http://schemas.openxmlformats.org/officeDocument/2006/math" xmlns:a14="http://schemas.microsoft.com/office/drawing/2010/main" xmlns:ma14="http://schemas.microsoft.com/office/mac/drawingml/2011/main" val="1"/>
+              <ma14:wrappingTextBoxFlag xmlns:ma14="http://schemas.microsoft.com/office/mac/drawingml/2011/main" xmlns:a14="http://schemas.microsoft.com/office/drawing/2010/main" xmlns:m="http://schemas.openxmlformats.org/officeDocument/2006/math" xmlns="" val="1"/>
             </a:ext>
           </a:extLst>
         </p:spPr>
@@ -5589,7 +5589,7 @@
           </a:ln>
           <a:extLst>
             <a:ext uri="{C572A759-6A51-4108-AA02-DFA0A04FC94B}">
-              <ma14:wrappingTextBoxFlag xmlns="" xmlns:m="http://schemas.openxmlformats.org/officeDocument/2006/math" xmlns:a14="http://schemas.microsoft.com/office/drawing/2010/main" xmlns:ma14="http://schemas.microsoft.com/office/mac/drawingml/2011/main" val="1"/>
+              <ma14:wrappingTextBoxFlag xmlns:ma14="http://schemas.microsoft.com/office/mac/drawingml/2011/main" xmlns:a14="http://schemas.microsoft.com/office/drawing/2010/main" xmlns:m="http://schemas.openxmlformats.org/officeDocument/2006/math" xmlns="" val="1"/>
             </a:ext>
           </a:extLst>
         </p:spPr>
@@ -5656,7 +5656,7 @@
           </a:ln>
           <a:extLst>
             <a:ext uri="{C572A759-6A51-4108-AA02-DFA0A04FC94B}">
-              <ma14:wrappingTextBoxFlag xmlns="" xmlns:m="http://schemas.openxmlformats.org/officeDocument/2006/math" xmlns:a14="http://schemas.microsoft.com/office/drawing/2010/main" xmlns:ma14="http://schemas.microsoft.com/office/mac/drawingml/2011/main" val="1"/>
+              <ma14:wrappingTextBoxFlag xmlns:ma14="http://schemas.microsoft.com/office/mac/drawingml/2011/main" xmlns:a14="http://schemas.microsoft.com/office/drawing/2010/main" xmlns:m="http://schemas.openxmlformats.org/officeDocument/2006/math" xmlns="" val="1"/>
             </a:ext>
           </a:extLst>
         </p:spPr>
@@ -5730,7 +5730,7 @@
           </a:ln>
           <a:extLst>
             <a:ext uri="{C572A759-6A51-4108-AA02-DFA0A04FC94B}">
-              <ma14:wrappingTextBoxFlag xmlns="" xmlns:m="http://schemas.openxmlformats.org/officeDocument/2006/math" xmlns:a14="http://schemas.microsoft.com/office/drawing/2010/main" xmlns:ma14="http://schemas.microsoft.com/office/mac/drawingml/2011/main" val="1"/>
+              <ma14:wrappingTextBoxFlag xmlns:ma14="http://schemas.microsoft.com/office/mac/drawingml/2011/main" xmlns:a14="http://schemas.microsoft.com/office/drawing/2010/main" xmlns:m="http://schemas.openxmlformats.org/officeDocument/2006/math" xmlns="" val="1"/>
             </a:ext>
           </a:extLst>
         </p:spPr>
@@ -5797,7 +5797,7 @@
           </a:ln>
           <a:extLst>
             <a:ext uri="{C572A759-6A51-4108-AA02-DFA0A04FC94B}">
-              <ma14:wrappingTextBoxFlag xmlns="" xmlns:m="http://schemas.openxmlformats.org/officeDocument/2006/math" xmlns:a14="http://schemas.microsoft.com/office/drawing/2010/main" xmlns:ma14="http://schemas.microsoft.com/office/mac/drawingml/2011/main" val="1"/>
+              <ma14:wrappingTextBoxFlag xmlns:ma14="http://schemas.microsoft.com/office/mac/drawingml/2011/main" xmlns:a14="http://schemas.microsoft.com/office/drawing/2010/main" xmlns:m="http://schemas.openxmlformats.org/officeDocument/2006/math" xmlns="" val="1"/>
             </a:ext>
           </a:extLst>
         </p:spPr>
@@ -5888,7 +5888,7 @@
           </a:ln>
           <a:extLst>
             <a:ext uri="{C572A759-6A51-4108-AA02-DFA0A04FC94B}">
-              <ma14:wrappingTextBoxFlag xmlns="" xmlns:m="http://schemas.openxmlformats.org/officeDocument/2006/math" xmlns:a14="http://schemas.microsoft.com/office/drawing/2010/main" xmlns:ma14="http://schemas.microsoft.com/office/mac/drawingml/2011/main" val="1"/>
+              <ma14:wrappingTextBoxFlag xmlns:ma14="http://schemas.microsoft.com/office/mac/drawingml/2011/main" xmlns:a14="http://schemas.microsoft.com/office/drawing/2010/main" xmlns:m="http://schemas.openxmlformats.org/officeDocument/2006/math" xmlns="" val="1"/>
             </a:ext>
           </a:extLst>
         </p:spPr>
@@ -5929,7 +5929,7 @@
           </a:ln>
           <a:extLst>
             <a:ext uri="{C572A759-6A51-4108-AA02-DFA0A04FC94B}">
-              <ma14:wrappingTextBoxFlag xmlns="" xmlns:m="http://schemas.openxmlformats.org/officeDocument/2006/math" xmlns:a14="http://schemas.microsoft.com/office/drawing/2010/main" xmlns:ma14="http://schemas.microsoft.com/office/mac/drawingml/2011/main" val="1"/>
+              <ma14:wrappingTextBoxFlag xmlns:ma14="http://schemas.microsoft.com/office/mac/drawingml/2011/main" xmlns:a14="http://schemas.microsoft.com/office/drawing/2010/main" xmlns:m="http://schemas.openxmlformats.org/officeDocument/2006/math" xmlns="" val="1"/>
             </a:ext>
           </a:extLst>
         </p:spPr>
@@ -5996,7 +5996,7 @@
           </a:ln>
           <a:extLst>
             <a:ext uri="{C572A759-6A51-4108-AA02-DFA0A04FC94B}">
-              <ma14:wrappingTextBoxFlag xmlns="" xmlns:m="http://schemas.openxmlformats.org/officeDocument/2006/math" xmlns:a14="http://schemas.microsoft.com/office/drawing/2010/main" xmlns:ma14="http://schemas.microsoft.com/office/mac/drawingml/2011/main" val="1"/>
+              <ma14:wrappingTextBoxFlag xmlns:ma14="http://schemas.microsoft.com/office/mac/drawingml/2011/main" xmlns:a14="http://schemas.microsoft.com/office/drawing/2010/main" xmlns:m="http://schemas.openxmlformats.org/officeDocument/2006/math" xmlns="" val="1"/>
             </a:ext>
           </a:extLst>
         </p:spPr>
@@ -6063,7 +6063,7 @@
           </a:ln>
           <a:extLst>
             <a:ext uri="{C572A759-6A51-4108-AA02-DFA0A04FC94B}">
-              <ma14:wrappingTextBoxFlag xmlns="" xmlns:m="http://schemas.openxmlformats.org/officeDocument/2006/math" xmlns:a14="http://schemas.microsoft.com/office/drawing/2010/main" xmlns:ma14="http://schemas.microsoft.com/office/mac/drawingml/2011/main" val="1"/>
+              <ma14:wrappingTextBoxFlag xmlns:ma14="http://schemas.microsoft.com/office/mac/drawingml/2011/main" xmlns:a14="http://schemas.microsoft.com/office/drawing/2010/main" xmlns:m="http://schemas.openxmlformats.org/officeDocument/2006/math" xmlns="" val="1"/>
             </a:ext>
           </a:extLst>
         </p:spPr>
@@ -6103,7 +6103,7 @@
           </a:ln>
           <a:extLst>
             <a:ext uri="{C572A759-6A51-4108-AA02-DFA0A04FC94B}">
-              <ma14:wrappingTextBoxFlag xmlns="" xmlns:m="http://schemas.openxmlformats.org/officeDocument/2006/math" xmlns:a14="http://schemas.microsoft.com/office/drawing/2010/main" xmlns:ma14="http://schemas.microsoft.com/office/mac/drawingml/2011/main" val="1"/>
+              <ma14:wrappingTextBoxFlag xmlns:ma14="http://schemas.microsoft.com/office/mac/drawingml/2011/main" xmlns:a14="http://schemas.microsoft.com/office/drawing/2010/main" xmlns:m="http://schemas.openxmlformats.org/officeDocument/2006/math" xmlns="" val="1"/>
             </a:ext>
           </a:extLst>
         </p:spPr>
@@ -6169,7 +6169,7 @@
           </a:ln>
           <a:extLst>
             <a:ext uri="{C572A759-6A51-4108-AA02-DFA0A04FC94B}">
-              <ma14:wrappingTextBoxFlag xmlns="" xmlns:m="http://schemas.openxmlformats.org/officeDocument/2006/math" xmlns:a14="http://schemas.microsoft.com/office/drawing/2010/main" xmlns:ma14="http://schemas.microsoft.com/office/mac/drawingml/2011/main" val="1"/>
+              <ma14:wrappingTextBoxFlag xmlns:ma14="http://schemas.microsoft.com/office/mac/drawingml/2011/main" xmlns:a14="http://schemas.microsoft.com/office/drawing/2010/main" xmlns:m="http://schemas.openxmlformats.org/officeDocument/2006/math" xmlns="" val="1"/>
             </a:ext>
           </a:extLst>
         </p:spPr>
@@ -6270,7 +6270,7 @@
           </a:ln>
           <a:extLst>
             <a:ext uri="{C572A759-6A51-4108-AA02-DFA0A04FC94B}">
-              <ma14:wrappingTextBoxFlag xmlns="" xmlns:m="http://schemas.openxmlformats.org/officeDocument/2006/math" xmlns:a14="http://schemas.microsoft.com/office/drawing/2010/main" xmlns:ma14="http://schemas.microsoft.com/office/mac/drawingml/2011/main" val="1"/>
+              <ma14:wrappingTextBoxFlag xmlns:ma14="http://schemas.microsoft.com/office/mac/drawingml/2011/main" xmlns:a14="http://schemas.microsoft.com/office/drawing/2010/main" xmlns:m="http://schemas.openxmlformats.org/officeDocument/2006/math" xmlns="" val="1"/>
             </a:ext>
           </a:extLst>
         </p:spPr>
@@ -6311,7 +6311,7 @@
           </a:ln>
           <a:extLst>
             <a:ext uri="{C572A759-6A51-4108-AA02-DFA0A04FC94B}">
-              <ma14:wrappingTextBoxFlag xmlns="" xmlns:m="http://schemas.openxmlformats.org/officeDocument/2006/math" xmlns:a14="http://schemas.microsoft.com/office/drawing/2010/main" xmlns:ma14="http://schemas.microsoft.com/office/mac/drawingml/2011/main" val="1"/>
+              <ma14:wrappingTextBoxFlag xmlns:ma14="http://schemas.microsoft.com/office/mac/drawingml/2011/main" xmlns:a14="http://schemas.microsoft.com/office/drawing/2010/main" xmlns:m="http://schemas.openxmlformats.org/officeDocument/2006/math" xmlns="" val="1"/>
             </a:ext>
           </a:extLst>
         </p:spPr>
@@ -6352,7 +6352,7 @@
           </a:ln>
           <a:extLst>
             <a:ext uri="{C572A759-6A51-4108-AA02-DFA0A04FC94B}">
-              <ma14:wrappingTextBoxFlag xmlns="" xmlns:m="http://schemas.openxmlformats.org/officeDocument/2006/math" xmlns:a14="http://schemas.microsoft.com/office/drawing/2010/main" xmlns:ma14="http://schemas.microsoft.com/office/mac/drawingml/2011/main" val="1"/>
+              <ma14:wrappingTextBoxFlag xmlns:ma14="http://schemas.microsoft.com/office/mac/drawingml/2011/main" xmlns:a14="http://schemas.microsoft.com/office/drawing/2010/main" xmlns:m="http://schemas.openxmlformats.org/officeDocument/2006/math" xmlns="" val="1"/>
             </a:ext>
           </a:extLst>
         </p:spPr>
@@ -6419,7 +6419,7 @@
           </a:ln>
           <a:extLst>
             <a:ext uri="{C572A759-6A51-4108-AA02-DFA0A04FC94B}">
-              <ma14:wrappingTextBoxFlag xmlns="" xmlns:m="http://schemas.openxmlformats.org/officeDocument/2006/math" xmlns:a14="http://schemas.microsoft.com/office/drawing/2010/main" xmlns:ma14="http://schemas.microsoft.com/office/mac/drawingml/2011/main" val="1"/>
+              <ma14:wrappingTextBoxFlag xmlns:ma14="http://schemas.microsoft.com/office/mac/drawingml/2011/main" xmlns:a14="http://schemas.microsoft.com/office/drawing/2010/main" xmlns:m="http://schemas.openxmlformats.org/officeDocument/2006/math" xmlns="" val="1"/>
             </a:ext>
           </a:extLst>
         </p:spPr>
@@ -6483,7 +6483,7 @@
           </a:ln>
           <a:extLst>
             <a:ext uri="{C572A759-6A51-4108-AA02-DFA0A04FC94B}">
-              <ma14:wrappingTextBoxFlag xmlns="" xmlns:m="http://schemas.openxmlformats.org/officeDocument/2006/math" xmlns:a14="http://schemas.microsoft.com/office/drawing/2010/main" xmlns:ma14="http://schemas.microsoft.com/office/mac/drawingml/2011/main" val="1"/>
+              <ma14:wrappingTextBoxFlag xmlns:ma14="http://schemas.microsoft.com/office/mac/drawingml/2011/main" xmlns:a14="http://schemas.microsoft.com/office/drawing/2010/main" xmlns:m="http://schemas.openxmlformats.org/officeDocument/2006/math" xmlns="" val="1"/>
             </a:ext>
           </a:extLst>
         </p:spPr>
@@ -6524,7 +6524,7 @@
           </a:ln>
           <a:extLst>
             <a:ext uri="{C572A759-6A51-4108-AA02-DFA0A04FC94B}">
-              <ma14:wrappingTextBoxFlag xmlns="" xmlns:m="http://schemas.openxmlformats.org/officeDocument/2006/math" xmlns:a14="http://schemas.microsoft.com/office/drawing/2010/main" xmlns:ma14="http://schemas.microsoft.com/office/mac/drawingml/2011/main" val="1"/>
+              <ma14:wrappingTextBoxFlag xmlns:ma14="http://schemas.microsoft.com/office/mac/drawingml/2011/main" xmlns:a14="http://schemas.microsoft.com/office/drawing/2010/main" xmlns:m="http://schemas.openxmlformats.org/officeDocument/2006/math" xmlns="" val="1"/>
             </a:ext>
           </a:extLst>
         </p:spPr>
@@ -6591,7 +6591,7 @@
           </a:ln>
           <a:extLst>
             <a:ext uri="{C572A759-6A51-4108-AA02-DFA0A04FC94B}">
-              <ma14:wrappingTextBoxFlag xmlns="" xmlns:m="http://schemas.openxmlformats.org/officeDocument/2006/math" xmlns:a14="http://schemas.microsoft.com/office/drawing/2010/main" xmlns:ma14="http://schemas.microsoft.com/office/mac/drawingml/2011/main" val="1"/>
+              <ma14:wrappingTextBoxFlag xmlns:ma14="http://schemas.microsoft.com/office/mac/drawingml/2011/main" xmlns:a14="http://schemas.microsoft.com/office/drawing/2010/main" xmlns:m="http://schemas.openxmlformats.org/officeDocument/2006/math" xmlns="" val="1"/>
             </a:ext>
           </a:extLst>
         </p:spPr>
@@ -6634,7 +6634,7 @@
           </a:ln>
           <a:extLst>
             <a:ext uri="{C572A759-6A51-4108-AA02-DFA0A04FC94B}">
-              <ma14:wrappingTextBoxFlag xmlns="" xmlns:m="http://schemas.openxmlformats.org/officeDocument/2006/math" xmlns:a14="http://schemas.microsoft.com/office/drawing/2010/main" xmlns:ma14="http://schemas.microsoft.com/office/mac/drawingml/2011/main" val="1"/>
+              <ma14:wrappingTextBoxFlag xmlns:ma14="http://schemas.microsoft.com/office/mac/drawingml/2011/main" xmlns:a14="http://schemas.microsoft.com/office/drawing/2010/main" xmlns:m="http://schemas.openxmlformats.org/officeDocument/2006/math" xmlns="" val="1"/>
             </a:ext>
           </a:extLst>
         </p:spPr>
@@ -6700,7 +6700,7 @@
           </a:ln>
           <a:extLst>
             <a:ext uri="{C572A759-6A51-4108-AA02-DFA0A04FC94B}">
-              <ma14:wrappingTextBoxFlag xmlns="" xmlns:m="http://schemas.openxmlformats.org/officeDocument/2006/math" xmlns:a14="http://schemas.microsoft.com/office/drawing/2010/main" xmlns:ma14="http://schemas.microsoft.com/office/mac/drawingml/2011/main" val="1"/>
+              <ma14:wrappingTextBoxFlag xmlns:ma14="http://schemas.microsoft.com/office/mac/drawingml/2011/main" xmlns:a14="http://schemas.microsoft.com/office/drawing/2010/main" xmlns:m="http://schemas.openxmlformats.org/officeDocument/2006/math" xmlns="" val="1"/>
             </a:ext>
           </a:extLst>
         </p:spPr>
@@ -6765,7 +6765,7 @@
           </a:ln>
           <a:extLst>
             <a:ext uri="{C572A759-6A51-4108-AA02-DFA0A04FC94B}">
-              <ma14:wrappingTextBoxFlag xmlns="" xmlns:m="http://schemas.openxmlformats.org/officeDocument/2006/math" xmlns:a14="http://schemas.microsoft.com/office/drawing/2010/main" xmlns:ma14="http://schemas.microsoft.com/office/mac/drawingml/2011/main" val="1"/>
+              <ma14:wrappingTextBoxFlag xmlns:ma14="http://schemas.microsoft.com/office/mac/drawingml/2011/main" xmlns:a14="http://schemas.microsoft.com/office/drawing/2010/main" xmlns:m="http://schemas.openxmlformats.org/officeDocument/2006/math" xmlns="" val="1"/>
             </a:ext>
           </a:extLst>
         </p:spPr>
@@ -6806,7 +6806,7 @@
           </a:ln>
           <a:extLst>
             <a:ext uri="{C572A759-6A51-4108-AA02-DFA0A04FC94B}">
-              <ma14:wrappingTextBoxFlag xmlns="" xmlns:m="http://schemas.openxmlformats.org/officeDocument/2006/math" xmlns:a14="http://schemas.microsoft.com/office/drawing/2010/main" xmlns:ma14="http://schemas.microsoft.com/office/mac/drawingml/2011/main" val="1"/>
+              <ma14:wrappingTextBoxFlag xmlns:ma14="http://schemas.microsoft.com/office/mac/drawingml/2011/main" xmlns:a14="http://schemas.microsoft.com/office/drawing/2010/main" xmlns:m="http://schemas.openxmlformats.org/officeDocument/2006/math" xmlns="" val="1"/>
             </a:ext>
           </a:extLst>
         </p:spPr>
@@ -6873,7 +6873,7 @@
           </a:ln>
           <a:extLst>
             <a:ext uri="{C572A759-6A51-4108-AA02-DFA0A04FC94B}">
-              <ma14:wrappingTextBoxFlag xmlns="" xmlns:m="http://schemas.openxmlformats.org/officeDocument/2006/math" xmlns:a14="http://schemas.microsoft.com/office/drawing/2010/main" xmlns:ma14="http://schemas.microsoft.com/office/mac/drawingml/2011/main" val="1"/>
+              <ma14:wrappingTextBoxFlag xmlns:ma14="http://schemas.microsoft.com/office/mac/drawingml/2011/main" xmlns:a14="http://schemas.microsoft.com/office/drawing/2010/main" xmlns:m="http://schemas.openxmlformats.org/officeDocument/2006/math" xmlns="" val="1"/>
             </a:ext>
           </a:extLst>
         </p:spPr>
@@ -6986,7 +6986,7 @@
           </a:ln>
           <a:extLst>
             <a:ext uri="{C572A759-6A51-4108-AA02-DFA0A04FC94B}">
-              <ma14:wrappingTextBoxFlag xmlns="" xmlns:m="http://schemas.openxmlformats.org/officeDocument/2006/math" xmlns:a14="http://schemas.microsoft.com/office/drawing/2010/main" xmlns:ma14="http://schemas.microsoft.com/office/mac/drawingml/2011/main" val="1"/>
+              <ma14:wrappingTextBoxFlag xmlns:ma14="http://schemas.microsoft.com/office/mac/drawingml/2011/main" xmlns:a14="http://schemas.microsoft.com/office/drawing/2010/main" xmlns:m="http://schemas.openxmlformats.org/officeDocument/2006/math" xmlns="" val="1"/>
             </a:ext>
           </a:extLst>
         </p:spPr>
@@ -7027,7 +7027,7 @@
           </a:ln>
           <a:extLst>
             <a:ext uri="{C572A759-6A51-4108-AA02-DFA0A04FC94B}">
-              <ma14:wrappingTextBoxFlag xmlns="" xmlns:m="http://schemas.openxmlformats.org/officeDocument/2006/math" xmlns:a14="http://schemas.microsoft.com/office/drawing/2010/main" xmlns:ma14="http://schemas.microsoft.com/office/mac/drawingml/2011/main" val="1"/>
+              <ma14:wrappingTextBoxFlag xmlns:ma14="http://schemas.microsoft.com/office/mac/drawingml/2011/main" xmlns:a14="http://schemas.microsoft.com/office/drawing/2010/main" xmlns:m="http://schemas.openxmlformats.org/officeDocument/2006/math" xmlns="" val="1"/>
             </a:ext>
           </a:extLst>
         </p:spPr>
@@ -7094,7 +7094,7 @@
           </a:ln>
           <a:extLst>
             <a:ext uri="{C572A759-6A51-4108-AA02-DFA0A04FC94B}">
-              <ma14:wrappingTextBoxFlag xmlns="" xmlns:m="http://schemas.openxmlformats.org/officeDocument/2006/math" xmlns:a14="http://schemas.microsoft.com/office/drawing/2010/main" xmlns:ma14="http://schemas.microsoft.com/office/mac/drawingml/2011/main" val="1"/>
+              <ma14:wrappingTextBoxFlag xmlns:ma14="http://schemas.microsoft.com/office/mac/drawingml/2011/main" xmlns:a14="http://schemas.microsoft.com/office/drawing/2010/main" xmlns:m="http://schemas.openxmlformats.org/officeDocument/2006/math" xmlns="" val="1"/>
             </a:ext>
           </a:extLst>
         </p:spPr>
@@ -7162,7 +7162,7 @@
           </a:ln>
           <a:extLst>
             <a:ext uri="{C572A759-6A51-4108-AA02-DFA0A04FC94B}">
-              <ma14:wrappingTextBoxFlag xmlns="" xmlns:m="http://schemas.openxmlformats.org/officeDocument/2006/math" xmlns:a14="http://schemas.microsoft.com/office/drawing/2010/main" xmlns:ma14="http://schemas.microsoft.com/office/mac/drawingml/2011/main" val="1"/>
+              <ma14:wrappingTextBoxFlag xmlns:ma14="http://schemas.microsoft.com/office/mac/drawingml/2011/main" xmlns:a14="http://schemas.microsoft.com/office/drawing/2010/main" xmlns:m="http://schemas.openxmlformats.org/officeDocument/2006/math" xmlns="" val="1"/>
             </a:ext>
           </a:extLst>
         </p:spPr>
@@ -7203,7 +7203,7 @@
           </a:ln>
           <a:extLst>
             <a:ext uri="{C572A759-6A51-4108-AA02-DFA0A04FC94B}">
-              <ma14:wrappingTextBoxFlag xmlns="" xmlns:m="http://schemas.openxmlformats.org/officeDocument/2006/math" xmlns:a14="http://schemas.microsoft.com/office/drawing/2010/main" xmlns:ma14="http://schemas.microsoft.com/office/mac/drawingml/2011/main" val="1"/>
+              <ma14:wrappingTextBoxFlag xmlns:ma14="http://schemas.microsoft.com/office/mac/drawingml/2011/main" xmlns:a14="http://schemas.microsoft.com/office/drawing/2010/main" xmlns:m="http://schemas.openxmlformats.org/officeDocument/2006/math" xmlns="" val="1"/>
             </a:ext>
           </a:extLst>
         </p:spPr>
@@ -7270,7 +7270,7 @@
           </a:ln>
           <a:extLst>
             <a:ext uri="{C572A759-6A51-4108-AA02-DFA0A04FC94B}">
-              <ma14:wrappingTextBoxFlag xmlns="" xmlns:m="http://schemas.openxmlformats.org/officeDocument/2006/math" xmlns:a14="http://schemas.microsoft.com/office/drawing/2010/main" xmlns:ma14="http://schemas.microsoft.com/office/mac/drawingml/2011/main" val="1"/>
+              <ma14:wrappingTextBoxFlag xmlns:ma14="http://schemas.microsoft.com/office/mac/drawingml/2011/main" xmlns:a14="http://schemas.microsoft.com/office/drawing/2010/main" xmlns:m="http://schemas.openxmlformats.org/officeDocument/2006/math" xmlns="" val="1"/>
             </a:ext>
           </a:extLst>
         </p:spPr>
@@ -7362,7 +7362,7 @@
           </a:ln>
           <a:extLst>
             <a:ext uri="{C572A759-6A51-4108-AA02-DFA0A04FC94B}">
-              <ma14:wrappingTextBoxFlag xmlns="" xmlns:m="http://schemas.openxmlformats.org/officeDocument/2006/math" xmlns:a14="http://schemas.microsoft.com/office/drawing/2010/main" xmlns:ma14="http://schemas.microsoft.com/office/mac/drawingml/2011/main" val="1"/>
+              <ma14:wrappingTextBoxFlag xmlns:ma14="http://schemas.microsoft.com/office/mac/drawingml/2011/main" xmlns:a14="http://schemas.microsoft.com/office/drawing/2010/main" xmlns:m="http://schemas.openxmlformats.org/officeDocument/2006/math" xmlns="" val="1"/>
             </a:ext>
           </a:extLst>
         </p:spPr>
@@ -7403,7 +7403,7 @@
           </a:ln>
           <a:extLst>
             <a:ext uri="{C572A759-6A51-4108-AA02-DFA0A04FC94B}">
-              <ma14:wrappingTextBoxFlag xmlns="" xmlns:m="http://schemas.openxmlformats.org/officeDocument/2006/math" xmlns:a14="http://schemas.microsoft.com/office/drawing/2010/main" xmlns:ma14="http://schemas.microsoft.com/office/mac/drawingml/2011/main" val="1"/>
+              <ma14:wrappingTextBoxFlag xmlns:ma14="http://schemas.microsoft.com/office/mac/drawingml/2011/main" xmlns:a14="http://schemas.microsoft.com/office/drawing/2010/main" xmlns:m="http://schemas.openxmlformats.org/officeDocument/2006/math" xmlns="" val="1"/>
             </a:ext>
           </a:extLst>
         </p:spPr>
@@ -7470,7 +7470,7 @@
           </a:ln>
           <a:extLst>
             <a:ext uri="{C572A759-6A51-4108-AA02-DFA0A04FC94B}">
-              <ma14:wrappingTextBoxFlag xmlns="" xmlns:m="http://schemas.openxmlformats.org/officeDocument/2006/math" xmlns:a14="http://schemas.microsoft.com/office/drawing/2010/main" xmlns:ma14="http://schemas.microsoft.com/office/mac/drawingml/2011/main" val="1"/>
+              <ma14:wrappingTextBoxFlag xmlns:ma14="http://schemas.microsoft.com/office/mac/drawingml/2011/main" xmlns:a14="http://schemas.microsoft.com/office/drawing/2010/main" xmlns:m="http://schemas.openxmlformats.org/officeDocument/2006/math" xmlns="" val="1"/>
             </a:ext>
           </a:extLst>
         </p:spPr>
@@ -7560,7 +7560,7 @@
           </a:ln>
           <a:extLst>
             <a:ext uri="{C572A759-6A51-4108-AA02-DFA0A04FC94B}">
-              <ma14:wrappingTextBoxFlag xmlns="" xmlns:m="http://schemas.openxmlformats.org/officeDocument/2006/math" xmlns:a14="http://schemas.microsoft.com/office/drawing/2010/main" xmlns:ma14="http://schemas.microsoft.com/office/mac/drawingml/2011/main" val="1"/>
+              <ma14:wrappingTextBoxFlag xmlns:ma14="http://schemas.microsoft.com/office/mac/drawingml/2011/main" xmlns:a14="http://schemas.microsoft.com/office/drawing/2010/main" xmlns:m="http://schemas.openxmlformats.org/officeDocument/2006/math" xmlns="" val="1"/>
             </a:ext>
           </a:extLst>
         </p:spPr>
@@ -7601,7 +7601,7 @@
           </a:ln>
           <a:extLst>
             <a:ext uri="{C572A759-6A51-4108-AA02-DFA0A04FC94B}">
-              <ma14:wrappingTextBoxFlag xmlns="" xmlns:m="http://schemas.openxmlformats.org/officeDocument/2006/math" xmlns:a14="http://schemas.microsoft.com/office/drawing/2010/main" xmlns:ma14="http://schemas.microsoft.com/office/mac/drawingml/2011/main" val="1"/>
+              <ma14:wrappingTextBoxFlag xmlns:ma14="http://schemas.microsoft.com/office/mac/drawingml/2011/main" xmlns:a14="http://schemas.microsoft.com/office/drawing/2010/main" xmlns:m="http://schemas.openxmlformats.org/officeDocument/2006/math" xmlns="" val="1"/>
             </a:ext>
           </a:extLst>
         </p:spPr>
@@ -7642,7 +7642,7 @@
           </a:ln>
           <a:extLst>
             <a:ext uri="{C572A759-6A51-4108-AA02-DFA0A04FC94B}">
-              <ma14:wrappingTextBoxFlag xmlns="" xmlns:m="http://schemas.openxmlformats.org/officeDocument/2006/math" xmlns:a14="http://schemas.microsoft.com/office/drawing/2010/main" xmlns:ma14="http://schemas.microsoft.com/office/mac/drawingml/2011/main" val="1"/>
+              <ma14:wrappingTextBoxFlag xmlns:ma14="http://schemas.microsoft.com/office/mac/drawingml/2011/main" xmlns:a14="http://schemas.microsoft.com/office/drawing/2010/main" xmlns:m="http://schemas.openxmlformats.org/officeDocument/2006/math" xmlns="" val="1"/>
             </a:ext>
           </a:extLst>
         </p:spPr>
@@ -7709,7 +7709,7 @@
           </a:ln>
           <a:extLst>
             <a:ext uri="{C572A759-6A51-4108-AA02-DFA0A04FC94B}">
-              <ma14:wrappingTextBoxFlag xmlns="" xmlns:m="http://schemas.openxmlformats.org/officeDocument/2006/math" xmlns:a14="http://schemas.microsoft.com/office/drawing/2010/main" xmlns:ma14="http://schemas.microsoft.com/office/mac/drawingml/2011/main" val="1"/>
+              <ma14:wrappingTextBoxFlag xmlns:ma14="http://schemas.microsoft.com/office/mac/drawingml/2011/main" xmlns:a14="http://schemas.microsoft.com/office/drawing/2010/main" xmlns:m="http://schemas.openxmlformats.org/officeDocument/2006/math" xmlns="" val="1"/>
             </a:ext>
           </a:extLst>
         </p:spPr>
@@ -7798,7 +7798,7 @@
           </a:ln>
           <a:extLst>
             <a:ext uri="{C572A759-6A51-4108-AA02-DFA0A04FC94B}">
-              <ma14:wrappingTextBoxFlag xmlns="" xmlns:m="http://schemas.openxmlformats.org/officeDocument/2006/math" xmlns:a14="http://schemas.microsoft.com/office/drawing/2010/main" xmlns:ma14="http://schemas.microsoft.com/office/mac/drawingml/2011/main" val="1"/>
+              <ma14:wrappingTextBoxFlag xmlns:ma14="http://schemas.microsoft.com/office/mac/drawingml/2011/main" xmlns:a14="http://schemas.microsoft.com/office/drawing/2010/main" xmlns:m="http://schemas.openxmlformats.org/officeDocument/2006/math" xmlns="" val="1"/>
             </a:ext>
           </a:extLst>
         </p:spPr>
@@ -7838,7 +7838,7 @@
           </a:ln>
           <a:extLst>
             <a:ext uri="{C572A759-6A51-4108-AA02-DFA0A04FC94B}">
-              <ma14:wrappingTextBoxFlag xmlns="" xmlns:m="http://schemas.openxmlformats.org/officeDocument/2006/math" xmlns:a14="http://schemas.microsoft.com/office/drawing/2010/main" xmlns:ma14="http://schemas.microsoft.com/office/mac/drawingml/2011/main" val="1"/>
+              <ma14:wrappingTextBoxFlag xmlns:ma14="http://schemas.microsoft.com/office/mac/drawingml/2011/main" xmlns:a14="http://schemas.microsoft.com/office/drawing/2010/main" xmlns:m="http://schemas.openxmlformats.org/officeDocument/2006/math" xmlns="" val="1"/>
             </a:ext>
           </a:extLst>
         </p:spPr>
@@ -7878,7 +7878,7 @@
           </a:ln>
           <a:extLst>
             <a:ext uri="{C572A759-6A51-4108-AA02-DFA0A04FC94B}">
-              <ma14:wrappingTextBoxFlag xmlns="" xmlns:m="http://schemas.openxmlformats.org/officeDocument/2006/math" xmlns:a14="http://schemas.microsoft.com/office/drawing/2010/main" xmlns:ma14="http://schemas.microsoft.com/office/mac/drawingml/2011/main" val="1"/>
+              <ma14:wrappingTextBoxFlag xmlns:ma14="http://schemas.microsoft.com/office/mac/drawingml/2011/main" xmlns:a14="http://schemas.microsoft.com/office/drawing/2010/main" xmlns:m="http://schemas.openxmlformats.org/officeDocument/2006/math" xmlns="" val="1"/>
             </a:ext>
           </a:extLst>
         </p:spPr>
@@ -7944,7 +7944,7 @@
           </a:ln>
           <a:extLst>
             <a:ext uri="{C572A759-6A51-4108-AA02-DFA0A04FC94B}">
-              <ma14:wrappingTextBoxFlag xmlns="" xmlns:m="http://schemas.openxmlformats.org/officeDocument/2006/math" xmlns:a14="http://schemas.microsoft.com/office/drawing/2010/main" xmlns:ma14="http://schemas.microsoft.com/office/mac/drawingml/2011/main" val="1"/>
+              <ma14:wrappingTextBoxFlag xmlns:ma14="http://schemas.microsoft.com/office/mac/drawingml/2011/main" xmlns:a14="http://schemas.microsoft.com/office/drawing/2010/main" xmlns:m="http://schemas.openxmlformats.org/officeDocument/2006/math" xmlns="" val="1"/>
             </a:ext>
           </a:extLst>
         </p:spPr>
@@ -7990,7 +7990,7 @@
           </a:ln>
           <a:extLst>
             <a:ext uri="{C572A759-6A51-4108-AA02-DFA0A04FC94B}">
-              <ma14:wrappingTextBoxFlag xmlns="" xmlns:m="http://schemas.openxmlformats.org/officeDocument/2006/math" xmlns:a14="http://schemas.microsoft.com/office/drawing/2010/main" xmlns:ma14="http://schemas.microsoft.com/office/mac/drawingml/2011/main" val="1"/>
+              <ma14:wrappingTextBoxFlag xmlns:ma14="http://schemas.microsoft.com/office/mac/drawingml/2011/main" xmlns:a14="http://schemas.microsoft.com/office/drawing/2010/main" xmlns:m="http://schemas.openxmlformats.org/officeDocument/2006/math" xmlns="" val="1"/>
             </a:ext>
           </a:extLst>
         </p:spPr>
@@ -8057,7 +8057,7 @@
           </a:ln>
           <a:extLst>
             <a:ext uri="{C572A759-6A51-4108-AA02-DFA0A04FC94B}">
-              <ma14:wrappingTextBoxFlag xmlns="" xmlns:m="http://schemas.openxmlformats.org/officeDocument/2006/math" xmlns:a14="http://schemas.microsoft.com/office/drawing/2010/main" xmlns:ma14="http://schemas.microsoft.com/office/mac/drawingml/2011/main" val="1"/>
+              <ma14:wrappingTextBoxFlag xmlns:ma14="http://schemas.microsoft.com/office/mac/drawingml/2011/main" xmlns:a14="http://schemas.microsoft.com/office/drawing/2010/main" xmlns:m="http://schemas.openxmlformats.org/officeDocument/2006/math" xmlns="" val="1"/>
             </a:ext>
           </a:extLst>
         </p:spPr>
@@ -8101,7 +8101,7 @@
           </a:ln>
           <a:extLst>
             <a:ext uri="{C572A759-6A51-4108-AA02-DFA0A04FC94B}">
-              <ma14:wrappingTextBoxFlag xmlns="" xmlns:m="http://schemas.openxmlformats.org/officeDocument/2006/math" xmlns:a14="http://schemas.microsoft.com/office/drawing/2010/main" xmlns:ma14="http://schemas.microsoft.com/office/mac/drawingml/2011/main" val="1"/>
+              <ma14:wrappingTextBoxFlag xmlns:ma14="http://schemas.microsoft.com/office/mac/drawingml/2011/main" xmlns:a14="http://schemas.microsoft.com/office/drawing/2010/main" xmlns:m="http://schemas.openxmlformats.org/officeDocument/2006/math" xmlns="" val="1"/>
             </a:ext>
           </a:extLst>
         </p:spPr>
@@ -8168,7 +8168,7 @@
           </a:ln>
           <a:extLst>
             <a:ext uri="{C572A759-6A51-4108-AA02-DFA0A04FC94B}">
-              <ma14:wrappingTextBoxFlag xmlns="" xmlns:m="http://schemas.openxmlformats.org/officeDocument/2006/math" xmlns:a14="http://schemas.microsoft.com/office/drawing/2010/main" xmlns:ma14="http://schemas.microsoft.com/office/mac/drawingml/2011/main" val="1"/>
+              <ma14:wrappingTextBoxFlag xmlns:ma14="http://schemas.microsoft.com/office/mac/drawingml/2011/main" xmlns:a14="http://schemas.microsoft.com/office/drawing/2010/main" xmlns:m="http://schemas.openxmlformats.org/officeDocument/2006/math" xmlns="" val="1"/>
             </a:ext>
           </a:extLst>
         </p:spPr>
@@ -8247,7 +8247,7 @@
           </a:ln>
           <a:extLst>
             <a:ext uri="{C572A759-6A51-4108-AA02-DFA0A04FC94B}">
-              <ma14:wrappingTextBoxFlag xmlns="" xmlns:m="http://schemas.openxmlformats.org/officeDocument/2006/math" xmlns:a14="http://schemas.microsoft.com/office/drawing/2010/main" xmlns:ma14="http://schemas.microsoft.com/office/mac/drawingml/2011/main" val="1"/>
+              <ma14:wrappingTextBoxFlag xmlns:ma14="http://schemas.microsoft.com/office/mac/drawingml/2011/main" xmlns:a14="http://schemas.microsoft.com/office/drawing/2010/main" xmlns:m="http://schemas.openxmlformats.org/officeDocument/2006/math" xmlns="" val="1"/>
             </a:ext>
           </a:extLst>
         </p:spPr>
@@ -8313,7 +8313,7 @@
           </a:ln>
           <a:extLst>
             <a:ext uri="{C572A759-6A51-4108-AA02-DFA0A04FC94B}">
-              <ma14:wrappingTextBoxFlag xmlns="" xmlns:m="http://schemas.openxmlformats.org/officeDocument/2006/math" xmlns:a14="http://schemas.microsoft.com/office/drawing/2010/main" xmlns:ma14="http://schemas.microsoft.com/office/mac/drawingml/2011/main" val="1"/>
+              <ma14:wrappingTextBoxFlag xmlns:ma14="http://schemas.microsoft.com/office/mac/drawingml/2011/main" xmlns:a14="http://schemas.microsoft.com/office/drawing/2010/main" xmlns:m="http://schemas.openxmlformats.org/officeDocument/2006/math" xmlns="" val="1"/>
             </a:ext>
           </a:extLst>
         </p:spPr>
@@ -8384,7 +8384,7 @@
           </a:ln>
           <a:extLst>
             <a:ext uri="{C572A759-6A51-4108-AA02-DFA0A04FC94B}">
-              <ma14:wrappingTextBoxFlag xmlns="" xmlns:m="http://schemas.openxmlformats.org/officeDocument/2006/math" xmlns:a14="http://schemas.microsoft.com/office/drawing/2010/main" xmlns:ma14="http://schemas.microsoft.com/office/mac/drawingml/2011/main" val="1"/>
+              <ma14:wrappingTextBoxFlag xmlns:ma14="http://schemas.microsoft.com/office/mac/drawingml/2011/main" xmlns:a14="http://schemas.microsoft.com/office/drawing/2010/main" xmlns:m="http://schemas.openxmlformats.org/officeDocument/2006/math" xmlns="" val="1"/>
             </a:ext>
           </a:extLst>
         </p:spPr>
@@ -8425,7 +8425,7 @@
           </a:ln>
           <a:extLst>
             <a:ext uri="{C572A759-6A51-4108-AA02-DFA0A04FC94B}">
-              <ma14:wrappingTextBoxFlag xmlns="" xmlns:m="http://schemas.openxmlformats.org/officeDocument/2006/math" xmlns:a14="http://schemas.microsoft.com/office/drawing/2010/main" xmlns:ma14="http://schemas.microsoft.com/office/mac/drawingml/2011/main" val="1"/>
+              <ma14:wrappingTextBoxFlag xmlns:ma14="http://schemas.microsoft.com/office/mac/drawingml/2011/main" xmlns:a14="http://schemas.microsoft.com/office/drawing/2010/main" xmlns:m="http://schemas.openxmlformats.org/officeDocument/2006/math" xmlns="" val="1"/>
             </a:ext>
           </a:extLst>
         </p:spPr>
@@ -8492,7 +8492,7 @@
           </a:ln>
           <a:extLst>
             <a:ext uri="{C572A759-6A51-4108-AA02-DFA0A04FC94B}">
-              <ma14:wrappingTextBoxFlag xmlns="" xmlns:m="http://schemas.openxmlformats.org/officeDocument/2006/math" xmlns:a14="http://schemas.microsoft.com/office/drawing/2010/main" xmlns:ma14="http://schemas.microsoft.com/office/mac/drawingml/2011/main" val="1"/>
+              <ma14:wrappingTextBoxFlag xmlns:ma14="http://schemas.microsoft.com/office/mac/drawingml/2011/main" xmlns:a14="http://schemas.microsoft.com/office/drawing/2010/main" xmlns:m="http://schemas.openxmlformats.org/officeDocument/2006/math" xmlns="" val="1"/>
             </a:ext>
           </a:extLst>
         </p:spPr>
@@ -8536,7 +8536,7 @@
           </a:ln>
           <a:extLst>
             <a:ext uri="{C572A759-6A51-4108-AA02-DFA0A04FC94B}">
-              <ma14:wrappingTextBoxFlag xmlns="" xmlns:m="http://schemas.openxmlformats.org/officeDocument/2006/math" xmlns:a14="http://schemas.microsoft.com/office/drawing/2010/main" xmlns:ma14="http://schemas.microsoft.com/office/mac/drawingml/2011/main" val="1"/>
+              <ma14:wrappingTextBoxFlag xmlns:ma14="http://schemas.microsoft.com/office/mac/drawingml/2011/main" xmlns:a14="http://schemas.microsoft.com/office/drawing/2010/main" xmlns:m="http://schemas.openxmlformats.org/officeDocument/2006/math" xmlns="" val="1"/>
             </a:ext>
           </a:extLst>
         </p:spPr>
@@ -8603,7 +8603,7 @@
           </a:ln>
           <a:extLst>
             <a:ext uri="{C572A759-6A51-4108-AA02-DFA0A04FC94B}">
-              <ma14:wrappingTextBoxFlag xmlns="" xmlns:m="http://schemas.openxmlformats.org/officeDocument/2006/math" xmlns:a14="http://schemas.microsoft.com/office/drawing/2010/main" xmlns:ma14="http://schemas.microsoft.com/office/mac/drawingml/2011/main" val="1"/>
+              <ma14:wrappingTextBoxFlag xmlns:ma14="http://schemas.microsoft.com/office/mac/drawingml/2011/main" xmlns:a14="http://schemas.microsoft.com/office/drawing/2010/main" xmlns:m="http://schemas.openxmlformats.org/officeDocument/2006/math" xmlns="" val="1"/>
             </a:ext>
           </a:extLst>
         </p:spPr>
@@ -8675,7 +8675,7 @@
           </a:ln>
           <a:extLst>
             <a:ext uri="{C572A759-6A51-4108-AA02-DFA0A04FC94B}">
-              <ma14:wrappingTextBoxFlag xmlns="" xmlns:m="http://schemas.openxmlformats.org/officeDocument/2006/math" xmlns:a14="http://schemas.microsoft.com/office/drawing/2010/main" xmlns:ma14="http://schemas.microsoft.com/office/mac/drawingml/2011/main" val="1"/>
+              <ma14:wrappingTextBoxFlag xmlns:ma14="http://schemas.microsoft.com/office/mac/drawingml/2011/main" xmlns:a14="http://schemas.microsoft.com/office/drawing/2010/main" xmlns:m="http://schemas.openxmlformats.org/officeDocument/2006/math" xmlns="" val="1"/>
             </a:ext>
           </a:extLst>
         </p:spPr>
@@ -8716,7 +8716,7 @@
           </a:ln>
           <a:extLst>
             <a:ext uri="{C572A759-6A51-4108-AA02-DFA0A04FC94B}">
-              <ma14:wrappingTextBoxFlag xmlns="" xmlns:m="http://schemas.openxmlformats.org/officeDocument/2006/math" xmlns:a14="http://schemas.microsoft.com/office/drawing/2010/main" xmlns:ma14="http://schemas.microsoft.com/office/mac/drawingml/2011/main" val="1"/>
+              <ma14:wrappingTextBoxFlag xmlns:ma14="http://schemas.microsoft.com/office/mac/drawingml/2011/main" xmlns:a14="http://schemas.microsoft.com/office/drawing/2010/main" xmlns:m="http://schemas.openxmlformats.org/officeDocument/2006/math" xmlns="" val="1"/>
             </a:ext>
           </a:extLst>
         </p:spPr>
@@ -8783,7 +8783,7 @@
           </a:ln>
           <a:extLst>
             <a:ext uri="{C572A759-6A51-4108-AA02-DFA0A04FC94B}">
-              <ma14:wrappingTextBoxFlag xmlns="" xmlns:m="http://schemas.openxmlformats.org/officeDocument/2006/math" xmlns:a14="http://schemas.microsoft.com/office/drawing/2010/main" xmlns:ma14="http://schemas.microsoft.com/office/mac/drawingml/2011/main" val="1"/>
+              <ma14:wrappingTextBoxFlag xmlns:ma14="http://schemas.microsoft.com/office/mac/drawingml/2011/main" xmlns:a14="http://schemas.microsoft.com/office/drawing/2010/main" xmlns:m="http://schemas.openxmlformats.org/officeDocument/2006/math" xmlns="" val="1"/>
             </a:ext>
           </a:extLst>
         </p:spPr>
@@ -8837,7 +8837,7 @@
           </a:ln>
           <a:extLst>
             <a:ext uri="{C572A759-6A51-4108-AA02-DFA0A04FC94B}">
-              <ma14:wrappingTextBoxFlag xmlns="" xmlns:m="http://schemas.openxmlformats.org/officeDocument/2006/math" xmlns:a14="http://schemas.microsoft.com/office/drawing/2010/main" xmlns:ma14="http://schemas.microsoft.com/office/mac/drawingml/2011/main" val="1"/>
+              <ma14:wrappingTextBoxFlag xmlns:ma14="http://schemas.microsoft.com/office/mac/drawingml/2011/main" xmlns:a14="http://schemas.microsoft.com/office/drawing/2010/main" xmlns:m="http://schemas.openxmlformats.org/officeDocument/2006/math" xmlns="" val="1"/>
             </a:ext>
           </a:extLst>
         </p:spPr>
@@ -8903,7 +8903,7 @@
           </a:ln>
           <a:extLst>
             <a:ext uri="{C572A759-6A51-4108-AA02-DFA0A04FC94B}">
-              <ma14:wrappingTextBoxFlag xmlns="" xmlns:m="http://schemas.openxmlformats.org/officeDocument/2006/math" xmlns:a14="http://schemas.microsoft.com/office/drawing/2010/main" xmlns:ma14="http://schemas.microsoft.com/office/mac/drawingml/2011/main" val="1"/>
+              <ma14:wrappingTextBoxFlag xmlns:ma14="http://schemas.microsoft.com/office/mac/drawingml/2011/main" xmlns:a14="http://schemas.microsoft.com/office/drawing/2010/main" xmlns:m="http://schemas.openxmlformats.org/officeDocument/2006/math" xmlns="" val="1"/>
             </a:ext>
           </a:extLst>
         </p:spPr>
@@ -8954,7 +8954,7 @@
           </a:ln>
           <a:extLst>
             <a:ext uri="{C572A759-6A51-4108-AA02-DFA0A04FC94B}">
-              <ma14:wrappingTextBoxFlag xmlns="" xmlns:m="http://schemas.openxmlformats.org/officeDocument/2006/math" xmlns:a14="http://schemas.microsoft.com/office/drawing/2010/main" xmlns:ma14="http://schemas.microsoft.com/office/mac/drawingml/2011/main" val="1"/>
+              <ma14:wrappingTextBoxFlag xmlns:ma14="http://schemas.microsoft.com/office/mac/drawingml/2011/main" xmlns:a14="http://schemas.microsoft.com/office/drawing/2010/main" xmlns:m="http://schemas.openxmlformats.org/officeDocument/2006/math" xmlns="" val="1"/>
             </a:ext>
           </a:extLst>
         </p:spPr>
@@ -9020,7 +9020,7 @@
           </a:ln>
           <a:extLst>
             <a:ext uri="{C572A759-6A51-4108-AA02-DFA0A04FC94B}">
-              <ma14:wrappingTextBoxFlag xmlns="" xmlns:m="http://schemas.openxmlformats.org/officeDocument/2006/math" xmlns:a14="http://schemas.microsoft.com/office/drawing/2010/main" xmlns:ma14="http://schemas.microsoft.com/office/mac/drawingml/2011/main" val="1"/>
+              <ma14:wrappingTextBoxFlag xmlns:ma14="http://schemas.microsoft.com/office/mac/drawingml/2011/main" xmlns:a14="http://schemas.microsoft.com/office/drawing/2010/main" xmlns:m="http://schemas.openxmlformats.org/officeDocument/2006/math" xmlns="" val="1"/>
             </a:ext>
           </a:extLst>
         </p:spPr>
@@ -9110,7 +9110,7 @@
           </a:ln>
           <a:extLst>
             <a:ext uri="{C572A759-6A51-4108-AA02-DFA0A04FC94B}">
-              <ma14:wrappingTextBoxFlag xmlns="" xmlns:m="http://schemas.openxmlformats.org/officeDocument/2006/math" xmlns:a14="http://schemas.microsoft.com/office/drawing/2010/main" xmlns:ma14="http://schemas.microsoft.com/office/mac/drawingml/2011/main" val="1"/>
+              <ma14:wrappingTextBoxFlag xmlns:ma14="http://schemas.microsoft.com/office/mac/drawingml/2011/main" xmlns:a14="http://schemas.microsoft.com/office/drawing/2010/main" xmlns:m="http://schemas.openxmlformats.org/officeDocument/2006/math" xmlns="" val="1"/>
             </a:ext>
           </a:extLst>
         </p:spPr>
@@ -9151,7 +9151,7 @@
           </a:ln>
           <a:extLst>
             <a:ext uri="{C572A759-6A51-4108-AA02-DFA0A04FC94B}">
-              <ma14:wrappingTextBoxFlag xmlns="" xmlns:m="http://schemas.openxmlformats.org/officeDocument/2006/math" xmlns:a14="http://schemas.microsoft.com/office/drawing/2010/main" xmlns:ma14="http://schemas.microsoft.com/office/mac/drawingml/2011/main" val="1"/>
+              <ma14:wrappingTextBoxFlag xmlns:ma14="http://schemas.microsoft.com/office/mac/drawingml/2011/main" xmlns:a14="http://schemas.microsoft.com/office/drawing/2010/main" xmlns:m="http://schemas.openxmlformats.org/officeDocument/2006/math" xmlns="" val="1"/>
             </a:ext>
           </a:extLst>
         </p:spPr>
@@ -9192,7 +9192,7 @@
           </a:ln>
           <a:extLst>
             <a:ext uri="{C572A759-6A51-4108-AA02-DFA0A04FC94B}">
-              <ma14:wrappingTextBoxFlag xmlns="" xmlns:m="http://schemas.openxmlformats.org/officeDocument/2006/math" xmlns:a14="http://schemas.microsoft.com/office/drawing/2010/main" xmlns:ma14="http://schemas.microsoft.com/office/mac/drawingml/2011/main" val="1"/>
+              <ma14:wrappingTextBoxFlag xmlns:ma14="http://schemas.microsoft.com/office/mac/drawingml/2011/main" xmlns:a14="http://schemas.microsoft.com/office/drawing/2010/main" xmlns:m="http://schemas.openxmlformats.org/officeDocument/2006/math" xmlns="" val="1"/>
             </a:ext>
           </a:extLst>
         </p:spPr>
@@ -9259,7 +9259,7 @@
           </a:ln>
           <a:extLst>
             <a:ext uri="{C572A759-6A51-4108-AA02-DFA0A04FC94B}">
-              <ma14:wrappingTextBoxFlag xmlns="" xmlns:m="http://schemas.openxmlformats.org/officeDocument/2006/math" xmlns:a14="http://schemas.microsoft.com/office/drawing/2010/main" xmlns:ma14="http://schemas.microsoft.com/office/mac/drawingml/2011/main" val="1"/>
+              <ma14:wrappingTextBoxFlag xmlns:ma14="http://schemas.microsoft.com/office/mac/drawingml/2011/main" xmlns:a14="http://schemas.microsoft.com/office/drawing/2010/main" xmlns:m="http://schemas.openxmlformats.org/officeDocument/2006/math" xmlns="" val="1"/>
             </a:ext>
           </a:extLst>
         </p:spPr>
@@ -9298,7 +9298,7 @@
           </a:prstGeom>
           <a:extLst>
             <a:ext uri="{C572A759-6A51-4108-AA02-DFA0A04FC94B}">
-              <ma14:wrappingTextBoxFlag xmlns:ma14="http://schemas.microsoft.com/office/mac/drawingml/2011/main" xmlns:a14="http://schemas.microsoft.com/office/drawing/2010/main" xmlns:m="http://schemas.openxmlformats.org/officeDocument/2006/math" xmlns="" val="1"/>
+              <ma14:wrappingTextBoxFlag xmlns="" xmlns:m="http://schemas.openxmlformats.org/officeDocument/2006/math" xmlns:a14="http://schemas.microsoft.com/office/drawing/2010/main" xmlns:ma14="http://schemas.microsoft.com/office/mac/drawingml/2011/main" val="1"/>
             </a:ext>
           </a:extLst>
         </p:spPr>
@@ -9366,7 +9366,7 @@
           </a:ln>
           <a:extLst>
             <a:ext uri="{C572A759-6A51-4108-AA02-DFA0A04FC94B}">
-              <ma14:wrappingTextBoxFlag xmlns:ma14="http://schemas.microsoft.com/office/mac/drawingml/2011/main" xmlns:a14="http://schemas.microsoft.com/office/drawing/2010/main" xmlns:m="http://schemas.openxmlformats.org/officeDocument/2006/math" xmlns="" val="1"/>
+              <ma14:wrappingTextBoxFlag xmlns="" xmlns:m="http://schemas.openxmlformats.org/officeDocument/2006/math" xmlns:a14="http://schemas.microsoft.com/office/drawing/2010/main" xmlns:ma14="http://schemas.microsoft.com/office/mac/drawingml/2011/main" val="1"/>
             </a:ext>
           </a:extLst>
         </p:spPr>
@@ -9671,7 +9671,7 @@
           </a:ln>
           <a:extLst>
             <a:ext uri="{C572A759-6A51-4108-AA02-DFA0A04FC94B}">
-              <ma14:wrappingTextBoxFlag xmlns="" xmlns:m="http://schemas.openxmlformats.org/officeDocument/2006/math" xmlns:a14="http://schemas.microsoft.com/office/drawing/2010/main" xmlns:ma14="http://schemas.microsoft.com/office/mac/drawingml/2011/main" val="1"/>
+              <ma14:wrappingTextBoxFlag xmlns:ma14="http://schemas.microsoft.com/office/mac/drawingml/2011/main" xmlns:a14="http://schemas.microsoft.com/office/drawing/2010/main" xmlns:m="http://schemas.openxmlformats.org/officeDocument/2006/math" xmlns="" val="1"/>
             </a:ext>
           </a:extLst>
         </p:spPr>
@@ -9777,7 +9777,7 @@
           </a:ln>
           <a:extLst>
             <a:ext uri="{C572A759-6A51-4108-AA02-DFA0A04FC94B}">
-              <ma14:wrappingTextBoxFlag xmlns="" xmlns:m="http://schemas.openxmlformats.org/officeDocument/2006/math" xmlns:a14="http://schemas.microsoft.com/office/drawing/2010/main" xmlns:ma14="http://schemas.microsoft.com/office/mac/drawingml/2011/main" val="1"/>
+              <ma14:wrappingTextBoxFlag xmlns:ma14="http://schemas.microsoft.com/office/mac/drawingml/2011/main" xmlns:a14="http://schemas.microsoft.com/office/drawing/2010/main" xmlns:m="http://schemas.openxmlformats.org/officeDocument/2006/math" xmlns="" val="1"/>
             </a:ext>
           </a:extLst>
         </p:spPr>
@@ -9846,7 +9846,7 @@
           </a:ln>
           <a:extLst>
             <a:ext uri="{C572A759-6A51-4108-AA02-DFA0A04FC94B}">
-              <ma14:wrappingTextBoxFlag xmlns="" xmlns:m="http://schemas.openxmlformats.org/officeDocument/2006/math" xmlns:a14="http://schemas.microsoft.com/office/drawing/2010/main" xmlns:ma14="http://schemas.microsoft.com/office/mac/drawingml/2011/main" val="1"/>
+              <ma14:wrappingTextBoxFlag xmlns:ma14="http://schemas.microsoft.com/office/mac/drawingml/2011/main" xmlns:a14="http://schemas.microsoft.com/office/drawing/2010/main" xmlns:m="http://schemas.openxmlformats.org/officeDocument/2006/math" xmlns="" val="1"/>
             </a:ext>
           </a:extLst>
         </p:spPr>
@@ -9912,7 +9912,7 @@
           </a:ln>
           <a:extLst>
             <a:ext uri="{C572A759-6A51-4108-AA02-DFA0A04FC94B}">
-              <ma14:wrappingTextBoxFlag xmlns="" xmlns:m="http://schemas.openxmlformats.org/officeDocument/2006/math" xmlns:a14="http://schemas.microsoft.com/office/drawing/2010/main" xmlns:ma14="http://schemas.microsoft.com/office/mac/drawingml/2011/main" val="1"/>
+              <ma14:wrappingTextBoxFlag xmlns:ma14="http://schemas.microsoft.com/office/mac/drawingml/2011/main" xmlns:a14="http://schemas.microsoft.com/office/drawing/2010/main" xmlns:m="http://schemas.openxmlformats.org/officeDocument/2006/math" xmlns="" val="1"/>
             </a:ext>
           </a:extLst>
         </p:spPr>
@@ -9955,7 +9955,7 @@
           </a:ln>
           <a:extLst>
             <a:ext uri="{C572A759-6A51-4108-AA02-DFA0A04FC94B}">
-              <ma14:wrappingTextBoxFlag xmlns="" xmlns:m="http://schemas.openxmlformats.org/officeDocument/2006/math" xmlns:a14="http://schemas.microsoft.com/office/drawing/2010/main" xmlns:ma14="http://schemas.microsoft.com/office/mac/drawingml/2011/main" val="1"/>
+              <ma14:wrappingTextBoxFlag xmlns:ma14="http://schemas.microsoft.com/office/mac/drawingml/2011/main" xmlns:a14="http://schemas.microsoft.com/office/drawing/2010/main" xmlns:m="http://schemas.openxmlformats.org/officeDocument/2006/math" xmlns="" val="1"/>
             </a:ext>
           </a:extLst>
         </p:spPr>
@@ -10021,7 +10021,7 @@
           </a:ln>
           <a:extLst>
             <a:ext uri="{C572A759-6A51-4108-AA02-DFA0A04FC94B}">
-              <ma14:wrappingTextBoxFlag xmlns="" xmlns:m="http://schemas.openxmlformats.org/officeDocument/2006/math" xmlns:a14="http://schemas.microsoft.com/office/drawing/2010/main" xmlns:ma14="http://schemas.microsoft.com/office/mac/drawingml/2011/main" val="1"/>
+              <ma14:wrappingTextBoxFlag xmlns:ma14="http://schemas.microsoft.com/office/mac/drawingml/2011/main" xmlns:a14="http://schemas.microsoft.com/office/drawing/2010/main" xmlns:m="http://schemas.openxmlformats.org/officeDocument/2006/math" xmlns="" val="1"/>
             </a:ext>
           </a:extLst>
         </p:spPr>
@@ -10068,7 +10068,7 @@
           </a:ln>
           <a:extLst>
             <a:ext uri="{C572A759-6A51-4108-AA02-DFA0A04FC94B}">
-              <ma14:wrappingTextBoxFlag xmlns="" xmlns:m="http://schemas.openxmlformats.org/officeDocument/2006/math" xmlns:a14="http://schemas.microsoft.com/office/drawing/2010/main" xmlns:ma14="http://schemas.microsoft.com/office/mac/drawingml/2011/main" val="1"/>
+              <ma14:wrappingTextBoxFlag xmlns:ma14="http://schemas.microsoft.com/office/mac/drawingml/2011/main" xmlns:a14="http://schemas.microsoft.com/office/drawing/2010/main" xmlns:m="http://schemas.openxmlformats.org/officeDocument/2006/math" xmlns="" val="1"/>
             </a:ext>
           </a:extLst>
         </p:spPr>
@@ -10134,7 +10134,7 @@
           </a:ln>
           <a:extLst>
             <a:ext uri="{C572A759-6A51-4108-AA02-DFA0A04FC94B}">
-              <ma14:wrappingTextBoxFlag xmlns="" xmlns:m="http://schemas.openxmlformats.org/officeDocument/2006/math" xmlns:a14="http://schemas.microsoft.com/office/drawing/2010/main" xmlns:ma14="http://schemas.microsoft.com/office/mac/drawingml/2011/main" val="1"/>
+              <ma14:wrappingTextBoxFlag xmlns:ma14="http://schemas.microsoft.com/office/mac/drawingml/2011/main" xmlns:a14="http://schemas.microsoft.com/office/drawing/2010/main" xmlns:m="http://schemas.openxmlformats.org/officeDocument/2006/math" xmlns="" val="1"/>
             </a:ext>
           </a:extLst>
         </p:spPr>
@@ -10181,7 +10181,7 @@
           </a:ln>
           <a:extLst>
             <a:ext uri="{C572A759-6A51-4108-AA02-DFA0A04FC94B}">
-              <ma14:wrappingTextBoxFlag xmlns="" xmlns:m="http://schemas.openxmlformats.org/officeDocument/2006/math" xmlns:a14="http://schemas.microsoft.com/office/drawing/2010/main" xmlns:ma14="http://schemas.microsoft.com/office/mac/drawingml/2011/main" val="1"/>
+              <ma14:wrappingTextBoxFlag xmlns:ma14="http://schemas.microsoft.com/office/mac/drawingml/2011/main" xmlns:a14="http://schemas.microsoft.com/office/drawing/2010/main" xmlns:m="http://schemas.openxmlformats.org/officeDocument/2006/math" xmlns="" val="1"/>
             </a:ext>
           </a:extLst>
         </p:spPr>
@@ -10247,7 +10247,7 @@
           </a:ln>
           <a:extLst>
             <a:ext uri="{C572A759-6A51-4108-AA02-DFA0A04FC94B}">
-              <ma14:wrappingTextBoxFlag xmlns="" xmlns:m="http://schemas.openxmlformats.org/officeDocument/2006/math" xmlns:a14="http://schemas.microsoft.com/office/drawing/2010/main" xmlns:ma14="http://schemas.microsoft.com/office/mac/drawingml/2011/main" val="1"/>
+              <ma14:wrappingTextBoxFlag xmlns:ma14="http://schemas.microsoft.com/office/mac/drawingml/2011/main" xmlns:a14="http://schemas.microsoft.com/office/drawing/2010/main" xmlns:m="http://schemas.openxmlformats.org/officeDocument/2006/math" xmlns="" val="1"/>
             </a:ext>
           </a:extLst>
         </p:spPr>
@@ -10439,7 +10439,7 @@
           </a:ln>
           <a:extLst>
             <a:ext uri="{C572A759-6A51-4108-AA02-DFA0A04FC94B}">
-              <ma14:wrappingTextBoxFlag xmlns="" xmlns:m="http://schemas.openxmlformats.org/officeDocument/2006/math" xmlns:a14="http://schemas.microsoft.com/office/drawing/2010/main" xmlns:ma14="http://schemas.microsoft.com/office/mac/drawingml/2011/main" val="1"/>
+              <ma14:wrappingTextBoxFlag xmlns:ma14="http://schemas.microsoft.com/office/mac/drawingml/2011/main" xmlns:a14="http://schemas.microsoft.com/office/drawing/2010/main" xmlns:m="http://schemas.openxmlformats.org/officeDocument/2006/math" xmlns="" val="1"/>
             </a:ext>
           </a:extLst>
         </p:spPr>
@@ -10521,7 +10521,7 @@
           </a:ln>
           <a:extLst>
             <a:ext uri="{C572A759-6A51-4108-AA02-DFA0A04FC94B}">
-              <ma14:wrappingTextBoxFlag xmlns="" xmlns:m="http://schemas.openxmlformats.org/officeDocument/2006/math" xmlns:a14="http://schemas.microsoft.com/office/drawing/2010/main" xmlns:ma14="http://schemas.microsoft.com/office/mac/drawingml/2011/main" val="1"/>
+              <ma14:wrappingTextBoxFlag xmlns:ma14="http://schemas.microsoft.com/office/mac/drawingml/2011/main" xmlns:a14="http://schemas.microsoft.com/office/drawing/2010/main" xmlns:m="http://schemas.openxmlformats.org/officeDocument/2006/math" xmlns="" val="1"/>
             </a:ext>
           </a:extLst>
         </p:spPr>
@@ -10561,7 +10561,7 @@
           </a:ln>
           <a:extLst>
             <a:ext uri="{C572A759-6A51-4108-AA02-DFA0A04FC94B}">
-              <ma14:wrappingTextBoxFlag xmlns="" xmlns:m="http://schemas.openxmlformats.org/officeDocument/2006/math" xmlns:a14="http://schemas.microsoft.com/office/drawing/2010/main" xmlns:ma14="http://schemas.microsoft.com/office/mac/drawingml/2011/main" val="1"/>
+              <ma14:wrappingTextBoxFlag xmlns:ma14="http://schemas.microsoft.com/office/mac/drawingml/2011/main" xmlns:a14="http://schemas.microsoft.com/office/drawing/2010/main" xmlns:m="http://schemas.openxmlformats.org/officeDocument/2006/math" xmlns="" val="1"/>
             </a:ext>
           </a:extLst>
         </p:spPr>
@@ -10601,7 +10601,7 @@
           </a:ln>
           <a:extLst>
             <a:ext uri="{C572A759-6A51-4108-AA02-DFA0A04FC94B}">
-              <ma14:wrappingTextBoxFlag xmlns="" xmlns:m="http://schemas.openxmlformats.org/officeDocument/2006/math" xmlns:a14="http://schemas.microsoft.com/office/drawing/2010/main" xmlns:ma14="http://schemas.microsoft.com/office/mac/drawingml/2011/main" val="1"/>
+              <ma14:wrappingTextBoxFlag xmlns:ma14="http://schemas.microsoft.com/office/mac/drawingml/2011/main" xmlns:a14="http://schemas.microsoft.com/office/drawing/2010/main" xmlns:m="http://schemas.openxmlformats.org/officeDocument/2006/math" xmlns="" val="1"/>
             </a:ext>
           </a:extLst>
         </p:spPr>
@@ -10667,7 +10667,7 @@
           </a:ln>
           <a:extLst>
             <a:ext uri="{C572A759-6A51-4108-AA02-DFA0A04FC94B}">
-              <ma14:wrappingTextBoxFlag xmlns="" xmlns:m="http://schemas.openxmlformats.org/officeDocument/2006/math" xmlns:a14="http://schemas.microsoft.com/office/drawing/2010/main" xmlns:ma14="http://schemas.microsoft.com/office/mac/drawingml/2011/main" val="1"/>
+              <ma14:wrappingTextBoxFlag xmlns:ma14="http://schemas.microsoft.com/office/mac/drawingml/2011/main" xmlns:a14="http://schemas.microsoft.com/office/drawing/2010/main" xmlns:m="http://schemas.openxmlformats.org/officeDocument/2006/math" xmlns="" val="1"/>
             </a:ext>
           </a:extLst>
         </p:spPr>
@@ -10731,7 +10731,7 @@
           </a:ln>
           <a:extLst>
             <a:ext uri="{C572A759-6A51-4108-AA02-DFA0A04FC94B}">
-              <ma14:wrappingTextBoxFlag xmlns="" xmlns:m="http://schemas.openxmlformats.org/officeDocument/2006/math" xmlns:a14="http://schemas.microsoft.com/office/drawing/2010/main" xmlns:ma14="http://schemas.microsoft.com/office/mac/drawingml/2011/main" val="1"/>
+              <ma14:wrappingTextBoxFlag xmlns:ma14="http://schemas.microsoft.com/office/mac/drawingml/2011/main" xmlns:a14="http://schemas.microsoft.com/office/drawing/2010/main" xmlns:m="http://schemas.openxmlformats.org/officeDocument/2006/math" xmlns="" val="1"/>
             </a:ext>
           </a:extLst>
         </p:spPr>
@@ -10772,7 +10772,7 @@
           </a:ln>
           <a:extLst>
             <a:ext uri="{C572A759-6A51-4108-AA02-DFA0A04FC94B}">
-              <ma14:wrappingTextBoxFlag xmlns="" xmlns:m="http://schemas.openxmlformats.org/officeDocument/2006/math" xmlns:a14="http://schemas.microsoft.com/office/drawing/2010/main" xmlns:ma14="http://schemas.microsoft.com/office/mac/drawingml/2011/main" val="1"/>
+              <ma14:wrappingTextBoxFlag xmlns:ma14="http://schemas.microsoft.com/office/mac/drawingml/2011/main" xmlns:a14="http://schemas.microsoft.com/office/drawing/2010/main" xmlns:m="http://schemas.openxmlformats.org/officeDocument/2006/math" xmlns="" val="1"/>
             </a:ext>
           </a:extLst>
         </p:spPr>
@@ -10839,7 +10839,7 @@
           </a:ln>
           <a:extLst>
             <a:ext uri="{C572A759-6A51-4108-AA02-DFA0A04FC94B}">
-              <ma14:wrappingTextBoxFlag xmlns="" xmlns:m="http://schemas.openxmlformats.org/officeDocument/2006/math" xmlns:a14="http://schemas.microsoft.com/office/drawing/2010/main" xmlns:ma14="http://schemas.microsoft.com/office/mac/drawingml/2011/main" val="1"/>
+              <ma14:wrappingTextBoxFlag xmlns:ma14="http://schemas.microsoft.com/office/mac/drawingml/2011/main" xmlns:a14="http://schemas.microsoft.com/office/drawing/2010/main" xmlns:m="http://schemas.openxmlformats.org/officeDocument/2006/math" xmlns="" val="1"/>
             </a:ext>
           </a:extLst>
         </p:spPr>
@@ -10954,7 +10954,7 @@
           </a:ln>
           <a:extLst>
             <a:ext uri="{C572A759-6A51-4108-AA02-DFA0A04FC94B}">
-              <ma14:wrappingTextBoxFlag xmlns="" xmlns:m="http://schemas.openxmlformats.org/officeDocument/2006/math" xmlns:a14="http://schemas.microsoft.com/office/drawing/2010/main" xmlns:ma14="http://schemas.microsoft.com/office/mac/drawingml/2011/main" val="1"/>
+              <ma14:wrappingTextBoxFlag xmlns:ma14="http://schemas.microsoft.com/office/mac/drawingml/2011/main" xmlns:a14="http://schemas.microsoft.com/office/drawing/2010/main" xmlns:m="http://schemas.openxmlformats.org/officeDocument/2006/math" xmlns="" val="1"/>
             </a:ext>
           </a:extLst>
         </p:spPr>
@@ -10995,7 +10995,7 @@
           </a:ln>
           <a:extLst>
             <a:ext uri="{C572A759-6A51-4108-AA02-DFA0A04FC94B}">
-              <ma14:wrappingTextBoxFlag xmlns="" xmlns:m="http://schemas.openxmlformats.org/officeDocument/2006/math" xmlns:a14="http://schemas.microsoft.com/office/drawing/2010/main" xmlns:ma14="http://schemas.microsoft.com/office/mac/drawingml/2011/main" val="1"/>
+              <ma14:wrappingTextBoxFlag xmlns:ma14="http://schemas.microsoft.com/office/mac/drawingml/2011/main" xmlns:a14="http://schemas.microsoft.com/office/drawing/2010/main" xmlns:m="http://schemas.openxmlformats.org/officeDocument/2006/math" xmlns="" val="1"/>
             </a:ext>
           </a:extLst>
         </p:spPr>
@@ -11062,7 +11062,7 @@
           </a:ln>
           <a:extLst>
             <a:ext uri="{C572A759-6A51-4108-AA02-DFA0A04FC94B}">
-              <ma14:wrappingTextBoxFlag xmlns="" xmlns:m="http://schemas.openxmlformats.org/officeDocument/2006/math" xmlns:a14="http://schemas.microsoft.com/office/drawing/2010/main" xmlns:ma14="http://schemas.microsoft.com/office/mac/drawingml/2011/main" val="1"/>
+              <ma14:wrappingTextBoxFlag xmlns:ma14="http://schemas.microsoft.com/office/mac/drawingml/2011/main" xmlns:a14="http://schemas.microsoft.com/office/drawing/2010/main" xmlns:m="http://schemas.openxmlformats.org/officeDocument/2006/math" xmlns="" val="1"/>
             </a:ext>
           </a:extLst>
         </p:spPr>
@@ -11123,7 +11123,7 @@
           </a:ln>
           <a:extLst>
             <a:ext uri="{C572A759-6A51-4108-AA02-DFA0A04FC94B}">
-              <ma14:wrappingTextBoxFlag xmlns="" xmlns:m="http://schemas.openxmlformats.org/officeDocument/2006/math" xmlns:a14="http://schemas.microsoft.com/office/drawing/2010/main" xmlns:ma14="http://schemas.microsoft.com/office/mac/drawingml/2011/main" val="1"/>
+              <ma14:wrappingTextBoxFlag xmlns:ma14="http://schemas.microsoft.com/office/mac/drawingml/2011/main" xmlns:a14="http://schemas.microsoft.com/office/drawing/2010/main" xmlns:m="http://schemas.openxmlformats.org/officeDocument/2006/math" xmlns="" val="1"/>
             </a:ext>
           </a:extLst>
         </p:spPr>
@@ -11189,7 +11189,7 @@
           </a:ln>
           <a:extLst>
             <a:ext uri="{C572A759-6A51-4108-AA02-DFA0A04FC94B}">
-              <ma14:wrappingTextBoxFlag xmlns="" xmlns:m="http://schemas.openxmlformats.org/officeDocument/2006/math" xmlns:a14="http://schemas.microsoft.com/office/drawing/2010/main" xmlns:ma14="http://schemas.microsoft.com/office/mac/drawingml/2011/main" val="1"/>
+              <ma14:wrappingTextBoxFlag xmlns:ma14="http://schemas.microsoft.com/office/mac/drawingml/2011/main" xmlns:a14="http://schemas.microsoft.com/office/drawing/2010/main" xmlns:m="http://schemas.openxmlformats.org/officeDocument/2006/math" xmlns="" val="1"/>
             </a:ext>
           </a:extLst>
         </p:spPr>
@@ -11236,7 +11236,7 @@
           </a:ln>
           <a:extLst>
             <a:ext uri="{C572A759-6A51-4108-AA02-DFA0A04FC94B}">
-              <ma14:wrappingTextBoxFlag xmlns="" xmlns:m="http://schemas.openxmlformats.org/officeDocument/2006/math" xmlns:a14="http://schemas.microsoft.com/office/drawing/2010/main" xmlns:ma14="http://schemas.microsoft.com/office/mac/drawingml/2011/main" val="1"/>
+              <ma14:wrappingTextBoxFlag xmlns:ma14="http://schemas.microsoft.com/office/mac/drawingml/2011/main" xmlns:a14="http://schemas.microsoft.com/office/drawing/2010/main" xmlns:m="http://schemas.openxmlformats.org/officeDocument/2006/math" xmlns="" val="1"/>
             </a:ext>
           </a:extLst>
         </p:spPr>
@@ -11303,7 +11303,7 @@
           </a:ln>
           <a:extLst>
             <a:ext uri="{C572A759-6A51-4108-AA02-DFA0A04FC94B}">
-              <ma14:wrappingTextBoxFlag xmlns="" xmlns:m="http://schemas.openxmlformats.org/officeDocument/2006/math" xmlns:a14="http://schemas.microsoft.com/office/drawing/2010/main" xmlns:ma14="http://schemas.microsoft.com/office/mac/drawingml/2011/main" val="1"/>
+              <ma14:wrappingTextBoxFlag xmlns:ma14="http://schemas.microsoft.com/office/mac/drawingml/2011/main" xmlns:a14="http://schemas.microsoft.com/office/drawing/2010/main" xmlns:m="http://schemas.openxmlformats.org/officeDocument/2006/math" xmlns="" val="1"/>
             </a:ext>
           </a:extLst>
         </p:spPr>
@@ -11367,7 +11367,7 @@
           </a:ln>
           <a:extLst>
             <a:ext uri="{C572A759-6A51-4108-AA02-DFA0A04FC94B}">
-              <ma14:wrappingTextBoxFlag xmlns="" xmlns:m="http://schemas.openxmlformats.org/officeDocument/2006/math" xmlns:a14="http://schemas.microsoft.com/office/drawing/2010/main" xmlns:ma14="http://schemas.microsoft.com/office/mac/drawingml/2011/main" val="1"/>
+              <ma14:wrappingTextBoxFlag xmlns:ma14="http://schemas.microsoft.com/office/mac/drawingml/2011/main" xmlns:a14="http://schemas.microsoft.com/office/drawing/2010/main" xmlns:m="http://schemas.openxmlformats.org/officeDocument/2006/math" xmlns="" val="1"/>
             </a:ext>
           </a:extLst>
         </p:spPr>
@@ -11407,7 +11407,7 @@
           </a:ln>
           <a:extLst>
             <a:ext uri="{C572A759-6A51-4108-AA02-DFA0A04FC94B}">
-              <ma14:wrappingTextBoxFlag xmlns="" xmlns:m="http://schemas.openxmlformats.org/officeDocument/2006/math" xmlns:a14="http://schemas.microsoft.com/office/drawing/2010/main" xmlns:ma14="http://schemas.microsoft.com/office/mac/drawingml/2011/main" val="1"/>
+              <ma14:wrappingTextBoxFlag xmlns:ma14="http://schemas.microsoft.com/office/mac/drawingml/2011/main" xmlns:a14="http://schemas.microsoft.com/office/drawing/2010/main" xmlns:m="http://schemas.openxmlformats.org/officeDocument/2006/math" xmlns="" val="1"/>
             </a:ext>
           </a:extLst>
         </p:spPr>
@@ -11473,7 +11473,7 @@
           </a:ln>
           <a:extLst>
             <a:ext uri="{C572A759-6A51-4108-AA02-DFA0A04FC94B}">
-              <ma14:wrappingTextBoxFlag xmlns="" xmlns:m="http://schemas.openxmlformats.org/officeDocument/2006/math" xmlns:a14="http://schemas.microsoft.com/office/drawing/2010/main" xmlns:ma14="http://schemas.microsoft.com/office/mac/drawingml/2011/main" val="1"/>
+              <ma14:wrappingTextBoxFlag xmlns:ma14="http://schemas.microsoft.com/office/mac/drawingml/2011/main" xmlns:a14="http://schemas.microsoft.com/office/drawing/2010/main" xmlns:m="http://schemas.openxmlformats.org/officeDocument/2006/math" xmlns="" val="1"/>
             </a:ext>
           </a:extLst>
         </p:spPr>
@@ -11537,7 +11537,7 @@
           </a:ln>
           <a:extLst>
             <a:ext uri="{C572A759-6A51-4108-AA02-DFA0A04FC94B}">
-              <ma14:wrappingTextBoxFlag xmlns="" xmlns:m="http://schemas.openxmlformats.org/officeDocument/2006/math" xmlns:a14="http://schemas.microsoft.com/office/drawing/2010/main" xmlns:ma14="http://schemas.microsoft.com/office/mac/drawingml/2011/main" val="1"/>
+              <ma14:wrappingTextBoxFlag xmlns:ma14="http://schemas.microsoft.com/office/mac/drawingml/2011/main" xmlns:a14="http://schemas.microsoft.com/office/drawing/2010/main" xmlns:m="http://schemas.openxmlformats.org/officeDocument/2006/math" xmlns="" val="1"/>
             </a:ext>
           </a:extLst>
         </p:spPr>
@@ -11578,7 +11578,7 @@
           </a:ln>
           <a:extLst>
             <a:ext uri="{C572A759-6A51-4108-AA02-DFA0A04FC94B}">
-              <ma14:wrappingTextBoxFlag xmlns="" xmlns:m="http://schemas.openxmlformats.org/officeDocument/2006/math" xmlns:a14="http://schemas.microsoft.com/office/drawing/2010/main" xmlns:ma14="http://schemas.microsoft.com/office/mac/drawingml/2011/main" val="1"/>
+              <ma14:wrappingTextBoxFlag xmlns:ma14="http://schemas.microsoft.com/office/mac/drawingml/2011/main" xmlns:a14="http://schemas.microsoft.com/office/drawing/2010/main" xmlns:m="http://schemas.openxmlformats.org/officeDocument/2006/math" xmlns="" val="1"/>
             </a:ext>
           </a:extLst>
         </p:spPr>
@@ -11645,7 +11645,7 @@
           </a:ln>
           <a:extLst>
             <a:ext uri="{C572A759-6A51-4108-AA02-DFA0A04FC94B}">
-              <ma14:wrappingTextBoxFlag xmlns="" xmlns:m="http://schemas.openxmlformats.org/officeDocument/2006/math" xmlns:a14="http://schemas.microsoft.com/office/drawing/2010/main" xmlns:ma14="http://schemas.microsoft.com/office/mac/drawingml/2011/main" val="1"/>
+              <ma14:wrappingTextBoxFlag xmlns:ma14="http://schemas.microsoft.com/office/mac/drawingml/2011/main" xmlns:a14="http://schemas.microsoft.com/office/drawing/2010/main" xmlns:m="http://schemas.openxmlformats.org/officeDocument/2006/math" xmlns="" val="1"/>
             </a:ext>
           </a:extLst>
         </p:spPr>
@@ -11706,7 +11706,7 @@
           </a:ln>
           <a:extLst>
             <a:ext uri="{C572A759-6A51-4108-AA02-DFA0A04FC94B}">
-              <ma14:wrappingTextBoxFlag xmlns="" xmlns:m="http://schemas.openxmlformats.org/officeDocument/2006/math" xmlns:a14="http://schemas.microsoft.com/office/drawing/2010/main" xmlns:ma14="http://schemas.microsoft.com/office/mac/drawingml/2011/main" val="1"/>
+              <ma14:wrappingTextBoxFlag xmlns:ma14="http://schemas.microsoft.com/office/mac/drawingml/2011/main" xmlns:a14="http://schemas.microsoft.com/office/drawing/2010/main" xmlns:m="http://schemas.openxmlformats.org/officeDocument/2006/math" xmlns="" val="1"/>
             </a:ext>
           </a:extLst>
         </p:spPr>
@@ -11775,8 +11775,8 @@
         </p:nvSpPr>
         <p:spPr>
           <a:xfrm>
-            <a:off x="1459636" y="2051700"/>
-            <a:ext cx="9272729" cy="2754600"/>
+            <a:off x="1144646" y="2459504"/>
+            <a:ext cx="9902709" cy="1938992"/>
           </a:xfrm>
           <a:prstGeom prst="rect">
             <a:avLst/>
@@ -11788,7 +11788,7 @@
           </a:ln>
           <a:extLst>
             <a:ext uri="{C572A759-6A51-4108-AA02-DFA0A04FC94B}">
-              <ma14:wrappingTextBoxFlag xmlns="" xmlns:m="http://schemas.openxmlformats.org/officeDocument/2006/math" xmlns:a14="http://schemas.microsoft.com/office/drawing/2010/main" xmlns:ma14="http://schemas.microsoft.com/office/mac/drawingml/2011/main" val="1"/>
+              <ma14:wrappingTextBoxFlag xmlns:ma14="http://schemas.microsoft.com/office/mac/drawingml/2011/main" xmlns:a14="http://schemas.microsoft.com/office/drawing/2010/main" xmlns:m="http://schemas.openxmlformats.org/officeDocument/2006/math" xmlns="" val="1"/>
             </a:ext>
           </a:extLst>
         </p:spPr>
@@ -11817,13 +11817,13 @@
           </a:lstStyle>
           <a:p>
             <a:r>
-              <a:rPr sz="17300" b="1" dirty="0">
+              <a:rPr sz="12000" dirty="0">
                 <a:solidFill>
                   <a:schemeClr val="accent6">
                     <a:lumMod val="50000"/>
                   </a:schemeClr>
                 </a:solidFill>
-                <a:latin typeface="SAVOYE LET PLAIN:1.0" pitchFamily="2" charset="0"/>
+                <a:latin typeface="Goudy Bookletter 1911" panose="02000503000000000000" pitchFamily="2" charset="0"/>
               </a:rPr>
               <a:t>Announcements</a:t>
             </a:r>
@@ -11892,7 +11892,7 @@
           </a:ln>
           <a:extLst>
             <a:ext uri="{C572A759-6A51-4108-AA02-DFA0A04FC94B}">
-              <ma14:wrappingTextBoxFlag xmlns="" xmlns:m="http://schemas.openxmlformats.org/officeDocument/2006/math" xmlns:a14="http://schemas.microsoft.com/office/drawing/2010/main" xmlns:ma14="http://schemas.microsoft.com/office/mac/drawingml/2011/main" val="1"/>
+              <ma14:wrappingTextBoxFlag xmlns:ma14="http://schemas.microsoft.com/office/mac/drawingml/2011/main" xmlns:a14="http://schemas.microsoft.com/office/drawing/2010/main" xmlns:m="http://schemas.openxmlformats.org/officeDocument/2006/math" xmlns="" val="1"/>
             </a:ext>
           </a:extLst>
         </p:spPr>
@@ -12209,7 +12209,7 @@
           </a:ln>
           <a:extLst>
             <a:ext uri="{C572A759-6A51-4108-AA02-DFA0A04FC94B}">
-              <ma14:wrappingTextBoxFlag xmlns="" xmlns:m="http://schemas.openxmlformats.org/officeDocument/2006/math" xmlns:a14="http://schemas.microsoft.com/office/drawing/2010/main" xmlns:ma14="http://schemas.microsoft.com/office/mac/drawingml/2011/main" val="1"/>
+              <ma14:wrappingTextBoxFlag xmlns:ma14="http://schemas.microsoft.com/office/mac/drawingml/2011/main" xmlns:a14="http://schemas.microsoft.com/office/drawing/2010/main" xmlns:m="http://schemas.openxmlformats.org/officeDocument/2006/math" xmlns="" val="1"/>
             </a:ext>
           </a:extLst>
         </p:spPr>
@@ -12257,7 +12257,7 @@
           </a:ln>
           <a:extLst>
             <a:ext uri="{C572A759-6A51-4108-AA02-DFA0A04FC94B}">
-              <ma14:wrappingTextBoxFlag xmlns="" xmlns:m="http://schemas.openxmlformats.org/officeDocument/2006/math" xmlns:a14="http://schemas.microsoft.com/office/drawing/2010/main" xmlns:ma14="http://schemas.microsoft.com/office/mac/drawingml/2011/main" val="1"/>
+              <ma14:wrappingTextBoxFlag xmlns:ma14="http://schemas.microsoft.com/office/mac/drawingml/2011/main" xmlns:a14="http://schemas.microsoft.com/office/drawing/2010/main" xmlns:m="http://schemas.openxmlformats.org/officeDocument/2006/math" xmlns="" val="1"/>
             </a:ext>
           </a:extLst>
         </p:spPr>
@@ -12344,7 +12344,7 @@
           </a:ln>
           <a:extLst>
             <a:ext uri="{C572A759-6A51-4108-AA02-DFA0A04FC94B}">
-              <ma14:wrappingTextBoxFlag xmlns:ma14="http://schemas.microsoft.com/office/mac/drawingml/2011/main" xmlns:a14="http://schemas.microsoft.com/office/drawing/2010/main" xmlns:m="http://schemas.openxmlformats.org/officeDocument/2006/math" xmlns="" val="1"/>
+              <ma14:wrappingTextBoxFlag xmlns="" xmlns:m="http://schemas.openxmlformats.org/officeDocument/2006/math" xmlns:a14="http://schemas.microsoft.com/office/drawing/2010/main" xmlns:ma14="http://schemas.microsoft.com/office/mac/drawingml/2011/main" val="1"/>
             </a:ext>
           </a:extLst>
         </p:spPr>
@@ -12531,8 +12531,8 @@
         </p:nvSpPr>
         <p:spPr>
           <a:xfrm>
-            <a:off x="3724202" y="128011"/>
-            <a:ext cx="4743604" cy="1477328"/>
+            <a:off x="2450616" y="128011"/>
+            <a:ext cx="7290776" cy="1477328"/>
           </a:xfrm>
           <a:prstGeom prst="rect">
             <a:avLst/>
@@ -12544,7 +12544,7 @@
           </a:ln>
           <a:extLst>
             <a:ext uri="{C572A759-6A51-4108-AA02-DFA0A04FC94B}">
-              <ma14:wrappingTextBoxFlag xmlns="" xmlns:m="http://schemas.openxmlformats.org/officeDocument/2006/math" xmlns:a14="http://schemas.microsoft.com/office/drawing/2010/main" xmlns:ma14="http://schemas.microsoft.com/office/mac/drawingml/2011/main" val="1"/>
+              <ma14:wrappingTextBoxFlag xmlns:ma14="http://schemas.microsoft.com/office/mac/drawingml/2011/main" xmlns:a14="http://schemas.microsoft.com/office/drawing/2010/main" xmlns:m="http://schemas.openxmlformats.org/officeDocument/2006/math" xmlns="" val="1"/>
             </a:ext>
           </a:extLst>
         </p:spPr>
@@ -12573,14 +12573,14 @@
           </a:lstStyle>
           <a:p>
             <a:r>
-              <a:rPr lang="en-US" sz="9000" b="1" dirty="0">
-                <a:latin typeface="SAVOYE LET PLAIN:1.0" pitchFamily="2" charset="0"/>
+              <a:rPr lang="en-US" sz="9000" dirty="0">
+                <a:latin typeface="Goudy Bookletter 1911" panose="02000503000000000000" pitchFamily="2" charset="0"/>
                 <a:cs typeface="Big Caslon Medium" panose="02000603090000020003" pitchFamily="2" charset="-79"/>
               </a:rPr>
               <a:t>Congratulations</a:t>
             </a:r>
-            <a:endParaRPr lang="ml-IN" sz="9000" b="1" dirty="0">
-              <a:latin typeface="SAVOYE LET PLAIN:1.0" pitchFamily="2" charset="0"/>
+            <a:endParaRPr lang="ml-IN" sz="9000" dirty="0">
+              <a:latin typeface="Goudy Bookletter 1911" panose="02000503000000000000" pitchFamily="2" charset="0"/>
               <a:cs typeface="Noto Serif Malayalam" pitchFamily="2" charset="0"/>
             </a:endParaRPr>
           </a:p>
@@ -13000,21 +13000,21 @@
         <p:spPr>
           <a:xfrm>
             <a:off x="67734" y="128011"/>
-            <a:ext cx="12056532" cy="1477328"/>
+            <a:ext cx="12056532" cy="2862322"/>
           </a:xfrm>
           <a:custGeom>
             <a:avLst/>
             <a:gdLst>
               <a:gd name="connsiteX0" fmla="*/ 0 w 12056532"/>
-              <a:gd name="connsiteY0" fmla="*/ 0 h 1477328"/>
+              <a:gd name="connsiteY0" fmla="*/ 0 h 2862322"/>
               <a:gd name="connsiteX1" fmla="*/ 12056532 w 12056532"/>
-              <a:gd name="connsiteY1" fmla="*/ 0 h 1477328"/>
+              <a:gd name="connsiteY1" fmla="*/ 0 h 2862322"/>
               <a:gd name="connsiteX2" fmla="*/ 12056532 w 12056532"/>
-              <a:gd name="connsiteY2" fmla="*/ 1477328 h 1477328"/>
+              <a:gd name="connsiteY2" fmla="*/ 2862322 h 2862322"/>
               <a:gd name="connsiteX3" fmla="*/ 0 w 12056532"/>
-              <a:gd name="connsiteY3" fmla="*/ 1477328 h 1477328"/>
+              <a:gd name="connsiteY3" fmla="*/ 2862322 h 2862322"/>
               <a:gd name="connsiteX4" fmla="*/ 0 w 12056532"/>
-              <a:gd name="connsiteY4" fmla="*/ 0 h 1477328"/>
+              <a:gd name="connsiteY4" fmla="*/ 0 h 2862322"/>
             </a:gdLst>
             <a:ahLst/>
             <a:cxnLst>
@@ -13036,7 +13036,7 @@
             </a:cxnLst>
             <a:rect l="l" t="t" r="r" b="b"/>
             <a:pathLst>
-              <a:path w="12056532" h="1477328" fill="none" extrusionOk="0">
+              <a:path w="12056532" h="2862322" fill="none" extrusionOk="0">
                 <a:moveTo>
                   <a:pt x="0" y="0"/>
                 </a:moveTo>
@@ -13046,23 +13046,23 @@
                   <a:pt x="12056532" y="0"/>
                 </a:cubicBezTo>
                 <a:cubicBezTo>
-                  <a:pt x="12079314" y="704010"/>
-                  <a:pt x="11929590" y="1305905"/>
-                  <a:pt x="12056532" y="1477328"/>
+                  <a:pt x="12144171" y="1177938"/>
+                  <a:pt x="11983853" y="2516856"/>
+                  <a:pt x="12056532" y="2862322"/>
                 </a:cubicBezTo>
                 <a:cubicBezTo>
-                  <a:pt x="7349610" y="1429097"/>
-                  <a:pt x="2523055" y="1561783"/>
-                  <a:pt x="0" y="1477328"/>
+                  <a:pt x="7349610" y="2814091"/>
+                  <a:pt x="2523055" y="2946777"/>
+                  <a:pt x="0" y="2862322"/>
                 </a:cubicBezTo>
                 <a:cubicBezTo>
-                  <a:pt x="-111356" y="1179937"/>
-                  <a:pt x="-105759" y="213824"/>
+                  <a:pt x="-38581" y="2462403"/>
+                  <a:pt x="63341" y="1014193"/>
                   <a:pt x="0" y="0"/>
                 </a:cubicBezTo>
                 <a:close/>
               </a:path>
-              <a:path w="12056532" h="1477328" stroke="0" extrusionOk="0">
+              <a:path w="12056532" h="2862322" stroke="0" extrusionOk="0">
                 <a:moveTo>
                   <a:pt x="0" y="0"/>
                 </a:moveTo>
@@ -13072,18 +13072,18 @@
                   <a:pt x="12056532" y="0"/>
                 </a:cubicBezTo>
                 <a:cubicBezTo>
-                  <a:pt x="12000488" y="735153"/>
-                  <a:pt x="12087712" y="1113412"/>
-                  <a:pt x="12056532" y="1477328"/>
+                  <a:pt x="11923650" y="618235"/>
+                  <a:pt x="12141483" y="2215913"/>
+                  <a:pt x="12056532" y="2862322"/>
                 </a:cubicBezTo>
                 <a:cubicBezTo>
-                  <a:pt x="6522974" y="1611928"/>
-                  <a:pt x="1365346" y="1320132"/>
-                  <a:pt x="0" y="1477328"/>
+                  <a:pt x="6522974" y="2996922"/>
+                  <a:pt x="1365346" y="2705126"/>
+                  <a:pt x="0" y="2862322"/>
                 </a:cubicBezTo>
                 <a:cubicBezTo>
-                  <a:pt x="-79908" y="1020908"/>
-                  <a:pt x="115447" y="636907"/>
+                  <a:pt x="-20187" y="1490128"/>
+                  <a:pt x="-152480" y="588272"/>
                   <a:pt x="0" y="0"/>
                 </a:cubicBezTo>
                 <a:close/>
@@ -13106,7 +13106,7 @@
           </a:ln>
           <a:extLst>
             <a:ext uri="{C572A759-6A51-4108-AA02-DFA0A04FC94B}">
-              <ma14:wrappingTextBoxFlag xmlns="" xmlns:m="http://schemas.openxmlformats.org/officeDocument/2006/math" xmlns:a14="http://schemas.microsoft.com/office/drawing/2010/main" xmlns:ma14="http://schemas.microsoft.com/office/mac/drawingml/2011/main" val="1"/>
+              <ma14:wrappingTextBoxFlag xmlns:ma14="http://schemas.microsoft.com/office/mac/drawingml/2011/main" xmlns:a14="http://schemas.microsoft.com/office/drawing/2010/main" xmlns:m="http://schemas.openxmlformats.org/officeDocument/2006/math" xmlns="" val="1"/>
             </a:ext>
           </a:extLst>
         </p:spPr>
@@ -13135,14 +13135,14 @@
           </a:lstStyle>
           <a:p>
             <a:r>
-              <a:rPr lang="en-US" sz="9000" b="1" dirty="0">
-                <a:latin typeface="SAVOYE LET PLAIN:1.0" pitchFamily="2" charset="0"/>
+              <a:rPr lang="en-US" sz="9000" dirty="0">
+                <a:latin typeface="Goudy Bookletter 1911" panose="02000503000000000000" pitchFamily="2" charset="0"/>
                 <a:cs typeface="Big Caslon Medium" panose="02000603090000020003" pitchFamily="2" charset="-79"/>
               </a:rPr>
               <a:t>Welcome to the Emmanuel Family!</a:t>
             </a:r>
-            <a:endParaRPr lang="ml-IN" sz="9000" b="1" dirty="0">
-              <a:latin typeface="SAVOYE LET PLAIN:1.0" pitchFamily="2" charset="0"/>
+            <a:endParaRPr lang="ml-IN" sz="9000" dirty="0">
+              <a:latin typeface="Goudy Bookletter 1911" panose="02000503000000000000" pitchFamily="2" charset="0"/>
               <a:cs typeface="Noto Serif Malayalam" pitchFamily="2" charset="0"/>
             </a:endParaRPr>
           </a:p>
@@ -13207,7 +13207,7 @@
               <a:tabLst/>
             </a:pPr>
             <a:r>
-              <a:rPr kumimoji="0" lang="en-US" sz="4800" b="1" i="0" u="none" strike="noStrike" cap="none" spc="0" normalizeH="0" baseline="0" dirty="0" err="1">
+              <a:rPr kumimoji="0" lang="en-US" sz="4800" u="none" strike="noStrike" cap="none" spc="0" normalizeH="0" baseline="0" dirty="0" err="1">
                 <a:ln>
                   <a:noFill/>
                 </a:ln>
@@ -13216,13 +13216,13 @@
                 </a:solidFill>
                 <a:effectLst/>
                 <a:uFillTx/>
-                <a:latin typeface="SAVOYE LET PLAIN:1.0" pitchFamily="2" charset="0"/>
+                <a:latin typeface="Goudy Bookletter 1911" panose="02000503000000000000" pitchFamily="2" charset="0"/>
                 <a:sym typeface="Goudy Bookletter 1911"/>
               </a:rPr>
               <a:t>Mr</a:t>
             </a:r>
             <a:r>
-              <a:rPr kumimoji="0" lang="en-US" sz="4800" b="1" i="0" u="none" strike="noStrike" cap="none" spc="0" normalizeH="0" baseline="0" dirty="0">
+              <a:rPr kumimoji="0" lang="en-US" sz="4800" u="none" strike="noStrike" cap="none" spc="0" normalizeH="0" baseline="0" dirty="0">
                 <a:ln>
                   <a:noFill/>
                 </a:ln>
@@ -13231,7 +13231,7 @@
                 </a:solidFill>
                 <a:effectLst/>
                 <a:uFillTx/>
-                <a:latin typeface="SAVOYE LET PLAIN:1.0" pitchFamily="2" charset="0"/>
+                <a:latin typeface="Goudy Bookletter 1911" panose="02000503000000000000" pitchFamily="2" charset="0"/>
                 <a:sym typeface="Goudy Bookletter 1911"/>
               </a:rPr>
               <a:t> John Doe</a:t>
@@ -13255,18 +13255,18 @@
               <a:tabLst/>
             </a:pPr>
             <a:r>
-              <a:rPr lang="en-US" sz="4800" b="1" dirty="0" err="1">
-                <a:latin typeface="SAVOYE LET PLAIN:1.0" pitchFamily="2" charset="0"/>
+              <a:rPr lang="en-US" sz="4800" dirty="0" err="1">
+                <a:latin typeface="Goudy Bookletter 1911" panose="02000503000000000000" pitchFamily="2" charset="0"/>
               </a:rPr>
               <a:t>Mrs</a:t>
             </a:r>
             <a:r>
-              <a:rPr lang="en-US" sz="4800" b="1" dirty="0">
-                <a:latin typeface="SAVOYE LET PLAIN:1.0" pitchFamily="2" charset="0"/>
+              <a:rPr lang="en-US" sz="4800" dirty="0">
+                <a:latin typeface="Goudy Bookletter 1911" panose="02000503000000000000" pitchFamily="2" charset="0"/>
               </a:rPr>
               <a:t> Mary Jane</a:t>
             </a:r>
-            <a:endParaRPr kumimoji="0" lang="en-US" sz="4800" b="1" i="0" u="none" strike="noStrike" cap="none" spc="0" normalizeH="0" baseline="0" dirty="0">
+            <a:endParaRPr kumimoji="0" lang="en-US" sz="4800" u="none" strike="noStrike" cap="none" spc="0" normalizeH="0" baseline="0" dirty="0">
               <a:ln>
                 <a:noFill/>
               </a:ln>
@@ -13275,7 +13275,7 @@
               </a:solidFill>
               <a:effectLst/>
               <a:uFillTx/>
-              <a:latin typeface="SAVOYE LET PLAIN:1.0" pitchFamily="2" charset="0"/>
+              <a:latin typeface="Goudy Bookletter 1911" panose="02000503000000000000" pitchFamily="2" charset="0"/>
               <a:sym typeface="Goudy Bookletter 1911"/>
             </a:endParaRPr>
           </a:p>
@@ -13334,8 +13334,8 @@
         </p:nvSpPr>
         <p:spPr>
           <a:xfrm>
-            <a:off x="754634" y="26732"/>
-            <a:ext cx="10682731" cy="1477328"/>
+            <a:off x="-2434540" y="26732"/>
+            <a:ext cx="17061080" cy="1477328"/>
           </a:xfrm>
           <a:prstGeom prst="rect">
             <a:avLst/>
@@ -13347,7 +13347,7 @@
           </a:ln>
           <a:extLst>
             <a:ext uri="{C572A759-6A51-4108-AA02-DFA0A04FC94B}">
-              <ma14:wrappingTextBoxFlag xmlns:ma14="http://schemas.microsoft.com/office/mac/drawingml/2011/main" xmlns:a14="http://schemas.microsoft.com/office/drawing/2010/main" xmlns:m="http://schemas.openxmlformats.org/officeDocument/2006/math" xmlns="" val="1"/>
+              <ma14:wrappingTextBoxFlag xmlns="" xmlns:m="http://schemas.openxmlformats.org/officeDocument/2006/math" xmlns:a14="http://schemas.microsoft.com/office/drawing/2010/main" xmlns:ma14="http://schemas.microsoft.com/office/mac/drawingml/2011/main" val="1"/>
             </a:ext>
           </a:extLst>
         </p:spPr>
@@ -13376,24 +13376,24 @@
           </a:lstStyle>
           <a:p>
             <a:r>
-              <a:rPr lang="en-US" sz="9000" b="1" dirty="0">
+              <a:rPr lang="en-US" sz="9000" dirty="0">
                 <a:solidFill>
                   <a:schemeClr val="accent6">
                     <a:lumMod val="50000"/>
                   </a:schemeClr>
                 </a:solidFill>
-                <a:latin typeface="SAVOYE LET PLAIN:1.0" pitchFamily="2" charset="0"/>
+                <a:latin typeface="Goudy Bookletter 1911" panose="02000503000000000000" pitchFamily="2" charset="0"/>
                 <a:cs typeface="Big Caslon Medium" panose="02000603090000020003" pitchFamily="2" charset="-79"/>
               </a:rPr>
               <a:t>Welcome to our beloved Newlyweds!</a:t>
             </a:r>
-            <a:endParaRPr lang="ml-IN" sz="9000" b="1" dirty="0">
+            <a:endParaRPr lang="ml-IN" sz="9000" dirty="0">
               <a:solidFill>
                 <a:schemeClr val="accent6">
                   <a:lumMod val="50000"/>
                 </a:schemeClr>
               </a:solidFill>
-              <a:latin typeface="SAVOYE LET PLAIN:1.0" pitchFamily="2" charset="0"/>
+              <a:latin typeface="Goudy Bookletter 1911" panose="02000503000000000000" pitchFamily="2" charset="0"/>
               <a:cs typeface="Noto Serif Malayalam" pitchFamily="2" charset="0"/>
             </a:endParaRPr>
           </a:p>
@@ -13413,8 +13413,8 @@
         </p:nvSpPr>
         <p:spPr>
           <a:xfrm>
-            <a:off x="7939790" y="2588455"/>
-            <a:ext cx="1554271" cy="3785650"/>
+            <a:off x="7598351" y="2588455"/>
+            <a:ext cx="2237150" cy="3785650"/>
           </a:xfrm>
           <a:prstGeom prst="rect">
             <a:avLst/>
@@ -13462,7 +13462,7 @@
               <a:tabLst/>
             </a:pPr>
             <a:r>
-              <a:rPr kumimoji="0" lang="en-US" sz="8000" b="1" i="0" u="none" strike="noStrike" cap="none" spc="0" normalizeH="0" baseline="0" dirty="0">
+              <a:rPr kumimoji="0" lang="en-US" sz="8000" u="none" strike="noStrike" cap="none" spc="0" normalizeH="0" baseline="0" dirty="0">
                 <a:ln>
                   <a:noFill/>
                 </a:ln>
@@ -13471,7 +13471,7 @@
                 </a:solidFill>
                 <a:effectLst/>
                 <a:uFillTx/>
-                <a:latin typeface="SAVOYE LET PLAIN:1.0" pitchFamily="2" charset="0"/>
+                <a:latin typeface="Goudy Bookletter 1911" panose="02000503000000000000" pitchFamily="2" charset="0"/>
                 <a:sym typeface="Goudy Bookletter 1911"/>
               </a:rPr>
               <a:t>John</a:t>
@@ -13495,7 +13495,7 @@
               <a:tabLst/>
             </a:pPr>
             <a:r>
-              <a:rPr kumimoji="0" lang="en-US" sz="8000" b="1" i="0" u="none" strike="noStrike" cap="none" spc="0" normalizeH="0" baseline="0" dirty="0">
+              <a:rPr kumimoji="0" lang="en-US" sz="8000" u="none" strike="noStrike" cap="none" spc="0" normalizeH="0" baseline="0" dirty="0">
                 <a:ln>
                   <a:noFill/>
                 </a:ln>
@@ -13504,7 +13504,7 @@
                 </a:solidFill>
                 <a:effectLst/>
                 <a:uFillTx/>
-                <a:latin typeface="SAVOYE LET PLAIN:1.0" pitchFamily="2" charset="0"/>
+                <a:latin typeface="Goudy Bookletter 1911" panose="02000503000000000000" pitchFamily="2" charset="0"/>
                 <a:sym typeface="Goudy Bookletter 1911"/>
               </a:rPr>
               <a:t>&amp;</a:t>
@@ -13528,7 +13528,7 @@
               <a:tabLst/>
             </a:pPr>
             <a:r>
-              <a:rPr kumimoji="0" lang="en-US" sz="8000" b="1" i="0" u="none" strike="noStrike" cap="none" spc="0" normalizeH="0" baseline="0" dirty="0">
+              <a:rPr kumimoji="0" lang="en-US" sz="8000" u="none" strike="noStrike" cap="none" spc="0" normalizeH="0" baseline="0" dirty="0">
                 <a:ln>
                   <a:noFill/>
                 </a:ln>
@@ -13537,7 +13537,7 @@
                 </a:solidFill>
                 <a:effectLst/>
                 <a:uFillTx/>
-                <a:latin typeface="SAVOYE LET PLAIN:1.0" pitchFamily="2" charset="0"/>
+                <a:latin typeface="Goudy Bookletter 1911" panose="02000503000000000000" pitchFamily="2" charset="0"/>
                 <a:sym typeface="Goudy Bookletter 1911"/>
               </a:rPr>
               <a:t>Alice</a:t>
@@ -13952,8 +13952,8 @@
         </p:nvSpPr>
         <p:spPr>
           <a:xfrm>
-            <a:off x="0" y="348398"/>
-            <a:ext cx="12192000" cy="5401479"/>
+            <a:off x="0" y="1166843"/>
+            <a:ext cx="12192000" cy="4154984"/>
           </a:xfrm>
           <a:prstGeom prst="rect">
             <a:avLst/>
@@ -13964,7 +13964,7 @@
           </a:ln>
           <a:extLst>
             <a:ext uri="{C572A759-6A51-4108-AA02-DFA0A04FC94B}">
-              <ma14:wrappingTextBoxFlag xmlns:ma14="http://schemas.microsoft.com/office/mac/drawingml/2011/main" xmlns:a14="http://schemas.microsoft.com/office/drawing/2010/main" xmlns:m="http://schemas.openxmlformats.org/officeDocument/2006/math" xmlns="" val="1"/>
+              <ma14:wrappingTextBoxFlag xmlns="" xmlns:m="http://schemas.openxmlformats.org/officeDocument/2006/math" xmlns:a14="http://schemas.microsoft.com/office/drawing/2010/main" xmlns:ma14="http://schemas.microsoft.com/office/mac/drawingml/2011/main" val="1"/>
             </a:ext>
           </a:extLst>
         </p:spPr>
@@ -13993,13 +13993,13 @@
           </a:lstStyle>
           <a:p>
             <a:r>
-              <a:rPr lang="en-IN" sz="11500" b="1" dirty="0">
+              <a:rPr lang="en-IN" sz="8800" b="1" dirty="0">
                 <a:solidFill>
                   <a:schemeClr val="accent6">
                     <a:lumMod val="50000"/>
                   </a:schemeClr>
                 </a:solidFill>
-                <a:latin typeface="SAVOYE LET PLAIN:1.0" pitchFamily="2" charset="0"/>
+                <a:latin typeface="Goudy Bookletter 1911" panose="02000503000000000000" pitchFamily="2" charset="0"/>
                 <a:cs typeface="Noto Serif Malayalam" pitchFamily="2" charset="0"/>
               </a:rPr>
               <a:t>Guests and Visitors, </a:t>
@@ -14007,24 +14007,24 @@
           </a:p>
           <a:p>
             <a:r>
-              <a:rPr lang="en-IN" sz="11500" b="1" dirty="0">
+              <a:rPr lang="en-IN" sz="8800" b="1" dirty="0">
                 <a:solidFill>
                   <a:schemeClr val="accent6">
                     <a:lumMod val="50000"/>
                   </a:schemeClr>
                 </a:solidFill>
-                <a:latin typeface="SAVOYE LET PLAIN:1.0" pitchFamily="2" charset="0"/>
+                <a:latin typeface="Goudy Bookletter 1911" panose="02000503000000000000" pitchFamily="2" charset="0"/>
                 <a:cs typeface="Noto Serif Malayalam" pitchFamily="2" charset="0"/>
               </a:rPr>
               <a:t>please stand and introduce yourselves</a:t>
             </a:r>
-            <a:endParaRPr lang="ml-IN" sz="11500" b="1" dirty="0">
+            <a:endParaRPr lang="ml-IN" sz="8800" b="1" dirty="0">
               <a:solidFill>
                 <a:schemeClr val="accent6">
                   <a:lumMod val="50000"/>
                 </a:schemeClr>
               </a:solidFill>
-              <a:latin typeface="SAVOYE LET PLAIN:1.0" pitchFamily="2" charset="0"/>
+              <a:latin typeface="Goudy Bookletter 1911" panose="02000503000000000000" pitchFamily="2" charset="0"/>
               <a:cs typeface="Noto Serif Malayalam" pitchFamily="2" charset="0"/>
             </a:endParaRPr>
           </a:p>
@@ -14082,7 +14082,7 @@
           </a:ln>
           <a:extLst>
             <a:ext uri="{C572A759-6A51-4108-AA02-DFA0A04FC94B}">
-              <ma14:wrappingTextBoxFlag xmlns="" xmlns:m="http://schemas.openxmlformats.org/officeDocument/2006/math" xmlns:a14="http://schemas.microsoft.com/office/drawing/2010/main" xmlns:ma14="http://schemas.microsoft.com/office/mac/drawingml/2011/main" val="1"/>
+              <ma14:wrappingTextBoxFlag xmlns:ma14="http://schemas.microsoft.com/office/mac/drawingml/2011/main" xmlns:a14="http://schemas.microsoft.com/office/drawing/2010/main" xmlns:m="http://schemas.openxmlformats.org/officeDocument/2006/math" xmlns="" val="1"/>
             </a:ext>
           </a:extLst>
         </p:spPr>
@@ -14196,8 +14196,8 @@
         </p:nvSpPr>
         <p:spPr>
           <a:xfrm>
-            <a:off x="2086708" y="120402"/>
-            <a:ext cx="8018585" cy="6617196"/>
+            <a:off x="2086708" y="843677"/>
+            <a:ext cx="8018585" cy="5170646"/>
           </a:xfrm>
           <a:prstGeom prst="rect">
             <a:avLst/>
@@ -14205,7 +14205,7 @@
           <a:ln/>
           <a:extLst>
             <a:ext uri="{C572A759-6A51-4108-AA02-DFA0A04FC94B}">
-              <ma14:wrappingTextBoxFlag xmlns="" xmlns:m="http://schemas.openxmlformats.org/officeDocument/2006/math" xmlns:a14="http://schemas.microsoft.com/office/drawing/2010/main" xmlns:ma14="http://schemas.microsoft.com/office/mac/drawingml/2011/main" val="1"/>
+              <ma14:wrappingTextBoxFlag xmlns:ma14="http://schemas.microsoft.com/office/mac/drawingml/2011/main" xmlns:a14="http://schemas.microsoft.com/office/drawing/2010/main" xmlns:m="http://schemas.openxmlformats.org/officeDocument/2006/math" xmlns="" val="1"/>
             </a:ext>
           </a:extLst>
         </p:spPr>
@@ -14233,23 +14233,23 @@
               <a:defRPr sz="6600"/>
             </a:pPr>
             <a:r>
-              <a:rPr sz="9600" b="1" dirty="0">
+              <a:rPr sz="6600" b="1" dirty="0">
                 <a:solidFill>
                   <a:schemeClr val="accent6">
                     <a:lumMod val="50000"/>
                   </a:schemeClr>
                 </a:solidFill>
-                <a:latin typeface="SAVOYE LET PLAIN:1.0" pitchFamily="2" charset="0"/>
+                <a:latin typeface="Goudy Bookletter 1911" panose="02000503000000000000" pitchFamily="2" charset="0"/>
               </a:rPr>
               <a:t>Thank you for your </a:t>
             </a:r>
-            <a:endParaRPr lang="en-US" sz="9600" b="1" dirty="0">
+            <a:endParaRPr lang="en-US" sz="6600" b="1" dirty="0">
               <a:solidFill>
                 <a:schemeClr val="accent6">
                   <a:lumMod val="50000"/>
                 </a:schemeClr>
               </a:solidFill>
-              <a:latin typeface="SAVOYE LET PLAIN:1.0" pitchFamily="2" charset="0"/>
+              <a:latin typeface="Goudy Bookletter 1911" panose="02000503000000000000" pitchFamily="2" charset="0"/>
             </a:endParaRPr>
           </a:p>
           <a:p>
@@ -14257,36 +14257,36 @@
               <a:defRPr sz="6600"/>
             </a:pPr>
             <a:r>
-              <a:rPr sz="9600" b="1" dirty="0">
+              <a:rPr sz="6600" b="1" dirty="0">
                 <a:solidFill>
                   <a:schemeClr val="accent6">
                     <a:lumMod val="50000"/>
                   </a:schemeClr>
                 </a:solidFill>
-                <a:latin typeface="SAVOYE LET PLAIN:1.0" pitchFamily="2" charset="0"/>
+                <a:latin typeface="Goudy Bookletter 1911" panose="02000503000000000000" pitchFamily="2" charset="0"/>
               </a:rPr>
               <a:t>prayerful participation.</a:t>
             </a:r>
-            <a:endParaRPr lang="en-US" sz="9600" b="1" dirty="0">
+            <a:endParaRPr lang="en-US" sz="6600" b="1" dirty="0">
               <a:solidFill>
                 <a:schemeClr val="accent6">
                   <a:lumMod val="50000"/>
                 </a:schemeClr>
               </a:solidFill>
-              <a:latin typeface="SAVOYE LET PLAIN:1.0" pitchFamily="2" charset="0"/>
+              <a:latin typeface="Goudy Bookletter 1911" panose="02000503000000000000" pitchFamily="2" charset="0"/>
             </a:endParaRPr>
           </a:p>
           <a:p>
             <a:pPr algn="ctr">
               <a:defRPr sz="6600"/>
             </a:pPr>
-            <a:endParaRPr sz="4000" b="1" dirty="0">
+            <a:endParaRPr b="1" dirty="0">
               <a:solidFill>
                 <a:schemeClr val="accent6">
                   <a:lumMod val="50000"/>
                 </a:schemeClr>
               </a:solidFill>
-              <a:latin typeface="SAVOYE LET PLAIN:1.0" pitchFamily="2" charset="0"/>
+              <a:latin typeface="Goudy Bookletter 1911" panose="02000503000000000000" pitchFamily="2" charset="0"/>
             </a:endParaRPr>
           </a:p>
           <a:p>
@@ -14294,23 +14294,23 @@
               <a:defRPr sz="6600"/>
             </a:pPr>
             <a:r>
-              <a:rPr sz="9600" b="1" dirty="0">
+              <a:rPr sz="6600" b="1" dirty="0">
                 <a:solidFill>
                   <a:schemeClr val="accent6">
                     <a:lumMod val="50000"/>
                   </a:schemeClr>
                 </a:solidFill>
-                <a:latin typeface="SAVOYE LET PLAIN:1.0" pitchFamily="2" charset="0"/>
+                <a:latin typeface="Goudy Bookletter 1911" panose="02000503000000000000" pitchFamily="2" charset="0"/>
               </a:rPr>
               <a:t>Please join us for the </a:t>
             </a:r>
-            <a:endParaRPr lang="en-US" sz="9600" b="1" dirty="0">
+            <a:endParaRPr lang="en-US" sz="6600" b="1" dirty="0">
               <a:solidFill>
                 <a:schemeClr val="accent6">
                   <a:lumMod val="50000"/>
                 </a:schemeClr>
               </a:solidFill>
-              <a:latin typeface="SAVOYE LET PLAIN:1.0" pitchFamily="2" charset="0"/>
+              <a:latin typeface="Goudy Bookletter 1911" panose="02000503000000000000" pitchFamily="2" charset="0"/>
             </a:endParaRPr>
           </a:p>
           <a:p>
@@ -14318,46 +14318,46 @@
               <a:defRPr sz="6600"/>
             </a:pPr>
             <a:r>
-              <a:rPr lang="en-US" sz="9600" b="1" dirty="0">
+              <a:rPr lang="en-US" sz="6600" b="1" dirty="0">
                 <a:solidFill>
                   <a:schemeClr val="accent6">
                     <a:lumMod val="50000"/>
                   </a:schemeClr>
                 </a:solidFill>
-                <a:latin typeface="SAVOYE LET PLAIN:1.0" pitchFamily="2" charset="0"/>
+                <a:latin typeface="Goudy Bookletter 1911" panose="02000503000000000000" pitchFamily="2" charset="0"/>
               </a:rPr>
               <a:t>Breakfast</a:t>
             </a:r>
             <a:r>
-              <a:rPr sz="9600" b="1" dirty="0">
+              <a:rPr sz="6600" b="1" dirty="0">
                 <a:solidFill>
                   <a:schemeClr val="accent6">
                     <a:lumMod val="50000"/>
                   </a:schemeClr>
                 </a:solidFill>
-                <a:latin typeface="SAVOYE LET PLAIN:1.0" pitchFamily="2" charset="0"/>
+                <a:latin typeface="Goudy Bookletter 1911" panose="02000503000000000000" pitchFamily="2" charset="0"/>
               </a:rPr>
               <a:t> </a:t>
             </a:r>
             <a:r>
-              <a:rPr lang="en-US" sz="9600" b="1" dirty="0">
+              <a:rPr lang="en-US" sz="6600" b="1" dirty="0">
                 <a:solidFill>
                   <a:schemeClr val="accent6">
                     <a:lumMod val="50000"/>
                   </a:schemeClr>
                 </a:solidFill>
-                <a:latin typeface="SAVOYE LET PLAIN:1.0" pitchFamily="2" charset="0"/>
+                <a:latin typeface="Goudy Bookletter 1911" panose="02000503000000000000" pitchFamily="2" charset="0"/>
               </a:rPr>
               <a:t>F</a:t>
             </a:r>
             <a:r>
-              <a:rPr sz="9600" b="1" dirty="0">
+              <a:rPr sz="6600" b="1" dirty="0">
                 <a:solidFill>
                   <a:schemeClr val="accent6">
                     <a:lumMod val="50000"/>
                   </a:schemeClr>
                 </a:solidFill>
-                <a:latin typeface="SAVOYE LET PLAIN:1.0" pitchFamily="2" charset="0"/>
+                <a:latin typeface="Goudy Bookletter 1911" panose="02000503000000000000" pitchFamily="2" charset="0"/>
               </a:rPr>
               <a:t>ellowship…</a:t>
             </a:r>
@@ -14987,7 +14987,7 @@
           </a:ln>
           <a:extLst>
             <a:ext uri="{C572A759-6A51-4108-AA02-DFA0A04FC94B}">
-              <ma14:wrappingTextBoxFlag xmlns="" xmlns:m="http://schemas.openxmlformats.org/officeDocument/2006/math" xmlns:a14="http://schemas.microsoft.com/office/drawing/2010/main" xmlns:ma14="http://schemas.microsoft.com/office/mac/drawingml/2011/main" val="1"/>
+              <ma14:wrappingTextBoxFlag xmlns:ma14="http://schemas.microsoft.com/office/mac/drawingml/2011/main" xmlns:a14="http://schemas.microsoft.com/office/drawing/2010/main" xmlns:m="http://schemas.openxmlformats.org/officeDocument/2006/math" xmlns="" val="1"/>
             </a:ext>
           </a:extLst>
         </p:spPr>
@@ -15052,7 +15052,7 @@
           </a:ln>
           <a:extLst>
             <a:ext uri="{C572A759-6A51-4108-AA02-DFA0A04FC94B}">
-              <ma14:wrappingTextBoxFlag xmlns="" xmlns:m="http://schemas.openxmlformats.org/officeDocument/2006/math" xmlns:a14="http://schemas.microsoft.com/office/drawing/2010/main" xmlns:ma14="http://schemas.microsoft.com/office/mac/drawingml/2011/main" val="1"/>
+              <ma14:wrappingTextBoxFlag xmlns:ma14="http://schemas.microsoft.com/office/mac/drawingml/2011/main" xmlns:a14="http://schemas.microsoft.com/office/drawing/2010/main" xmlns:m="http://schemas.openxmlformats.org/officeDocument/2006/math" xmlns="" val="1"/>
             </a:ext>
           </a:extLst>
         </p:spPr>
@@ -15092,7 +15092,7 @@
           </a:ln>
           <a:extLst>
             <a:ext uri="{C572A759-6A51-4108-AA02-DFA0A04FC94B}">
-              <ma14:wrappingTextBoxFlag xmlns="" xmlns:m="http://schemas.openxmlformats.org/officeDocument/2006/math" xmlns:a14="http://schemas.microsoft.com/office/drawing/2010/main" xmlns:ma14="http://schemas.microsoft.com/office/mac/drawingml/2011/main" val="1"/>
+              <ma14:wrappingTextBoxFlag xmlns:ma14="http://schemas.microsoft.com/office/mac/drawingml/2011/main" xmlns:a14="http://schemas.microsoft.com/office/drawing/2010/main" xmlns:m="http://schemas.openxmlformats.org/officeDocument/2006/math" xmlns="" val="1"/>
             </a:ext>
           </a:extLst>
         </p:spPr>
@@ -15836,7 +15836,7 @@
           </a:ln>
           <a:extLst>
             <a:ext uri="{C572A759-6A51-4108-AA02-DFA0A04FC94B}">
-              <ma14:wrappingTextBoxFlag xmlns="" xmlns:m="http://schemas.openxmlformats.org/officeDocument/2006/math" xmlns:a14="http://schemas.microsoft.com/office/drawing/2010/main" xmlns:ma14="http://schemas.microsoft.com/office/mac/drawingml/2011/main" val="1"/>
+              <ma14:wrappingTextBoxFlag xmlns:ma14="http://schemas.microsoft.com/office/mac/drawingml/2011/main" xmlns:a14="http://schemas.microsoft.com/office/drawing/2010/main" xmlns:m="http://schemas.openxmlformats.org/officeDocument/2006/math" xmlns="" val="1"/>
             </a:ext>
           </a:extLst>
         </p:spPr>
@@ -15913,7 +15913,7 @@
           </a:ln>
           <a:extLst>
             <a:ext uri="{C572A759-6A51-4108-AA02-DFA0A04FC94B}">
-              <ma14:wrappingTextBoxFlag xmlns="" xmlns:m="http://schemas.openxmlformats.org/officeDocument/2006/math" xmlns:a14="http://schemas.microsoft.com/office/drawing/2010/main" xmlns:ma14="http://schemas.microsoft.com/office/mac/drawingml/2011/main" val="1"/>
+              <ma14:wrappingTextBoxFlag xmlns:ma14="http://schemas.microsoft.com/office/mac/drawingml/2011/main" xmlns:a14="http://schemas.microsoft.com/office/drawing/2010/main" xmlns:m="http://schemas.openxmlformats.org/officeDocument/2006/math" xmlns="" val="1"/>
             </a:ext>
           </a:extLst>
         </p:spPr>
@@ -15957,7 +15957,7 @@
           </a:ln>
           <a:extLst>
             <a:ext uri="{C572A759-6A51-4108-AA02-DFA0A04FC94B}">
-              <ma14:wrappingTextBoxFlag xmlns="" xmlns:m="http://schemas.openxmlformats.org/officeDocument/2006/math" xmlns:a14="http://schemas.microsoft.com/office/drawing/2010/main" xmlns:ma14="http://schemas.microsoft.com/office/mac/drawingml/2011/main" val="1"/>
+              <ma14:wrappingTextBoxFlag xmlns:ma14="http://schemas.microsoft.com/office/mac/drawingml/2011/main" xmlns:a14="http://schemas.microsoft.com/office/drawing/2010/main" xmlns:m="http://schemas.openxmlformats.org/officeDocument/2006/math" xmlns="" val="1"/>
             </a:ext>
           </a:extLst>
         </p:spPr>
@@ -16082,7 +16082,7 @@
           </a:ln>
           <a:extLst>
             <a:ext uri="{C572A759-6A51-4108-AA02-DFA0A04FC94B}">
-              <ma14:wrappingTextBoxFlag xmlns="" xmlns:m="http://schemas.openxmlformats.org/officeDocument/2006/math" xmlns:a14="http://schemas.microsoft.com/office/drawing/2010/main" xmlns:ma14="http://schemas.microsoft.com/office/mac/drawingml/2011/main" val="1"/>
+              <ma14:wrappingTextBoxFlag xmlns:ma14="http://schemas.microsoft.com/office/mac/drawingml/2011/main" xmlns:a14="http://schemas.microsoft.com/office/drawing/2010/main" xmlns:m="http://schemas.openxmlformats.org/officeDocument/2006/math" xmlns="" val="1"/>
             </a:ext>
           </a:extLst>
         </p:spPr>
@@ -16150,7 +16150,7 @@
           </a:ln>
           <a:extLst>
             <a:ext uri="{C572A759-6A51-4108-AA02-DFA0A04FC94B}">
-              <ma14:wrappingTextBoxFlag xmlns="" xmlns:m="http://schemas.openxmlformats.org/officeDocument/2006/math" xmlns:a14="http://schemas.microsoft.com/office/drawing/2010/main" xmlns:ma14="http://schemas.microsoft.com/office/mac/drawingml/2011/main" val="1"/>
+              <ma14:wrappingTextBoxFlag xmlns:ma14="http://schemas.microsoft.com/office/mac/drawingml/2011/main" xmlns:a14="http://schemas.microsoft.com/office/drawing/2010/main" xmlns:m="http://schemas.openxmlformats.org/officeDocument/2006/math" xmlns="" val="1"/>
             </a:ext>
           </a:extLst>
         </p:spPr>
@@ -16191,7 +16191,7 @@
           </a:ln>
           <a:extLst>
             <a:ext uri="{C572A759-6A51-4108-AA02-DFA0A04FC94B}">
-              <ma14:wrappingTextBoxFlag xmlns="" xmlns:m="http://schemas.openxmlformats.org/officeDocument/2006/math" xmlns:a14="http://schemas.microsoft.com/office/drawing/2010/main" xmlns:ma14="http://schemas.microsoft.com/office/mac/drawingml/2011/main" val="1"/>
+              <ma14:wrappingTextBoxFlag xmlns:ma14="http://schemas.microsoft.com/office/mac/drawingml/2011/main" xmlns:a14="http://schemas.microsoft.com/office/drawing/2010/main" xmlns:m="http://schemas.openxmlformats.org/officeDocument/2006/math" xmlns="" val="1"/>
             </a:ext>
           </a:extLst>
         </p:spPr>
@@ -16258,7 +16258,7 @@
           </a:ln>
           <a:extLst>
             <a:ext uri="{C572A759-6A51-4108-AA02-DFA0A04FC94B}">
-              <ma14:wrappingTextBoxFlag xmlns="" xmlns:m="http://schemas.openxmlformats.org/officeDocument/2006/math" xmlns:a14="http://schemas.microsoft.com/office/drawing/2010/main" xmlns:ma14="http://schemas.microsoft.com/office/mac/drawingml/2011/main" val="1"/>
+              <ma14:wrappingTextBoxFlag xmlns:ma14="http://schemas.microsoft.com/office/mac/drawingml/2011/main" xmlns:a14="http://schemas.microsoft.com/office/drawing/2010/main" xmlns:m="http://schemas.openxmlformats.org/officeDocument/2006/math" xmlns="" val="1"/>
             </a:ext>
           </a:extLst>
         </p:spPr>
@@ -16305,7 +16305,7 @@
           </a:ln>
           <a:extLst>
             <a:ext uri="{C572A759-6A51-4108-AA02-DFA0A04FC94B}">
-              <ma14:wrappingTextBoxFlag xmlns="" xmlns:m="http://schemas.openxmlformats.org/officeDocument/2006/math" xmlns:a14="http://schemas.microsoft.com/office/drawing/2010/main" xmlns:ma14="http://schemas.microsoft.com/office/mac/drawingml/2011/main" val="1"/>
+              <ma14:wrappingTextBoxFlag xmlns:ma14="http://schemas.microsoft.com/office/mac/drawingml/2011/main" xmlns:a14="http://schemas.microsoft.com/office/drawing/2010/main" xmlns:m="http://schemas.openxmlformats.org/officeDocument/2006/math" xmlns="" val="1"/>
             </a:ext>
           </a:extLst>
         </p:spPr>
@@ -16361,8 +16361,8 @@
         </p:nvSpPr>
         <p:spPr>
           <a:xfrm>
-            <a:off x="2041846" y="2236366"/>
-            <a:ext cx="8108308" cy="2385268"/>
+            <a:off x="272932" y="2236366"/>
+            <a:ext cx="11646136" cy="2385268"/>
           </a:xfrm>
           <a:prstGeom prst="rect">
             <a:avLst/>
@@ -16374,7 +16374,7 @@
           </a:ln>
           <a:extLst>
             <a:ext uri="{C572A759-6A51-4108-AA02-DFA0A04FC94B}">
-              <ma14:wrappingTextBoxFlag xmlns:ma14="http://schemas.microsoft.com/office/mac/drawingml/2011/main" xmlns:a14="http://schemas.microsoft.com/office/drawing/2010/main" xmlns:m="http://schemas.openxmlformats.org/officeDocument/2006/math" xmlns="" val="1"/>
+              <ma14:wrappingTextBoxFlag xmlns="" xmlns:m="http://schemas.openxmlformats.org/officeDocument/2006/math" xmlns:a14="http://schemas.microsoft.com/office/drawing/2010/main" xmlns:ma14="http://schemas.microsoft.com/office/mac/drawingml/2011/main" val="1"/>
             </a:ext>
           </a:extLst>
         </p:spPr>
@@ -16389,13 +16389,13 @@
           </a:lstStyle>
           <a:p>
             <a:r>
-              <a:rPr sz="14900" b="1" dirty="0">
+              <a:rPr sz="14900" dirty="0">
                 <a:solidFill>
                   <a:schemeClr val="accent1">
                     <a:lumMod val="50000"/>
                   </a:schemeClr>
                 </a:solidFill>
-                <a:latin typeface="SAVOYE LET PLAIN:1.0" pitchFamily="2" charset="0"/>
+                <a:latin typeface="Goudy Bookletter 1911" panose="02000503000000000000" pitchFamily="2" charset="0"/>
               </a:rPr>
               <a:t>Opening Hymn</a:t>
             </a:r>
@@ -16452,7 +16452,7 @@
           </a:ln>
           <a:extLst>
             <a:ext uri="{C572A759-6A51-4108-AA02-DFA0A04FC94B}">
-              <ma14:wrappingTextBoxFlag xmlns="" xmlns:m="http://schemas.openxmlformats.org/officeDocument/2006/math" xmlns:a14="http://schemas.microsoft.com/office/drawing/2010/main" xmlns:ma14="http://schemas.microsoft.com/office/mac/drawingml/2011/main" val="1"/>
+              <ma14:wrappingTextBoxFlag xmlns:ma14="http://schemas.microsoft.com/office/mac/drawingml/2011/main" xmlns:a14="http://schemas.microsoft.com/office/drawing/2010/main" xmlns:m="http://schemas.openxmlformats.org/officeDocument/2006/math" xmlns="" val="1"/>
             </a:ext>
           </a:extLst>
         </p:spPr>
@@ -16537,7 +16537,7 @@
           </a:ln>
           <a:extLst>
             <a:ext uri="{C572A759-6A51-4108-AA02-DFA0A04FC94B}">
-              <ma14:wrappingTextBoxFlag xmlns="" xmlns:m="http://schemas.openxmlformats.org/officeDocument/2006/math" xmlns:a14="http://schemas.microsoft.com/office/drawing/2010/main" xmlns:ma14="http://schemas.microsoft.com/office/mac/drawingml/2011/main" val="1"/>
+              <ma14:wrappingTextBoxFlag xmlns:ma14="http://schemas.microsoft.com/office/mac/drawingml/2011/main" xmlns:a14="http://schemas.microsoft.com/office/drawing/2010/main" xmlns:m="http://schemas.openxmlformats.org/officeDocument/2006/math" xmlns="" val="1"/>
             </a:ext>
           </a:extLst>
         </p:spPr>
@@ -16577,7 +16577,7 @@
           </a:ln>
           <a:extLst>
             <a:ext uri="{C572A759-6A51-4108-AA02-DFA0A04FC94B}">
-              <ma14:wrappingTextBoxFlag xmlns="" xmlns:m="http://schemas.openxmlformats.org/officeDocument/2006/math" xmlns:a14="http://schemas.microsoft.com/office/drawing/2010/main" xmlns:ma14="http://schemas.microsoft.com/office/mac/drawingml/2011/main" val="1"/>
+              <ma14:wrappingTextBoxFlag xmlns:ma14="http://schemas.microsoft.com/office/mac/drawingml/2011/main" xmlns:a14="http://schemas.microsoft.com/office/drawing/2010/main" xmlns:m="http://schemas.openxmlformats.org/officeDocument/2006/math" xmlns="" val="1"/>
             </a:ext>
           </a:extLst>
         </p:spPr>
@@ -16643,7 +16643,7 @@
           </a:ln>
           <a:extLst>
             <a:ext uri="{C572A759-6A51-4108-AA02-DFA0A04FC94B}">
-              <ma14:wrappingTextBoxFlag xmlns="" xmlns:m="http://schemas.openxmlformats.org/officeDocument/2006/math" xmlns:a14="http://schemas.microsoft.com/office/drawing/2010/main" xmlns:ma14="http://schemas.microsoft.com/office/mac/drawingml/2011/main" val="1"/>
+              <ma14:wrappingTextBoxFlag xmlns:ma14="http://schemas.microsoft.com/office/mac/drawingml/2011/main" xmlns:a14="http://schemas.microsoft.com/office/drawing/2010/main" xmlns:m="http://schemas.openxmlformats.org/officeDocument/2006/math" xmlns="" val="1"/>
             </a:ext>
           </a:extLst>
         </p:spPr>
@@ -16732,7 +16732,7 @@
           </a:ln>
           <a:extLst>
             <a:ext uri="{C572A759-6A51-4108-AA02-DFA0A04FC94B}">
-              <ma14:wrappingTextBoxFlag xmlns="" xmlns:m="http://schemas.openxmlformats.org/officeDocument/2006/math" xmlns:a14="http://schemas.microsoft.com/office/drawing/2010/main" xmlns:ma14="http://schemas.microsoft.com/office/mac/drawingml/2011/main" val="1"/>
+              <ma14:wrappingTextBoxFlag xmlns:ma14="http://schemas.microsoft.com/office/mac/drawingml/2011/main" xmlns:a14="http://schemas.microsoft.com/office/drawing/2010/main" xmlns:m="http://schemas.openxmlformats.org/officeDocument/2006/math" xmlns="" val="1"/>
             </a:ext>
           </a:extLst>
         </p:spPr>
@@ -16772,7 +16772,7 @@
           </a:ln>
           <a:extLst>
             <a:ext uri="{C572A759-6A51-4108-AA02-DFA0A04FC94B}">
-              <ma14:wrappingTextBoxFlag xmlns="" xmlns:m="http://schemas.openxmlformats.org/officeDocument/2006/math" xmlns:a14="http://schemas.microsoft.com/office/drawing/2010/main" xmlns:ma14="http://schemas.microsoft.com/office/mac/drawingml/2011/main" val="1"/>
+              <ma14:wrappingTextBoxFlag xmlns:ma14="http://schemas.microsoft.com/office/mac/drawingml/2011/main" xmlns:a14="http://schemas.microsoft.com/office/drawing/2010/main" xmlns:m="http://schemas.openxmlformats.org/officeDocument/2006/math" xmlns="" val="1"/>
             </a:ext>
           </a:extLst>
         </p:spPr>
@@ -16812,7 +16812,7 @@
           </a:ln>
           <a:extLst>
             <a:ext uri="{C572A759-6A51-4108-AA02-DFA0A04FC94B}">
-              <ma14:wrappingTextBoxFlag xmlns="" xmlns:m="http://schemas.openxmlformats.org/officeDocument/2006/math" xmlns:a14="http://schemas.microsoft.com/office/drawing/2010/main" xmlns:ma14="http://schemas.microsoft.com/office/mac/drawingml/2011/main" val="1"/>
+              <ma14:wrappingTextBoxFlag xmlns:ma14="http://schemas.microsoft.com/office/mac/drawingml/2011/main" xmlns:a14="http://schemas.microsoft.com/office/drawing/2010/main" xmlns:m="http://schemas.openxmlformats.org/officeDocument/2006/math" xmlns="" val="1"/>
             </a:ext>
           </a:extLst>
         </p:spPr>
@@ -16878,7 +16878,7 @@
           </a:ln>
           <a:extLst>
             <a:ext uri="{C572A759-6A51-4108-AA02-DFA0A04FC94B}">
-              <ma14:wrappingTextBoxFlag xmlns="" xmlns:m="http://schemas.openxmlformats.org/officeDocument/2006/math" xmlns:a14="http://schemas.microsoft.com/office/drawing/2010/main" xmlns:ma14="http://schemas.microsoft.com/office/mac/drawingml/2011/main" val="1"/>
+              <ma14:wrappingTextBoxFlag xmlns:ma14="http://schemas.microsoft.com/office/mac/drawingml/2011/main" xmlns:a14="http://schemas.microsoft.com/office/drawing/2010/main" xmlns:m="http://schemas.openxmlformats.org/officeDocument/2006/math" xmlns="" val="1"/>
             </a:ext>
           </a:extLst>
         </p:spPr>
@@ -16925,7 +16925,7 @@
           </a:ln>
           <a:extLst>
             <a:ext uri="{C572A759-6A51-4108-AA02-DFA0A04FC94B}">
-              <ma14:wrappingTextBoxFlag xmlns="" xmlns:m="http://schemas.openxmlformats.org/officeDocument/2006/math" xmlns:a14="http://schemas.microsoft.com/office/drawing/2010/main" xmlns:ma14="http://schemas.microsoft.com/office/mac/drawingml/2011/main" val="1"/>
+              <ma14:wrappingTextBoxFlag xmlns:ma14="http://schemas.microsoft.com/office/mac/drawingml/2011/main" xmlns:a14="http://schemas.microsoft.com/office/drawing/2010/main" xmlns:m="http://schemas.openxmlformats.org/officeDocument/2006/math" xmlns="" val="1"/>
             </a:ext>
           </a:extLst>
         </p:spPr>
@@ -16991,7 +16991,7 @@
           </a:ln>
           <a:extLst>
             <a:ext uri="{C572A759-6A51-4108-AA02-DFA0A04FC94B}">
-              <ma14:wrappingTextBoxFlag xmlns="" xmlns:m="http://schemas.openxmlformats.org/officeDocument/2006/math" xmlns:a14="http://schemas.microsoft.com/office/drawing/2010/main" xmlns:ma14="http://schemas.microsoft.com/office/mac/drawingml/2011/main" val="1"/>
+              <ma14:wrappingTextBoxFlag xmlns:ma14="http://schemas.microsoft.com/office/mac/drawingml/2011/main" xmlns:a14="http://schemas.microsoft.com/office/drawing/2010/main" xmlns:m="http://schemas.openxmlformats.org/officeDocument/2006/math" xmlns="" val="1"/>
             </a:ext>
           </a:extLst>
         </p:spPr>
@@ -17034,7 +17034,7 @@
           </a:ln>
           <a:extLst>
             <a:ext uri="{C572A759-6A51-4108-AA02-DFA0A04FC94B}">
-              <ma14:wrappingTextBoxFlag xmlns="" xmlns:m="http://schemas.openxmlformats.org/officeDocument/2006/math" xmlns:a14="http://schemas.microsoft.com/office/drawing/2010/main" xmlns:ma14="http://schemas.microsoft.com/office/mac/drawingml/2011/main" val="1"/>
+              <ma14:wrappingTextBoxFlag xmlns:ma14="http://schemas.microsoft.com/office/mac/drawingml/2011/main" xmlns:a14="http://schemas.microsoft.com/office/drawing/2010/main" xmlns:m="http://schemas.openxmlformats.org/officeDocument/2006/math" xmlns="" val="1"/>
             </a:ext>
           </a:extLst>
         </p:spPr>
@@ -17100,7 +17100,7 @@
           </a:ln>
           <a:extLst>
             <a:ext uri="{C572A759-6A51-4108-AA02-DFA0A04FC94B}">
-              <ma14:wrappingTextBoxFlag xmlns="" xmlns:m="http://schemas.openxmlformats.org/officeDocument/2006/math" xmlns:a14="http://schemas.microsoft.com/office/drawing/2010/main" xmlns:ma14="http://schemas.microsoft.com/office/mac/drawingml/2011/main" val="1"/>
+              <ma14:wrappingTextBoxFlag xmlns:ma14="http://schemas.microsoft.com/office/mac/drawingml/2011/main" xmlns:a14="http://schemas.microsoft.com/office/drawing/2010/main" xmlns:m="http://schemas.openxmlformats.org/officeDocument/2006/math" xmlns="" val="1"/>
             </a:ext>
           </a:extLst>
         </p:spPr>
@@ -17182,7 +17182,7 @@
           </a:ln>
           <a:extLst>
             <a:ext uri="{C572A759-6A51-4108-AA02-DFA0A04FC94B}">
-              <ma14:wrappingTextBoxFlag xmlns="" xmlns:m="http://schemas.openxmlformats.org/officeDocument/2006/math" xmlns:a14="http://schemas.microsoft.com/office/drawing/2010/main" xmlns:ma14="http://schemas.microsoft.com/office/mac/drawingml/2011/main" val="1"/>
+              <ma14:wrappingTextBoxFlag xmlns:ma14="http://schemas.microsoft.com/office/mac/drawingml/2011/main" xmlns:a14="http://schemas.microsoft.com/office/drawing/2010/main" xmlns:m="http://schemas.openxmlformats.org/officeDocument/2006/math" xmlns="" val="1"/>
             </a:ext>
           </a:extLst>
         </p:spPr>
@@ -17222,7 +17222,7 @@
           </a:ln>
           <a:extLst>
             <a:ext uri="{C572A759-6A51-4108-AA02-DFA0A04FC94B}">
-              <ma14:wrappingTextBoxFlag xmlns="" xmlns:m="http://schemas.openxmlformats.org/officeDocument/2006/math" xmlns:a14="http://schemas.microsoft.com/office/drawing/2010/main" xmlns:ma14="http://schemas.microsoft.com/office/mac/drawingml/2011/main" val="1"/>
+              <ma14:wrappingTextBoxFlag xmlns:ma14="http://schemas.microsoft.com/office/mac/drawingml/2011/main" xmlns:a14="http://schemas.microsoft.com/office/drawing/2010/main" xmlns:m="http://schemas.openxmlformats.org/officeDocument/2006/math" xmlns="" val="1"/>
             </a:ext>
           </a:extLst>
         </p:spPr>
@@ -17347,7 +17347,7 @@
           </a:ln>
           <a:extLst>
             <a:ext uri="{C572A759-6A51-4108-AA02-DFA0A04FC94B}">
-              <ma14:wrappingTextBoxFlag xmlns="" xmlns:m="http://schemas.openxmlformats.org/officeDocument/2006/math" xmlns:a14="http://schemas.microsoft.com/office/drawing/2010/main" xmlns:ma14="http://schemas.microsoft.com/office/mac/drawingml/2011/main" val="1"/>
+              <ma14:wrappingTextBoxFlag xmlns:ma14="http://schemas.microsoft.com/office/mac/drawingml/2011/main" xmlns:a14="http://schemas.microsoft.com/office/drawing/2010/main" xmlns:m="http://schemas.openxmlformats.org/officeDocument/2006/math" xmlns="" val="1"/>
             </a:ext>
           </a:extLst>
         </p:spPr>
@@ -17411,7 +17411,7 @@
           </a:ln>
           <a:extLst>
             <a:ext uri="{C572A759-6A51-4108-AA02-DFA0A04FC94B}">
-              <ma14:wrappingTextBoxFlag xmlns="" xmlns:m="http://schemas.openxmlformats.org/officeDocument/2006/math" xmlns:a14="http://schemas.microsoft.com/office/drawing/2010/main" xmlns:ma14="http://schemas.microsoft.com/office/mac/drawingml/2011/main" val="1"/>
+              <ma14:wrappingTextBoxFlag xmlns:ma14="http://schemas.microsoft.com/office/mac/drawingml/2011/main" xmlns:a14="http://schemas.microsoft.com/office/drawing/2010/main" xmlns:m="http://schemas.openxmlformats.org/officeDocument/2006/math" xmlns="" val="1"/>
             </a:ext>
           </a:extLst>
         </p:spPr>
@@ -17451,7 +17451,7 @@
           </a:ln>
           <a:extLst>
             <a:ext uri="{C572A759-6A51-4108-AA02-DFA0A04FC94B}">
-              <ma14:wrappingTextBoxFlag xmlns="" xmlns:m="http://schemas.openxmlformats.org/officeDocument/2006/math" xmlns:a14="http://schemas.microsoft.com/office/drawing/2010/main" xmlns:ma14="http://schemas.microsoft.com/office/mac/drawingml/2011/main" val="1"/>
+              <ma14:wrappingTextBoxFlag xmlns:ma14="http://schemas.microsoft.com/office/mac/drawingml/2011/main" xmlns:a14="http://schemas.microsoft.com/office/drawing/2010/main" xmlns:m="http://schemas.openxmlformats.org/officeDocument/2006/math" xmlns="" val="1"/>
             </a:ext>
           </a:extLst>
         </p:spPr>
@@ -17517,7 +17517,7 @@
           </a:ln>
           <a:extLst>
             <a:ext uri="{C572A759-6A51-4108-AA02-DFA0A04FC94B}">
-              <ma14:wrappingTextBoxFlag xmlns="" xmlns:m="http://schemas.openxmlformats.org/officeDocument/2006/math" xmlns:a14="http://schemas.microsoft.com/office/drawing/2010/main" xmlns:ma14="http://schemas.microsoft.com/office/mac/drawingml/2011/main" val="1"/>
+              <ma14:wrappingTextBoxFlag xmlns:ma14="http://schemas.microsoft.com/office/mac/drawingml/2011/main" xmlns:a14="http://schemas.microsoft.com/office/drawing/2010/main" xmlns:m="http://schemas.openxmlformats.org/officeDocument/2006/math" xmlns="" val="1"/>
             </a:ext>
           </a:extLst>
         </p:spPr>
@@ -17624,7 +17624,7 @@
           </a:ln>
           <a:extLst>
             <a:ext uri="{C572A759-6A51-4108-AA02-DFA0A04FC94B}">
-              <ma14:wrappingTextBoxFlag xmlns="" xmlns:m="http://schemas.openxmlformats.org/officeDocument/2006/math" xmlns:a14="http://schemas.microsoft.com/office/drawing/2010/main" xmlns:ma14="http://schemas.microsoft.com/office/mac/drawingml/2011/main" val="1"/>
+              <ma14:wrappingTextBoxFlag xmlns:ma14="http://schemas.microsoft.com/office/mac/drawingml/2011/main" xmlns:a14="http://schemas.microsoft.com/office/drawing/2010/main" xmlns:m="http://schemas.openxmlformats.org/officeDocument/2006/math" xmlns="" val="1"/>
             </a:ext>
           </a:extLst>
         </p:spPr>
@@ -17664,7 +17664,7 @@
           </a:ln>
           <a:extLst>
             <a:ext uri="{C572A759-6A51-4108-AA02-DFA0A04FC94B}">
-              <ma14:wrappingTextBoxFlag xmlns="" xmlns:m="http://schemas.openxmlformats.org/officeDocument/2006/math" xmlns:a14="http://schemas.microsoft.com/office/drawing/2010/main" xmlns:ma14="http://schemas.microsoft.com/office/mac/drawingml/2011/main" val="1"/>
+              <ma14:wrappingTextBoxFlag xmlns:ma14="http://schemas.microsoft.com/office/mac/drawingml/2011/main" xmlns:a14="http://schemas.microsoft.com/office/drawing/2010/main" xmlns:m="http://schemas.openxmlformats.org/officeDocument/2006/math" xmlns="" val="1"/>
             </a:ext>
           </a:extLst>
         </p:spPr>
@@ -17730,7 +17730,7 @@
           </a:ln>
           <a:extLst>
             <a:ext uri="{C572A759-6A51-4108-AA02-DFA0A04FC94B}">
-              <ma14:wrappingTextBoxFlag xmlns="" xmlns:m="http://schemas.openxmlformats.org/officeDocument/2006/math" xmlns:a14="http://schemas.microsoft.com/office/drawing/2010/main" xmlns:ma14="http://schemas.microsoft.com/office/mac/drawingml/2011/main" val="1"/>
+              <ma14:wrappingTextBoxFlag xmlns:ma14="http://schemas.microsoft.com/office/mac/drawingml/2011/main" xmlns:a14="http://schemas.microsoft.com/office/drawing/2010/main" xmlns:m="http://schemas.openxmlformats.org/officeDocument/2006/math" xmlns="" val="1"/>
             </a:ext>
           </a:extLst>
         </p:spPr>
@@ -17777,7 +17777,7 @@
           </a:ln>
           <a:extLst>
             <a:ext uri="{C572A759-6A51-4108-AA02-DFA0A04FC94B}">
-              <ma14:wrappingTextBoxFlag xmlns="" xmlns:m="http://schemas.openxmlformats.org/officeDocument/2006/math" xmlns:a14="http://schemas.microsoft.com/office/drawing/2010/main" xmlns:ma14="http://schemas.microsoft.com/office/mac/drawingml/2011/main" val="1"/>
+              <ma14:wrappingTextBoxFlag xmlns:ma14="http://schemas.microsoft.com/office/mac/drawingml/2011/main" xmlns:a14="http://schemas.microsoft.com/office/drawing/2010/main" xmlns:m="http://schemas.openxmlformats.org/officeDocument/2006/math" xmlns="" val="1"/>
             </a:ext>
           </a:extLst>
         </p:spPr>
@@ -17843,7 +17843,7 @@
           </a:ln>
           <a:extLst>
             <a:ext uri="{C572A759-6A51-4108-AA02-DFA0A04FC94B}">
-              <ma14:wrappingTextBoxFlag xmlns="" xmlns:m="http://schemas.openxmlformats.org/officeDocument/2006/math" xmlns:a14="http://schemas.microsoft.com/office/drawing/2010/main" xmlns:ma14="http://schemas.microsoft.com/office/mac/drawingml/2011/main" val="1"/>
+              <ma14:wrappingTextBoxFlag xmlns:ma14="http://schemas.microsoft.com/office/mac/drawingml/2011/main" xmlns:a14="http://schemas.microsoft.com/office/drawing/2010/main" xmlns:m="http://schemas.openxmlformats.org/officeDocument/2006/math" xmlns="" val="1"/>
             </a:ext>
           </a:extLst>
         </p:spPr>
@@ -17918,7 +17918,7 @@
           </a:ln>
           <a:extLst>
             <a:ext uri="{C572A759-6A51-4108-AA02-DFA0A04FC94B}">
-              <ma14:wrappingTextBoxFlag xmlns="" xmlns:m="http://schemas.openxmlformats.org/officeDocument/2006/math" xmlns:a14="http://schemas.microsoft.com/office/drawing/2010/main" xmlns:ma14="http://schemas.microsoft.com/office/mac/drawingml/2011/main" val="1"/>
+              <ma14:wrappingTextBoxFlag xmlns:ma14="http://schemas.microsoft.com/office/mac/drawingml/2011/main" xmlns:a14="http://schemas.microsoft.com/office/drawing/2010/main" xmlns:m="http://schemas.openxmlformats.org/officeDocument/2006/math" xmlns="" val="1"/>
             </a:ext>
           </a:extLst>
         </p:spPr>
@@ -17958,7 +17958,7 @@
           </a:ln>
           <a:extLst>
             <a:ext uri="{C572A759-6A51-4108-AA02-DFA0A04FC94B}">
-              <ma14:wrappingTextBoxFlag xmlns="" xmlns:m="http://schemas.openxmlformats.org/officeDocument/2006/math" xmlns:a14="http://schemas.microsoft.com/office/drawing/2010/main" xmlns:ma14="http://schemas.microsoft.com/office/mac/drawingml/2011/main" val="1"/>
+              <ma14:wrappingTextBoxFlag xmlns:ma14="http://schemas.microsoft.com/office/mac/drawingml/2011/main" xmlns:a14="http://schemas.microsoft.com/office/drawing/2010/main" xmlns:m="http://schemas.openxmlformats.org/officeDocument/2006/math" xmlns="" val="1"/>
             </a:ext>
           </a:extLst>
         </p:spPr>
@@ -18079,7 +18079,7 @@
           </a:ln>
           <a:extLst>
             <a:ext uri="{C572A759-6A51-4108-AA02-DFA0A04FC94B}">
-              <ma14:wrappingTextBoxFlag xmlns="" xmlns:m="http://schemas.openxmlformats.org/officeDocument/2006/math" xmlns:a14="http://schemas.microsoft.com/office/drawing/2010/main" xmlns:ma14="http://schemas.microsoft.com/office/mac/drawingml/2011/main" val="1"/>
+              <ma14:wrappingTextBoxFlag xmlns:ma14="http://schemas.microsoft.com/office/mac/drawingml/2011/main" xmlns:a14="http://schemas.microsoft.com/office/drawing/2010/main" xmlns:m="http://schemas.openxmlformats.org/officeDocument/2006/math" xmlns="" val="1"/>
             </a:ext>
           </a:extLst>
         </p:spPr>
@@ -18170,7 +18170,7 @@
           </a:ln>
           <a:extLst>
             <a:ext uri="{C572A759-6A51-4108-AA02-DFA0A04FC94B}">
-              <ma14:wrappingTextBoxFlag xmlns="" xmlns:m="http://schemas.openxmlformats.org/officeDocument/2006/math" xmlns:a14="http://schemas.microsoft.com/office/drawing/2010/main" xmlns:ma14="http://schemas.microsoft.com/office/mac/drawingml/2011/main" val="1"/>
+              <ma14:wrappingTextBoxFlag xmlns:ma14="http://schemas.microsoft.com/office/mac/drawingml/2011/main" xmlns:a14="http://schemas.microsoft.com/office/drawing/2010/main" xmlns:m="http://schemas.openxmlformats.org/officeDocument/2006/math" xmlns="" val="1"/>
             </a:ext>
           </a:extLst>
         </p:spPr>
@@ -18210,7 +18210,7 @@
           </a:ln>
           <a:extLst>
             <a:ext uri="{C572A759-6A51-4108-AA02-DFA0A04FC94B}">
-              <ma14:wrappingTextBoxFlag xmlns="" xmlns:m="http://schemas.openxmlformats.org/officeDocument/2006/math" xmlns:a14="http://schemas.microsoft.com/office/drawing/2010/main" xmlns:ma14="http://schemas.microsoft.com/office/mac/drawingml/2011/main" val="1"/>
+              <ma14:wrappingTextBoxFlag xmlns:ma14="http://schemas.microsoft.com/office/mac/drawingml/2011/main" xmlns:a14="http://schemas.microsoft.com/office/drawing/2010/main" xmlns:m="http://schemas.openxmlformats.org/officeDocument/2006/math" xmlns="" val="1"/>
             </a:ext>
           </a:extLst>
         </p:spPr>
@@ -18276,7 +18276,7 @@
           </a:ln>
           <a:extLst>
             <a:ext uri="{C572A759-6A51-4108-AA02-DFA0A04FC94B}">
-              <ma14:wrappingTextBoxFlag xmlns="" xmlns:m="http://schemas.openxmlformats.org/officeDocument/2006/math" xmlns:a14="http://schemas.microsoft.com/office/drawing/2010/main" xmlns:ma14="http://schemas.microsoft.com/office/mac/drawingml/2011/main" val="1"/>
+              <ma14:wrappingTextBoxFlag xmlns:ma14="http://schemas.microsoft.com/office/mac/drawingml/2011/main" xmlns:a14="http://schemas.microsoft.com/office/drawing/2010/main" xmlns:m="http://schemas.openxmlformats.org/officeDocument/2006/math" xmlns="" val="1"/>
             </a:ext>
           </a:extLst>
         </p:spPr>
@@ -18340,7 +18340,7 @@
           </a:ln>
           <a:extLst>
             <a:ext uri="{C572A759-6A51-4108-AA02-DFA0A04FC94B}">
-              <ma14:wrappingTextBoxFlag xmlns="" xmlns:m="http://schemas.openxmlformats.org/officeDocument/2006/math" xmlns:a14="http://schemas.microsoft.com/office/drawing/2010/main" xmlns:ma14="http://schemas.microsoft.com/office/mac/drawingml/2011/main" val="1"/>
+              <ma14:wrappingTextBoxFlag xmlns:ma14="http://schemas.microsoft.com/office/mac/drawingml/2011/main" xmlns:a14="http://schemas.microsoft.com/office/drawing/2010/main" xmlns:m="http://schemas.openxmlformats.org/officeDocument/2006/math" xmlns="" val="1"/>
             </a:ext>
           </a:extLst>
         </p:spPr>
@@ -18406,7 +18406,7 @@
           </a:ln>
           <a:extLst>
             <a:ext uri="{C572A759-6A51-4108-AA02-DFA0A04FC94B}">
-              <ma14:wrappingTextBoxFlag xmlns="" xmlns:m="http://schemas.openxmlformats.org/officeDocument/2006/math" xmlns:a14="http://schemas.microsoft.com/office/drawing/2010/main" xmlns:ma14="http://schemas.microsoft.com/office/mac/drawingml/2011/main" val="1"/>
+              <ma14:wrappingTextBoxFlag xmlns:ma14="http://schemas.microsoft.com/office/mac/drawingml/2011/main" xmlns:a14="http://schemas.microsoft.com/office/drawing/2010/main" xmlns:m="http://schemas.openxmlformats.org/officeDocument/2006/math" xmlns="" val="1"/>
             </a:ext>
           </a:extLst>
         </p:spPr>
@@ -18453,7 +18453,7 @@
           </a:ln>
           <a:extLst>
             <a:ext uri="{C572A759-6A51-4108-AA02-DFA0A04FC94B}">
-              <ma14:wrappingTextBoxFlag xmlns="" xmlns:m="http://schemas.openxmlformats.org/officeDocument/2006/math" xmlns:a14="http://schemas.microsoft.com/office/drawing/2010/main" xmlns:ma14="http://schemas.microsoft.com/office/mac/drawingml/2011/main" val="1"/>
+              <ma14:wrappingTextBoxFlag xmlns:ma14="http://schemas.microsoft.com/office/mac/drawingml/2011/main" xmlns:a14="http://schemas.microsoft.com/office/drawing/2010/main" xmlns:m="http://schemas.openxmlformats.org/officeDocument/2006/math" xmlns="" val="1"/>
             </a:ext>
           </a:extLst>
         </p:spPr>
@@ -18519,7 +18519,7 @@
           </a:ln>
           <a:extLst>
             <a:ext uri="{C572A759-6A51-4108-AA02-DFA0A04FC94B}">
-              <ma14:wrappingTextBoxFlag xmlns="" xmlns:m="http://schemas.openxmlformats.org/officeDocument/2006/math" xmlns:a14="http://schemas.microsoft.com/office/drawing/2010/main" xmlns:ma14="http://schemas.microsoft.com/office/mac/drawingml/2011/main" val="1"/>
+              <ma14:wrappingTextBoxFlag xmlns:ma14="http://schemas.microsoft.com/office/mac/drawingml/2011/main" xmlns:a14="http://schemas.microsoft.com/office/drawing/2010/main" xmlns:m="http://schemas.openxmlformats.org/officeDocument/2006/math" xmlns="" val="1"/>
             </a:ext>
           </a:extLst>
         </p:spPr>
@@ -18566,7 +18566,7 @@
           </a:ln>
           <a:extLst>
             <a:ext uri="{C572A759-6A51-4108-AA02-DFA0A04FC94B}">
-              <ma14:wrappingTextBoxFlag xmlns="" xmlns:m="http://schemas.openxmlformats.org/officeDocument/2006/math" xmlns:a14="http://schemas.microsoft.com/office/drawing/2010/main" xmlns:ma14="http://schemas.microsoft.com/office/mac/drawingml/2011/main" val="1"/>
+              <ma14:wrappingTextBoxFlag xmlns:ma14="http://schemas.microsoft.com/office/mac/drawingml/2011/main" xmlns:a14="http://schemas.microsoft.com/office/drawing/2010/main" xmlns:m="http://schemas.openxmlformats.org/officeDocument/2006/math" xmlns="" val="1"/>
             </a:ext>
           </a:extLst>
         </p:spPr>
@@ -18632,7 +18632,7 @@
           </a:ln>
           <a:extLst>
             <a:ext uri="{C572A759-6A51-4108-AA02-DFA0A04FC94B}">
-              <ma14:wrappingTextBoxFlag xmlns="" xmlns:m="http://schemas.openxmlformats.org/officeDocument/2006/math" xmlns:a14="http://schemas.microsoft.com/office/drawing/2010/main" xmlns:ma14="http://schemas.microsoft.com/office/mac/drawingml/2011/main" val="1"/>
+              <ma14:wrappingTextBoxFlag xmlns:ma14="http://schemas.microsoft.com/office/mac/drawingml/2011/main" xmlns:a14="http://schemas.microsoft.com/office/drawing/2010/main" xmlns:m="http://schemas.openxmlformats.org/officeDocument/2006/math" xmlns="" val="1"/>
             </a:ext>
           </a:extLst>
         </p:spPr>
@@ -18696,7 +18696,7 @@
           </a:ln>
           <a:extLst>
             <a:ext uri="{C572A759-6A51-4108-AA02-DFA0A04FC94B}">
-              <ma14:wrappingTextBoxFlag xmlns="" xmlns:m="http://schemas.openxmlformats.org/officeDocument/2006/math" xmlns:a14="http://schemas.microsoft.com/office/drawing/2010/main" xmlns:ma14="http://schemas.microsoft.com/office/mac/drawingml/2011/main" val="1"/>
+              <ma14:wrappingTextBoxFlag xmlns:ma14="http://schemas.microsoft.com/office/mac/drawingml/2011/main" xmlns:a14="http://schemas.microsoft.com/office/drawing/2010/main" xmlns:m="http://schemas.openxmlformats.org/officeDocument/2006/math" xmlns="" val="1"/>
             </a:ext>
           </a:extLst>
         </p:spPr>
@@ -18736,7 +18736,7 @@
           </a:ln>
           <a:extLst>
             <a:ext uri="{C572A759-6A51-4108-AA02-DFA0A04FC94B}">
-              <ma14:wrappingTextBoxFlag xmlns="" xmlns:m="http://schemas.openxmlformats.org/officeDocument/2006/math" xmlns:a14="http://schemas.microsoft.com/office/drawing/2010/main" xmlns:ma14="http://schemas.microsoft.com/office/mac/drawingml/2011/main" val="1"/>
+              <ma14:wrappingTextBoxFlag xmlns:ma14="http://schemas.microsoft.com/office/mac/drawingml/2011/main" xmlns:a14="http://schemas.microsoft.com/office/drawing/2010/main" xmlns:m="http://schemas.openxmlformats.org/officeDocument/2006/math" xmlns="" val="1"/>
             </a:ext>
           </a:extLst>
         </p:spPr>
@@ -18802,7 +18802,7 @@
           </a:ln>
           <a:extLst>
             <a:ext uri="{C572A759-6A51-4108-AA02-DFA0A04FC94B}">
-              <ma14:wrappingTextBoxFlag xmlns="" xmlns:m="http://schemas.openxmlformats.org/officeDocument/2006/math" xmlns:a14="http://schemas.microsoft.com/office/drawing/2010/main" xmlns:ma14="http://schemas.microsoft.com/office/mac/drawingml/2011/main" val="1"/>
+              <ma14:wrappingTextBoxFlag xmlns:ma14="http://schemas.microsoft.com/office/mac/drawingml/2011/main" xmlns:a14="http://schemas.microsoft.com/office/drawing/2010/main" xmlns:m="http://schemas.openxmlformats.org/officeDocument/2006/math" xmlns="" val="1"/>
             </a:ext>
           </a:extLst>
         </p:spPr>
@@ -18871,7 +18871,7 @@
           </a:ln>
           <a:extLst>
             <a:ext uri="{C572A759-6A51-4108-AA02-DFA0A04FC94B}">
-              <ma14:wrappingTextBoxFlag xmlns="" xmlns:m="http://schemas.openxmlformats.org/officeDocument/2006/math" xmlns:a14="http://schemas.microsoft.com/office/drawing/2010/main" xmlns:ma14="http://schemas.microsoft.com/office/mac/drawingml/2011/main" val="1"/>
+              <ma14:wrappingTextBoxFlag xmlns:ma14="http://schemas.microsoft.com/office/mac/drawingml/2011/main" xmlns:a14="http://schemas.microsoft.com/office/drawing/2010/main" xmlns:m="http://schemas.openxmlformats.org/officeDocument/2006/math" xmlns="" val="1"/>
             </a:ext>
           </a:extLst>
         </p:spPr>
@@ -18937,7 +18937,7 @@
           </a:ln>
           <a:extLst>
             <a:ext uri="{C572A759-6A51-4108-AA02-DFA0A04FC94B}">
-              <ma14:wrappingTextBoxFlag xmlns="" xmlns:m="http://schemas.openxmlformats.org/officeDocument/2006/math" xmlns:a14="http://schemas.microsoft.com/office/drawing/2010/main" xmlns:ma14="http://schemas.microsoft.com/office/mac/drawingml/2011/main" val="1"/>
+              <ma14:wrappingTextBoxFlag xmlns:ma14="http://schemas.microsoft.com/office/mac/drawingml/2011/main" xmlns:a14="http://schemas.microsoft.com/office/drawing/2010/main" xmlns:m="http://schemas.openxmlformats.org/officeDocument/2006/math" xmlns="" val="1"/>
             </a:ext>
           </a:extLst>
         </p:spPr>
@@ -18984,7 +18984,7 @@
           </a:ln>
           <a:extLst>
             <a:ext uri="{C572A759-6A51-4108-AA02-DFA0A04FC94B}">
-              <ma14:wrappingTextBoxFlag xmlns="" xmlns:m="http://schemas.openxmlformats.org/officeDocument/2006/math" xmlns:a14="http://schemas.microsoft.com/office/drawing/2010/main" xmlns:ma14="http://schemas.microsoft.com/office/mac/drawingml/2011/main" val="1"/>
+              <ma14:wrappingTextBoxFlag xmlns:ma14="http://schemas.microsoft.com/office/mac/drawingml/2011/main" xmlns:a14="http://schemas.microsoft.com/office/drawing/2010/main" xmlns:m="http://schemas.openxmlformats.org/officeDocument/2006/math" xmlns="" val="1"/>
             </a:ext>
           </a:extLst>
         </p:spPr>
@@ -19050,7 +19050,7 @@
           </a:ln>
           <a:extLst>
             <a:ext uri="{C572A759-6A51-4108-AA02-DFA0A04FC94B}">
-              <ma14:wrappingTextBoxFlag xmlns="" xmlns:m="http://schemas.openxmlformats.org/officeDocument/2006/math" xmlns:a14="http://schemas.microsoft.com/office/drawing/2010/main" xmlns:ma14="http://schemas.microsoft.com/office/mac/drawingml/2011/main" val="1"/>
+              <ma14:wrappingTextBoxFlag xmlns:ma14="http://schemas.microsoft.com/office/mac/drawingml/2011/main" xmlns:a14="http://schemas.microsoft.com/office/drawing/2010/main" xmlns:m="http://schemas.openxmlformats.org/officeDocument/2006/math" xmlns="" val="1"/>
             </a:ext>
           </a:extLst>
         </p:spPr>
@@ -19097,7 +19097,7 @@
           </a:ln>
           <a:extLst>
             <a:ext uri="{C572A759-6A51-4108-AA02-DFA0A04FC94B}">
-              <ma14:wrappingTextBoxFlag xmlns="" xmlns:m="http://schemas.openxmlformats.org/officeDocument/2006/math" xmlns:a14="http://schemas.microsoft.com/office/drawing/2010/main" xmlns:ma14="http://schemas.microsoft.com/office/mac/drawingml/2011/main" val="1"/>
+              <ma14:wrappingTextBoxFlag xmlns:ma14="http://schemas.microsoft.com/office/mac/drawingml/2011/main" xmlns:a14="http://schemas.microsoft.com/office/drawing/2010/main" xmlns:m="http://schemas.openxmlformats.org/officeDocument/2006/math" xmlns="" val="1"/>
             </a:ext>
           </a:extLst>
         </p:spPr>
@@ -19163,7 +19163,7 @@
           </a:ln>
           <a:extLst>
             <a:ext uri="{C572A759-6A51-4108-AA02-DFA0A04FC94B}">
-              <ma14:wrappingTextBoxFlag xmlns="" xmlns:m="http://schemas.openxmlformats.org/officeDocument/2006/math" xmlns:a14="http://schemas.microsoft.com/office/drawing/2010/main" xmlns:ma14="http://schemas.microsoft.com/office/mac/drawingml/2011/main" val="1"/>
+              <ma14:wrappingTextBoxFlag xmlns:ma14="http://schemas.microsoft.com/office/mac/drawingml/2011/main" xmlns:a14="http://schemas.microsoft.com/office/drawing/2010/main" xmlns:m="http://schemas.openxmlformats.org/officeDocument/2006/math" xmlns="" val="1"/>
             </a:ext>
           </a:extLst>
         </p:spPr>
@@ -19210,7 +19210,7 @@
           </a:ln>
           <a:extLst>
             <a:ext uri="{C572A759-6A51-4108-AA02-DFA0A04FC94B}">
-              <ma14:wrappingTextBoxFlag xmlns="" xmlns:m="http://schemas.openxmlformats.org/officeDocument/2006/math" xmlns:a14="http://schemas.microsoft.com/office/drawing/2010/main" xmlns:ma14="http://schemas.microsoft.com/office/mac/drawingml/2011/main" val="1"/>
+              <ma14:wrappingTextBoxFlag xmlns:ma14="http://schemas.microsoft.com/office/mac/drawingml/2011/main" xmlns:a14="http://schemas.microsoft.com/office/drawing/2010/main" xmlns:m="http://schemas.openxmlformats.org/officeDocument/2006/math" xmlns="" val="1"/>
             </a:ext>
           </a:extLst>
         </p:spPr>
@@ -19276,7 +19276,7 @@
           </a:ln>
           <a:extLst>
             <a:ext uri="{C572A759-6A51-4108-AA02-DFA0A04FC94B}">
-              <ma14:wrappingTextBoxFlag xmlns="" xmlns:m="http://schemas.openxmlformats.org/officeDocument/2006/math" xmlns:a14="http://schemas.microsoft.com/office/drawing/2010/main" xmlns:ma14="http://schemas.microsoft.com/office/mac/drawingml/2011/main" val="1"/>
+              <ma14:wrappingTextBoxFlag xmlns:ma14="http://schemas.microsoft.com/office/mac/drawingml/2011/main" xmlns:a14="http://schemas.microsoft.com/office/drawing/2010/main" xmlns:m="http://schemas.openxmlformats.org/officeDocument/2006/math" xmlns="" val="1"/>
             </a:ext>
           </a:extLst>
         </p:spPr>
@@ -19378,7 +19378,7 @@
           </a:ln>
           <a:extLst>
             <a:ext uri="{C572A759-6A51-4108-AA02-DFA0A04FC94B}">
-              <ma14:wrappingTextBoxFlag xmlns="" xmlns:m="http://schemas.openxmlformats.org/officeDocument/2006/math" xmlns:a14="http://schemas.microsoft.com/office/drawing/2010/main" xmlns:ma14="http://schemas.microsoft.com/office/mac/drawingml/2011/main" val="1"/>
+              <ma14:wrappingTextBoxFlag xmlns:ma14="http://schemas.microsoft.com/office/mac/drawingml/2011/main" xmlns:a14="http://schemas.microsoft.com/office/drawing/2010/main" xmlns:m="http://schemas.openxmlformats.org/officeDocument/2006/math" xmlns="" val="1"/>
             </a:ext>
           </a:extLst>
         </p:spPr>
@@ -19418,7 +19418,7 @@
           </a:ln>
           <a:extLst>
             <a:ext uri="{C572A759-6A51-4108-AA02-DFA0A04FC94B}">
-              <ma14:wrappingTextBoxFlag xmlns="" xmlns:m="http://schemas.openxmlformats.org/officeDocument/2006/math" xmlns:a14="http://schemas.microsoft.com/office/drawing/2010/main" xmlns:ma14="http://schemas.microsoft.com/office/mac/drawingml/2011/main" val="1"/>
+              <ma14:wrappingTextBoxFlag xmlns:ma14="http://schemas.microsoft.com/office/mac/drawingml/2011/main" xmlns:a14="http://schemas.microsoft.com/office/drawing/2010/main" xmlns:m="http://schemas.openxmlformats.org/officeDocument/2006/math" xmlns="" val="1"/>
             </a:ext>
           </a:extLst>
         </p:spPr>
@@ -19458,7 +19458,7 @@
           </a:ln>
           <a:extLst>
             <a:ext uri="{C572A759-6A51-4108-AA02-DFA0A04FC94B}">
-              <ma14:wrappingTextBoxFlag xmlns="" xmlns:m="http://schemas.openxmlformats.org/officeDocument/2006/math" xmlns:a14="http://schemas.microsoft.com/office/drawing/2010/main" xmlns:ma14="http://schemas.microsoft.com/office/mac/drawingml/2011/main" val="1"/>
+              <ma14:wrappingTextBoxFlag xmlns:ma14="http://schemas.microsoft.com/office/mac/drawingml/2011/main" xmlns:a14="http://schemas.microsoft.com/office/drawing/2010/main" xmlns:m="http://schemas.openxmlformats.org/officeDocument/2006/math" xmlns="" val="1"/>
             </a:ext>
           </a:extLst>
         </p:spPr>
@@ -19584,7 +19584,7 @@
           </a:ln>
           <a:extLst>
             <a:ext uri="{C572A759-6A51-4108-AA02-DFA0A04FC94B}">
-              <ma14:wrappingTextBoxFlag xmlns="" xmlns:m="http://schemas.openxmlformats.org/officeDocument/2006/math" xmlns:a14="http://schemas.microsoft.com/office/drawing/2010/main" xmlns:ma14="http://schemas.microsoft.com/office/mac/drawingml/2011/main" val="1"/>
+              <ma14:wrappingTextBoxFlag xmlns:ma14="http://schemas.microsoft.com/office/mac/drawingml/2011/main" xmlns:a14="http://schemas.microsoft.com/office/drawing/2010/main" xmlns:m="http://schemas.openxmlformats.org/officeDocument/2006/math" xmlns="" val="1"/>
             </a:ext>
           </a:extLst>
         </p:spPr>
@@ -19710,7 +19710,7 @@
           </a:ln>
           <a:extLst>
             <a:ext uri="{C572A759-6A51-4108-AA02-DFA0A04FC94B}">
-              <ma14:wrappingTextBoxFlag xmlns="" xmlns:m="http://schemas.openxmlformats.org/officeDocument/2006/math" xmlns:a14="http://schemas.microsoft.com/office/drawing/2010/main" xmlns:ma14="http://schemas.microsoft.com/office/mac/drawingml/2011/main" val="1"/>
+              <ma14:wrappingTextBoxFlag xmlns:ma14="http://schemas.microsoft.com/office/mac/drawingml/2011/main" xmlns:a14="http://schemas.microsoft.com/office/drawing/2010/main" xmlns:m="http://schemas.openxmlformats.org/officeDocument/2006/math" xmlns="" val="1"/>
             </a:ext>
           </a:extLst>
         </p:spPr>
@@ -19750,7 +19750,7 @@
           </a:ln>
           <a:extLst>
             <a:ext uri="{C572A759-6A51-4108-AA02-DFA0A04FC94B}">
-              <ma14:wrappingTextBoxFlag xmlns="" xmlns:m="http://schemas.openxmlformats.org/officeDocument/2006/math" xmlns:a14="http://schemas.microsoft.com/office/drawing/2010/main" xmlns:ma14="http://schemas.microsoft.com/office/mac/drawingml/2011/main" val="1"/>
+              <ma14:wrappingTextBoxFlag xmlns:ma14="http://schemas.microsoft.com/office/mac/drawingml/2011/main" xmlns:a14="http://schemas.microsoft.com/office/drawing/2010/main" xmlns:m="http://schemas.openxmlformats.org/officeDocument/2006/math" xmlns="" val="1"/>
             </a:ext>
           </a:extLst>
         </p:spPr>
@@ -19790,7 +19790,7 @@
           </a:ln>
           <a:extLst>
             <a:ext uri="{C572A759-6A51-4108-AA02-DFA0A04FC94B}">
-              <ma14:wrappingTextBoxFlag xmlns="" xmlns:m="http://schemas.openxmlformats.org/officeDocument/2006/math" xmlns:a14="http://schemas.microsoft.com/office/drawing/2010/main" xmlns:ma14="http://schemas.microsoft.com/office/mac/drawingml/2011/main" val="1"/>
+              <ma14:wrappingTextBoxFlag xmlns:ma14="http://schemas.microsoft.com/office/mac/drawingml/2011/main" xmlns:a14="http://schemas.microsoft.com/office/drawing/2010/main" xmlns:m="http://schemas.openxmlformats.org/officeDocument/2006/math" xmlns="" val="1"/>
             </a:ext>
           </a:extLst>
         </p:spPr>
@@ -19830,7 +19830,7 @@
           </a:ln>
           <a:extLst>
             <a:ext uri="{C572A759-6A51-4108-AA02-DFA0A04FC94B}">
-              <ma14:wrappingTextBoxFlag xmlns="" xmlns:m="http://schemas.openxmlformats.org/officeDocument/2006/math" xmlns:a14="http://schemas.microsoft.com/office/drawing/2010/main" xmlns:ma14="http://schemas.microsoft.com/office/mac/drawingml/2011/main" val="1"/>
+              <ma14:wrappingTextBoxFlag xmlns:ma14="http://schemas.microsoft.com/office/mac/drawingml/2011/main" xmlns:a14="http://schemas.microsoft.com/office/drawing/2010/main" xmlns:m="http://schemas.openxmlformats.org/officeDocument/2006/math" xmlns="" val="1"/>
             </a:ext>
           </a:extLst>
         </p:spPr>
@@ -19870,7 +19870,7 @@
           </a:ln>
           <a:extLst>
             <a:ext uri="{C572A759-6A51-4108-AA02-DFA0A04FC94B}">
-              <ma14:wrappingTextBoxFlag xmlns="" xmlns:m="http://schemas.openxmlformats.org/officeDocument/2006/math" xmlns:a14="http://schemas.microsoft.com/office/drawing/2010/main" xmlns:ma14="http://schemas.microsoft.com/office/mac/drawingml/2011/main" val="1"/>
+              <ma14:wrappingTextBoxFlag xmlns:ma14="http://schemas.microsoft.com/office/mac/drawingml/2011/main" xmlns:a14="http://schemas.microsoft.com/office/drawing/2010/main" xmlns:m="http://schemas.openxmlformats.org/officeDocument/2006/math" xmlns="" val="1"/>
             </a:ext>
           </a:extLst>
         </p:spPr>
@@ -19936,7 +19936,7 @@
           </a:ln>
           <a:extLst>
             <a:ext uri="{C572A759-6A51-4108-AA02-DFA0A04FC94B}">
-              <ma14:wrappingTextBoxFlag xmlns="" xmlns:m="http://schemas.openxmlformats.org/officeDocument/2006/math" xmlns:a14="http://schemas.microsoft.com/office/drawing/2010/main" xmlns:ma14="http://schemas.microsoft.com/office/mac/drawingml/2011/main" val="1"/>
+              <ma14:wrappingTextBoxFlag xmlns:ma14="http://schemas.microsoft.com/office/mac/drawingml/2011/main" xmlns:a14="http://schemas.microsoft.com/office/drawing/2010/main" xmlns:m="http://schemas.openxmlformats.org/officeDocument/2006/math" xmlns="" val="1"/>
             </a:ext>
           </a:extLst>
         </p:spPr>
@@ -20027,7 +20027,7 @@
           </a:ln>
           <a:extLst>
             <a:ext uri="{C572A759-6A51-4108-AA02-DFA0A04FC94B}">
-              <ma14:wrappingTextBoxFlag xmlns="" xmlns:m="http://schemas.openxmlformats.org/officeDocument/2006/math" xmlns:a14="http://schemas.microsoft.com/office/drawing/2010/main" xmlns:ma14="http://schemas.microsoft.com/office/mac/drawingml/2011/main" val="1"/>
+              <ma14:wrappingTextBoxFlag xmlns:ma14="http://schemas.microsoft.com/office/mac/drawingml/2011/main" xmlns:a14="http://schemas.microsoft.com/office/drawing/2010/main" xmlns:m="http://schemas.openxmlformats.org/officeDocument/2006/math" xmlns="" val="1"/>
             </a:ext>
           </a:extLst>
         </p:spPr>
@@ -20067,7 +20067,7 @@
           </a:ln>
           <a:extLst>
             <a:ext uri="{C572A759-6A51-4108-AA02-DFA0A04FC94B}">
-              <ma14:wrappingTextBoxFlag xmlns="" xmlns:m="http://schemas.openxmlformats.org/officeDocument/2006/math" xmlns:a14="http://schemas.microsoft.com/office/drawing/2010/main" xmlns:ma14="http://schemas.microsoft.com/office/mac/drawingml/2011/main" val="1"/>
+              <ma14:wrappingTextBoxFlag xmlns:ma14="http://schemas.microsoft.com/office/mac/drawingml/2011/main" xmlns:a14="http://schemas.microsoft.com/office/drawing/2010/main" xmlns:m="http://schemas.openxmlformats.org/officeDocument/2006/math" xmlns="" val="1"/>
             </a:ext>
           </a:extLst>
         </p:spPr>
@@ -20133,7 +20133,7 @@
           </a:ln>
           <a:extLst>
             <a:ext uri="{C572A759-6A51-4108-AA02-DFA0A04FC94B}">
-              <ma14:wrappingTextBoxFlag xmlns="" xmlns:m="http://schemas.openxmlformats.org/officeDocument/2006/math" xmlns:a14="http://schemas.microsoft.com/office/drawing/2010/main" xmlns:ma14="http://schemas.microsoft.com/office/mac/drawingml/2011/main" val="1"/>
+              <ma14:wrappingTextBoxFlag xmlns:ma14="http://schemas.microsoft.com/office/mac/drawingml/2011/main" xmlns:a14="http://schemas.microsoft.com/office/drawing/2010/main" xmlns:m="http://schemas.openxmlformats.org/officeDocument/2006/math" xmlns="" val="1"/>
             </a:ext>
           </a:extLst>
         </p:spPr>
@@ -20176,7 +20176,7 @@
           </a:ln>
           <a:extLst>
             <a:ext uri="{C572A759-6A51-4108-AA02-DFA0A04FC94B}">
-              <ma14:wrappingTextBoxFlag xmlns="" xmlns:m="http://schemas.openxmlformats.org/officeDocument/2006/math" xmlns:a14="http://schemas.microsoft.com/office/drawing/2010/main" xmlns:ma14="http://schemas.microsoft.com/office/mac/drawingml/2011/main" val="1"/>
+              <ma14:wrappingTextBoxFlag xmlns:ma14="http://schemas.microsoft.com/office/mac/drawingml/2011/main" xmlns:a14="http://schemas.microsoft.com/office/drawing/2010/main" xmlns:m="http://schemas.openxmlformats.org/officeDocument/2006/math" xmlns="" val="1"/>
             </a:ext>
           </a:extLst>
         </p:spPr>
@@ -20242,7 +20242,7 @@
           </a:ln>
           <a:extLst>
             <a:ext uri="{C572A759-6A51-4108-AA02-DFA0A04FC94B}">
-              <ma14:wrappingTextBoxFlag xmlns="" xmlns:m="http://schemas.openxmlformats.org/officeDocument/2006/math" xmlns:a14="http://schemas.microsoft.com/office/drawing/2010/main" xmlns:ma14="http://schemas.microsoft.com/office/mac/drawingml/2011/main" val="1"/>
+              <ma14:wrappingTextBoxFlag xmlns:ma14="http://schemas.microsoft.com/office/mac/drawingml/2011/main" xmlns:a14="http://schemas.microsoft.com/office/drawing/2010/main" xmlns:m="http://schemas.openxmlformats.org/officeDocument/2006/math" xmlns="" val="1"/>
             </a:ext>
           </a:extLst>
         </p:spPr>
@@ -20285,7 +20285,7 @@
           </a:ln>
           <a:extLst>
             <a:ext uri="{C572A759-6A51-4108-AA02-DFA0A04FC94B}">
-              <ma14:wrappingTextBoxFlag xmlns="" xmlns:m="http://schemas.openxmlformats.org/officeDocument/2006/math" xmlns:a14="http://schemas.microsoft.com/office/drawing/2010/main" xmlns:ma14="http://schemas.microsoft.com/office/mac/drawingml/2011/main" val="1"/>
+              <ma14:wrappingTextBoxFlag xmlns:ma14="http://schemas.microsoft.com/office/mac/drawingml/2011/main" xmlns:a14="http://schemas.microsoft.com/office/drawing/2010/main" xmlns:m="http://schemas.openxmlformats.org/officeDocument/2006/math" xmlns="" val="1"/>
             </a:ext>
           </a:extLst>
         </p:spPr>
@@ -20351,7 +20351,7 @@
           </a:ln>
           <a:extLst>
             <a:ext uri="{C572A759-6A51-4108-AA02-DFA0A04FC94B}">
-              <ma14:wrappingTextBoxFlag xmlns="" xmlns:m="http://schemas.openxmlformats.org/officeDocument/2006/math" xmlns:a14="http://schemas.microsoft.com/office/drawing/2010/main" xmlns:ma14="http://schemas.microsoft.com/office/mac/drawingml/2011/main" val="1"/>
+              <ma14:wrappingTextBoxFlag xmlns:ma14="http://schemas.microsoft.com/office/mac/drawingml/2011/main" xmlns:a14="http://schemas.microsoft.com/office/drawing/2010/main" xmlns:m="http://schemas.openxmlformats.org/officeDocument/2006/math" xmlns="" val="1"/>
             </a:ext>
           </a:extLst>
         </p:spPr>
@@ -20414,7 +20414,7 @@
           </a:ln>
           <a:extLst>
             <a:ext uri="{C572A759-6A51-4108-AA02-DFA0A04FC94B}">
-              <ma14:wrappingTextBoxFlag xmlns="" xmlns:m="http://schemas.openxmlformats.org/officeDocument/2006/math" xmlns:a14="http://schemas.microsoft.com/office/drawing/2010/main" xmlns:ma14="http://schemas.microsoft.com/office/mac/drawingml/2011/main" val="1"/>
+              <ma14:wrappingTextBoxFlag xmlns:ma14="http://schemas.microsoft.com/office/mac/drawingml/2011/main" xmlns:a14="http://schemas.microsoft.com/office/drawing/2010/main" xmlns:m="http://schemas.openxmlformats.org/officeDocument/2006/math" xmlns="" val="1"/>
             </a:ext>
           </a:extLst>
         </p:spPr>
@@ -20480,7 +20480,7 @@
           </a:ln>
           <a:extLst>
             <a:ext uri="{C572A759-6A51-4108-AA02-DFA0A04FC94B}">
-              <ma14:wrappingTextBoxFlag xmlns="" xmlns:m="http://schemas.openxmlformats.org/officeDocument/2006/math" xmlns:a14="http://schemas.microsoft.com/office/drawing/2010/main" xmlns:ma14="http://schemas.microsoft.com/office/mac/drawingml/2011/main" val="1"/>
+              <ma14:wrappingTextBoxFlag xmlns:ma14="http://schemas.microsoft.com/office/mac/drawingml/2011/main" xmlns:a14="http://schemas.microsoft.com/office/drawing/2010/main" xmlns:m="http://schemas.openxmlformats.org/officeDocument/2006/math" xmlns="" val="1"/>
             </a:ext>
           </a:extLst>
         </p:spPr>
@@ -20523,7 +20523,7 @@
           </a:ln>
           <a:extLst>
             <a:ext uri="{C572A759-6A51-4108-AA02-DFA0A04FC94B}">
-              <ma14:wrappingTextBoxFlag xmlns="" xmlns:m="http://schemas.openxmlformats.org/officeDocument/2006/math" xmlns:a14="http://schemas.microsoft.com/office/drawing/2010/main" xmlns:ma14="http://schemas.microsoft.com/office/mac/drawingml/2011/main" val="1"/>
+              <ma14:wrappingTextBoxFlag xmlns:ma14="http://schemas.microsoft.com/office/mac/drawingml/2011/main" xmlns:a14="http://schemas.microsoft.com/office/drawing/2010/main" xmlns:m="http://schemas.openxmlformats.org/officeDocument/2006/math" xmlns="" val="1"/>
             </a:ext>
           </a:extLst>
         </p:spPr>
@@ -20578,8 +20578,8 @@
         </p:nvSpPr>
         <p:spPr>
           <a:xfrm>
-            <a:off x="723901" y="1613119"/>
-            <a:ext cx="10744199" cy="3631763"/>
+            <a:off x="723901" y="2151728"/>
+            <a:ext cx="10744199" cy="2554545"/>
           </a:xfrm>
           <a:prstGeom prst="rect">
             <a:avLst/>
@@ -20591,7 +20591,7 @@
           </a:ln>
           <a:extLst>
             <a:ext uri="{C572A759-6A51-4108-AA02-DFA0A04FC94B}">
-              <ma14:wrappingTextBoxFlag xmlns="" xmlns:m="http://schemas.openxmlformats.org/officeDocument/2006/math" xmlns:a14="http://schemas.microsoft.com/office/drawing/2010/main" xmlns:ma14="http://schemas.microsoft.com/office/mac/drawingml/2011/main" val="1"/>
+              <ma14:wrappingTextBoxFlag xmlns:ma14="http://schemas.microsoft.com/office/mac/drawingml/2011/main" xmlns:a14="http://schemas.microsoft.com/office/drawing/2010/main" xmlns:m="http://schemas.openxmlformats.org/officeDocument/2006/math" xmlns="" val="1"/>
             </a:ext>
           </a:extLst>
         </p:spPr>
@@ -20606,26 +20606,26 @@
           </a:lstStyle>
           <a:p>
             <a:r>
-              <a:rPr lang="en-IN" sz="11500" b="1" dirty="0">
+              <a:rPr lang="en-IN" sz="8000" dirty="0">
                 <a:solidFill>
                   <a:schemeClr val="accent1">
                     <a:lumMod val="50000"/>
                   </a:schemeClr>
                 </a:solidFill>
-                <a:latin typeface="SAVOYE LET PLAIN:1.0" pitchFamily="2" charset="0"/>
+                <a:latin typeface="Goudy Bookletter 1911" panose="02000503000000000000" pitchFamily="2" charset="0"/>
               </a:rPr>
               <a:t>Birthdays &amp; </a:t>
             </a:r>
           </a:p>
           <a:p>
             <a:r>
-              <a:rPr lang="en-IN" sz="11500" b="1" dirty="0">
+              <a:rPr lang="en-IN" sz="8000" dirty="0">
                 <a:solidFill>
                   <a:schemeClr val="accent1">
                     <a:lumMod val="50000"/>
                   </a:schemeClr>
                 </a:solidFill>
-                <a:latin typeface="SAVOYE LET PLAIN:1.0" pitchFamily="2" charset="0"/>
+                <a:latin typeface="Goudy Bookletter 1911" panose="02000503000000000000" pitchFamily="2" charset="0"/>
               </a:rPr>
               <a:t>Wedding Anniversaries </a:t>
             </a:r>
@@ -20651,7 +20651,7 @@
           </a:ln>
           <a:extLst>
             <a:ext uri="{C572A759-6A51-4108-AA02-DFA0A04FC94B}">
-              <ma14:wrappingTextBoxFlag xmlns="" xmlns:m="http://schemas.openxmlformats.org/officeDocument/2006/math" xmlns:a14="http://schemas.microsoft.com/office/drawing/2010/main" xmlns:ma14="http://schemas.microsoft.com/office/mac/drawingml/2011/main" val="1"/>
+              <ma14:wrappingTextBoxFlag xmlns:ma14="http://schemas.microsoft.com/office/mac/drawingml/2011/main" xmlns:a14="http://schemas.microsoft.com/office/drawing/2010/main" xmlns:m="http://schemas.openxmlformats.org/officeDocument/2006/math" xmlns="" val="1"/>
             </a:ext>
           </a:extLst>
         </p:spPr>
@@ -20773,8 +20773,8 @@
         </p:nvSpPr>
         <p:spPr>
           <a:xfrm>
-            <a:off x="2441796" y="1543869"/>
-            <a:ext cx="7308409" cy="3770263"/>
+            <a:off x="314611" y="1543869"/>
+            <a:ext cx="11562780" cy="3770263"/>
           </a:xfrm>
           <a:prstGeom prst="rect">
             <a:avLst/>
@@ -20786,7 +20786,7 @@
           </a:ln>
           <a:extLst>
             <a:ext uri="{C572A759-6A51-4108-AA02-DFA0A04FC94B}">
-              <ma14:wrappingTextBoxFlag xmlns="" xmlns:m="http://schemas.openxmlformats.org/officeDocument/2006/math" xmlns:a14="http://schemas.microsoft.com/office/drawing/2010/main" xmlns:ma14="http://schemas.microsoft.com/office/mac/drawingml/2011/main" val="1"/>
+              <ma14:wrappingTextBoxFlag xmlns:ma14="http://schemas.microsoft.com/office/mac/drawingml/2011/main" xmlns:a14="http://schemas.microsoft.com/office/drawing/2010/main" xmlns:m="http://schemas.openxmlformats.org/officeDocument/2006/math" xmlns="" val="1"/>
             </a:ext>
           </a:extLst>
         </p:spPr>
@@ -20801,24 +20801,24 @@
           </a:lstStyle>
           <a:p>
             <a:r>
-              <a:rPr lang="en-US" sz="23900" b="1" dirty="0">
+              <a:rPr lang="en-US" sz="23900" dirty="0">
                 <a:solidFill>
                   <a:schemeClr val="accent1">
                     <a:lumMod val="50000"/>
                   </a:schemeClr>
                 </a:solidFill>
-                <a:latin typeface="SAVOYE LET PLAIN:1.0" pitchFamily="2" charset="0"/>
+                <a:latin typeface="Goudy Bookletter 1911" panose="02000503000000000000" pitchFamily="2" charset="0"/>
                 <a:cs typeface="Noto Serif Malayalam" pitchFamily="2" charset="0"/>
               </a:rPr>
               <a:t>Offertory</a:t>
             </a:r>
-            <a:endParaRPr sz="9600" b="1" dirty="0">
+            <a:endParaRPr sz="9600" dirty="0">
               <a:solidFill>
                 <a:schemeClr val="accent1">
                   <a:lumMod val="50000"/>
                 </a:schemeClr>
               </a:solidFill>
-              <a:latin typeface="SAVOYE LET PLAIN:1.0" pitchFamily="2" charset="0"/>
+              <a:latin typeface="Goudy Bookletter 1911" panose="02000503000000000000" pitchFamily="2" charset="0"/>
               <a:cs typeface="Noto Serif Malayalam" pitchFamily="2" charset="0"/>
             </a:endParaRPr>
           </a:p>
@@ -20917,8 +20917,8 @@
         </p:nvSpPr>
         <p:spPr>
           <a:xfrm>
-            <a:off x="1814220" y="2497976"/>
-            <a:ext cx="8563561" cy="1862048"/>
+            <a:off x="739407" y="2497976"/>
+            <a:ext cx="10713187" cy="1569660"/>
           </a:xfrm>
           <a:prstGeom prst="rect">
             <a:avLst/>
@@ -20930,7 +20930,7 @@
           </a:ln>
           <a:extLst>
             <a:ext uri="{C572A759-6A51-4108-AA02-DFA0A04FC94B}">
-              <ma14:wrappingTextBoxFlag xmlns="" xmlns:m="http://schemas.openxmlformats.org/officeDocument/2006/math" xmlns:a14="http://schemas.microsoft.com/office/drawing/2010/main" xmlns:ma14="http://schemas.microsoft.com/office/mac/drawingml/2011/main" val="1"/>
+              <ma14:wrappingTextBoxFlag xmlns:ma14="http://schemas.microsoft.com/office/mac/drawingml/2011/main" xmlns:a14="http://schemas.microsoft.com/office/drawing/2010/main" xmlns:m="http://schemas.openxmlformats.org/officeDocument/2006/math" xmlns="" val="1"/>
             </a:ext>
           </a:extLst>
         </p:spPr>
@@ -20945,13 +20945,13 @@
           </a:lstStyle>
           <a:p>
             <a:r>
-              <a:rPr sz="11500" b="1" dirty="0">
+              <a:rPr sz="9600" dirty="0">
                 <a:solidFill>
                   <a:schemeClr val="accent1">
                     <a:lumMod val="50000"/>
                   </a:schemeClr>
                 </a:solidFill>
-                <a:latin typeface="SAVOYE LET PLAIN:1.0" pitchFamily="2" charset="0"/>
+                <a:latin typeface="Goudy Bookletter 1911" panose="02000503000000000000" pitchFamily="2" charset="0"/>
               </a:rPr>
               <a:t>Song between Lessons</a:t>
             </a:r>
@@ -20977,7 +20977,7 @@
           </a:ln>
           <a:extLst>
             <a:ext uri="{C572A759-6A51-4108-AA02-DFA0A04FC94B}">
-              <ma14:wrappingTextBoxFlag xmlns="" xmlns:m="http://schemas.openxmlformats.org/officeDocument/2006/math" xmlns:a14="http://schemas.microsoft.com/office/drawing/2010/main" xmlns:ma14="http://schemas.microsoft.com/office/mac/drawingml/2011/main" val="1"/>
+              <ma14:wrappingTextBoxFlag xmlns:ma14="http://schemas.microsoft.com/office/mac/drawingml/2011/main" xmlns:a14="http://schemas.microsoft.com/office/drawing/2010/main" xmlns:m="http://schemas.openxmlformats.org/officeDocument/2006/math" xmlns="" val="1"/>
             </a:ext>
           </a:extLst>
         </p:spPr>
@@ -21068,8 +21068,8 @@
         </p:nvSpPr>
         <p:spPr>
           <a:xfrm>
-            <a:off x="2566830" y="1313036"/>
-            <a:ext cx="7058340" cy="4231928"/>
+            <a:off x="983063" y="1313036"/>
+            <a:ext cx="10225875" cy="4231928"/>
           </a:xfrm>
           <a:prstGeom prst="rect">
             <a:avLst/>
@@ -21081,7 +21081,7 @@
           </a:ln>
           <a:extLst>
             <a:ext uri="{C572A759-6A51-4108-AA02-DFA0A04FC94B}">
-              <ma14:wrappingTextBoxFlag xmlns="" xmlns:m="http://schemas.openxmlformats.org/officeDocument/2006/math" xmlns:a14="http://schemas.microsoft.com/office/drawing/2010/main" xmlns:ma14="http://schemas.microsoft.com/office/mac/drawingml/2011/main" val="1"/>
+              <ma14:wrappingTextBoxFlag xmlns:ma14="http://schemas.microsoft.com/office/mac/drawingml/2011/main" xmlns:a14="http://schemas.microsoft.com/office/drawing/2010/main" xmlns:m="http://schemas.openxmlformats.org/officeDocument/2006/math" xmlns="" val="1"/>
             </a:ext>
           </a:extLst>
         </p:spPr>
@@ -21096,24 +21096,24 @@
           </a:lstStyle>
           <a:p>
             <a:r>
-              <a:rPr lang="en-US" sz="26900" b="1" dirty="0">
+              <a:rPr lang="en-US" sz="26900" dirty="0">
                 <a:solidFill>
                   <a:schemeClr val="accent1">
                     <a:lumMod val="50000"/>
                   </a:schemeClr>
                 </a:solidFill>
-                <a:latin typeface="SAVOYE LET PLAIN:1.0" pitchFamily="2" charset="0"/>
+                <a:latin typeface="Goudy Bookletter 1911" panose="02000503000000000000" pitchFamily="2" charset="0"/>
                 <a:cs typeface="Noto Serif Malayalam" pitchFamily="2" charset="0"/>
               </a:rPr>
               <a:t>Sermon</a:t>
             </a:r>
-            <a:endParaRPr sz="26900" b="1" dirty="0">
+            <a:endParaRPr sz="26900" dirty="0">
               <a:solidFill>
                 <a:schemeClr val="accent1">
                   <a:lumMod val="50000"/>
                 </a:schemeClr>
               </a:solidFill>
-              <a:latin typeface="SAVOYE LET PLAIN:1.0" pitchFamily="2" charset="0"/>
+              <a:latin typeface="Goudy Bookletter 1911" panose="02000503000000000000" pitchFamily="2" charset="0"/>
               <a:cs typeface="Noto Serif Malayalam" pitchFamily="2" charset="0"/>
             </a:endParaRPr>
           </a:p>
@@ -21153,8 +21153,8 @@
         </p:nvSpPr>
         <p:spPr>
           <a:xfrm>
-            <a:off x="3620804" y="1728535"/>
-            <a:ext cx="4950392" cy="3400931"/>
+            <a:off x="2497099" y="1728535"/>
+            <a:ext cx="7197802" cy="3400931"/>
           </a:xfrm>
           <a:prstGeom prst="rect">
             <a:avLst/>
@@ -21166,7 +21166,7 @@
           </a:ln>
           <a:extLst>
             <a:ext uri="{C572A759-6A51-4108-AA02-DFA0A04FC94B}">
-              <ma14:wrappingTextBoxFlag xmlns:ma14="http://schemas.microsoft.com/office/mac/drawingml/2011/main" xmlns:a14="http://schemas.microsoft.com/office/drawing/2010/main" xmlns:m="http://schemas.openxmlformats.org/officeDocument/2006/math" xmlns="" val="1"/>
+              <ma14:wrappingTextBoxFlag xmlns="" xmlns:m="http://schemas.openxmlformats.org/officeDocument/2006/math" xmlns:a14="http://schemas.microsoft.com/office/drawing/2010/main" xmlns:ma14="http://schemas.microsoft.com/office/mac/drawingml/2011/main" val="1"/>
             </a:ext>
           </a:extLst>
         </p:spPr>
@@ -21181,24 +21181,24 @@
           </a:lstStyle>
           <a:p>
             <a:r>
-              <a:rPr lang="en-US" sz="21500" b="1" dirty="0">
+              <a:rPr lang="en-US" sz="21500" dirty="0">
                 <a:solidFill>
                   <a:schemeClr val="accent1">
                     <a:lumMod val="50000"/>
                   </a:schemeClr>
                 </a:solidFill>
-                <a:latin typeface="SAVOYE LET PLAIN:1.0" pitchFamily="2" charset="0"/>
+                <a:latin typeface="Goudy Bookletter 1911" panose="02000503000000000000" pitchFamily="2" charset="0"/>
                 <a:cs typeface="Noto Serif Malayalam" pitchFamily="2" charset="0"/>
               </a:rPr>
               <a:t>Prayer</a:t>
             </a:r>
-            <a:endParaRPr sz="21500" b="1" dirty="0">
+            <a:endParaRPr sz="21500" dirty="0">
               <a:solidFill>
                 <a:schemeClr val="accent1">
                   <a:lumMod val="50000"/>
                 </a:schemeClr>
               </a:solidFill>
-              <a:latin typeface="SAVOYE LET PLAIN:1.0" pitchFamily="2" charset="0"/>
+              <a:latin typeface="Goudy Bookletter 1911" panose="02000503000000000000" pitchFamily="2" charset="0"/>
               <a:cs typeface="Noto Serif Malayalam" pitchFamily="2" charset="0"/>
             </a:endParaRPr>
           </a:p>
@@ -21254,7 +21254,7 @@
           </a:ln>
           <a:extLst>
             <a:ext uri="{C572A759-6A51-4108-AA02-DFA0A04FC94B}">
-              <ma14:wrappingTextBoxFlag xmlns="" xmlns:m="http://schemas.openxmlformats.org/officeDocument/2006/math" xmlns:a14="http://schemas.microsoft.com/office/drawing/2010/main" xmlns:ma14="http://schemas.microsoft.com/office/mac/drawingml/2011/main" val="1"/>
+              <ma14:wrappingTextBoxFlag xmlns:ma14="http://schemas.microsoft.com/office/mac/drawingml/2011/main" xmlns:a14="http://schemas.microsoft.com/office/drawing/2010/main" xmlns:m="http://schemas.openxmlformats.org/officeDocument/2006/math" xmlns="" val="1"/>
             </a:ext>
           </a:extLst>
         </p:spPr>
@@ -21293,7 +21293,7 @@
           </a:prstGeom>
           <a:extLst>
             <a:ext uri="{C572A759-6A51-4108-AA02-DFA0A04FC94B}">
-              <ma14:wrappingTextBoxFlag xmlns:ma14="http://schemas.microsoft.com/office/mac/drawingml/2011/main" xmlns:a14="http://schemas.microsoft.com/office/drawing/2010/main" xmlns:m="http://schemas.openxmlformats.org/officeDocument/2006/math" xmlns="" val="1"/>
+              <ma14:wrappingTextBoxFlag xmlns="" xmlns:m="http://schemas.openxmlformats.org/officeDocument/2006/math" xmlns:a14="http://schemas.microsoft.com/office/drawing/2010/main" xmlns:ma14="http://schemas.microsoft.com/office/mac/drawingml/2011/main" val="1"/>
             </a:ext>
           </a:extLst>
         </p:spPr>
@@ -21361,7 +21361,7 @@
           </a:ln>
           <a:extLst>
             <a:ext uri="{C572A759-6A51-4108-AA02-DFA0A04FC94B}">
-              <ma14:wrappingTextBoxFlag xmlns:ma14="http://schemas.microsoft.com/office/mac/drawingml/2011/main" xmlns:a14="http://schemas.microsoft.com/office/drawing/2010/main" xmlns:m="http://schemas.openxmlformats.org/officeDocument/2006/math" xmlns="" val="1"/>
+              <ma14:wrappingTextBoxFlag xmlns="" xmlns:m="http://schemas.openxmlformats.org/officeDocument/2006/math" xmlns:a14="http://schemas.microsoft.com/office/drawing/2010/main" xmlns:ma14="http://schemas.microsoft.com/office/mac/drawingml/2011/main" val="1"/>
             </a:ext>
           </a:extLst>
         </p:spPr>
@@ -21654,7 +21654,7 @@
           </a:ln>
           <a:extLst>
             <a:ext uri="{C572A759-6A51-4108-AA02-DFA0A04FC94B}">
-              <ma14:wrappingTextBoxFlag xmlns="" xmlns:m="http://schemas.openxmlformats.org/officeDocument/2006/math" xmlns:a14="http://schemas.microsoft.com/office/drawing/2010/main" xmlns:ma14="http://schemas.microsoft.com/office/mac/drawingml/2011/main" val="1"/>
+              <ma14:wrappingTextBoxFlag xmlns:ma14="http://schemas.microsoft.com/office/mac/drawingml/2011/main" xmlns:a14="http://schemas.microsoft.com/office/drawing/2010/main" xmlns:m="http://schemas.openxmlformats.org/officeDocument/2006/math" xmlns="" val="1"/>
             </a:ext>
           </a:extLst>
         </p:spPr>
@@ -21761,7 +21761,7 @@
           </a:ln>
           <a:extLst>
             <a:ext uri="{C572A759-6A51-4108-AA02-DFA0A04FC94B}">
-              <ma14:wrappingTextBoxFlag xmlns="" xmlns:m="http://schemas.openxmlformats.org/officeDocument/2006/math" xmlns:a14="http://schemas.microsoft.com/office/drawing/2010/main" xmlns:ma14="http://schemas.microsoft.com/office/mac/drawingml/2011/main" val="1"/>
+              <ma14:wrappingTextBoxFlag xmlns:ma14="http://schemas.microsoft.com/office/mac/drawingml/2011/main" xmlns:a14="http://schemas.microsoft.com/office/drawing/2010/main" xmlns:m="http://schemas.openxmlformats.org/officeDocument/2006/math" xmlns="" val="1"/>
             </a:ext>
           </a:extLst>
         </p:spPr>
@@ -21830,7 +21830,7 @@
           </a:ln>
           <a:extLst>
             <a:ext uri="{C572A759-6A51-4108-AA02-DFA0A04FC94B}">
-              <ma14:wrappingTextBoxFlag xmlns="" xmlns:m="http://schemas.openxmlformats.org/officeDocument/2006/math" xmlns:a14="http://schemas.microsoft.com/office/drawing/2010/main" xmlns:ma14="http://schemas.microsoft.com/office/mac/drawingml/2011/main" val="1"/>
+              <ma14:wrappingTextBoxFlag xmlns:ma14="http://schemas.microsoft.com/office/mac/drawingml/2011/main" xmlns:a14="http://schemas.microsoft.com/office/drawing/2010/main" xmlns:m="http://schemas.openxmlformats.org/officeDocument/2006/math" xmlns="" val="1"/>
             </a:ext>
           </a:extLst>
         </p:spPr>
@@ -21907,7 +21907,7 @@
           </a:ln>
           <a:extLst>
             <a:ext uri="{C572A759-6A51-4108-AA02-DFA0A04FC94B}">
-              <ma14:wrappingTextBoxFlag xmlns="" xmlns:m="http://schemas.openxmlformats.org/officeDocument/2006/math" xmlns:a14="http://schemas.microsoft.com/office/drawing/2010/main" xmlns:ma14="http://schemas.microsoft.com/office/mac/drawingml/2011/main" val="1"/>
+              <ma14:wrappingTextBoxFlag xmlns:ma14="http://schemas.microsoft.com/office/mac/drawingml/2011/main" xmlns:a14="http://schemas.microsoft.com/office/drawing/2010/main" xmlns:m="http://schemas.openxmlformats.org/officeDocument/2006/math" xmlns="" val="1"/>
             </a:ext>
           </a:extLst>
         </p:spPr>
@@ -21990,7 +21990,7 @@
           </a:ln>
           <a:extLst>
             <a:ext uri="{C572A759-6A51-4108-AA02-DFA0A04FC94B}">
-              <ma14:wrappingTextBoxFlag xmlns="" xmlns:m="http://schemas.openxmlformats.org/officeDocument/2006/math" xmlns:a14="http://schemas.microsoft.com/office/drawing/2010/main" xmlns:ma14="http://schemas.microsoft.com/office/mac/drawingml/2011/main" val="1"/>
+              <ma14:wrappingTextBoxFlag xmlns:ma14="http://schemas.microsoft.com/office/mac/drawingml/2011/main" xmlns:a14="http://schemas.microsoft.com/office/drawing/2010/main" xmlns:m="http://schemas.openxmlformats.org/officeDocument/2006/math" xmlns="" val="1"/>
             </a:ext>
           </a:extLst>
         </p:spPr>
@@ -22030,7 +22030,7 @@
           </a:ln>
           <a:extLst>
             <a:ext uri="{C572A759-6A51-4108-AA02-DFA0A04FC94B}">
-              <ma14:wrappingTextBoxFlag xmlns="" xmlns:m="http://schemas.openxmlformats.org/officeDocument/2006/math" xmlns:a14="http://schemas.microsoft.com/office/drawing/2010/main" xmlns:ma14="http://schemas.microsoft.com/office/mac/drawingml/2011/main" val="1"/>
+              <ma14:wrappingTextBoxFlag xmlns:ma14="http://schemas.microsoft.com/office/mac/drawingml/2011/main" xmlns:a14="http://schemas.microsoft.com/office/drawing/2010/main" xmlns:m="http://schemas.openxmlformats.org/officeDocument/2006/math" xmlns="" val="1"/>
             </a:ext>
           </a:extLst>
         </p:spPr>
@@ -22096,7 +22096,7 @@
           </a:ln>
           <a:extLst>
             <a:ext uri="{C572A759-6A51-4108-AA02-DFA0A04FC94B}">
-              <ma14:wrappingTextBoxFlag xmlns="" xmlns:m="http://schemas.openxmlformats.org/officeDocument/2006/math" xmlns:a14="http://schemas.microsoft.com/office/drawing/2010/main" xmlns:ma14="http://schemas.microsoft.com/office/mac/drawingml/2011/main" val="1"/>
+              <ma14:wrappingTextBoxFlag xmlns:ma14="http://schemas.microsoft.com/office/mac/drawingml/2011/main" xmlns:a14="http://schemas.microsoft.com/office/drawing/2010/main" xmlns:m="http://schemas.openxmlformats.org/officeDocument/2006/math" xmlns="" val="1"/>
             </a:ext>
           </a:extLst>
         </p:spPr>
@@ -22182,7 +22182,7 @@
           </a:ln>
           <a:extLst>
             <a:ext uri="{C572A759-6A51-4108-AA02-DFA0A04FC94B}">
-              <ma14:wrappingTextBoxFlag xmlns="" xmlns:m="http://schemas.openxmlformats.org/officeDocument/2006/math" xmlns:a14="http://schemas.microsoft.com/office/drawing/2010/main" xmlns:ma14="http://schemas.microsoft.com/office/mac/drawingml/2011/main" val="1"/>
+              <ma14:wrappingTextBoxFlag xmlns:ma14="http://schemas.microsoft.com/office/mac/drawingml/2011/main" xmlns:a14="http://schemas.microsoft.com/office/drawing/2010/main" xmlns:m="http://schemas.openxmlformats.org/officeDocument/2006/math" xmlns="" val="1"/>
             </a:ext>
           </a:extLst>
         </p:spPr>
@@ -22248,7 +22248,7 @@
           </a:ln>
           <a:extLst>
             <a:ext uri="{C572A759-6A51-4108-AA02-DFA0A04FC94B}">
-              <ma14:wrappingTextBoxFlag xmlns="" xmlns:m="http://schemas.openxmlformats.org/officeDocument/2006/math" xmlns:a14="http://schemas.microsoft.com/office/drawing/2010/main" xmlns:ma14="http://schemas.microsoft.com/office/mac/drawingml/2011/main" val="1"/>
+              <ma14:wrappingTextBoxFlag xmlns:ma14="http://schemas.microsoft.com/office/mac/drawingml/2011/main" xmlns:a14="http://schemas.microsoft.com/office/drawing/2010/main" xmlns:m="http://schemas.openxmlformats.org/officeDocument/2006/math" xmlns="" val="1"/>
             </a:ext>
           </a:extLst>
         </p:spPr>
@@ -22314,7 +22314,7 @@
           </a:ln>
           <a:extLst>
             <a:ext uri="{C572A759-6A51-4108-AA02-DFA0A04FC94B}">
-              <ma14:wrappingTextBoxFlag xmlns="" xmlns:m="http://schemas.openxmlformats.org/officeDocument/2006/math" xmlns:a14="http://schemas.microsoft.com/office/drawing/2010/main" xmlns:ma14="http://schemas.microsoft.com/office/mac/drawingml/2011/main" val="1"/>
+              <ma14:wrappingTextBoxFlag xmlns:ma14="http://schemas.microsoft.com/office/mac/drawingml/2011/main" xmlns:a14="http://schemas.microsoft.com/office/drawing/2010/main" xmlns:m="http://schemas.openxmlformats.org/officeDocument/2006/math" xmlns="" val="1"/>
             </a:ext>
           </a:extLst>
         </p:spPr>
@@ -22380,7 +22380,7 @@
           </a:ln>
           <a:extLst>
             <a:ext uri="{C572A759-6A51-4108-AA02-DFA0A04FC94B}">
-              <ma14:wrappingTextBoxFlag xmlns="" xmlns:m="http://schemas.openxmlformats.org/officeDocument/2006/math" xmlns:a14="http://schemas.microsoft.com/office/drawing/2010/main" xmlns:ma14="http://schemas.microsoft.com/office/mac/drawingml/2011/main" val="1"/>
+              <ma14:wrappingTextBoxFlag xmlns:ma14="http://schemas.microsoft.com/office/mac/drawingml/2011/main" xmlns:a14="http://schemas.microsoft.com/office/drawing/2010/main" xmlns:m="http://schemas.openxmlformats.org/officeDocument/2006/math" xmlns="" val="1"/>
             </a:ext>
           </a:extLst>
         </p:spPr>
@@ -22434,7 +22434,7 @@
           </a:ln>
           <a:extLst>
             <a:ext uri="{C572A759-6A51-4108-AA02-DFA0A04FC94B}">
-              <ma14:wrappingTextBoxFlag xmlns="" xmlns:m="http://schemas.openxmlformats.org/officeDocument/2006/math" xmlns:a14="http://schemas.microsoft.com/office/drawing/2010/main" xmlns:ma14="http://schemas.microsoft.com/office/mac/drawingml/2011/main" val="1"/>
+              <ma14:wrappingTextBoxFlag xmlns:ma14="http://schemas.microsoft.com/office/mac/drawingml/2011/main" xmlns:a14="http://schemas.microsoft.com/office/drawing/2010/main" xmlns:m="http://schemas.openxmlformats.org/officeDocument/2006/math" xmlns="" val="1"/>
             </a:ext>
           </a:extLst>
         </p:spPr>
@@ -22560,7 +22560,7 @@
           </a:ln>
           <a:extLst>
             <a:ext uri="{C572A759-6A51-4108-AA02-DFA0A04FC94B}">
-              <ma14:wrappingTextBoxFlag xmlns="" xmlns:m="http://schemas.openxmlformats.org/officeDocument/2006/math" xmlns:a14="http://schemas.microsoft.com/office/drawing/2010/main" xmlns:ma14="http://schemas.microsoft.com/office/mac/drawingml/2011/main" val="1"/>
+              <ma14:wrappingTextBoxFlag xmlns:ma14="http://schemas.microsoft.com/office/mac/drawingml/2011/main" xmlns:a14="http://schemas.microsoft.com/office/drawing/2010/main" xmlns:m="http://schemas.openxmlformats.org/officeDocument/2006/math" xmlns="" val="1"/>
             </a:ext>
           </a:extLst>
         </p:spPr>
@@ -22627,7 +22627,7 @@
           </a:ln>
           <a:extLst>
             <a:ext uri="{C572A759-6A51-4108-AA02-DFA0A04FC94B}">
-              <ma14:wrappingTextBoxFlag xmlns="" xmlns:m="http://schemas.openxmlformats.org/officeDocument/2006/math" xmlns:a14="http://schemas.microsoft.com/office/drawing/2010/main" xmlns:ma14="http://schemas.microsoft.com/office/mac/drawingml/2011/main" val="1"/>
+              <ma14:wrappingTextBoxFlag xmlns:ma14="http://schemas.microsoft.com/office/mac/drawingml/2011/main" xmlns:a14="http://schemas.microsoft.com/office/drawing/2010/main" xmlns:m="http://schemas.openxmlformats.org/officeDocument/2006/math" xmlns="" val="1"/>
             </a:ext>
           </a:extLst>
         </p:spPr>
@@ -22693,7 +22693,7 @@
           </a:ln>
           <a:extLst>
             <a:ext uri="{C572A759-6A51-4108-AA02-DFA0A04FC94B}">
-              <ma14:wrappingTextBoxFlag xmlns="" xmlns:m="http://schemas.openxmlformats.org/officeDocument/2006/math" xmlns:a14="http://schemas.microsoft.com/office/drawing/2010/main" xmlns:ma14="http://schemas.microsoft.com/office/mac/drawingml/2011/main" val="1"/>
+              <ma14:wrappingTextBoxFlag xmlns:ma14="http://schemas.microsoft.com/office/mac/drawingml/2011/main" xmlns:a14="http://schemas.microsoft.com/office/drawing/2010/main" xmlns:m="http://schemas.openxmlformats.org/officeDocument/2006/math" xmlns="" val="1"/>
             </a:ext>
           </a:extLst>
         </p:spPr>
@@ -22794,7 +22794,7 @@
           </a:ln>
           <a:extLst>
             <a:ext uri="{C572A759-6A51-4108-AA02-DFA0A04FC94B}">
-              <ma14:wrappingTextBoxFlag xmlns="" xmlns:m="http://schemas.openxmlformats.org/officeDocument/2006/math" xmlns:a14="http://schemas.microsoft.com/office/drawing/2010/main" xmlns:ma14="http://schemas.microsoft.com/office/mac/drawingml/2011/main" val="1"/>
+              <ma14:wrappingTextBoxFlag xmlns:ma14="http://schemas.microsoft.com/office/mac/drawingml/2011/main" xmlns:a14="http://schemas.microsoft.com/office/drawing/2010/main" xmlns:m="http://schemas.openxmlformats.org/officeDocument/2006/math" xmlns="" val="1"/>
             </a:ext>
           </a:extLst>
         </p:spPr>
@@ -22835,7 +22835,7 @@
           </a:ln>
           <a:extLst>
             <a:ext uri="{C572A759-6A51-4108-AA02-DFA0A04FC94B}">
-              <ma14:wrappingTextBoxFlag xmlns="" xmlns:m="http://schemas.openxmlformats.org/officeDocument/2006/math" xmlns:a14="http://schemas.microsoft.com/office/drawing/2010/main" xmlns:ma14="http://schemas.microsoft.com/office/mac/drawingml/2011/main" val="1"/>
+              <ma14:wrappingTextBoxFlag xmlns:ma14="http://schemas.microsoft.com/office/mac/drawingml/2011/main" xmlns:a14="http://schemas.microsoft.com/office/drawing/2010/main" xmlns:m="http://schemas.openxmlformats.org/officeDocument/2006/math" xmlns="" val="1"/>
             </a:ext>
           </a:extLst>
         </p:spPr>
@@ -22876,7 +22876,7 @@
           </a:ln>
           <a:extLst>
             <a:ext uri="{C572A759-6A51-4108-AA02-DFA0A04FC94B}">
-              <ma14:wrappingTextBoxFlag xmlns="" xmlns:m="http://schemas.openxmlformats.org/officeDocument/2006/math" xmlns:a14="http://schemas.microsoft.com/office/drawing/2010/main" xmlns:ma14="http://schemas.microsoft.com/office/mac/drawingml/2011/main" val="1"/>
+              <ma14:wrappingTextBoxFlag xmlns:ma14="http://schemas.microsoft.com/office/mac/drawingml/2011/main" xmlns:a14="http://schemas.microsoft.com/office/drawing/2010/main" xmlns:m="http://schemas.openxmlformats.org/officeDocument/2006/math" xmlns="" val="1"/>
             </a:ext>
           </a:extLst>
         </p:spPr>
@@ -22917,7 +22917,7 @@
           </a:ln>
           <a:extLst>
             <a:ext uri="{C572A759-6A51-4108-AA02-DFA0A04FC94B}">
-              <ma14:wrappingTextBoxFlag xmlns="" xmlns:m="http://schemas.openxmlformats.org/officeDocument/2006/math" xmlns:a14="http://schemas.microsoft.com/office/drawing/2010/main" xmlns:ma14="http://schemas.microsoft.com/office/mac/drawingml/2011/main" val="1"/>
+              <ma14:wrappingTextBoxFlag xmlns:ma14="http://schemas.microsoft.com/office/mac/drawingml/2011/main" xmlns:a14="http://schemas.microsoft.com/office/drawing/2010/main" xmlns:m="http://schemas.openxmlformats.org/officeDocument/2006/math" xmlns="" val="1"/>
             </a:ext>
           </a:extLst>
         </p:spPr>
@@ -22984,7 +22984,7 @@
           </a:ln>
           <a:extLst>
             <a:ext uri="{C572A759-6A51-4108-AA02-DFA0A04FC94B}">
-              <ma14:wrappingTextBoxFlag xmlns="" xmlns:m="http://schemas.openxmlformats.org/officeDocument/2006/math" xmlns:a14="http://schemas.microsoft.com/office/drawing/2010/main" xmlns:ma14="http://schemas.microsoft.com/office/mac/drawingml/2011/main" val="1"/>
+              <ma14:wrappingTextBoxFlag xmlns:ma14="http://schemas.microsoft.com/office/mac/drawingml/2011/main" xmlns:a14="http://schemas.microsoft.com/office/drawing/2010/main" xmlns:m="http://schemas.openxmlformats.org/officeDocument/2006/math" xmlns="" val="1"/>
             </a:ext>
           </a:extLst>
         </p:spPr>
@@ -23051,7 +23051,7 @@
           </a:ln>
           <a:extLst>
             <a:ext uri="{C572A759-6A51-4108-AA02-DFA0A04FC94B}">
-              <ma14:wrappingTextBoxFlag xmlns="" xmlns:m="http://schemas.openxmlformats.org/officeDocument/2006/math" xmlns:a14="http://schemas.microsoft.com/office/drawing/2010/main" xmlns:ma14="http://schemas.microsoft.com/office/mac/drawingml/2011/main" val="1"/>
+              <ma14:wrappingTextBoxFlag xmlns:ma14="http://schemas.microsoft.com/office/mac/drawingml/2011/main" xmlns:a14="http://schemas.microsoft.com/office/drawing/2010/main" xmlns:m="http://schemas.openxmlformats.org/officeDocument/2006/math" xmlns="" val="1"/>
             </a:ext>
           </a:extLst>
         </p:spPr>
@@ -23091,7 +23091,7 @@
           </a:ln>
           <a:extLst>
             <a:ext uri="{C572A759-6A51-4108-AA02-DFA0A04FC94B}">
-              <ma14:wrappingTextBoxFlag xmlns="" xmlns:m="http://schemas.openxmlformats.org/officeDocument/2006/math" xmlns:a14="http://schemas.microsoft.com/office/drawing/2010/main" xmlns:ma14="http://schemas.microsoft.com/office/mac/drawingml/2011/main" val="1"/>
+              <ma14:wrappingTextBoxFlag xmlns:ma14="http://schemas.microsoft.com/office/mac/drawingml/2011/main" xmlns:a14="http://schemas.microsoft.com/office/drawing/2010/main" xmlns:m="http://schemas.openxmlformats.org/officeDocument/2006/math" xmlns="" val="1"/>
             </a:ext>
           </a:extLst>
         </p:spPr>
@@ -23157,7 +23157,7 @@
           </a:ln>
           <a:extLst>
             <a:ext uri="{C572A759-6A51-4108-AA02-DFA0A04FC94B}">
-              <ma14:wrappingTextBoxFlag xmlns="" xmlns:m="http://schemas.openxmlformats.org/officeDocument/2006/math" xmlns:a14="http://schemas.microsoft.com/office/drawing/2010/main" xmlns:ma14="http://schemas.microsoft.com/office/mac/drawingml/2011/main" val="1"/>
+              <ma14:wrappingTextBoxFlag xmlns:ma14="http://schemas.microsoft.com/office/mac/drawingml/2011/main" xmlns:a14="http://schemas.microsoft.com/office/drawing/2010/main" xmlns:m="http://schemas.openxmlformats.org/officeDocument/2006/math" xmlns="" val="1"/>
             </a:ext>
           </a:extLst>
         </p:spPr>
@@ -23215,7 +23215,7 @@
           </a:ln>
           <a:extLst>
             <a:ext uri="{C572A759-6A51-4108-AA02-DFA0A04FC94B}">
-              <ma14:wrappingTextBoxFlag xmlns="" xmlns:m="http://schemas.openxmlformats.org/officeDocument/2006/math" xmlns:a14="http://schemas.microsoft.com/office/drawing/2010/main" xmlns:ma14="http://schemas.microsoft.com/office/mac/drawingml/2011/main" val="1"/>
+              <ma14:wrappingTextBoxFlag xmlns:ma14="http://schemas.microsoft.com/office/mac/drawingml/2011/main" xmlns:a14="http://schemas.microsoft.com/office/drawing/2010/main" xmlns:m="http://schemas.openxmlformats.org/officeDocument/2006/math" xmlns="" val="1"/>
             </a:ext>
           </a:extLst>
         </p:spPr>
@@ -23255,7 +23255,7 @@
           </a:ln>
           <a:extLst>
             <a:ext uri="{C572A759-6A51-4108-AA02-DFA0A04FC94B}">
-              <ma14:wrappingTextBoxFlag xmlns="" xmlns:m="http://schemas.openxmlformats.org/officeDocument/2006/math" xmlns:a14="http://schemas.microsoft.com/office/drawing/2010/main" xmlns:ma14="http://schemas.microsoft.com/office/mac/drawingml/2011/main" val="1"/>
+              <ma14:wrappingTextBoxFlag xmlns:ma14="http://schemas.microsoft.com/office/mac/drawingml/2011/main" xmlns:a14="http://schemas.microsoft.com/office/drawing/2010/main" xmlns:m="http://schemas.openxmlformats.org/officeDocument/2006/math" xmlns="" val="1"/>
             </a:ext>
           </a:extLst>
         </p:spPr>
@@ -23321,7 +23321,7 @@
           </a:ln>
           <a:extLst>
             <a:ext uri="{C572A759-6A51-4108-AA02-DFA0A04FC94B}">
-              <ma14:wrappingTextBoxFlag xmlns="" xmlns:m="http://schemas.openxmlformats.org/officeDocument/2006/math" xmlns:a14="http://schemas.microsoft.com/office/drawing/2010/main" xmlns:ma14="http://schemas.microsoft.com/office/mac/drawingml/2011/main" val="1"/>
+              <ma14:wrappingTextBoxFlag xmlns:ma14="http://schemas.microsoft.com/office/mac/drawingml/2011/main" xmlns:a14="http://schemas.microsoft.com/office/drawing/2010/main" xmlns:m="http://schemas.openxmlformats.org/officeDocument/2006/math" xmlns="" val="1"/>
             </a:ext>
           </a:extLst>
         </p:spPr>
@@ -23386,7 +23386,7 @@
           </a:ln>
           <a:extLst>
             <a:ext uri="{C572A759-6A51-4108-AA02-DFA0A04FC94B}">
-              <ma14:wrappingTextBoxFlag xmlns="" xmlns:m="http://schemas.openxmlformats.org/officeDocument/2006/math" xmlns:a14="http://schemas.microsoft.com/office/drawing/2010/main" xmlns:ma14="http://schemas.microsoft.com/office/mac/drawingml/2011/main" val="1"/>
+              <ma14:wrappingTextBoxFlag xmlns:ma14="http://schemas.microsoft.com/office/mac/drawingml/2011/main" xmlns:a14="http://schemas.microsoft.com/office/drawing/2010/main" xmlns:m="http://schemas.openxmlformats.org/officeDocument/2006/math" xmlns="" val="1"/>
             </a:ext>
           </a:extLst>
         </p:spPr>
@@ -23426,7 +23426,7 @@
           </a:ln>
           <a:extLst>
             <a:ext uri="{C572A759-6A51-4108-AA02-DFA0A04FC94B}">
-              <ma14:wrappingTextBoxFlag xmlns="" xmlns:m="http://schemas.openxmlformats.org/officeDocument/2006/math" xmlns:a14="http://schemas.microsoft.com/office/drawing/2010/main" xmlns:ma14="http://schemas.microsoft.com/office/mac/drawingml/2011/main" val="1"/>
+              <ma14:wrappingTextBoxFlag xmlns:ma14="http://schemas.microsoft.com/office/mac/drawingml/2011/main" xmlns:a14="http://schemas.microsoft.com/office/drawing/2010/main" xmlns:m="http://schemas.openxmlformats.org/officeDocument/2006/math" xmlns="" val="1"/>
             </a:ext>
           </a:extLst>
         </p:spPr>
@@ -23492,7 +23492,7 @@
           </a:ln>
           <a:extLst>
             <a:ext uri="{C572A759-6A51-4108-AA02-DFA0A04FC94B}">
-              <ma14:wrappingTextBoxFlag xmlns="" xmlns:m="http://schemas.openxmlformats.org/officeDocument/2006/math" xmlns:a14="http://schemas.microsoft.com/office/drawing/2010/main" xmlns:ma14="http://schemas.microsoft.com/office/mac/drawingml/2011/main" val="1"/>
+              <ma14:wrappingTextBoxFlag xmlns:ma14="http://schemas.microsoft.com/office/mac/drawingml/2011/main" xmlns:a14="http://schemas.microsoft.com/office/drawing/2010/main" xmlns:m="http://schemas.openxmlformats.org/officeDocument/2006/math" xmlns="" val="1"/>
             </a:ext>
           </a:extLst>
         </p:spPr>
@@ -23539,7 +23539,7 @@
           </a:ln>
           <a:extLst>
             <a:ext uri="{C572A759-6A51-4108-AA02-DFA0A04FC94B}">
-              <ma14:wrappingTextBoxFlag xmlns="" xmlns:m="http://schemas.openxmlformats.org/officeDocument/2006/math" xmlns:a14="http://schemas.microsoft.com/office/drawing/2010/main" xmlns:ma14="http://schemas.microsoft.com/office/mac/drawingml/2011/main" val="1"/>
+              <ma14:wrappingTextBoxFlag xmlns:ma14="http://schemas.microsoft.com/office/mac/drawingml/2011/main" xmlns:a14="http://schemas.microsoft.com/office/drawing/2010/main" xmlns:m="http://schemas.openxmlformats.org/officeDocument/2006/math" xmlns="" val="1"/>
             </a:ext>
           </a:extLst>
         </p:spPr>
@@ -23605,7 +23605,7 @@
           </a:ln>
           <a:extLst>
             <a:ext uri="{C572A759-6A51-4108-AA02-DFA0A04FC94B}">
-              <ma14:wrappingTextBoxFlag xmlns="" xmlns:m="http://schemas.openxmlformats.org/officeDocument/2006/math" xmlns:a14="http://schemas.microsoft.com/office/drawing/2010/main" xmlns:ma14="http://schemas.microsoft.com/office/mac/drawingml/2011/main" val="1"/>
+              <ma14:wrappingTextBoxFlag xmlns:ma14="http://schemas.microsoft.com/office/mac/drawingml/2011/main" xmlns:a14="http://schemas.microsoft.com/office/drawing/2010/main" xmlns:m="http://schemas.openxmlformats.org/officeDocument/2006/math" xmlns="" val="1"/>
             </a:ext>
           </a:extLst>
         </p:spPr>
@@ -23766,7 +23766,7 @@
           </a:ln>
           <a:extLst>
             <a:ext uri="{C572A759-6A51-4108-AA02-DFA0A04FC94B}">
-              <ma14:wrappingTextBoxFlag xmlns="" xmlns:m="http://schemas.openxmlformats.org/officeDocument/2006/math" xmlns:a14="http://schemas.microsoft.com/office/drawing/2010/main" xmlns:ma14="http://schemas.microsoft.com/office/mac/drawingml/2011/main" val="1"/>
+              <ma14:wrappingTextBoxFlag xmlns:ma14="http://schemas.microsoft.com/office/mac/drawingml/2011/main" xmlns:a14="http://schemas.microsoft.com/office/drawing/2010/main" xmlns:m="http://schemas.openxmlformats.org/officeDocument/2006/math" xmlns="" val="1"/>
             </a:ext>
           </a:extLst>
         </p:spPr>
@@ -23813,7 +23813,7 @@
           </a:ln>
           <a:extLst>
             <a:ext uri="{C572A759-6A51-4108-AA02-DFA0A04FC94B}">
-              <ma14:wrappingTextBoxFlag xmlns="" xmlns:m="http://schemas.openxmlformats.org/officeDocument/2006/math" xmlns:a14="http://schemas.microsoft.com/office/drawing/2010/main" xmlns:ma14="http://schemas.microsoft.com/office/mac/drawingml/2011/main" val="1"/>
+              <ma14:wrappingTextBoxFlag xmlns:ma14="http://schemas.microsoft.com/office/mac/drawingml/2011/main" xmlns:a14="http://schemas.microsoft.com/office/drawing/2010/main" xmlns:m="http://schemas.openxmlformats.org/officeDocument/2006/math" xmlns="" val="1"/>
             </a:ext>
           </a:extLst>
         </p:spPr>
@@ -23879,7 +23879,7 @@
           </a:ln>
           <a:extLst>
             <a:ext uri="{C572A759-6A51-4108-AA02-DFA0A04FC94B}">
-              <ma14:wrappingTextBoxFlag xmlns="" xmlns:m="http://schemas.openxmlformats.org/officeDocument/2006/math" xmlns:a14="http://schemas.microsoft.com/office/drawing/2010/main" xmlns:ma14="http://schemas.microsoft.com/office/mac/drawingml/2011/main" val="1"/>
+              <ma14:wrappingTextBoxFlag xmlns:ma14="http://schemas.microsoft.com/office/mac/drawingml/2011/main" xmlns:a14="http://schemas.microsoft.com/office/drawing/2010/main" xmlns:m="http://schemas.openxmlformats.org/officeDocument/2006/math" xmlns="" val="1"/>
             </a:ext>
           </a:extLst>
         </p:spPr>
@@ -23974,7 +23974,7 @@
           </a:ln>
           <a:extLst>
             <a:ext uri="{C572A759-6A51-4108-AA02-DFA0A04FC94B}">
-              <ma14:wrappingTextBoxFlag xmlns="" xmlns:m="http://schemas.openxmlformats.org/officeDocument/2006/math" xmlns:a14="http://schemas.microsoft.com/office/drawing/2010/main" xmlns:ma14="http://schemas.microsoft.com/office/mac/drawingml/2011/main" val="1"/>
+              <ma14:wrappingTextBoxFlag xmlns:ma14="http://schemas.microsoft.com/office/mac/drawingml/2011/main" xmlns:a14="http://schemas.microsoft.com/office/drawing/2010/main" xmlns:m="http://schemas.openxmlformats.org/officeDocument/2006/math" xmlns="" val="1"/>
             </a:ext>
           </a:extLst>
         </p:spPr>
@@ -24014,7 +24014,7 @@
           </a:ln>
           <a:extLst>
             <a:ext uri="{C572A759-6A51-4108-AA02-DFA0A04FC94B}">
-              <ma14:wrappingTextBoxFlag xmlns="" xmlns:m="http://schemas.openxmlformats.org/officeDocument/2006/math" xmlns:a14="http://schemas.microsoft.com/office/drawing/2010/main" xmlns:ma14="http://schemas.microsoft.com/office/mac/drawingml/2011/main" val="1"/>
+              <ma14:wrappingTextBoxFlag xmlns:ma14="http://schemas.microsoft.com/office/mac/drawingml/2011/main" xmlns:a14="http://schemas.microsoft.com/office/drawing/2010/main" xmlns:m="http://schemas.openxmlformats.org/officeDocument/2006/math" xmlns="" val="1"/>
             </a:ext>
           </a:extLst>
         </p:spPr>
@@ -24054,7 +24054,7 @@
           </a:ln>
           <a:extLst>
             <a:ext uri="{C572A759-6A51-4108-AA02-DFA0A04FC94B}">
-              <ma14:wrappingTextBoxFlag xmlns="" xmlns:m="http://schemas.openxmlformats.org/officeDocument/2006/math" xmlns:a14="http://schemas.microsoft.com/office/drawing/2010/main" xmlns:ma14="http://schemas.microsoft.com/office/mac/drawingml/2011/main" val="1"/>
+              <ma14:wrappingTextBoxFlag xmlns:ma14="http://schemas.microsoft.com/office/mac/drawingml/2011/main" xmlns:a14="http://schemas.microsoft.com/office/drawing/2010/main" xmlns:m="http://schemas.openxmlformats.org/officeDocument/2006/math" xmlns="" val="1"/>
             </a:ext>
           </a:extLst>
         </p:spPr>
@@ -24120,7 +24120,7 @@
           </a:ln>
           <a:extLst>
             <a:ext uri="{C572A759-6A51-4108-AA02-DFA0A04FC94B}">
-              <ma14:wrappingTextBoxFlag xmlns="" xmlns:m="http://schemas.openxmlformats.org/officeDocument/2006/math" xmlns:a14="http://schemas.microsoft.com/office/drawing/2010/main" xmlns:ma14="http://schemas.microsoft.com/office/mac/drawingml/2011/main" val="1"/>
+              <ma14:wrappingTextBoxFlag xmlns:ma14="http://schemas.microsoft.com/office/mac/drawingml/2011/main" xmlns:a14="http://schemas.microsoft.com/office/drawing/2010/main" xmlns:m="http://schemas.openxmlformats.org/officeDocument/2006/math" xmlns="" val="1"/>
             </a:ext>
           </a:extLst>
         </p:spPr>
@@ -24206,7 +24206,7 @@
           </a:ln>
           <a:extLst>
             <a:ext uri="{C572A759-6A51-4108-AA02-DFA0A04FC94B}">
-              <ma14:wrappingTextBoxFlag xmlns="" xmlns:m="http://schemas.openxmlformats.org/officeDocument/2006/math" xmlns:a14="http://schemas.microsoft.com/office/drawing/2010/main" xmlns:ma14="http://schemas.microsoft.com/office/mac/drawingml/2011/main" val="1"/>
+              <ma14:wrappingTextBoxFlag xmlns:ma14="http://schemas.microsoft.com/office/mac/drawingml/2011/main" xmlns:a14="http://schemas.microsoft.com/office/drawing/2010/main" xmlns:m="http://schemas.openxmlformats.org/officeDocument/2006/math" xmlns="" val="1"/>
             </a:ext>
           </a:extLst>
         </p:spPr>
@@ -24246,7 +24246,7 @@
           </a:ln>
           <a:extLst>
             <a:ext uri="{C572A759-6A51-4108-AA02-DFA0A04FC94B}">
-              <ma14:wrappingTextBoxFlag xmlns="" xmlns:m="http://schemas.openxmlformats.org/officeDocument/2006/math" xmlns:a14="http://schemas.microsoft.com/office/drawing/2010/main" xmlns:ma14="http://schemas.microsoft.com/office/mac/drawingml/2011/main" val="1"/>
+              <ma14:wrappingTextBoxFlag xmlns:ma14="http://schemas.microsoft.com/office/mac/drawingml/2011/main" xmlns:a14="http://schemas.microsoft.com/office/drawing/2010/main" xmlns:m="http://schemas.openxmlformats.org/officeDocument/2006/math" xmlns="" val="1"/>
             </a:ext>
           </a:extLst>
         </p:spPr>
@@ -24286,7 +24286,7 @@
           </a:ln>
           <a:extLst>
             <a:ext uri="{C572A759-6A51-4108-AA02-DFA0A04FC94B}">
-              <ma14:wrappingTextBoxFlag xmlns="" xmlns:m="http://schemas.openxmlformats.org/officeDocument/2006/math" xmlns:a14="http://schemas.microsoft.com/office/drawing/2010/main" xmlns:ma14="http://schemas.microsoft.com/office/mac/drawingml/2011/main" val="1"/>
+              <ma14:wrappingTextBoxFlag xmlns:ma14="http://schemas.microsoft.com/office/mac/drawingml/2011/main" xmlns:a14="http://schemas.microsoft.com/office/drawing/2010/main" xmlns:m="http://schemas.openxmlformats.org/officeDocument/2006/math" xmlns="" val="1"/>
             </a:ext>
           </a:extLst>
         </p:spPr>
@@ -24352,7 +24352,7 @@
           </a:ln>
           <a:extLst>
             <a:ext uri="{C572A759-6A51-4108-AA02-DFA0A04FC94B}">
-              <ma14:wrappingTextBoxFlag xmlns="" xmlns:m="http://schemas.openxmlformats.org/officeDocument/2006/math" xmlns:a14="http://schemas.microsoft.com/office/drawing/2010/main" xmlns:ma14="http://schemas.microsoft.com/office/mac/drawingml/2011/main" val="1"/>
+              <ma14:wrappingTextBoxFlag xmlns:ma14="http://schemas.microsoft.com/office/mac/drawingml/2011/main" xmlns:a14="http://schemas.microsoft.com/office/drawing/2010/main" xmlns:m="http://schemas.openxmlformats.org/officeDocument/2006/math" xmlns="" val="1"/>
             </a:ext>
           </a:extLst>
         </p:spPr>
@@ -24574,7 +24574,7 @@
           </a:ln>
           <a:extLst>
             <a:ext uri="{C572A759-6A51-4108-AA02-DFA0A04FC94B}">
-              <ma14:wrappingTextBoxFlag xmlns="" xmlns:m="http://schemas.openxmlformats.org/officeDocument/2006/math" xmlns:a14="http://schemas.microsoft.com/office/drawing/2010/main" xmlns:ma14="http://schemas.microsoft.com/office/mac/drawingml/2011/main" val="1"/>
+              <ma14:wrappingTextBoxFlag xmlns:ma14="http://schemas.microsoft.com/office/mac/drawingml/2011/main" xmlns:a14="http://schemas.microsoft.com/office/drawing/2010/main" xmlns:m="http://schemas.openxmlformats.org/officeDocument/2006/math" xmlns="" val="1"/>
             </a:ext>
           </a:extLst>
         </p:spPr>
@@ -24621,7 +24621,7 @@
           </a:ln>
           <a:extLst>
             <a:ext uri="{C572A759-6A51-4108-AA02-DFA0A04FC94B}">
-              <ma14:wrappingTextBoxFlag xmlns="" xmlns:m="http://schemas.openxmlformats.org/officeDocument/2006/math" xmlns:a14="http://schemas.microsoft.com/office/drawing/2010/main" xmlns:ma14="http://schemas.microsoft.com/office/mac/drawingml/2011/main" val="1"/>
+              <ma14:wrappingTextBoxFlag xmlns:ma14="http://schemas.microsoft.com/office/mac/drawingml/2011/main" xmlns:a14="http://schemas.microsoft.com/office/drawing/2010/main" xmlns:m="http://schemas.openxmlformats.org/officeDocument/2006/math" xmlns="" val="1"/>
             </a:ext>
           </a:extLst>
         </p:spPr>
@@ -24687,7 +24687,7 @@
           </a:ln>
           <a:extLst>
             <a:ext uri="{C572A759-6A51-4108-AA02-DFA0A04FC94B}">
-              <ma14:wrappingTextBoxFlag xmlns="" xmlns:m="http://schemas.openxmlformats.org/officeDocument/2006/math" xmlns:a14="http://schemas.microsoft.com/office/drawing/2010/main" xmlns:ma14="http://schemas.microsoft.com/office/mac/drawingml/2011/main" val="1"/>
+              <ma14:wrappingTextBoxFlag xmlns:ma14="http://schemas.microsoft.com/office/mac/drawingml/2011/main" xmlns:a14="http://schemas.microsoft.com/office/drawing/2010/main" xmlns:m="http://schemas.openxmlformats.org/officeDocument/2006/math" xmlns="" val="1"/>
             </a:ext>
           </a:extLst>
         </p:spPr>
@@ -24741,7 +24741,7 @@
           </a:ln>
           <a:extLst>
             <a:ext uri="{C572A759-6A51-4108-AA02-DFA0A04FC94B}">
-              <ma14:wrappingTextBoxFlag xmlns="" xmlns:m="http://schemas.openxmlformats.org/officeDocument/2006/math" xmlns:a14="http://schemas.microsoft.com/office/drawing/2010/main" xmlns:ma14="http://schemas.microsoft.com/office/mac/drawingml/2011/main" val="1"/>
+              <ma14:wrappingTextBoxFlag xmlns:ma14="http://schemas.microsoft.com/office/mac/drawingml/2011/main" xmlns:a14="http://schemas.microsoft.com/office/drawing/2010/main" xmlns:m="http://schemas.openxmlformats.org/officeDocument/2006/math" xmlns="" val="1"/>
             </a:ext>
           </a:extLst>
         </p:spPr>
@@ -24807,7 +24807,7 @@
           </a:ln>
           <a:extLst>
             <a:ext uri="{C572A759-6A51-4108-AA02-DFA0A04FC94B}">
-              <ma14:wrappingTextBoxFlag xmlns="" xmlns:m="http://schemas.openxmlformats.org/officeDocument/2006/math" xmlns:a14="http://schemas.microsoft.com/office/drawing/2010/main" xmlns:ma14="http://schemas.microsoft.com/office/mac/drawingml/2011/main" val="1"/>
+              <ma14:wrappingTextBoxFlag xmlns:ma14="http://schemas.microsoft.com/office/mac/drawingml/2011/main" xmlns:a14="http://schemas.microsoft.com/office/drawing/2010/main" xmlns:m="http://schemas.openxmlformats.org/officeDocument/2006/math" xmlns="" val="1"/>
             </a:ext>
           </a:extLst>
         </p:spPr>
@@ -24905,7 +24905,7 @@
           </a:ln>
           <a:extLst>
             <a:ext uri="{C572A759-6A51-4108-AA02-DFA0A04FC94B}">
-              <ma14:wrappingTextBoxFlag xmlns="" xmlns:m="http://schemas.openxmlformats.org/officeDocument/2006/math" xmlns:a14="http://schemas.microsoft.com/office/drawing/2010/main" xmlns:ma14="http://schemas.microsoft.com/office/mac/drawingml/2011/main" val="1"/>
+              <ma14:wrappingTextBoxFlag xmlns:ma14="http://schemas.microsoft.com/office/mac/drawingml/2011/main" xmlns:a14="http://schemas.microsoft.com/office/drawing/2010/main" xmlns:m="http://schemas.openxmlformats.org/officeDocument/2006/math" xmlns="" val="1"/>
             </a:ext>
           </a:extLst>
         </p:spPr>
@@ -24945,7 +24945,7 @@
           </a:ln>
           <a:extLst>
             <a:ext uri="{C572A759-6A51-4108-AA02-DFA0A04FC94B}">
-              <ma14:wrappingTextBoxFlag xmlns="" xmlns:m="http://schemas.openxmlformats.org/officeDocument/2006/math" xmlns:a14="http://schemas.microsoft.com/office/drawing/2010/main" xmlns:ma14="http://schemas.microsoft.com/office/mac/drawingml/2011/main" val="1"/>
+              <ma14:wrappingTextBoxFlag xmlns:ma14="http://schemas.microsoft.com/office/mac/drawingml/2011/main" xmlns:a14="http://schemas.microsoft.com/office/drawing/2010/main" xmlns:m="http://schemas.openxmlformats.org/officeDocument/2006/math" xmlns="" val="1"/>
             </a:ext>
           </a:extLst>
         </p:spPr>
@@ -25011,7 +25011,7 @@
           </a:ln>
           <a:extLst>
             <a:ext uri="{C572A759-6A51-4108-AA02-DFA0A04FC94B}">
-              <ma14:wrappingTextBoxFlag xmlns="" xmlns:m="http://schemas.openxmlformats.org/officeDocument/2006/math" xmlns:a14="http://schemas.microsoft.com/office/drawing/2010/main" xmlns:ma14="http://schemas.microsoft.com/office/mac/drawingml/2011/main" val="1"/>
+              <ma14:wrappingTextBoxFlag xmlns:ma14="http://schemas.microsoft.com/office/mac/drawingml/2011/main" xmlns:a14="http://schemas.microsoft.com/office/drawing/2010/main" xmlns:m="http://schemas.openxmlformats.org/officeDocument/2006/math" xmlns="" val="1"/>
             </a:ext>
           </a:extLst>
         </p:spPr>
@@ -25058,7 +25058,7 @@
           </a:ln>
           <a:extLst>
             <a:ext uri="{C572A759-6A51-4108-AA02-DFA0A04FC94B}">
-              <ma14:wrappingTextBoxFlag xmlns="" xmlns:m="http://schemas.openxmlformats.org/officeDocument/2006/math" xmlns:a14="http://schemas.microsoft.com/office/drawing/2010/main" xmlns:ma14="http://schemas.microsoft.com/office/mac/drawingml/2011/main" val="1"/>
+              <ma14:wrappingTextBoxFlag xmlns:ma14="http://schemas.microsoft.com/office/mac/drawingml/2011/main" xmlns:a14="http://schemas.microsoft.com/office/drawing/2010/main" xmlns:m="http://schemas.openxmlformats.org/officeDocument/2006/math" xmlns="" val="1"/>
             </a:ext>
           </a:extLst>
         </p:spPr>
@@ -25124,7 +25124,7 @@
           </a:ln>
           <a:extLst>
             <a:ext uri="{C572A759-6A51-4108-AA02-DFA0A04FC94B}">
-              <ma14:wrappingTextBoxFlag xmlns="" xmlns:m="http://schemas.openxmlformats.org/officeDocument/2006/math" xmlns:a14="http://schemas.microsoft.com/office/drawing/2010/main" xmlns:ma14="http://schemas.microsoft.com/office/mac/drawingml/2011/main" val="1"/>
+              <ma14:wrappingTextBoxFlag xmlns:ma14="http://schemas.microsoft.com/office/mac/drawingml/2011/main" xmlns:a14="http://schemas.microsoft.com/office/drawing/2010/main" xmlns:m="http://schemas.openxmlformats.org/officeDocument/2006/math" xmlns="" val="1"/>
             </a:ext>
           </a:extLst>
         </p:spPr>
@@ -25226,7 +25226,7 @@
           </a:ln>
           <a:extLst>
             <a:ext uri="{C572A759-6A51-4108-AA02-DFA0A04FC94B}">
-              <ma14:wrappingTextBoxFlag xmlns="" xmlns:m="http://schemas.openxmlformats.org/officeDocument/2006/math" xmlns:a14="http://schemas.microsoft.com/office/drawing/2010/main" xmlns:ma14="http://schemas.microsoft.com/office/mac/drawingml/2011/main" val="1"/>
+              <ma14:wrappingTextBoxFlag xmlns:ma14="http://schemas.microsoft.com/office/mac/drawingml/2011/main" xmlns:a14="http://schemas.microsoft.com/office/drawing/2010/main" xmlns:m="http://schemas.openxmlformats.org/officeDocument/2006/math" xmlns="" val="1"/>
             </a:ext>
           </a:extLst>
         </p:spPr>
@@ -25266,7 +25266,7 @@
           </a:ln>
           <a:extLst>
             <a:ext uri="{C572A759-6A51-4108-AA02-DFA0A04FC94B}">
-              <ma14:wrappingTextBoxFlag xmlns="" xmlns:m="http://schemas.openxmlformats.org/officeDocument/2006/math" xmlns:a14="http://schemas.microsoft.com/office/drawing/2010/main" xmlns:ma14="http://schemas.microsoft.com/office/mac/drawingml/2011/main" val="1"/>
+              <ma14:wrappingTextBoxFlag xmlns:ma14="http://schemas.microsoft.com/office/mac/drawingml/2011/main" xmlns:a14="http://schemas.microsoft.com/office/drawing/2010/main" xmlns:m="http://schemas.openxmlformats.org/officeDocument/2006/math" xmlns="" val="1"/>
             </a:ext>
           </a:extLst>
         </p:spPr>
@@ -25306,7 +25306,7 @@
           </a:ln>
           <a:extLst>
             <a:ext uri="{C572A759-6A51-4108-AA02-DFA0A04FC94B}">
-              <ma14:wrappingTextBoxFlag xmlns="" xmlns:m="http://schemas.openxmlformats.org/officeDocument/2006/math" xmlns:a14="http://schemas.microsoft.com/office/drawing/2010/main" xmlns:ma14="http://schemas.microsoft.com/office/mac/drawingml/2011/main" val="1"/>
+              <ma14:wrappingTextBoxFlag xmlns:ma14="http://schemas.microsoft.com/office/mac/drawingml/2011/main" xmlns:a14="http://schemas.microsoft.com/office/drawing/2010/main" xmlns:m="http://schemas.openxmlformats.org/officeDocument/2006/math" xmlns="" val="1"/>
             </a:ext>
           </a:extLst>
         </p:spPr>
@@ -25372,7 +25372,7 @@
           </a:ln>
           <a:extLst>
             <a:ext uri="{C572A759-6A51-4108-AA02-DFA0A04FC94B}">
-              <ma14:wrappingTextBoxFlag xmlns="" xmlns:m="http://schemas.openxmlformats.org/officeDocument/2006/math" xmlns:a14="http://schemas.microsoft.com/office/drawing/2010/main" xmlns:ma14="http://schemas.microsoft.com/office/mac/drawingml/2011/main" val="1"/>
+              <ma14:wrappingTextBoxFlag xmlns:ma14="http://schemas.microsoft.com/office/mac/drawingml/2011/main" xmlns:a14="http://schemas.microsoft.com/office/drawing/2010/main" xmlns:m="http://schemas.openxmlformats.org/officeDocument/2006/math" xmlns="" val="1"/>
             </a:ext>
           </a:extLst>
         </p:spPr>
@@ -25435,7 +25435,7 @@
           </a:ln>
           <a:extLst>
             <a:ext uri="{C572A759-6A51-4108-AA02-DFA0A04FC94B}">
-              <ma14:wrappingTextBoxFlag xmlns="" xmlns:m="http://schemas.openxmlformats.org/officeDocument/2006/math" xmlns:a14="http://schemas.microsoft.com/office/drawing/2010/main" xmlns:ma14="http://schemas.microsoft.com/office/mac/drawingml/2011/main" val="1"/>
+              <ma14:wrappingTextBoxFlag xmlns:ma14="http://schemas.microsoft.com/office/mac/drawingml/2011/main" xmlns:a14="http://schemas.microsoft.com/office/drawing/2010/main" xmlns:m="http://schemas.openxmlformats.org/officeDocument/2006/math" xmlns="" val="1"/>
             </a:ext>
           </a:extLst>
         </p:spPr>
@@ -25475,7 +25475,7 @@
           </a:ln>
           <a:extLst>
             <a:ext uri="{C572A759-6A51-4108-AA02-DFA0A04FC94B}">
-              <ma14:wrappingTextBoxFlag xmlns="" xmlns:m="http://schemas.openxmlformats.org/officeDocument/2006/math" xmlns:a14="http://schemas.microsoft.com/office/drawing/2010/main" xmlns:ma14="http://schemas.microsoft.com/office/mac/drawingml/2011/main" val="1"/>
+              <ma14:wrappingTextBoxFlag xmlns:ma14="http://schemas.microsoft.com/office/mac/drawingml/2011/main" xmlns:a14="http://schemas.microsoft.com/office/drawing/2010/main" xmlns:m="http://schemas.openxmlformats.org/officeDocument/2006/math" xmlns="" val="1"/>
             </a:ext>
           </a:extLst>
         </p:spPr>
@@ -25541,7 +25541,7 @@
           </a:ln>
           <a:extLst>
             <a:ext uri="{C572A759-6A51-4108-AA02-DFA0A04FC94B}">
-              <ma14:wrappingTextBoxFlag xmlns="" xmlns:m="http://schemas.openxmlformats.org/officeDocument/2006/math" xmlns:a14="http://schemas.microsoft.com/office/drawing/2010/main" xmlns:ma14="http://schemas.microsoft.com/office/mac/drawingml/2011/main" val="1"/>
+              <ma14:wrappingTextBoxFlag xmlns:ma14="http://schemas.microsoft.com/office/mac/drawingml/2011/main" xmlns:a14="http://schemas.microsoft.com/office/drawing/2010/main" xmlns:m="http://schemas.openxmlformats.org/officeDocument/2006/math" xmlns="" val="1"/>
             </a:ext>
           </a:extLst>
         </p:spPr>
@@ -25608,7 +25608,7 @@
           </a:ln>
           <a:extLst>
             <a:ext uri="{C572A759-6A51-4108-AA02-DFA0A04FC94B}">
-              <ma14:wrappingTextBoxFlag xmlns="" xmlns:m="http://schemas.openxmlformats.org/officeDocument/2006/math" xmlns:a14="http://schemas.microsoft.com/office/drawing/2010/main" xmlns:ma14="http://schemas.microsoft.com/office/mac/drawingml/2011/main" val="1"/>
+              <ma14:wrappingTextBoxFlag xmlns:ma14="http://schemas.microsoft.com/office/mac/drawingml/2011/main" xmlns:a14="http://schemas.microsoft.com/office/drawing/2010/main" xmlns:m="http://schemas.openxmlformats.org/officeDocument/2006/math" xmlns="" val="1"/>
             </a:ext>
           </a:extLst>
         </p:spPr>
@@ -25648,7 +25648,7 @@
           </a:ln>
           <a:extLst>
             <a:ext uri="{C572A759-6A51-4108-AA02-DFA0A04FC94B}">
-              <ma14:wrappingTextBoxFlag xmlns="" xmlns:m="http://schemas.openxmlformats.org/officeDocument/2006/math" xmlns:a14="http://schemas.microsoft.com/office/drawing/2010/main" xmlns:ma14="http://schemas.microsoft.com/office/mac/drawingml/2011/main" val="1"/>
+              <ma14:wrappingTextBoxFlag xmlns:ma14="http://schemas.microsoft.com/office/mac/drawingml/2011/main" xmlns:a14="http://schemas.microsoft.com/office/drawing/2010/main" xmlns:m="http://schemas.openxmlformats.org/officeDocument/2006/math" xmlns="" val="1"/>
             </a:ext>
           </a:extLst>
         </p:spPr>
@@ -25714,7 +25714,7 @@
           </a:ln>
           <a:extLst>
             <a:ext uri="{C572A759-6A51-4108-AA02-DFA0A04FC94B}">
-              <ma14:wrappingTextBoxFlag xmlns="" xmlns:m="http://schemas.openxmlformats.org/officeDocument/2006/math" xmlns:a14="http://schemas.microsoft.com/office/drawing/2010/main" xmlns:ma14="http://schemas.microsoft.com/office/mac/drawingml/2011/main" val="1"/>
+              <ma14:wrappingTextBoxFlag xmlns:ma14="http://schemas.microsoft.com/office/mac/drawingml/2011/main" xmlns:a14="http://schemas.microsoft.com/office/drawing/2010/main" xmlns:m="http://schemas.openxmlformats.org/officeDocument/2006/math" xmlns="" val="1"/>
             </a:ext>
           </a:extLst>
         </p:spPr>
@@ -25775,7 +25775,7 @@
           </a:ln>
           <a:extLst>
             <a:ext uri="{C572A759-6A51-4108-AA02-DFA0A04FC94B}">
-              <ma14:wrappingTextBoxFlag xmlns="" xmlns:m="http://schemas.openxmlformats.org/officeDocument/2006/math" xmlns:a14="http://schemas.microsoft.com/office/drawing/2010/main" xmlns:ma14="http://schemas.microsoft.com/office/mac/drawingml/2011/main" val="1"/>
+              <ma14:wrappingTextBoxFlag xmlns:ma14="http://schemas.microsoft.com/office/mac/drawingml/2011/main" xmlns:a14="http://schemas.microsoft.com/office/drawing/2010/main" xmlns:m="http://schemas.openxmlformats.org/officeDocument/2006/math" xmlns="" val="1"/>
             </a:ext>
           </a:extLst>
         </p:spPr>
@@ -25841,7 +25841,7 @@
           </a:ln>
           <a:extLst>
             <a:ext uri="{C572A759-6A51-4108-AA02-DFA0A04FC94B}">
-              <ma14:wrappingTextBoxFlag xmlns="" xmlns:m="http://schemas.openxmlformats.org/officeDocument/2006/math" xmlns:a14="http://schemas.microsoft.com/office/drawing/2010/main" xmlns:ma14="http://schemas.microsoft.com/office/mac/drawingml/2011/main" val="1"/>
+              <ma14:wrappingTextBoxFlag xmlns:ma14="http://schemas.microsoft.com/office/mac/drawingml/2011/main" xmlns:a14="http://schemas.microsoft.com/office/drawing/2010/main" xmlns:m="http://schemas.openxmlformats.org/officeDocument/2006/math" xmlns="" val="1"/>
             </a:ext>
           </a:extLst>
         </p:spPr>
@@ -25888,7 +25888,7 @@
           </a:ln>
           <a:extLst>
             <a:ext uri="{C572A759-6A51-4108-AA02-DFA0A04FC94B}">
-              <ma14:wrappingTextBoxFlag xmlns="" xmlns:m="http://schemas.openxmlformats.org/officeDocument/2006/math" xmlns:a14="http://schemas.microsoft.com/office/drawing/2010/main" xmlns:ma14="http://schemas.microsoft.com/office/mac/drawingml/2011/main" val="1"/>
+              <ma14:wrappingTextBoxFlag xmlns:ma14="http://schemas.microsoft.com/office/mac/drawingml/2011/main" xmlns:a14="http://schemas.microsoft.com/office/drawing/2010/main" xmlns:m="http://schemas.openxmlformats.org/officeDocument/2006/math" xmlns="" val="1"/>
             </a:ext>
           </a:extLst>
         </p:spPr>
@@ -25954,7 +25954,7 @@
           </a:ln>
           <a:extLst>
             <a:ext uri="{C572A759-6A51-4108-AA02-DFA0A04FC94B}">
-              <ma14:wrappingTextBoxFlag xmlns="" xmlns:m="http://schemas.openxmlformats.org/officeDocument/2006/math" xmlns:a14="http://schemas.microsoft.com/office/drawing/2010/main" xmlns:ma14="http://schemas.microsoft.com/office/mac/drawingml/2011/main" val="1"/>
+              <ma14:wrappingTextBoxFlag xmlns:ma14="http://schemas.microsoft.com/office/mac/drawingml/2011/main" xmlns:a14="http://schemas.microsoft.com/office/drawing/2010/main" xmlns:m="http://schemas.openxmlformats.org/officeDocument/2006/math" xmlns="" val="1"/>
             </a:ext>
           </a:extLst>
         </p:spPr>
@@ -25997,7 +25997,7 @@
           </a:ln>
           <a:extLst>
             <a:ext uri="{C572A759-6A51-4108-AA02-DFA0A04FC94B}">
-              <ma14:wrappingTextBoxFlag xmlns="" xmlns:m="http://schemas.openxmlformats.org/officeDocument/2006/math" xmlns:a14="http://schemas.microsoft.com/office/drawing/2010/main" xmlns:ma14="http://schemas.microsoft.com/office/mac/drawingml/2011/main" val="1"/>
+              <ma14:wrappingTextBoxFlag xmlns:ma14="http://schemas.microsoft.com/office/mac/drawingml/2011/main" xmlns:a14="http://schemas.microsoft.com/office/drawing/2010/main" xmlns:m="http://schemas.openxmlformats.org/officeDocument/2006/math" xmlns="" val="1"/>
             </a:ext>
           </a:extLst>
         </p:spPr>
@@ -26063,7 +26063,7 @@
           </a:ln>
           <a:extLst>
             <a:ext uri="{C572A759-6A51-4108-AA02-DFA0A04FC94B}">
-              <ma14:wrappingTextBoxFlag xmlns="" xmlns:m="http://schemas.openxmlformats.org/officeDocument/2006/math" xmlns:a14="http://schemas.microsoft.com/office/drawing/2010/main" xmlns:ma14="http://schemas.microsoft.com/office/mac/drawingml/2011/main" val="1"/>
+              <ma14:wrappingTextBoxFlag xmlns:ma14="http://schemas.microsoft.com/office/mac/drawingml/2011/main" xmlns:a14="http://schemas.microsoft.com/office/drawing/2010/main" xmlns:m="http://schemas.openxmlformats.org/officeDocument/2006/math" xmlns="" val="1"/>
             </a:ext>
           </a:extLst>
         </p:spPr>
@@ -26306,7 +26306,7 @@
           </a:ln>
           <a:extLst>
             <a:ext uri="{C572A759-6A51-4108-AA02-DFA0A04FC94B}">
-              <ma14:wrappingTextBoxFlag xmlns="" xmlns:m="http://schemas.openxmlformats.org/officeDocument/2006/math" xmlns:a14="http://schemas.microsoft.com/office/drawing/2010/main" xmlns:ma14="http://schemas.microsoft.com/office/mac/drawingml/2011/main" val="1"/>
+              <ma14:wrappingTextBoxFlag xmlns:ma14="http://schemas.microsoft.com/office/mac/drawingml/2011/main" xmlns:a14="http://schemas.microsoft.com/office/drawing/2010/main" xmlns:m="http://schemas.openxmlformats.org/officeDocument/2006/math" xmlns="" val="1"/>
             </a:ext>
           </a:extLst>
         </p:spPr>
@@ -26397,7 +26397,7 @@
           </a:ln>
           <a:extLst>
             <a:ext uri="{C572A759-6A51-4108-AA02-DFA0A04FC94B}">
-              <ma14:wrappingTextBoxFlag xmlns="" xmlns:m="http://schemas.openxmlformats.org/officeDocument/2006/math" xmlns:a14="http://schemas.microsoft.com/office/drawing/2010/main" xmlns:ma14="http://schemas.microsoft.com/office/mac/drawingml/2011/main" val="1"/>
+              <ma14:wrappingTextBoxFlag xmlns:ma14="http://schemas.microsoft.com/office/mac/drawingml/2011/main" xmlns:a14="http://schemas.microsoft.com/office/drawing/2010/main" xmlns:m="http://schemas.openxmlformats.org/officeDocument/2006/math" xmlns="" val="1"/>
             </a:ext>
           </a:extLst>
         </p:spPr>
@@ -26437,7 +26437,7 @@
           </a:ln>
           <a:extLst>
             <a:ext uri="{C572A759-6A51-4108-AA02-DFA0A04FC94B}">
-              <ma14:wrappingTextBoxFlag xmlns="" xmlns:m="http://schemas.openxmlformats.org/officeDocument/2006/math" xmlns:a14="http://schemas.microsoft.com/office/drawing/2010/main" xmlns:ma14="http://schemas.microsoft.com/office/mac/drawingml/2011/main" val="1"/>
+              <ma14:wrappingTextBoxFlag xmlns:ma14="http://schemas.microsoft.com/office/mac/drawingml/2011/main" xmlns:a14="http://schemas.microsoft.com/office/drawing/2010/main" xmlns:m="http://schemas.openxmlformats.org/officeDocument/2006/math" xmlns="" val="1"/>
             </a:ext>
           </a:extLst>
         </p:spPr>
@@ -26503,7 +26503,7 @@
           </a:ln>
           <a:extLst>
             <a:ext uri="{C572A759-6A51-4108-AA02-DFA0A04FC94B}">
-              <ma14:wrappingTextBoxFlag xmlns="" xmlns:m="http://schemas.openxmlformats.org/officeDocument/2006/math" xmlns:a14="http://schemas.microsoft.com/office/drawing/2010/main" xmlns:ma14="http://schemas.microsoft.com/office/mac/drawingml/2011/main" val="1"/>
+              <ma14:wrappingTextBoxFlag xmlns:ma14="http://schemas.microsoft.com/office/mac/drawingml/2011/main" xmlns:a14="http://schemas.microsoft.com/office/drawing/2010/main" xmlns:m="http://schemas.openxmlformats.org/officeDocument/2006/math" xmlns="" val="1"/>
             </a:ext>
           </a:extLst>
         </p:spPr>
@@ -26586,7 +26586,7 @@
           </a:ln>
           <a:extLst>
             <a:ext uri="{C572A759-6A51-4108-AA02-DFA0A04FC94B}">
-              <ma14:wrappingTextBoxFlag xmlns="" xmlns:m="http://schemas.openxmlformats.org/officeDocument/2006/math" xmlns:a14="http://schemas.microsoft.com/office/drawing/2010/main" xmlns:ma14="http://schemas.microsoft.com/office/mac/drawingml/2011/main" val="1"/>
+              <ma14:wrappingTextBoxFlag xmlns:ma14="http://schemas.microsoft.com/office/mac/drawingml/2011/main" xmlns:a14="http://schemas.microsoft.com/office/drawing/2010/main" xmlns:m="http://schemas.openxmlformats.org/officeDocument/2006/math" xmlns="" val="1"/>
             </a:ext>
           </a:extLst>
         </p:spPr>
@@ -26626,7 +26626,7 @@
           </a:ln>
           <a:extLst>
             <a:ext uri="{C572A759-6A51-4108-AA02-DFA0A04FC94B}">
-              <ma14:wrappingTextBoxFlag xmlns="" xmlns:m="http://schemas.openxmlformats.org/officeDocument/2006/math" xmlns:a14="http://schemas.microsoft.com/office/drawing/2010/main" xmlns:ma14="http://schemas.microsoft.com/office/mac/drawingml/2011/main" val="1"/>
+              <ma14:wrappingTextBoxFlag xmlns:ma14="http://schemas.microsoft.com/office/mac/drawingml/2011/main" xmlns:a14="http://schemas.microsoft.com/office/drawing/2010/main" xmlns:m="http://schemas.openxmlformats.org/officeDocument/2006/math" xmlns="" val="1"/>
             </a:ext>
           </a:extLst>
         </p:spPr>
@@ -26692,7 +26692,7 @@
           </a:ln>
           <a:extLst>
             <a:ext uri="{C572A759-6A51-4108-AA02-DFA0A04FC94B}">
-              <ma14:wrappingTextBoxFlag xmlns="" xmlns:m="http://schemas.openxmlformats.org/officeDocument/2006/math" xmlns:a14="http://schemas.microsoft.com/office/drawing/2010/main" xmlns:ma14="http://schemas.microsoft.com/office/mac/drawingml/2011/main" val="1"/>
+              <ma14:wrappingTextBoxFlag xmlns:ma14="http://schemas.microsoft.com/office/mac/drawingml/2011/main" xmlns:a14="http://schemas.microsoft.com/office/drawing/2010/main" xmlns:m="http://schemas.openxmlformats.org/officeDocument/2006/math" xmlns="" val="1"/>
             </a:ext>
           </a:extLst>
         </p:spPr>
@@ -26760,7 +26760,7 @@
           </a:ln>
           <a:extLst>
             <a:ext uri="{C572A759-6A51-4108-AA02-DFA0A04FC94B}">
-              <ma14:wrappingTextBoxFlag xmlns="" xmlns:m="http://schemas.openxmlformats.org/officeDocument/2006/math" xmlns:a14="http://schemas.microsoft.com/office/drawing/2010/main" xmlns:ma14="http://schemas.microsoft.com/office/mac/drawingml/2011/main" val="1"/>
+              <ma14:wrappingTextBoxFlag xmlns:ma14="http://schemas.microsoft.com/office/mac/drawingml/2011/main" xmlns:a14="http://schemas.microsoft.com/office/drawing/2010/main" xmlns:m="http://schemas.openxmlformats.org/officeDocument/2006/math" xmlns="" val="1"/>
             </a:ext>
           </a:extLst>
         </p:spPr>
@@ -26800,7 +26800,7 @@
           </a:ln>
           <a:extLst>
             <a:ext uri="{C572A759-6A51-4108-AA02-DFA0A04FC94B}">
-              <ma14:wrappingTextBoxFlag xmlns="" xmlns:m="http://schemas.openxmlformats.org/officeDocument/2006/math" xmlns:a14="http://schemas.microsoft.com/office/drawing/2010/main" xmlns:ma14="http://schemas.microsoft.com/office/mac/drawingml/2011/main" val="1"/>
+              <ma14:wrappingTextBoxFlag xmlns:ma14="http://schemas.microsoft.com/office/mac/drawingml/2011/main" xmlns:a14="http://schemas.microsoft.com/office/drawing/2010/main" xmlns:m="http://schemas.openxmlformats.org/officeDocument/2006/math" xmlns="" val="1"/>
             </a:ext>
           </a:extLst>
         </p:spPr>
@@ -26866,7 +26866,7 @@
           </a:ln>
           <a:extLst>
             <a:ext uri="{C572A759-6A51-4108-AA02-DFA0A04FC94B}">
-              <ma14:wrappingTextBoxFlag xmlns="" xmlns:m="http://schemas.openxmlformats.org/officeDocument/2006/math" xmlns:a14="http://schemas.microsoft.com/office/drawing/2010/main" xmlns:ma14="http://schemas.microsoft.com/office/mac/drawingml/2011/main" val="1"/>
+              <ma14:wrappingTextBoxFlag xmlns:ma14="http://schemas.microsoft.com/office/mac/drawingml/2011/main" xmlns:a14="http://schemas.microsoft.com/office/drawing/2010/main" xmlns:m="http://schemas.openxmlformats.org/officeDocument/2006/math" xmlns="" val="1"/>
             </a:ext>
           </a:extLst>
         </p:spPr>
@@ -26913,7 +26913,7 @@
           </a:ln>
           <a:extLst>
             <a:ext uri="{C572A759-6A51-4108-AA02-DFA0A04FC94B}">
-              <ma14:wrappingTextBoxFlag xmlns="" xmlns:m="http://schemas.openxmlformats.org/officeDocument/2006/math" xmlns:a14="http://schemas.microsoft.com/office/drawing/2010/main" xmlns:ma14="http://schemas.microsoft.com/office/mac/drawingml/2011/main" val="1"/>
+              <ma14:wrappingTextBoxFlag xmlns:ma14="http://schemas.microsoft.com/office/mac/drawingml/2011/main" xmlns:a14="http://schemas.microsoft.com/office/drawing/2010/main" xmlns:m="http://schemas.openxmlformats.org/officeDocument/2006/math" xmlns="" val="1"/>
             </a:ext>
           </a:extLst>
         </p:spPr>
@@ -26979,7 +26979,7 @@
           </a:ln>
           <a:extLst>
             <a:ext uri="{C572A759-6A51-4108-AA02-DFA0A04FC94B}">
-              <ma14:wrappingTextBoxFlag xmlns="" xmlns:m="http://schemas.openxmlformats.org/officeDocument/2006/math" xmlns:a14="http://schemas.microsoft.com/office/drawing/2010/main" xmlns:ma14="http://schemas.microsoft.com/office/mac/drawingml/2011/main" val="1"/>
+              <ma14:wrappingTextBoxFlag xmlns:ma14="http://schemas.microsoft.com/office/mac/drawingml/2011/main" xmlns:a14="http://schemas.microsoft.com/office/drawing/2010/main" xmlns:m="http://schemas.openxmlformats.org/officeDocument/2006/math" xmlns="" val="1"/>
             </a:ext>
           </a:extLst>
         </p:spPr>
@@ -27043,7 +27043,7 @@
           </a:ln>
           <a:extLst>
             <a:ext uri="{C572A759-6A51-4108-AA02-DFA0A04FC94B}">
-              <ma14:wrappingTextBoxFlag xmlns="" xmlns:m="http://schemas.openxmlformats.org/officeDocument/2006/math" xmlns:a14="http://schemas.microsoft.com/office/drawing/2010/main" xmlns:ma14="http://schemas.microsoft.com/office/mac/drawingml/2011/main" val="1"/>
+              <ma14:wrappingTextBoxFlag xmlns:ma14="http://schemas.microsoft.com/office/mac/drawingml/2011/main" xmlns:a14="http://schemas.microsoft.com/office/drawing/2010/main" xmlns:m="http://schemas.openxmlformats.org/officeDocument/2006/math" xmlns="" val="1"/>
             </a:ext>
           </a:extLst>
         </p:spPr>
@@ -27083,7 +27083,7 @@
           </a:ln>
           <a:extLst>
             <a:ext uri="{C572A759-6A51-4108-AA02-DFA0A04FC94B}">
-              <ma14:wrappingTextBoxFlag xmlns="" xmlns:m="http://schemas.openxmlformats.org/officeDocument/2006/math" xmlns:a14="http://schemas.microsoft.com/office/drawing/2010/main" xmlns:ma14="http://schemas.microsoft.com/office/mac/drawingml/2011/main" val="1"/>
+              <ma14:wrappingTextBoxFlag xmlns:ma14="http://schemas.microsoft.com/office/mac/drawingml/2011/main" xmlns:a14="http://schemas.microsoft.com/office/drawing/2010/main" xmlns:m="http://schemas.openxmlformats.org/officeDocument/2006/math" xmlns="" val="1"/>
             </a:ext>
           </a:extLst>
         </p:spPr>
@@ -27149,7 +27149,7 @@
           </a:ln>
           <a:extLst>
             <a:ext uri="{C572A759-6A51-4108-AA02-DFA0A04FC94B}">
-              <ma14:wrappingTextBoxFlag xmlns="" xmlns:m="http://schemas.openxmlformats.org/officeDocument/2006/math" xmlns:a14="http://schemas.microsoft.com/office/drawing/2010/main" xmlns:ma14="http://schemas.microsoft.com/office/mac/drawingml/2011/main" val="1"/>
+              <ma14:wrappingTextBoxFlag xmlns:ma14="http://schemas.microsoft.com/office/mac/drawingml/2011/main" xmlns:a14="http://schemas.microsoft.com/office/drawing/2010/main" xmlns:m="http://schemas.openxmlformats.org/officeDocument/2006/math" xmlns="" val="1"/>
             </a:ext>
           </a:extLst>
         </p:spPr>
@@ -27216,7 +27216,7 @@
           </a:ln>
           <a:extLst>
             <a:ext uri="{C572A759-6A51-4108-AA02-DFA0A04FC94B}">
-              <ma14:wrappingTextBoxFlag xmlns="" xmlns:m="http://schemas.openxmlformats.org/officeDocument/2006/math" xmlns:a14="http://schemas.microsoft.com/office/drawing/2010/main" xmlns:ma14="http://schemas.microsoft.com/office/mac/drawingml/2011/main" val="1"/>
+              <ma14:wrappingTextBoxFlag xmlns:ma14="http://schemas.microsoft.com/office/mac/drawingml/2011/main" xmlns:a14="http://schemas.microsoft.com/office/drawing/2010/main" xmlns:m="http://schemas.openxmlformats.org/officeDocument/2006/math" xmlns="" val="1"/>
             </a:ext>
           </a:extLst>
         </p:spPr>
@@ -27282,7 +27282,7 @@
           </a:ln>
           <a:extLst>
             <a:ext uri="{C572A759-6A51-4108-AA02-DFA0A04FC94B}">
-              <ma14:wrappingTextBoxFlag xmlns="" xmlns:m="http://schemas.openxmlformats.org/officeDocument/2006/math" xmlns:a14="http://schemas.microsoft.com/office/drawing/2010/main" xmlns:ma14="http://schemas.microsoft.com/office/mac/drawingml/2011/main" val="1"/>
+              <ma14:wrappingTextBoxFlag xmlns:ma14="http://schemas.microsoft.com/office/mac/drawingml/2011/main" xmlns:a14="http://schemas.microsoft.com/office/drawing/2010/main" xmlns:m="http://schemas.openxmlformats.org/officeDocument/2006/math" xmlns="" val="1"/>
             </a:ext>
           </a:extLst>
         </p:spPr>
@@ -27347,7 +27347,7 @@
           </a:ln>
           <a:extLst>
             <a:ext uri="{C572A759-6A51-4108-AA02-DFA0A04FC94B}">
-              <ma14:wrappingTextBoxFlag xmlns="" xmlns:m="http://schemas.openxmlformats.org/officeDocument/2006/math" xmlns:a14="http://schemas.microsoft.com/office/drawing/2010/main" xmlns:ma14="http://schemas.microsoft.com/office/mac/drawingml/2011/main" val="1"/>
+              <ma14:wrappingTextBoxFlag xmlns:ma14="http://schemas.microsoft.com/office/mac/drawingml/2011/main" xmlns:a14="http://schemas.microsoft.com/office/drawing/2010/main" xmlns:m="http://schemas.openxmlformats.org/officeDocument/2006/math" xmlns="" val="1"/>
             </a:ext>
           </a:extLst>
         </p:spPr>
@@ -27387,7 +27387,7 @@
           </a:ln>
           <a:extLst>
             <a:ext uri="{C572A759-6A51-4108-AA02-DFA0A04FC94B}">
-              <ma14:wrappingTextBoxFlag xmlns="" xmlns:m="http://schemas.openxmlformats.org/officeDocument/2006/math" xmlns:a14="http://schemas.microsoft.com/office/drawing/2010/main" xmlns:ma14="http://schemas.microsoft.com/office/mac/drawingml/2011/main" val="1"/>
+              <ma14:wrappingTextBoxFlag xmlns:ma14="http://schemas.microsoft.com/office/mac/drawingml/2011/main" xmlns:a14="http://schemas.microsoft.com/office/drawing/2010/main" xmlns:m="http://schemas.openxmlformats.org/officeDocument/2006/math" xmlns="" val="1"/>
             </a:ext>
           </a:extLst>
         </p:spPr>
@@ -27453,7 +27453,7 @@
           </a:ln>
           <a:extLst>
             <a:ext uri="{C572A759-6A51-4108-AA02-DFA0A04FC94B}">
-              <ma14:wrappingTextBoxFlag xmlns="" xmlns:m="http://schemas.openxmlformats.org/officeDocument/2006/math" xmlns:a14="http://schemas.microsoft.com/office/drawing/2010/main" xmlns:ma14="http://schemas.microsoft.com/office/mac/drawingml/2011/main" val="1"/>
+              <ma14:wrappingTextBoxFlag xmlns:ma14="http://schemas.microsoft.com/office/mac/drawingml/2011/main" xmlns:a14="http://schemas.microsoft.com/office/drawing/2010/main" xmlns:m="http://schemas.openxmlformats.org/officeDocument/2006/math" xmlns="" val="1"/>
             </a:ext>
           </a:extLst>
         </p:spPr>
@@ -27500,7 +27500,7 @@
           </a:ln>
           <a:extLst>
             <a:ext uri="{C572A759-6A51-4108-AA02-DFA0A04FC94B}">
-              <ma14:wrappingTextBoxFlag xmlns="" xmlns:m="http://schemas.openxmlformats.org/officeDocument/2006/math" xmlns:a14="http://schemas.microsoft.com/office/drawing/2010/main" xmlns:ma14="http://schemas.microsoft.com/office/mac/drawingml/2011/main" val="1"/>
+              <ma14:wrappingTextBoxFlag xmlns:ma14="http://schemas.microsoft.com/office/mac/drawingml/2011/main" xmlns:a14="http://schemas.microsoft.com/office/drawing/2010/main" xmlns:m="http://schemas.openxmlformats.org/officeDocument/2006/math" xmlns="" val="1"/>
             </a:ext>
           </a:extLst>
         </p:spPr>
@@ -27566,7 +27566,7 @@
           </a:ln>
           <a:extLst>
             <a:ext uri="{C572A759-6A51-4108-AA02-DFA0A04FC94B}">
-              <ma14:wrappingTextBoxFlag xmlns="" xmlns:m="http://schemas.openxmlformats.org/officeDocument/2006/math" xmlns:a14="http://schemas.microsoft.com/office/drawing/2010/main" xmlns:ma14="http://schemas.microsoft.com/office/mac/drawingml/2011/main" val="1"/>
+              <ma14:wrappingTextBoxFlag xmlns:ma14="http://schemas.microsoft.com/office/mac/drawingml/2011/main" xmlns:a14="http://schemas.microsoft.com/office/drawing/2010/main" xmlns:m="http://schemas.openxmlformats.org/officeDocument/2006/math" xmlns="" val="1"/>
             </a:ext>
           </a:extLst>
         </p:spPr>
@@ -27630,7 +27630,7 @@
           </a:ln>
           <a:extLst>
             <a:ext uri="{C572A759-6A51-4108-AA02-DFA0A04FC94B}">
-              <ma14:wrappingTextBoxFlag xmlns="" xmlns:m="http://schemas.openxmlformats.org/officeDocument/2006/math" xmlns:a14="http://schemas.microsoft.com/office/drawing/2010/main" xmlns:ma14="http://schemas.microsoft.com/office/mac/drawingml/2011/main" val="1"/>
+              <ma14:wrappingTextBoxFlag xmlns:ma14="http://schemas.microsoft.com/office/mac/drawingml/2011/main" xmlns:a14="http://schemas.microsoft.com/office/drawing/2010/main" xmlns:m="http://schemas.openxmlformats.org/officeDocument/2006/math" xmlns="" val="1"/>
             </a:ext>
           </a:extLst>
         </p:spPr>
@@ -27670,7 +27670,7 @@
           </a:ln>
           <a:extLst>
             <a:ext uri="{C572A759-6A51-4108-AA02-DFA0A04FC94B}">
-              <ma14:wrappingTextBoxFlag xmlns="" xmlns:m="http://schemas.openxmlformats.org/officeDocument/2006/math" xmlns:a14="http://schemas.microsoft.com/office/drawing/2010/main" xmlns:ma14="http://schemas.microsoft.com/office/mac/drawingml/2011/main" val="1"/>
+              <ma14:wrappingTextBoxFlag xmlns:ma14="http://schemas.microsoft.com/office/mac/drawingml/2011/main" xmlns:a14="http://schemas.microsoft.com/office/drawing/2010/main" xmlns:m="http://schemas.openxmlformats.org/officeDocument/2006/math" xmlns="" val="1"/>
             </a:ext>
           </a:extLst>
         </p:spPr>
@@ -27736,7 +27736,7 @@
           </a:ln>
           <a:extLst>
             <a:ext uri="{C572A759-6A51-4108-AA02-DFA0A04FC94B}">
-              <ma14:wrappingTextBoxFlag xmlns="" xmlns:m="http://schemas.openxmlformats.org/officeDocument/2006/math" xmlns:a14="http://schemas.microsoft.com/office/drawing/2010/main" xmlns:ma14="http://schemas.microsoft.com/office/mac/drawingml/2011/main" val="1"/>
+              <ma14:wrappingTextBoxFlag xmlns:ma14="http://schemas.microsoft.com/office/mac/drawingml/2011/main" xmlns:a14="http://schemas.microsoft.com/office/drawing/2010/main" xmlns:m="http://schemas.openxmlformats.org/officeDocument/2006/math" xmlns="" val="1"/>
             </a:ext>
           </a:extLst>
         </p:spPr>
@@ -27801,7 +27801,7 @@
           </a:ln>
           <a:extLst>
             <a:ext uri="{C572A759-6A51-4108-AA02-DFA0A04FC94B}">
-              <ma14:wrappingTextBoxFlag xmlns="" xmlns:m="http://schemas.openxmlformats.org/officeDocument/2006/math" xmlns:a14="http://schemas.microsoft.com/office/drawing/2010/main" xmlns:ma14="http://schemas.microsoft.com/office/mac/drawingml/2011/main" val="1"/>
+              <ma14:wrappingTextBoxFlag xmlns:ma14="http://schemas.microsoft.com/office/mac/drawingml/2011/main" xmlns:a14="http://schemas.microsoft.com/office/drawing/2010/main" xmlns:m="http://schemas.openxmlformats.org/officeDocument/2006/math" xmlns="" val="1"/>
             </a:ext>
           </a:extLst>
         </p:spPr>
@@ -27841,7 +27841,7 @@
           </a:ln>
           <a:extLst>
             <a:ext uri="{C572A759-6A51-4108-AA02-DFA0A04FC94B}">
-              <ma14:wrappingTextBoxFlag xmlns="" xmlns:m="http://schemas.openxmlformats.org/officeDocument/2006/math" xmlns:a14="http://schemas.microsoft.com/office/drawing/2010/main" xmlns:ma14="http://schemas.microsoft.com/office/mac/drawingml/2011/main" val="1"/>
+              <ma14:wrappingTextBoxFlag xmlns:ma14="http://schemas.microsoft.com/office/mac/drawingml/2011/main" xmlns:a14="http://schemas.microsoft.com/office/drawing/2010/main" xmlns:m="http://schemas.openxmlformats.org/officeDocument/2006/math" xmlns="" val="1"/>
             </a:ext>
           </a:extLst>
         </p:spPr>
@@ -27907,7 +27907,7 @@
           </a:ln>
           <a:extLst>
             <a:ext uri="{C572A759-6A51-4108-AA02-DFA0A04FC94B}">
-              <ma14:wrappingTextBoxFlag xmlns="" xmlns:m="http://schemas.openxmlformats.org/officeDocument/2006/math" xmlns:a14="http://schemas.microsoft.com/office/drawing/2010/main" xmlns:ma14="http://schemas.microsoft.com/office/mac/drawingml/2011/main" val="1"/>
+              <ma14:wrappingTextBoxFlag xmlns:ma14="http://schemas.microsoft.com/office/mac/drawingml/2011/main" xmlns:a14="http://schemas.microsoft.com/office/drawing/2010/main" xmlns:m="http://schemas.openxmlformats.org/officeDocument/2006/math" xmlns="" val="1"/>
             </a:ext>
           </a:extLst>
         </p:spPr>
@@ -28122,7 +28122,7 @@
           </a:ln>
           <a:extLst>
             <a:ext uri="{C572A759-6A51-4108-AA02-DFA0A04FC94B}">
-              <ma14:wrappingTextBoxFlag xmlns="" xmlns:m="http://schemas.openxmlformats.org/officeDocument/2006/math" xmlns:a14="http://schemas.microsoft.com/office/drawing/2010/main" xmlns:ma14="http://schemas.microsoft.com/office/mac/drawingml/2011/main" val="1"/>
+              <ma14:wrappingTextBoxFlag xmlns:ma14="http://schemas.microsoft.com/office/mac/drawingml/2011/main" xmlns:a14="http://schemas.microsoft.com/office/drawing/2010/main" xmlns:m="http://schemas.openxmlformats.org/officeDocument/2006/math" xmlns="" val="1"/>
             </a:ext>
           </a:extLst>
         </p:spPr>
@@ -28168,7 +28168,7 @@
           </a:ln>
           <a:extLst>
             <a:ext uri="{C572A759-6A51-4108-AA02-DFA0A04FC94B}">
-              <ma14:wrappingTextBoxFlag xmlns="" xmlns:m="http://schemas.openxmlformats.org/officeDocument/2006/math" xmlns:a14="http://schemas.microsoft.com/office/drawing/2010/main" xmlns:ma14="http://schemas.microsoft.com/office/mac/drawingml/2011/main" val="1"/>
+              <ma14:wrappingTextBoxFlag xmlns:ma14="http://schemas.microsoft.com/office/mac/drawingml/2011/main" xmlns:a14="http://schemas.microsoft.com/office/drawing/2010/main" xmlns:m="http://schemas.openxmlformats.org/officeDocument/2006/math" xmlns="" val="1"/>
             </a:ext>
           </a:extLst>
         </p:spPr>
@@ -28234,7 +28234,7 @@
           </a:ln>
           <a:extLst>
             <a:ext uri="{C572A759-6A51-4108-AA02-DFA0A04FC94B}">
-              <ma14:wrappingTextBoxFlag xmlns="" xmlns:m="http://schemas.openxmlformats.org/officeDocument/2006/math" xmlns:a14="http://schemas.microsoft.com/office/drawing/2010/main" xmlns:ma14="http://schemas.microsoft.com/office/mac/drawingml/2011/main" val="1"/>
+              <ma14:wrappingTextBoxFlag xmlns:ma14="http://schemas.microsoft.com/office/mac/drawingml/2011/main" xmlns:a14="http://schemas.microsoft.com/office/drawing/2010/main" xmlns:m="http://schemas.openxmlformats.org/officeDocument/2006/math" xmlns="" val="1"/>
             </a:ext>
           </a:extLst>
         </p:spPr>
@@ -28298,7 +28298,7 @@
           </a:ln>
           <a:extLst>
             <a:ext uri="{C572A759-6A51-4108-AA02-DFA0A04FC94B}">
-              <ma14:wrappingTextBoxFlag xmlns="" xmlns:m="http://schemas.openxmlformats.org/officeDocument/2006/math" xmlns:a14="http://schemas.microsoft.com/office/drawing/2010/main" xmlns:ma14="http://schemas.microsoft.com/office/mac/drawingml/2011/main" val="1"/>
+              <ma14:wrappingTextBoxFlag xmlns:ma14="http://schemas.microsoft.com/office/mac/drawingml/2011/main" xmlns:a14="http://schemas.microsoft.com/office/drawing/2010/main" xmlns:m="http://schemas.openxmlformats.org/officeDocument/2006/math" xmlns="" val="1"/>
             </a:ext>
           </a:extLst>
         </p:spPr>
@@ -28338,7 +28338,7 @@
           </a:ln>
           <a:extLst>
             <a:ext uri="{C572A759-6A51-4108-AA02-DFA0A04FC94B}">
-              <ma14:wrappingTextBoxFlag xmlns="" xmlns:m="http://schemas.openxmlformats.org/officeDocument/2006/math" xmlns:a14="http://schemas.microsoft.com/office/drawing/2010/main" xmlns:ma14="http://schemas.microsoft.com/office/mac/drawingml/2011/main" val="1"/>
+              <ma14:wrappingTextBoxFlag xmlns:ma14="http://schemas.microsoft.com/office/mac/drawingml/2011/main" xmlns:a14="http://schemas.microsoft.com/office/drawing/2010/main" xmlns:m="http://schemas.openxmlformats.org/officeDocument/2006/math" xmlns="" val="1"/>
             </a:ext>
           </a:extLst>
         </p:spPr>
@@ -28404,7 +28404,7 @@
           </a:ln>
           <a:extLst>
             <a:ext uri="{C572A759-6A51-4108-AA02-DFA0A04FC94B}">
-              <ma14:wrappingTextBoxFlag xmlns="" xmlns:m="http://schemas.openxmlformats.org/officeDocument/2006/math" xmlns:a14="http://schemas.microsoft.com/office/drawing/2010/main" xmlns:ma14="http://schemas.microsoft.com/office/mac/drawingml/2011/main" val="1"/>
+              <ma14:wrappingTextBoxFlag xmlns:ma14="http://schemas.microsoft.com/office/mac/drawingml/2011/main" xmlns:a14="http://schemas.microsoft.com/office/drawing/2010/main" xmlns:m="http://schemas.openxmlformats.org/officeDocument/2006/math" xmlns="" val="1"/>
             </a:ext>
           </a:extLst>
         </p:spPr>
@@ -28476,7 +28476,7 @@
           </a:ln>
           <a:extLst>
             <a:ext uri="{C572A759-6A51-4108-AA02-DFA0A04FC94B}">
-              <ma14:wrappingTextBoxFlag xmlns="" xmlns:m="http://schemas.openxmlformats.org/officeDocument/2006/math" xmlns:a14="http://schemas.microsoft.com/office/drawing/2010/main" xmlns:ma14="http://schemas.microsoft.com/office/mac/drawingml/2011/main" val="1"/>
+              <ma14:wrappingTextBoxFlag xmlns:ma14="http://schemas.microsoft.com/office/mac/drawingml/2011/main" xmlns:a14="http://schemas.microsoft.com/office/drawing/2010/main" xmlns:m="http://schemas.openxmlformats.org/officeDocument/2006/math" xmlns="" val="1"/>
             </a:ext>
           </a:extLst>
         </p:spPr>
@@ -28517,7 +28517,7 @@
           </a:ln>
           <a:extLst>
             <a:ext uri="{C572A759-6A51-4108-AA02-DFA0A04FC94B}">
-              <ma14:wrappingTextBoxFlag xmlns="" xmlns:m="http://schemas.openxmlformats.org/officeDocument/2006/math" xmlns:a14="http://schemas.microsoft.com/office/drawing/2010/main" xmlns:ma14="http://schemas.microsoft.com/office/mac/drawingml/2011/main" val="1"/>
+              <ma14:wrappingTextBoxFlag xmlns:ma14="http://schemas.microsoft.com/office/mac/drawingml/2011/main" xmlns:a14="http://schemas.microsoft.com/office/drawing/2010/main" xmlns:m="http://schemas.openxmlformats.org/officeDocument/2006/math" xmlns="" val="1"/>
             </a:ext>
           </a:extLst>
         </p:spPr>
@@ -28584,7 +28584,7 @@
           </a:ln>
           <a:extLst>
             <a:ext uri="{C572A759-6A51-4108-AA02-DFA0A04FC94B}">
-              <ma14:wrappingTextBoxFlag xmlns="" xmlns:m="http://schemas.openxmlformats.org/officeDocument/2006/math" xmlns:a14="http://schemas.microsoft.com/office/drawing/2010/main" xmlns:ma14="http://schemas.microsoft.com/office/mac/drawingml/2011/main" val="1"/>
+              <ma14:wrappingTextBoxFlag xmlns:ma14="http://schemas.microsoft.com/office/mac/drawingml/2011/main" xmlns:a14="http://schemas.microsoft.com/office/drawing/2010/main" xmlns:m="http://schemas.openxmlformats.org/officeDocument/2006/math" xmlns="" val="1"/>
             </a:ext>
           </a:extLst>
         </p:spPr>
@@ -28631,7 +28631,7 @@
           </a:ln>
           <a:extLst>
             <a:ext uri="{C572A759-6A51-4108-AA02-DFA0A04FC94B}">
-              <ma14:wrappingTextBoxFlag xmlns="" xmlns:m="http://schemas.openxmlformats.org/officeDocument/2006/math" xmlns:a14="http://schemas.microsoft.com/office/drawing/2010/main" xmlns:ma14="http://schemas.microsoft.com/office/mac/drawingml/2011/main" val="1"/>
+              <ma14:wrappingTextBoxFlag xmlns:ma14="http://schemas.microsoft.com/office/mac/drawingml/2011/main" xmlns:a14="http://schemas.microsoft.com/office/drawing/2010/main" xmlns:m="http://schemas.openxmlformats.org/officeDocument/2006/math" xmlns="" val="1"/>
             </a:ext>
           </a:extLst>
         </p:spPr>
@@ -28697,7 +28697,7 @@
           </a:ln>
           <a:extLst>
             <a:ext uri="{C572A759-6A51-4108-AA02-DFA0A04FC94B}">
-              <ma14:wrappingTextBoxFlag xmlns="" xmlns:m="http://schemas.openxmlformats.org/officeDocument/2006/math" xmlns:a14="http://schemas.microsoft.com/office/drawing/2010/main" xmlns:ma14="http://schemas.microsoft.com/office/mac/drawingml/2011/main" val="1"/>
+              <ma14:wrappingTextBoxFlag xmlns:ma14="http://schemas.microsoft.com/office/mac/drawingml/2011/main" xmlns:a14="http://schemas.microsoft.com/office/drawing/2010/main" xmlns:m="http://schemas.openxmlformats.org/officeDocument/2006/math" xmlns="" val="1"/>
             </a:ext>
           </a:extLst>
         </p:spPr>
@@ -28800,7 +28800,7 @@
           </a:ln>
           <a:extLst>
             <a:ext uri="{C572A759-6A51-4108-AA02-DFA0A04FC94B}">
-              <ma14:wrappingTextBoxFlag xmlns="" xmlns:m="http://schemas.openxmlformats.org/officeDocument/2006/math" xmlns:a14="http://schemas.microsoft.com/office/drawing/2010/main" xmlns:ma14="http://schemas.microsoft.com/office/mac/drawingml/2011/main" val="1"/>
+              <ma14:wrappingTextBoxFlag xmlns:ma14="http://schemas.microsoft.com/office/mac/drawingml/2011/main" xmlns:a14="http://schemas.microsoft.com/office/drawing/2010/main" xmlns:m="http://schemas.openxmlformats.org/officeDocument/2006/math" xmlns="" val="1"/>
             </a:ext>
           </a:extLst>
         </p:spPr>
@@ -28840,7 +28840,7 @@
           </a:ln>
           <a:extLst>
             <a:ext uri="{C572A759-6A51-4108-AA02-DFA0A04FC94B}">
-              <ma14:wrappingTextBoxFlag xmlns="" xmlns:m="http://schemas.openxmlformats.org/officeDocument/2006/math" xmlns:a14="http://schemas.microsoft.com/office/drawing/2010/main" xmlns:ma14="http://schemas.microsoft.com/office/mac/drawingml/2011/main" val="1"/>
+              <ma14:wrappingTextBoxFlag xmlns:ma14="http://schemas.microsoft.com/office/mac/drawingml/2011/main" xmlns:a14="http://schemas.microsoft.com/office/drawing/2010/main" xmlns:m="http://schemas.openxmlformats.org/officeDocument/2006/math" xmlns="" val="1"/>
             </a:ext>
           </a:extLst>
         </p:spPr>
@@ -28880,7 +28880,7 @@
           </a:ln>
           <a:extLst>
             <a:ext uri="{C572A759-6A51-4108-AA02-DFA0A04FC94B}">
-              <ma14:wrappingTextBoxFlag xmlns="" xmlns:m="http://schemas.openxmlformats.org/officeDocument/2006/math" xmlns:a14="http://schemas.microsoft.com/office/drawing/2010/main" xmlns:ma14="http://schemas.microsoft.com/office/mac/drawingml/2011/main" val="1"/>
+              <ma14:wrappingTextBoxFlag xmlns:ma14="http://schemas.microsoft.com/office/mac/drawingml/2011/main" xmlns:a14="http://schemas.microsoft.com/office/drawing/2010/main" xmlns:m="http://schemas.openxmlformats.org/officeDocument/2006/math" xmlns="" val="1"/>
             </a:ext>
           </a:extLst>
         </p:spPr>
@@ -28946,7 +28946,7 @@
           </a:ln>
           <a:extLst>
             <a:ext uri="{C572A759-6A51-4108-AA02-DFA0A04FC94B}">
-              <ma14:wrappingTextBoxFlag xmlns="" xmlns:m="http://schemas.openxmlformats.org/officeDocument/2006/math" xmlns:a14="http://schemas.microsoft.com/office/drawing/2010/main" xmlns:ma14="http://schemas.microsoft.com/office/mac/drawingml/2011/main" val="1"/>
+              <ma14:wrappingTextBoxFlag xmlns:ma14="http://schemas.microsoft.com/office/mac/drawingml/2011/main" xmlns:a14="http://schemas.microsoft.com/office/drawing/2010/main" xmlns:m="http://schemas.openxmlformats.org/officeDocument/2006/math" xmlns="" val="1"/>
             </a:ext>
           </a:extLst>
         </p:spPr>
@@ -29034,7 +29034,7 @@
           </a:ln>
           <a:extLst>
             <a:ext uri="{C572A759-6A51-4108-AA02-DFA0A04FC94B}">
-              <ma14:wrappingTextBoxFlag xmlns="" xmlns:m="http://schemas.openxmlformats.org/officeDocument/2006/math" xmlns:a14="http://schemas.microsoft.com/office/drawing/2010/main" xmlns:ma14="http://schemas.microsoft.com/office/mac/drawingml/2011/main" val="1"/>
+              <ma14:wrappingTextBoxFlag xmlns:ma14="http://schemas.microsoft.com/office/mac/drawingml/2011/main" xmlns:a14="http://schemas.microsoft.com/office/drawing/2010/main" xmlns:m="http://schemas.openxmlformats.org/officeDocument/2006/math" xmlns="" val="1"/>
             </a:ext>
           </a:extLst>
         </p:spPr>
@@ -29074,7 +29074,7 @@
           </a:ln>
           <a:extLst>
             <a:ext uri="{C572A759-6A51-4108-AA02-DFA0A04FC94B}">
-              <ma14:wrappingTextBoxFlag xmlns="" xmlns:m="http://schemas.openxmlformats.org/officeDocument/2006/math" xmlns:a14="http://schemas.microsoft.com/office/drawing/2010/main" xmlns:ma14="http://schemas.microsoft.com/office/mac/drawingml/2011/main" val="1"/>
+              <ma14:wrappingTextBoxFlag xmlns:ma14="http://schemas.microsoft.com/office/mac/drawingml/2011/main" xmlns:a14="http://schemas.microsoft.com/office/drawing/2010/main" xmlns:m="http://schemas.openxmlformats.org/officeDocument/2006/math" xmlns="" val="1"/>
             </a:ext>
           </a:extLst>
         </p:spPr>
@@ -29140,7 +29140,7 @@
           </a:ln>
           <a:extLst>
             <a:ext uri="{C572A759-6A51-4108-AA02-DFA0A04FC94B}">
-              <ma14:wrappingTextBoxFlag xmlns="" xmlns:m="http://schemas.openxmlformats.org/officeDocument/2006/math" xmlns:a14="http://schemas.microsoft.com/office/drawing/2010/main" xmlns:ma14="http://schemas.microsoft.com/office/mac/drawingml/2011/main" val="1"/>
+              <ma14:wrappingTextBoxFlag xmlns:ma14="http://schemas.microsoft.com/office/mac/drawingml/2011/main" xmlns:a14="http://schemas.microsoft.com/office/drawing/2010/main" xmlns:m="http://schemas.openxmlformats.org/officeDocument/2006/math" xmlns="" val="1"/>
             </a:ext>
           </a:extLst>
         </p:spPr>
@@ -29204,7 +29204,7 @@
           </a:ln>
           <a:extLst>
             <a:ext uri="{C572A759-6A51-4108-AA02-DFA0A04FC94B}">
-              <ma14:wrappingTextBoxFlag xmlns="" xmlns:m="http://schemas.openxmlformats.org/officeDocument/2006/math" xmlns:a14="http://schemas.microsoft.com/office/drawing/2010/main" xmlns:ma14="http://schemas.microsoft.com/office/mac/drawingml/2011/main" val="1"/>
+              <ma14:wrappingTextBoxFlag xmlns:ma14="http://schemas.microsoft.com/office/mac/drawingml/2011/main" xmlns:a14="http://schemas.microsoft.com/office/drawing/2010/main" xmlns:m="http://schemas.openxmlformats.org/officeDocument/2006/math" xmlns="" val="1"/>
             </a:ext>
           </a:extLst>
         </p:spPr>
@@ -29244,7 +29244,7 @@
           </a:ln>
           <a:extLst>
             <a:ext uri="{C572A759-6A51-4108-AA02-DFA0A04FC94B}">
-              <ma14:wrappingTextBoxFlag xmlns="" xmlns:m="http://schemas.openxmlformats.org/officeDocument/2006/math" xmlns:a14="http://schemas.microsoft.com/office/drawing/2010/main" xmlns:ma14="http://schemas.microsoft.com/office/mac/drawingml/2011/main" val="1"/>
+              <ma14:wrappingTextBoxFlag xmlns:ma14="http://schemas.microsoft.com/office/mac/drawingml/2011/main" xmlns:a14="http://schemas.microsoft.com/office/drawing/2010/main" xmlns:m="http://schemas.openxmlformats.org/officeDocument/2006/math" xmlns="" val="1"/>
             </a:ext>
           </a:extLst>
         </p:spPr>
@@ -29310,7 +29310,7 @@
           </a:ln>
           <a:extLst>
             <a:ext uri="{C572A759-6A51-4108-AA02-DFA0A04FC94B}">
-              <ma14:wrappingTextBoxFlag xmlns="" xmlns:m="http://schemas.openxmlformats.org/officeDocument/2006/math" xmlns:a14="http://schemas.microsoft.com/office/drawing/2010/main" xmlns:ma14="http://schemas.microsoft.com/office/mac/drawingml/2011/main" val="1"/>
+              <ma14:wrappingTextBoxFlag xmlns:ma14="http://schemas.microsoft.com/office/mac/drawingml/2011/main" xmlns:a14="http://schemas.microsoft.com/office/drawing/2010/main" xmlns:m="http://schemas.openxmlformats.org/officeDocument/2006/math" xmlns="" val="1"/>
             </a:ext>
           </a:extLst>
         </p:spPr>
@@ -29374,7 +29374,7 @@
           </a:ln>
           <a:extLst>
             <a:ext uri="{C572A759-6A51-4108-AA02-DFA0A04FC94B}">
-              <ma14:wrappingTextBoxFlag xmlns="" xmlns:m="http://schemas.openxmlformats.org/officeDocument/2006/math" xmlns:a14="http://schemas.microsoft.com/office/drawing/2010/main" xmlns:ma14="http://schemas.microsoft.com/office/mac/drawingml/2011/main" val="1"/>
+              <ma14:wrappingTextBoxFlag xmlns:ma14="http://schemas.microsoft.com/office/mac/drawingml/2011/main" xmlns:a14="http://schemas.microsoft.com/office/drawing/2010/main" xmlns:m="http://schemas.openxmlformats.org/officeDocument/2006/math" xmlns="" val="1"/>
             </a:ext>
           </a:extLst>
         </p:spPr>
@@ -29414,7 +29414,7 @@
           </a:ln>
           <a:extLst>
             <a:ext uri="{C572A759-6A51-4108-AA02-DFA0A04FC94B}">
-              <ma14:wrappingTextBoxFlag xmlns="" xmlns:m="http://schemas.openxmlformats.org/officeDocument/2006/math" xmlns:a14="http://schemas.microsoft.com/office/drawing/2010/main" xmlns:ma14="http://schemas.microsoft.com/office/mac/drawingml/2011/main" val="1"/>
+              <ma14:wrappingTextBoxFlag xmlns:ma14="http://schemas.microsoft.com/office/mac/drawingml/2011/main" xmlns:a14="http://schemas.microsoft.com/office/drawing/2010/main" xmlns:m="http://schemas.openxmlformats.org/officeDocument/2006/math" xmlns="" val="1"/>
             </a:ext>
           </a:extLst>
         </p:spPr>
@@ -29480,7 +29480,7 @@
           </a:ln>
           <a:extLst>
             <a:ext uri="{C572A759-6A51-4108-AA02-DFA0A04FC94B}">
-              <ma14:wrappingTextBoxFlag xmlns="" xmlns:m="http://schemas.openxmlformats.org/officeDocument/2006/math" xmlns:a14="http://schemas.microsoft.com/office/drawing/2010/main" xmlns:ma14="http://schemas.microsoft.com/office/mac/drawingml/2011/main" val="1"/>
+              <ma14:wrappingTextBoxFlag xmlns:ma14="http://schemas.microsoft.com/office/mac/drawingml/2011/main" xmlns:a14="http://schemas.microsoft.com/office/drawing/2010/main" xmlns:m="http://schemas.openxmlformats.org/officeDocument/2006/math" xmlns="" val="1"/>
             </a:ext>
           </a:extLst>
         </p:spPr>
@@ -29566,7 +29566,7 @@
           </a:ln>
           <a:extLst>
             <a:ext uri="{C572A759-6A51-4108-AA02-DFA0A04FC94B}">
-              <ma14:wrappingTextBoxFlag xmlns="" xmlns:m="http://schemas.openxmlformats.org/officeDocument/2006/math" xmlns:a14="http://schemas.microsoft.com/office/drawing/2010/main" xmlns:ma14="http://schemas.microsoft.com/office/mac/drawingml/2011/main" val="1"/>
+              <ma14:wrappingTextBoxFlag xmlns:ma14="http://schemas.microsoft.com/office/mac/drawingml/2011/main" xmlns:a14="http://schemas.microsoft.com/office/drawing/2010/main" xmlns:m="http://schemas.openxmlformats.org/officeDocument/2006/math" xmlns="" val="1"/>
             </a:ext>
           </a:extLst>
         </p:spPr>
@@ -29607,7 +29607,7 @@
           </a:ln>
           <a:extLst>
             <a:ext uri="{C572A759-6A51-4108-AA02-DFA0A04FC94B}">
-              <ma14:wrappingTextBoxFlag xmlns="" xmlns:m="http://schemas.openxmlformats.org/officeDocument/2006/math" xmlns:a14="http://schemas.microsoft.com/office/drawing/2010/main" xmlns:ma14="http://schemas.microsoft.com/office/mac/drawingml/2011/main" val="1"/>
+              <ma14:wrappingTextBoxFlag xmlns:ma14="http://schemas.microsoft.com/office/mac/drawingml/2011/main" xmlns:a14="http://schemas.microsoft.com/office/drawing/2010/main" xmlns:m="http://schemas.openxmlformats.org/officeDocument/2006/math" xmlns="" val="1"/>
             </a:ext>
           </a:extLst>
         </p:spPr>
@@ -29648,7 +29648,7 @@
           </a:ln>
           <a:extLst>
             <a:ext uri="{C572A759-6A51-4108-AA02-DFA0A04FC94B}">
-              <ma14:wrappingTextBoxFlag xmlns="" xmlns:m="http://schemas.openxmlformats.org/officeDocument/2006/math" xmlns:a14="http://schemas.microsoft.com/office/drawing/2010/main" xmlns:ma14="http://schemas.microsoft.com/office/mac/drawingml/2011/main" val="1"/>
+              <ma14:wrappingTextBoxFlag xmlns:ma14="http://schemas.microsoft.com/office/mac/drawingml/2011/main" xmlns:a14="http://schemas.microsoft.com/office/drawing/2010/main" xmlns:m="http://schemas.openxmlformats.org/officeDocument/2006/math" xmlns="" val="1"/>
             </a:ext>
           </a:extLst>
         </p:spPr>
@@ -29715,7 +29715,7 @@
           </a:ln>
           <a:extLst>
             <a:ext uri="{C572A759-6A51-4108-AA02-DFA0A04FC94B}">
-              <ma14:wrappingTextBoxFlag xmlns="" xmlns:m="http://schemas.openxmlformats.org/officeDocument/2006/math" xmlns:a14="http://schemas.microsoft.com/office/drawing/2010/main" xmlns:ma14="http://schemas.microsoft.com/office/mac/drawingml/2011/main" val="1"/>
+              <ma14:wrappingTextBoxFlag xmlns:ma14="http://schemas.microsoft.com/office/mac/drawingml/2011/main" xmlns:a14="http://schemas.microsoft.com/office/drawing/2010/main" xmlns:m="http://schemas.openxmlformats.org/officeDocument/2006/math" xmlns="" val="1"/>
             </a:ext>
           </a:extLst>
         </p:spPr>
@@ -29782,7 +29782,7 @@
           </a:ln>
           <a:extLst>
             <a:ext uri="{C572A759-6A51-4108-AA02-DFA0A04FC94B}">
-              <ma14:wrappingTextBoxFlag xmlns="" xmlns:m="http://schemas.openxmlformats.org/officeDocument/2006/math" xmlns:a14="http://schemas.microsoft.com/office/drawing/2010/main" xmlns:ma14="http://schemas.microsoft.com/office/mac/drawingml/2011/main" val="1"/>
+              <ma14:wrappingTextBoxFlag xmlns:ma14="http://schemas.microsoft.com/office/mac/drawingml/2011/main" xmlns:a14="http://schemas.microsoft.com/office/drawing/2010/main" xmlns:m="http://schemas.openxmlformats.org/officeDocument/2006/math" xmlns="" val="1"/>
             </a:ext>
           </a:extLst>
         </p:spPr>
@@ -29823,7 +29823,7 @@
           </a:ln>
           <a:extLst>
             <a:ext uri="{C572A759-6A51-4108-AA02-DFA0A04FC94B}">
-              <ma14:wrappingTextBoxFlag xmlns="" xmlns:m="http://schemas.openxmlformats.org/officeDocument/2006/math" xmlns:a14="http://schemas.microsoft.com/office/drawing/2010/main" xmlns:ma14="http://schemas.microsoft.com/office/mac/drawingml/2011/main" val="1"/>
+              <ma14:wrappingTextBoxFlag xmlns:ma14="http://schemas.microsoft.com/office/mac/drawingml/2011/main" xmlns:a14="http://schemas.microsoft.com/office/drawing/2010/main" xmlns:m="http://schemas.openxmlformats.org/officeDocument/2006/math" xmlns="" val="1"/>
             </a:ext>
           </a:extLst>
         </p:spPr>

--- a/templates/english_service_template.pptx
+++ b/templates/english_service_template.pptx
@@ -161,7 +161,7 @@
     <p:sldId id="624" r:id="rId149"/>
     <p:sldId id="396" r:id="rId150"/>
     <p:sldId id="615" r:id="rId151"/>
-    <p:sldId id="605" r:id="rId152"/>
+    <p:sldId id="635" r:id="rId152"/>
   </p:sldIdLst>
   <p:sldSz cx="12192000" cy="6858000"/>
   <p:notesSz cx="6858000" cy="9144000"/>
@@ -467,6 +467,9 @@
     <p:ext uri="{EFAFB233-063F-42B5-8137-9DF3F51BA10A}">
       <p15:sldGuideLst xmlns:p15="http://schemas.microsoft.com/office/powerpoint/2012/main"/>
     </p:ext>
+    <p:ext uri="{2D200454-40CA-4A62-9FC3-DE9A4176ACB9}">
+      <p15:notesGuideLst xmlns:p15="http://schemas.microsoft.com/office/powerpoint/2012/main"/>
+    </p:ext>
   </p:extLst>
 </p:presentation>
 </file>
@@ -565,7 +568,7 @@
           <a:p>
             <a:fld id="{7A63CF33-103C-CA42-84F3-1F86DEC4FCE2}" type="datetimeFigureOut">
               <a:rPr lang="en-US" smtClean="0"/>
-              <a:t>3/8/24</a:t>
+              <a:t>5/17/24</a:t>
             </a:fld>
             <a:endParaRPr lang="en-US"/>
           </a:p>
@@ -3595,7 +3598,7 @@
           <a:p>
             <a:fld id="{61891397-8D29-43D4-8B0E-AE2AF53A4F0E}" type="datetimeFigureOut">
               <a:rPr lang="en-IN" smtClean="0"/>
-              <a:t>08/03/24</a:t>
+              <a:t>17/05/24</a:t>
             </a:fld>
             <a:endParaRPr lang="en-IN"/>
           </a:p>
@@ -3704,7 +3707,7 @@
           </a:ln>
           <a:extLst>
             <a:ext uri="{C572A759-6A51-4108-AA02-DFA0A04FC94B}">
-              <ma14:wrappingTextBoxFlag xmlns="" xmlns:m="http://schemas.openxmlformats.org/officeDocument/2006/math" xmlns:a14="http://schemas.microsoft.com/office/drawing/2010/main" xmlns:ma14="http://schemas.microsoft.com/office/mac/drawingml/2011/main" val="1"/>
+              <ma14:wrappingTextBoxFlag xmlns:ma14="http://schemas.microsoft.com/office/mac/drawingml/2011/main" xmlns:a14="http://schemas.microsoft.com/office/drawing/2010/main" xmlns:m="http://schemas.openxmlformats.org/officeDocument/2006/math" xmlns="" val="1"/>
             </a:ext>
           </a:extLst>
         </p:spPr>
@@ -3741,7 +3744,7 @@
           </a:ln>
           <a:extLst>
             <a:ext uri="{C572A759-6A51-4108-AA02-DFA0A04FC94B}">
-              <ma14:wrappingTextBoxFlag xmlns="" xmlns:m="http://schemas.openxmlformats.org/officeDocument/2006/math" xmlns:a14="http://schemas.microsoft.com/office/drawing/2010/main" xmlns:ma14="http://schemas.microsoft.com/office/mac/drawingml/2011/main" val="1"/>
+              <ma14:wrappingTextBoxFlag xmlns:ma14="http://schemas.microsoft.com/office/mac/drawingml/2011/main" xmlns:a14="http://schemas.microsoft.com/office/drawing/2010/main" xmlns:m="http://schemas.openxmlformats.org/officeDocument/2006/math" xmlns="" val="1"/>
             </a:ext>
           </a:extLst>
         </p:spPr>
@@ -4580,7 +4583,7 @@
           </a:ln>
           <a:extLst>
             <a:ext uri="{C572A759-6A51-4108-AA02-DFA0A04FC94B}">
-              <ma14:wrappingTextBoxFlag xmlns:ma14="http://schemas.microsoft.com/office/mac/drawingml/2011/main" xmlns:a14="http://schemas.microsoft.com/office/drawing/2010/main" xmlns:m="http://schemas.openxmlformats.org/officeDocument/2006/math" xmlns="" val="1"/>
+              <ma14:wrappingTextBoxFlag xmlns="" xmlns:m="http://schemas.openxmlformats.org/officeDocument/2006/math" xmlns:a14="http://schemas.microsoft.com/office/drawing/2010/main" xmlns:ma14="http://schemas.microsoft.com/office/mac/drawingml/2011/main" val="1"/>
             </a:ext>
           </a:extLst>
         </p:spPr>
@@ -4626,7 +4629,7 @@
           </a:ln>
           <a:extLst>
             <a:ext uri="{C572A759-6A51-4108-AA02-DFA0A04FC94B}">
-              <ma14:wrappingTextBoxFlag xmlns:ma14="http://schemas.microsoft.com/office/mac/drawingml/2011/main" xmlns:a14="http://schemas.microsoft.com/office/drawing/2010/main" xmlns:m="http://schemas.openxmlformats.org/officeDocument/2006/math" xmlns="" val="1"/>
+              <ma14:wrappingTextBoxFlag xmlns="" xmlns:m="http://schemas.openxmlformats.org/officeDocument/2006/math" xmlns:a14="http://schemas.microsoft.com/office/drawing/2010/main" xmlns:ma14="http://schemas.microsoft.com/office/mac/drawingml/2011/main" val="1"/>
             </a:ext>
           </a:extLst>
         </p:spPr>
@@ -4683,7 +4686,7 @@
           </a:ln>
           <a:extLst>
             <a:ext uri="{C572A759-6A51-4108-AA02-DFA0A04FC94B}">
-              <ma14:wrappingTextBoxFlag xmlns:ma14="http://schemas.microsoft.com/office/mac/drawingml/2011/main" xmlns:a14="http://schemas.microsoft.com/office/drawing/2010/main" xmlns:m="http://schemas.openxmlformats.org/officeDocument/2006/math" xmlns="" val="1"/>
+              <ma14:wrappingTextBoxFlag xmlns="" xmlns:m="http://schemas.openxmlformats.org/officeDocument/2006/math" xmlns:a14="http://schemas.microsoft.com/office/drawing/2010/main" xmlns:ma14="http://schemas.microsoft.com/office/mac/drawingml/2011/main" val="1"/>
             </a:ext>
           </a:extLst>
         </p:spPr>
@@ -4737,7 +4740,7 @@
           </a:ln>
           <a:extLst>
             <a:ext uri="{C572A759-6A51-4108-AA02-DFA0A04FC94B}">
-              <ma14:wrappingTextBoxFlag xmlns:ma14="http://schemas.microsoft.com/office/mac/drawingml/2011/main" xmlns:a14="http://schemas.microsoft.com/office/drawing/2010/main" xmlns:m="http://schemas.openxmlformats.org/officeDocument/2006/math" xmlns="" val="1"/>
+              <ma14:wrappingTextBoxFlag xmlns="" xmlns:m="http://schemas.openxmlformats.org/officeDocument/2006/math" xmlns:a14="http://schemas.microsoft.com/office/drawing/2010/main" xmlns:ma14="http://schemas.microsoft.com/office/mac/drawingml/2011/main" val="1"/>
             </a:ext>
           </a:extLst>
         </p:spPr>
@@ -4784,7 +4787,7 @@
           </a:ln>
           <a:extLst>
             <a:ext uri="{C572A759-6A51-4108-AA02-DFA0A04FC94B}">
-              <ma14:wrappingTextBoxFlag xmlns:ma14="http://schemas.microsoft.com/office/mac/drawingml/2011/main" xmlns:a14="http://schemas.microsoft.com/office/drawing/2010/main" xmlns:m="http://schemas.openxmlformats.org/officeDocument/2006/math" xmlns="" val="1"/>
+              <ma14:wrappingTextBoxFlag xmlns="" xmlns:m="http://schemas.openxmlformats.org/officeDocument/2006/math" xmlns:a14="http://schemas.microsoft.com/office/drawing/2010/main" xmlns:ma14="http://schemas.microsoft.com/office/mac/drawingml/2011/main" val="1"/>
             </a:ext>
           </a:extLst>
         </p:spPr>
@@ -4968,7 +4971,7 @@
           </a:ln>
           <a:extLst>
             <a:ext uri="{C572A759-6A51-4108-AA02-DFA0A04FC94B}">
-              <ma14:wrappingTextBoxFlag xmlns="" xmlns:m="http://schemas.openxmlformats.org/officeDocument/2006/math" xmlns:a14="http://schemas.microsoft.com/office/drawing/2010/main" xmlns:ma14="http://schemas.microsoft.com/office/mac/drawingml/2011/main" val="1"/>
+              <ma14:wrappingTextBoxFlag xmlns:ma14="http://schemas.microsoft.com/office/mac/drawingml/2011/main" xmlns:a14="http://schemas.microsoft.com/office/drawing/2010/main" xmlns:m="http://schemas.openxmlformats.org/officeDocument/2006/math" xmlns="" val="1"/>
             </a:ext>
           </a:extLst>
         </p:spPr>
@@ -5070,7 +5073,7 @@
           </a:ln>
           <a:extLst>
             <a:ext uri="{C572A759-6A51-4108-AA02-DFA0A04FC94B}">
-              <ma14:wrappingTextBoxFlag xmlns="" xmlns:m="http://schemas.openxmlformats.org/officeDocument/2006/math" xmlns:a14="http://schemas.microsoft.com/office/drawing/2010/main" xmlns:ma14="http://schemas.microsoft.com/office/mac/drawingml/2011/main" val="1"/>
+              <ma14:wrappingTextBoxFlag xmlns:ma14="http://schemas.microsoft.com/office/mac/drawingml/2011/main" xmlns:a14="http://schemas.microsoft.com/office/drawing/2010/main" xmlns:m="http://schemas.openxmlformats.org/officeDocument/2006/math" xmlns="" val="1"/>
             </a:ext>
           </a:extLst>
         </p:spPr>
@@ -5136,7 +5139,7 @@
           </a:ln>
           <a:extLst>
             <a:ext uri="{C572A759-6A51-4108-AA02-DFA0A04FC94B}">
-              <ma14:wrappingTextBoxFlag xmlns="" xmlns:m="http://schemas.openxmlformats.org/officeDocument/2006/math" xmlns:a14="http://schemas.microsoft.com/office/drawing/2010/main" xmlns:ma14="http://schemas.microsoft.com/office/mac/drawingml/2011/main" val="1"/>
+              <ma14:wrappingTextBoxFlag xmlns:ma14="http://schemas.microsoft.com/office/mac/drawingml/2011/main" xmlns:a14="http://schemas.microsoft.com/office/drawing/2010/main" xmlns:m="http://schemas.openxmlformats.org/officeDocument/2006/math" xmlns="" val="1"/>
             </a:ext>
           </a:extLst>
         </p:spPr>
@@ -5183,7 +5186,7 @@
           </a:ln>
           <a:extLst>
             <a:ext uri="{C572A759-6A51-4108-AA02-DFA0A04FC94B}">
-              <ma14:wrappingTextBoxFlag xmlns="" xmlns:m="http://schemas.openxmlformats.org/officeDocument/2006/math" xmlns:a14="http://schemas.microsoft.com/office/drawing/2010/main" xmlns:ma14="http://schemas.microsoft.com/office/mac/drawingml/2011/main" val="1"/>
+              <ma14:wrappingTextBoxFlag xmlns:ma14="http://schemas.microsoft.com/office/mac/drawingml/2011/main" xmlns:a14="http://schemas.microsoft.com/office/drawing/2010/main" xmlns:m="http://schemas.openxmlformats.org/officeDocument/2006/math" xmlns="" val="1"/>
             </a:ext>
           </a:extLst>
         </p:spPr>
@@ -5249,7 +5252,7 @@
           </a:ln>
           <a:extLst>
             <a:ext uri="{C572A759-6A51-4108-AA02-DFA0A04FC94B}">
-              <ma14:wrappingTextBoxFlag xmlns="" xmlns:m="http://schemas.openxmlformats.org/officeDocument/2006/math" xmlns:a14="http://schemas.microsoft.com/office/drawing/2010/main" xmlns:ma14="http://schemas.microsoft.com/office/mac/drawingml/2011/main" val="1"/>
+              <ma14:wrappingTextBoxFlag xmlns:ma14="http://schemas.microsoft.com/office/mac/drawingml/2011/main" xmlns:a14="http://schemas.microsoft.com/office/drawing/2010/main" xmlns:m="http://schemas.openxmlformats.org/officeDocument/2006/math" xmlns="" val="1"/>
             </a:ext>
           </a:extLst>
         </p:spPr>
@@ -5352,7 +5355,7 @@
           </a:ln>
           <a:extLst>
             <a:ext uri="{C572A759-6A51-4108-AA02-DFA0A04FC94B}">
-              <ma14:wrappingTextBoxFlag xmlns="" xmlns:m="http://schemas.openxmlformats.org/officeDocument/2006/math" xmlns:a14="http://schemas.microsoft.com/office/drawing/2010/main" xmlns:ma14="http://schemas.microsoft.com/office/mac/drawingml/2011/main" val="1"/>
+              <ma14:wrappingTextBoxFlag xmlns:ma14="http://schemas.microsoft.com/office/mac/drawingml/2011/main" xmlns:a14="http://schemas.microsoft.com/office/drawing/2010/main" xmlns:m="http://schemas.openxmlformats.org/officeDocument/2006/math" xmlns="" val="1"/>
             </a:ext>
           </a:extLst>
         </p:spPr>
@@ -5392,7 +5395,7 @@
           </a:ln>
           <a:extLst>
             <a:ext uri="{C572A759-6A51-4108-AA02-DFA0A04FC94B}">
-              <ma14:wrappingTextBoxFlag xmlns="" xmlns:m="http://schemas.openxmlformats.org/officeDocument/2006/math" xmlns:a14="http://schemas.microsoft.com/office/drawing/2010/main" xmlns:ma14="http://schemas.microsoft.com/office/mac/drawingml/2011/main" val="1"/>
+              <ma14:wrappingTextBoxFlag xmlns:ma14="http://schemas.microsoft.com/office/mac/drawingml/2011/main" xmlns:a14="http://schemas.microsoft.com/office/drawing/2010/main" xmlns:m="http://schemas.openxmlformats.org/officeDocument/2006/math" xmlns="" val="1"/>
             </a:ext>
           </a:extLst>
         </p:spPr>
@@ -5432,7 +5435,7 @@
           </a:ln>
           <a:extLst>
             <a:ext uri="{C572A759-6A51-4108-AA02-DFA0A04FC94B}">
-              <ma14:wrappingTextBoxFlag xmlns="" xmlns:m="http://schemas.openxmlformats.org/officeDocument/2006/math" xmlns:a14="http://schemas.microsoft.com/office/drawing/2010/main" xmlns:ma14="http://schemas.microsoft.com/office/mac/drawingml/2011/main" val="1"/>
+              <ma14:wrappingTextBoxFlag xmlns:ma14="http://schemas.microsoft.com/office/mac/drawingml/2011/main" xmlns:a14="http://schemas.microsoft.com/office/drawing/2010/main" xmlns:m="http://schemas.openxmlformats.org/officeDocument/2006/math" xmlns="" val="1"/>
             </a:ext>
           </a:extLst>
         </p:spPr>
@@ -5498,7 +5501,7 @@
           </a:ln>
           <a:extLst>
             <a:ext uri="{C572A759-6A51-4108-AA02-DFA0A04FC94B}">
-              <ma14:wrappingTextBoxFlag xmlns="" xmlns:m="http://schemas.openxmlformats.org/officeDocument/2006/math" xmlns:a14="http://schemas.microsoft.com/office/drawing/2010/main" xmlns:ma14="http://schemas.microsoft.com/office/mac/drawingml/2011/main" val="1"/>
+              <ma14:wrappingTextBoxFlag xmlns:ma14="http://schemas.microsoft.com/office/mac/drawingml/2011/main" xmlns:a14="http://schemas.microsoft.com/office/drawing/2010/main" xmlns:m="http://schemas.openxmlformats.org/officeDocument/2006/math" xmlns="" val="1"/>
             </a:ext>
           </a:extLst>
         </p:spPr>
@@ -5586,7 +5589,7 @@
           </a:ln>
           <a:extLst>
             <a:ext uri="{C572A759-6A51-4108-AA02-DFA0A04FC94B}">
-              <ma14:wrappingTextBoxFlag xmlns="" xmlns:m="http://schemas.openxmlformats.org/officeDocument/2006/math" xmlns:a14="http://schemas.microsoft.com/office/drawing/2010/main" xmlns:ma14="http://schemas.microsoft.com/office/mac/drawingml/2011/main" val="1"/>
+              <ma14:wrappingTextBoxFlag xmlns:ma14="http://schemas.microsoft.com/office/mac/drawingml/2011/main" xmlns:a14="http://schemas.microsoft.com/office/drawing/2010/main" xmlns:m="http://schemas.openxmlformats.org/officeDocument/2006/math" xmlns="" val="1"/>
             </a:ext>
           </a:extLst>
         </p:spPr>
@@ -5626,7 +5629,7 @@
           </a:ln>
           <a:extLst>
             <a:ext uri="{C572A759-6A51-4108-AA02-DFA0A04FC94B}">
-              <ma14:wrappingTextBoxFlag xmlns="" xmlns:m="http://schemas.openxmlformats.org/officeDocument/2006/math" xmlns:a14="http://schemas.microsoft.com/office/drawing/2010/main" xmlns:ma14="http://schemas.microsoft.com/office/mac/drawingml/2011/main" val="1"/>
+              <ma14:wrappingTextBoxFlag xmlns:ma14="http://schemas.microsoft.com/office/mac/drawingml/2011/main" xmlns:a14="http://schemas.microsoft.com/office/drawing/2010/main" xmlns:m="http://schemas.openxmlformats.org/officeDocument/2006/math" xmlns="" val="1"/>
             </a:ext>
           </a:extLst>
         </p:spPr>
@@ -5692,7 +5695,7 @@
           </a:ln>
           <a:extLst>
             <a:ext uri="{C572A759-6A51-4108-AA02-DFA0A04FC94B}">
-              <ma14:wrappingTextBoxFlag xmlns="" xmlns:m="http://schemas.openxmlformats.org/officeDocument/2006/math" xmlns:a14="http://schemas.microsoft.com/office/drawing/2010/main" xmlns:ma14="http://schemas.microsoft.com/office/mac/drawingml/2011/main" val="1"/>
+              <ma14:wrappingTextBoxFlag xmlns:ma14="http://schemas.microsoft.com/office/mac/drawingml/2011/main" xmlns:a14="http://schemas.microsoft.com/office/drawing/2010/main" xmlns:m="http://schemas.openxmlformats.org/officeDocument/2006/math" xmlns="" val="1"/>
             </a:ext>
           </a:extLst>
         </p:spPr>
@@ -5756,7 +5759,7 @@
           </a:ln>
           <a:extLst>
             <a:ext uri="{C572A759-6A51-4108-AA02-DFA0A04FC94B}">
-              <ma14:wrappingTextBoxFlag xmlns="" xmlns:m="http://schemas.openxmlformats.org/officeDocument/2006/math" xmlns:a14="http://schemas.microsoft.com/office/drawing/2010/main" xmlns:ma14="http://schemas.microsoft.com/office/mac/drawingml/2011/main" val="1"/>
+              <ma14:wrappingTextBoxFlag xmlns:ma14="http://schemas.microsoft.com/office/mac/drawingml/2011/main" xmlns:a14="http://schemas.microsoft.com/office/drawing/2010/main" xmlns:m="http://schemas.openxmlformats.org/officeDocument/2006/math" xmlns="" val="1"/>
             </a:ext>
           </a:extLst>
         </p:spPr>
@@ -5796,7 +5799,7 @@
           </a:ln>
           <a:extLst>
             <a:ext uri="{C572A759-6A51-4108-AA02-DFA0A04FC94B}">
-              <ma14:wrappingTextBoxFlag xmlns="" xmlns:m="http://schemas.openxmlformats.org/officeDocument/2006/math" xmlns:a14="http://schemas.microsoft.com/office/drawing/2010/main" xmlns:ma14="http://schemas.microsoft.com/office/mac/drawingml/2011/main" val="1"/>
+              <ma14:wrappingTextBoxFlag xmlns:ma14="http://schemas.microsoft.com/office/mac/drawingml/2011/main" xmlns:a14="http://schemas.microsoft.com/office/drawing/2010/main" xmlns:m="http://schemas.openxmlformats.org/officeDocument/2006/math" xmlns="" val="1"/>
             </a:ext>
           </a:extLst>
         </p:spPr>
@@ -5862,7 +5865,7 @@
           </a:ln>
           <a:extLst>
             <a:ext uri="{C572A759-6A51-4108-AA02-DFA0A04FC94B}">
-              <ma14:wrappingTextBoxFlag xmlns="" xmlns:m="http://schemas.openxmlformats.org/officeDocument/2006/math" xmlns:a14="http://schemas.microsoft.com/office/drawing/2010/main" xmlns:ma14="http://schemas.microsoft.com/office/mac/drawingml/2011/main" val="1"/>
+              <ma14:wrappingTextBoxFlag xmlns:ma14="http://schemas.microsoft.com/office/mac/drawingml/2011/main" xmlns:a14="http://schemas.microsoft.com/office/drawing/2010/main" xmlns:m="http://schemas.openxmlformats.org/officeDocument/2006/math" xmlns="" val="1"/>
             </a:ext>
           </a:extLst>
         </p:spPr>
@@ -5926,7 +5929,7 @@
           </a:ln>
           <a:extLst>
             <a:ext uri="{C572A759-6A51-4108-AA02-DFA0A04FC94B}">
-              <ma14:wrappingTextBoxFlag xmlns="" xmlns:m="http://schemas.openxmlformats.org/officeDocument/2006/math" xmlns:a14="http://schemas.microsoft.com/office/drawing/2010/main" xmlns:ma14="http://schemas.microsoft.com/office/mac/drawingml/2011/main" val="1"/>
+              <ma14:wrappingTextBoxFlag xmlns:ma14="http://schemas.microsoft.com/office/mac/drawingml/2011/main" xmlns:a14="http://schemas.microsoft.com/office/drawing/2010/main" xmlns:m="http://schemas.openxmlformats.org/officeDocument/2006/math" xmlns="" val="1"/>
             </a:ext>
           </a:extLst>
         </p:spPr>
@@ -5966,7 +5969,7 @@
           </a:ln>
           <a:extLst>
             <a:ext uri="{C572A759-6A51-4108-AA02-DFA0A04FC94B}">
-              <ma14:wrappingTextBoxFlag xmlns="" xmlns:m="http://schemas.openxmlformats.org/officeDocument/2006/math" xmlns:a14="http://schemas.microsoft.com/office/drawing/2010/main" xmlns:ma14="http://schemas.microsoft.com/office/mac/drawingml/2011/main" val="1"/>
+              <ma14:wrappingTextBoxFlag xmlns:ma14="http://schemas.microsoft.com/office/mac/drawingml/2011/main" xmlns:a14="http://schemas.microsoft.com/office/drawing/2010/main" xmlns:m="http://schemas.openxmlformats.org/officeDocument/2006/math" xmlns="" val="1"/>
             </a:ext>
           </a:extLst>
         </p:spPr>
@@ -6032,7 +6035,7 @@
           </a:ln>
           <a:extLst>
             <a:ext uri="{C572A759-6A51-4108-AA02-DFA0A04FC94B}">
-              <ma14:wrappingTextBoxFlag xmlns="" xmlns:m="http://schemas.openxmlformats.org/officeDocument/2006/math" xmlns:a14="http://schemas.microsoft.com/office/drawing/2010/main" xmlns:ma14="http://schemas.microsoft.com/office/mac/drawingml/2011/main" val="1"/>
+              <ma14:wrappingTextBoxFlag xmlns:ma14="http://schemas.microsoft.com/office/mac/drawingml/2011/main" xmlns:a14="http://schemas.microsoft.com/office/drawing/2010/main" xmlns:m="http://schemas.openxmlformats.org/officeDocument/2006/math" xmlns="" val="1"/>
             </a:ext>
           </a:extLst>
         </p:spPr>
@@ -6118,7 +6121,7 @@
           </a:ln>
           <a:extLst>
             <a:ext uri="{C572A759-6A51-4108-AA02-DFA0A04FC94B}">
-              <ma14:wrappingTextBoxFlag xmlns="" xmlns:m="http://schemas.openxmlformats.org/officeDocument/2006/math" xmlns:a14="http://schemas.microsoft.com/office/drawing/2010/main" xmlns:ma14="http://schemas.microsoft.com/office/mac/drawingml/2011/main" val="1"/>
+              <ma14:wrappingTextBoxFlag xmlns:ma14="http://schemas.microsoft.com/office/mac/drawingml/2011/main" xmlns:a14="http://schemas.microsoft.com/office/drawing/2010/main" xmlns:m="http://schemas.openxmlformats.org/officeDocument/2006/math" xmlns="" val="1"/>
             </a:ext>
           </a:extLst>
         </p:spPr>
@@ -6159,7 +6162,7 @@
           </a:ln>
           <a:extLst>
             <a:ext uri="{C572A759-6A51-4108-AA02-DFA0A04FC94B}">
-              <ma14:wrappingTextBoxFlag xmlns="" xmlns:m="http://schemas.openxmlformats.org/officeDocument/2006/math" xmlns:a14="http://schemas.microsoft.com/office/drawing/2010/main" xmlns:ma14="http://schemas.microsoft.com/office/mac/drawingml/2011/main" val="1"/>
+              <ma14:wrappingTextBoxFlag xmlns:ma14="http://schemas.microsoft.com/office/mac/drawingml/2011/main" xmlns:a14="http://schemas.microsoft.com/office/drawing/2010/main" xmlns:m="http://schemas.openxmlformats.org/officeDocument/2006/math" xmlns="" val="1"/>
             </a:ext>
           </a:extLst>
         </p:spPr>
@@ -6200,7 +6203,7 @@
           </a:ln>
           <a:extLst>
             <a:ext uri="{C572A759-6A51-4108-AA02-DFA0A04FC94B}">
-              <ma14:wrappingTextBoxFlag xmlns="" xmlns:m="http://schemas.openxmlformats.org/officeDocument/2006/math" xmlns:a14="http://schemas.microsoft.com/office/drawing/2010/main" xmlns:ma14="http://schemas.microsoft.com/office/mac/drawingml/2011/main" val="1"/>
+              <ma14:wrappingTextBoxFlag xmlns:ma14="http://schemas.microsoft.com/office/mac/drawingml/2011/main" xmlns:a14="http://schemas.microsoft.com/office/drawing/2010/main" xmlns:m="http://schemas.openxmlformats.org/officeDocument/2006/math" xmlns="" val="1"/>
             </a:ext>
           </a:extLst>
         </p:spPr>
@@ -6267,7 +6270,7 @@
           </a:ln>
           <a:extLst>
             <a:ext uri="{C572A759-6A51-4108-AA02-DFA0A04FC94B}">
-              <ma14:wrappingTextBoxFlag xmlns="" xmlns:m="http://schemas.openxmlformats.org/officeDocument/2006/math" xmlns:a14="http://schemas.microsoft.com/office/drawing/2010/main" xmlns:ma14="http://schemas.microsoft.com/office/mac/drawingml/2011/main" val="1"/>
+              <ma14:wrappingTextBoxFlag xmlns:ma14="http://schemas.microsoft.com/office/mac/drawingml/2011/main" xmlns:a14="http://schemas.microsoft.com/office/drawing/2010/main" xmlns:m="http://schemas.openxmlformats.org/officeDocument/2006/math" xmlns="" val="1"/>
             </a:ext>
           </a:extLst>
         </p:spPr>
@@ -6334,7 +6337,7 @@
           </a:ln>
           <a:extLst>
             <a:ext uri="{C572A759-6A51-4108-AA02-DFA0A04FC94B}">
-              <ma14:wrappingTextBoxFlag xmlns="" xmlns:m="http://schemas.openxmlformats.org/officeDocument/2006/math" xmlns:a14="http://schemas.microsoft.com/office/drawing/2010/main" xmlns:ma14="http://schemas.microsoft.com/office/mac/drawingml/2011/main" val="1"/>
+              <ma14:wrappingTextBoxFlag xmlns:ma14="http://schemas.microsoft.com/office/mac/drawingml/2011/main" xmlns:a14="http://schemas.microsoft.com/office/drawing/2010/main" xmlns:m="http://schemas.openxmlformats.org/officeDocument/2006/math" xmlns="" val="1"/>
             </a:ext>
           </a:extLst>
         </p:spPr>
@@ -6375,7 +6378,7 @@
           </a:ln>
           <a:extLst>
             <a:ext uri="{C572A759-6A51-4108-AA02-DFA0A04FC94B}">
-              <ma14:wrappingTextBoxFlag xmlns="" xmlns:m="http://schemas.openxmlformats.org/officeDocument/2006/math" xmlns:a14="http://schemas.microsoft.com/office/drawing/2010/main" xmlns:ma14="http://schemas.microsoft.com/office/mac/drawingml/2011/main" val="1"/>
+              <ma14:wrappingTextBoxFlag xmlns:ma14="http://schemas.microsoft.com/office/mac/drawingml/2011/main" xmlns:a14="http://schemas.microsoft.com/office/drawing/2010/main" xmlns:m="http://schemas.openxmlformats.org/officeDocument/2006/math" xmlns="" val="1"/>
             </a:ext>
           </a:extLst>
         </p:spPr>
@@ -6442,7 +6445,7 @@
           </a:ln>
           <a:extLst>
             <a:ext uri="{C572A759-6A51-4108-AA02-DFA0A04FC94B}">
-              <ma14:wrappingTextBoxFlag xmlns="" xmlns:m="http://schemas.openxmlformats.org/officeDocument/2006/math" xmlns:a14="http://schemas.microsoft.com/office/drawing/2010/main" xmlns:ma14="http://schemas.microsoft.com/office/mac/drawingml/2011/main" val="1"/>
+              <ma14:wrappingTextBoxFlag xmlns:ma14="http://schemas.microsoft.com/office/mac/drawingml/2011/main" xmlns:a14="http://schemas.microsoft.com/office/drawing/2010/main" xmlns:m="http://schemas.openxmlformats.org/officeDocument/2006/math" xmlns="" val="1"/>
             </a:ext>
           </a:extLst>
         </p:spPr>
@@ -6496,7 +6499,7 @@
           </a:ln>
           <a:extLst>
             <a:ext uri="{C572A759-6A51-4108-AA02-DFA0A04FC94B}">
-              <ma14:wrappingTextBoxFlag xmlns="" xmlns:m="http://schemas.openxmlformats.org/officeDocument/2006/math" xmlns:a14="http://schemas.microsoft.com/office/drawing/2010/main" xmlns:ma14="http://schemas.microsoft.com/office/mac/drawingml/2011/main" val="1"/>
+              <ma14:wrappingTextBoxFlag xmlns:ma14="http://schemas.microsoft.com/office/mac/drawingml/2011/main" xmlns:a14="http://schemas.microsoft.com/office/drawing/2010/main" xmlns:m="http://schemas.openxmlformats.org/officeDocument/2006/math" xmlns="" val="1"/>
             </a:ext>
           </a:extLst>
         </p:spPr>
@@ -6559,7 +6562,7 @@
           </a:ln>
           <a:extLst>
             <a:ext uri="{C572A759-6A51-4108-AA02-DFA0A04FC94B}">
-              <ma14:wrappingTextBoxFlag xmlns:ma14="http://schemas.microsoft.com/office/mac/drawingml/2011/main" xmlns:a14="http://schemas.microsoft.com/office/drawing/2010/main" xmlns:m="http://schemas.openxmlformats.org/officeDocument/2006/math" xmlns="" val="1"/>
+              <ma14:wrappingTextBoxFlag xmlns="" xmlns:m="http://schemas.openxmlformats.org/officeDocument/2006/math" xmlns:a14="http://schemas.microsoft.com/office/drawing/2010/main" xmlns:ma14="http://schemas.microsoft.com/office/mac/drawingml/2011/main" val="1"/>
             </a:ext>
           </a:extLst>
         </p:spPr>
@@ -6606,7 +6609,7 @@
           </a:ln>
           <a:extLst>
             <a:ext uri="{C572A759-6A51-4108-AA02-DFA0A04FC94B}">
-              <ma14:wrappingTextBoxFlag xmlns:ma14="http://schemas.microsoft.com/office/mac/drawingml/2011/main" xmlns:a14="http://schemas.microsoft.com/office/drawing/2010/main" xmlns:m="http://schemas.openxmlformats.org/officeDocument/2006/math" xmlns="" val="1"/>
+              <ma14:wrappingTextBoxFlag xmlns="" xmlns:m="http://schemas.openxmlformats.org/officeDocument/2006/math" xmlns:a14="http://schemas.microsoft.com/office/drawing/2010/main" xmlns:ma14="http://schemas.microsoft.com/office/mac/drawingml/2011/main" val="1"/>
             </a:ext>
           </a:extLst>
         </p:spPr>
@@ -6677,7 +6680,7 @@
           </a:ln>
           <a:extLst>
             <a:ext uri="{C572A759-6A51-4108-AA02-DFA0A04FC94B}">
-              <ma14:wrappingTextBoxFlag xmlns="" xmlns:m="http://schemas.openxmlformats.org/officeDocument/2006/math" xmlns:a14="http://schemas.microsoft.com/office/drawing/2010/main" xmlns:ma14="http://schemas.microsoft.com/office/mac/drawingml/2011/main" val="1"/>
+              <ma14:wrappingTextBoxFlag xmlns:ma14="http://schemas.microsoft.com/office/mac/drawingml/2011/main" xmlns:a14="http://schemas.microsoft.com/office/drawing/2010/main" xmlns:m="http://schemas.openxmlformats.org/officeDocument/2006/math" xmlns="" val="1"/>
             </a:ext>
           </a:extLst>
         </p:spPr>
@@ -6724,7 +6727,7 @@
           </a:ln>
           <a:extLst>
             <a:ext uri="{C572A759-6A51-4108-AA02-DFA0A04FC94B}">
-              <ma14:wrappingTextBoxFlag xmlns="" xmlns:m="http://schemas.openxmlformats.org/officeDocument/2006/math" xmlns:a14="http://schemas.microsoft.com/office/drawing/2010/main" xmlns:ma14="http://schemas.microsoft.com/office/mac/drawingml/2011/main" val="1"/>
+              <ma14:wrappingTextBoxFlag xmlns:ma14="http://schemas.microsoft.com/office/mac/drawingml/2011/main" xmlns:a14="http://schemas.microsoft.com/office/drawing/2010/main" xmlns:m="http://schemas.openxmlformats.org/officeDocument/2006/math" xmlns="" val="1"/>
             </a:ext>
           </a:extLst>
         </p:spPr>
@@ -6790,7 +6793,7 @@
           </a:ln>
           <a:extLst>
             <a:ext uri="{C572A759-6A51-4108-AA02-DFA0A04FC94B}">
-              <ma14:wrappingTextBoxFlag xmlns="" xmlns:m="http://schemas.openxmlformats.org/officeDocument/2006/math" xmlns:a14="http://schemas.microsoft.com/office/drawing/2010/main" xmlns:ma14="http://schemas.microsoft.com/office/mac/drawingml/2011/main" val="1"/>
+              <ma14:wrappingTextBoxFlag xmlns:ma14="http://schemas.microsoft.com/office/mac/drawingml/2011/main" xmlns:a14="http://schemas.microsoft.com/office/drawing/2010/main" xmlns:m="http://schemas.openxmlformats.org/officeDocument/2006/math" xmlns="" val="1"/>
             </a:ext>
           </a:extLst>
         </p:spPr>
@@ -6833,7 +6836,7 @@
           </a:ln>
           <a:extLst>
             <a:ext uri="{C572A759-6A51-4108-AA02-DFA0A04FC94B}">
-              <ma14:wrappingTextBoxFlag xmlns="" xmlns:m="http://schemas.openxmlformats.org/officeDocument/2006/math" xmlns:a14="http://schemas.microsoft.com/office/drawing/2010/main" xmlns:ma14="http://schemas.microsoft.com/office/mac/drawingml/2011/main" val="1"/>
+              <ma14:wrappingTextBoxFlag xmlns:ma14="http://schemas.microsoft.com/office/mac/drawingml/2011/main" xmlns:a14="http://schemas.microsoft.com/office/drawing/2010/main" xmlns:m="http://schemas.openxmlformats.org/officeDocument/2006/math" xmlns="" val="1"/>
             </a:ext>
           </a:extLst>
         </p:spPr>
@@ -6899,7 +6902,7 @@
           </a:ln>
           <a:extLst>
             <a:ext uri="{C572A759-6A51-4108-AA02-DFA0A04FC94B}">
-              <ma14:wrappingTextBoxFlag xmlns="" xmlns:m="http://schemas.openxmlformats.org/officeDocument/2006/math" xmlns:a14="http://schemas.microsoft.com/office/drawing/2010/main" xmlns:ma14="http://schemas.microsoft.com/office/mac/drawingml/2011/main" val="1"/>
+              <ma14:wrappingTextBoxFlag xmlns:ma14="http://schemas.microsoft.com/office/mac/drawingml/2011/main" xmlns:a14="http://schemas.microsoft.com/office/drawing/2010/main" xmlns:m="http://schemas.openxmlformats.org/officeDocument/2006/math" xmlns="" val="1"/>
             </a:ext>
           </a:extLst>
         </p:spPr>
@@ -6942,7 +6945,7 @@
           </a:ln>
           <a:extLst>
             <a:ext uri="{C572A759-6A51-4108-AA02-DFA0A04FC94B}">
-              <ma14:wrappingTextBoxFlag xmlns="" xmlns:m="http://schemas.openxmlformats.org/officeDocument/2006/math" xmlns:a14="http://schemas.microsoft.com/office/drawing/2010/main" xmlns:ma14="http://schemas.microsoft.com/office/mac/drawingml/2011/main" val="1"/>
+              <ma14:wrappingTextBoxFlag xmlns:ma14="http://schemas.microsoft.com/office/mac/drawingml/2011/main" xmlns:a14="http://schemas.microsoft.com/office/drawing/2010/main" xmlns:m="http://schemas.openxmlformats.org/officeDocument/2006/math" xmlns="" val="1"/>
             </a:ext>
           </a:extLst>
         </p:spPr>
@@ -7008,7 +7011,7 @@
           </a:ln>
           <a:extLst>
             <a:ext uri="{C572A759-6A51-4108-AA02-DFA0A04FC94B}">
-              <ma14:wrappingTextBoxFlag xmlns="" xmlns:m="http://schemas.openxmlformats.org/officeDocument/2006/math" xmlns:a14="http://schemas.microsoft.com/office/drawing/2010/main" xmlns:ma14="http://schemas.microsoft.com/office/mac/drawingml/2011/main" val="1"/>
+              <ma14:wrappingTextBoxFlag xmlns:ma14="http://schemas.microsoft.com/office/mac/drawingml/2011/main" xmlns:a14="http://schemas.microsoft.com/office/drawing/2010/main" xmlns:m="http://schemas.openxmlformats.org/officeDocument/2006/math" xmlns="" val="1"/>
             </a:ext>
           </a:extLst>
         </p:spPr>
@@ -7090,7 +7093,7 @@
           </a:ln>
           <a:extLst>
             <a:ext uri="{C572A759-6A51-4108-AA02-DFA0A04FC94B}">
-              <ma14:wrappingTextBoxFlag xmlns="" xmlns:m="http://schemas.openxmlformats.org/officeDocument/2006/math" xmlns:a14="http://schemas.microsoft.com/office/drawing/2010/main" xmlns:ma14="http://schemas.microsoft.com/office/mac/drawingml/2011/main" val="1"/>
+              <ma14:wrappingTextBoxFlag xmlns:ma14="http://schemas.microsoft.com/office/mac/drawingml/2011/main" xmlns:a14="http://schemas.microsoft.com/office/drawing/2010/main" xmlns:m="http://schemas.openxmlformats.org/officeDocument/2006/math" xmlns="" val="1"/>
             </a:ext>
           </a:extLst>
         </p:spPr>
@@ -7131,7 +7134,7 @@
           </a:ln>
           <a:extLst>
             <a:ext uri="{C572A759-6A51-4108-AA02-DFA0A04FC94B}">
-              <ma14:wrappingTextBoxFlag xmlns="" xmlns:m="http://schemas.openxmlformats.org/officeDocument/2006/math" xmlns:a14="http://schemas.microsoft.com/office/drawing/2010/main" xmlns:ma14="http://schemas.microsoft.com/office/mac/drawingml/2011/main" val="1"/>
+              <ma14:wrappingTextBoxFlag xmlns:ma14="http://schemas.microsoft.com/office/mac/drawingml/2011/main" xmlns:a14="http://schemas.microsoft.com/office/drawing/2010/main" xmlns:m="http://schemas.openxmlformats.org/officeDocument/2006/math" xmlns="" val="1"/>
             </a:ext>
           </a:extLst>
         </p:spPr>
@@ -7172,7 +7175,7 @@
           </a:ln>
           <a:extLst>
             <a:ext uri="{C572A759-6A51-4108-AA02-DFA0A04FC94B}">
-              <ma14:wrappingTextBoxFlag xmlns="" xmlns:m="http://schemas.openxmlformats.org/officeDocument/2006/math" xmlns:a14="http://schemas.microsoft.com/office/drawing/2010/main" xmlns:ma14="http://schemas.microsoft.com/office/mac/drawingml/2011/main" val="1"/>
+              <ma14:wrappingTextBoxFlag xmlns:ma14="http://schemas.microsoft.com/office/mac/drawingml/2011/main" xmlns:a14="http://schemas.microsoft.com/office/drawing/2010/main" xmlns:m="http://schemas.openxmlformats.org/officeDocument/2006/math" xmlns="" val="1"/>
             </a:ext>
           </a:extLst>
         </p:spPr>
@@ -7239,7 +7242,7 @@
           </a:ln>
           <a:extLst>
             <a:ext uri="{C572A759-6A51-4108-AA02-DFA0A04FC94B}">
-              <ma14:wrappingTextBoxFlag xmlns="" xmlns:m="http://schemas.openxmlformats.org/officeDocument/2006/math" xmlns:a14="http://schemas.microsoft.com/office/drawing/2010/main" xmlns:ma14="http://schemas.microsoft.com/office/mac/drawingml/2011/main" val="1"/>
+              <ma14:wrappingTextBoxFlag xmlns:ma14="http://schemas.microsoft.com/office/mac/drawingml/2011/main" xmlns:a14="http://schemas.microsoft.com/office/drawing/2010/main" xmlns:m="http://schemas.openxmlformats.org/officeDocument/2006/math" xmlns="" val="1"/>
             </a:ext>
           </a:extLst>
         </p:spPr>
@@ -7313,7 +7316,7 @@
           </a:ln>
           <a:extLst>
             <a:ext uri="{C572A759-6A51-4108-AA02-DFA0A04FC94B}">
-              <ma14:wrappingTextBoxFlag xmlns="" xmlns:m="http://schemas.openxmlformats.org/officeDocument/2006/math" xmlns:a14="http://schemas.microsoft.com/office/drawing/2010/main" xmlns:ma14="http://schemas.microsoft.com/office/mac/drawingml/2011/main" val="1"/>
+              <ma14:wrappingTextBoxFlag xmlns:ma14="http://schemas.microsoft.com/office/mac/drawingml/2011/main" xmlns:a14="http://schemas.microsoft.com/office/drawing/2010/main" xmlns:m="http://schemas.openxmlformats.org/officeDocument/2006/math" xmlns="" val="1"/>
             </a:ext>
           </a:extLst>
         </p:spPr>
@@ -7380,7 +7383,7 @@
           </a:ln>
           <a:extLst>
             <a:ext uri="{C572A759-6A51-4108-AA02-DFA0A04FC94B}">
-              <ma14:wrappingTextBoxFlag xmlns="" xmlns:m="http://schemas.openxmlformats.org/officeDocument/2006/math" xmlns:a14="http://schemas.microsoft.com/office/drawing/2010/main" xmlns:ma14="http://schemas.microsoft.com/office/mac/drawingml/2011/main" val="1"/>
+              <ma14:wrappingTextBoxFlag xmlns:ma14="http://schemas.microsoft.com/office/mac/drawingml/2011/main" xmlns:a14="http://schemas.microsoft.com/office/drawing/2010/main" xmlns:m="http://schemas.openxmlformats.org/officeDocument/2006/math" xmlns="" val="1"/>
             </a:ext>
           </a:extLst>
         </p:spPr>
@@ -7471,7 +7474,7 @@
           </a:ln>
           <a:extLst>
             <a:ext uri="{C572A759-6A51-4108-AA02-DFA0A04FC94B}">
-              <ma14:wrappingTextBoxFlag xmlns="" xmlns:m="http://schemas.openxmlformats.org/officeDocument/2006/math" xmlns:a14="http://schemas.microsoft.com/office/drawing/2010/main" xmlns:ma14="http://schemas.microsoft.com/office/mac/drawingml/2011/main" val="1"/>
+              <ma14:wrappingTextBoxFlag xmlns:ma14="http://schemas.microsoft.com/office/mac/drawingml/2011/main" xmlns:a14="http://schemas.microsoft.com/office/drawing/2010/main" xmlns:m="http://schemas.openxmlformats.org/officeDocument/2006/math" xmlns="" val="1"/>
             </a:ext>
           </a:extLst>
         </p:spPr>
@@ -7512,7 +7515,7 @@
           </a:ln>
           <a:extLst>
             <a:ext uri="{C572A759-6A51-4108-AA02-DFA0A04FC94B}">
-              <ma14:wrappingTextBoxFlag xmlns="" xmlns:m="http://schemas.openxmlformats.org/officeDocument/2006/math" xmlns:a14="http://schemas.microsoft.com/office/drawing/2010/main" xmlns:ma14="http://schemas.microsoft.com/office/mac/drawingml/2011/main" val="1"/>
+              <ma14:wrappingTextBoxFlag xmlns:ma14="http://schemas.microsoft.com/office/mac/drawingml/2011/main" xmlns:a14="http://schemas.microsoft.com/office/drawing/2010/main" xmlns:m="http://schemas.openxmlformats.org/officeDocument/2006/math" xmlns="" val="1"/>
             </a:ext>
           </a:extLst>
         </p:spPr>
@@ -7579,7 +7582,7 @@
           </a:ln>
           <a:extLst>
             <a:ext uri="{C572A759-6A51-4108-AA02-DFA0A04FC94B}">
-              <ma14:wrappingTextBoxFlag xmlns="" xmlns:m="http://schemas.openxmlformats.org/officeDocument/2006/math" xmlns:a14="http://schemas.microsoft.com/office/drawing/2010/main" xmlns:ma14="http://schemas.microsoft.com/office/mac/drawingml/2011/main" val="1"/>
+              <ma14:wrappingTextBoxFlag xmlns:ma14="http://schemas.microsoft.com/office/mac/drawingml/2011/main" xmlns:a14="http://schemas.microsoft.com/office/drawing/2010/main" xmlns:m="http://schemas.openxmlformats.org/officeDocument/2006/math" xmlns="" val="1"/>
             </a:ext>
           </a:extLst>
         </p:spPr>
@@ -7646,7 +7649,7 @@
           </a:ln>
           <a:extLst>
             <a:ext uri="{C572A759-6A51-4108-AA02-DFA0A04FC94B}">
-              <ma14:wrappingTextBoxFlag xmlns="" xmlns:m="http://schemas.openxmlformats.org/officeDocument/2006/math" xmlns:a14="http://schemas.microsoft.com/office/drawing/2010/main" xmlns:ma14="http://schemas.microsoft.com/office/mac/drawingml/2011/main" val="1"/>
+              <ma14:wrappingTextBoxFlag xmlns:ma14="http://schemas.microsoft.com/office/mac/drawingml/2011/main" xmlns:a14="http://schemas.microsoft.com/office/drawing/2010/main" xmlns:m="http://schemas.openxmlformats.org/officeDocument/2006/math" xmlns="" val="1"/>
             </a:ext>
           </a:extLst>
         </p:spPr>
@@ -7686,7 +7689,7 @@
           </a:ln>
           <a:extLst>
             <a:ext uri="{C572A759-6A51-4108-AA02-DFA0A04FC94B}">
-              <ma14:wrappingTextBoxFlag xmlns="" xmlns:m="http://schemas.openxmlformats.org/officeDocument/2006/math" xmlns:a14="http://schemas.microsoft.com/office/drawing/2010/main" xmlns:ma14="http://schemas.microsoft.com/office/mac/drawingml/2011/main" val="1"/>
+              <ma14:wrappingTextBoxFlag xmlns:ma14="http://schemas.microsoft.com/office/mac/drawingml/2011/main" xmlns:a14="http://schemas.microsoft.com/office/drawing/2010/main" xmlns:m="http://schemas.openxmlformats.org/officeDocument/2006/math" xmlns="" val="1"/>
             </a:ext>
           </a:extLst>
         </p:spPr>
@@ -7752,7 +7755,7 @@
           </a:ln>
           <a:extLst>
             <a:ext uri="{C572A759-6A51-4108-AA02-DFA0A04FC94B}">
-              <ma14:wrappingTextBoxFlag xmlns="" xmlns:m="http://schemas.openxmlformats.org/officeDocument/2006/math" xmlns:a14="http://schemas.microsoft.com/office/drawing/2010/main" xmlns:ma14="http://schemas.microsoft.com/office/mac/drawingml/2011/main" val="1"/>
+              <ma14:wrappingTextBoxFlag xmlns:ma14="http://schemas.microsoft.com/office/mac/drawingml/2011/main" xmlns:a14="http://schemas.microsoft.com/office/drawing/2010/main" xmlns:m="http://schemas.openxmlformats.org/officeDocument/2006/math" xmlns="" val="1"/>
             </a:ext>
           </a:extLst>
         </p:spPr>
@@ -7853,7 +7856,7 @@
           </a:ln>
           <a:extLst>
             <a:ext uri="{C572A759-6A51-4108-AA02-DFA0A04FC94B}">
-              <ma14:wrappingTextBoxFlag xmlns="" xmlns:m="http://schemas.openxmlformats.org/officeDocument/2006/math" xmlns:a14="http://schemas.microsoft.com/office/drawing/2010/main" xmlns:ma14="http://schemas.microsoft.com/office/mac/drawingml/2011/main" val="1"/>
+              <ma14:wrappingTextBoxFlag xmlns:ma14="http://schemas.microsoft.com/office/mac/drawingml/2011/main" xmlns:a14="http://schemas.microsoft.com/office/drawing/2010/main" xmlns:m="http://schemas.openxmlformats.org/officeDocument/2006/math" xmlns="" val="1"/>
             </a:ext>
           </a:extLst>
         </p:spPr>
@@ -7894,7 +7897,7 @@
           </a:ln>
           <a:extLst>
             <a:ext uri="{C572A759-6A51-4108-AA02-DFA0A04FC94B}">
-              <ma14:wrappingTextBoxFlag xmlns="" xmlns:m="http://schemas.openxmlformats.org/officeDocument/2006/math" xmlns:a14="http://schemas.microsoft.com/office/drawing/2010/main" xmlns:ma14="http://schemas.microsoft.com/office/mac/drawingml/2011/main" val="1"/>
+              <ma14:wrappingTextBoxFlag xmlns:ma14="http://schemas.microsoft.com/office/mac/drawingml/2011/main" xmlns:a14="http://schemas.microsoft.com/office/drawing/2010/main" xmlns:m="http://schemas.openxmlformats.org/officeDocument/2006/math" xmlns="" val="1"/>
             </a:ext>
           </a:extLst>
         </p:spPr>
@@ -7935,7 +7938,7 @@
           </a:ln>
           <a:extLst>
             <a:ext uri="{C572A759-6A51-4108-AA02-DFA0A04FC94B}">
-              <ma14:wrappingTextBoxFlag xmlns="" xmlns:m="http://schemas.openxmlformats.org/officeDocument/2006/math" xmlns:a14="http://schemas.microsoft.com/office/drawing/2010/main" xmlns:ma14="http://schemas.microsoft.com/office/mac/drawingml/2011/main" val="1"/>
+              <ma14:wrappingTextBoxFlag xmlns:ma14="http://schemas.microsoft.com/office/mac/drawingml/2011/main" xmlns:a14="http://schemas.microsoft.com/office/drawing/2010/main" xmlns:m="http://schemas.openxmlformats.org/officeDocument/2006/math" xmlns="" val="1"/>
             </a:ext>
           </a:extLst>
         </p:spPr>
@@ -8002,7 +8005,7 @@
           </a:ln>
           <a:extLst>
             <a:ext uri="{C572A759-6A51-4108-AA02-DFA0A04FC94B}">
-              <ma14:wrappingTextBoxFlag xmlns="" xmlns:m="http://schemas.openxmlformats.org/officeDocument/2006/math" xmlns:a14="http://schemas.microsoft.com/office/drawing/2010/main" xmlns:ma14="http://schemas.microsoft.com/office/mac/drawingml/2011/main" val="1"/>
+              <ma14:wrappingTextBoxFlag xmlns:ma14="http://schemas.microsoft.com/office/mac/drawingml/2011/main" xmlns:a14="http://schemas.microsoft.com/office/drawing/2010/main" xmlns:m="http://schemas.openxmlformats.org/officeDocument/2006/math" xmlns="" val="1"/>
             </a:ext>
           </a:extLst>
         </p:spPr>
@@ -8066,7 +8069,7 @@
           </a:ln>
           <a:extLst>
             <a:ext uri="{C572A759-6A51-4108-AA02-DFA0A04FC94B}">
-              <ma14:wrappingTextBoxFlag xmlns="" xmlns:m="http://schemas.openxmlformats.org/officeDocument/2006/math" xmlns:a14="http://schemas.microsoft.com/office/drawing/2010/main" xmlns:ma14="http://schemas.microsoft.com/office/mac/drawingml/2011/main" val="1"/>
+              <ma14:wrappingTextBoxFlag xmlns:ma14="http://schemas.microsoft.com/office/mac/drawingml/2011/main" xmlns:a14="http://schemas.microsoft.com/office/drawing/2010/main" xmlns:m="http://schemas.openxmlformats.org/officeDocument/2006/math" xmlns="" val="1"/>
             </a:ext>
           </a:extLst>
         </p:spPr>
@@ -8107,7 +8110,7 @@
           </a:ln>
           <a:extLst>
             <a:ext uri="{C572A759-6A51-4108-AA02-DFA0A04FC94B}">
-              <ma14:wrappingTextBoxFlag xmlns="" xmlns:m="http://schemas.openxmlformats.org/officeDocument/2006/math" xmlns:a14="http://schemas.microsoft.com/office/drawing/2010/main" xmlns:ma14="http://schemas.microsoft.com/office/mac/drawingml/2011/main" val="1"/>
+              <ma14:wrappingTextBoxFlag xmlns:ma14="http://schemas.microsoft.com/office/mac/drawingml/2011/main" xmlns:a14="http://schemas.microsoft.com/office/drawing/2010/main" xmlns:m="http://schemas.openxmlformats.org/officeDocument/2006/math" xmlns="" val="1"/>
             </a:ext>
           </a:extLst>
         </p:spPr>
@@ -8174,7 +8177,7 @@
           </a:ln>
           <a:extLst>
             <a:ext uri="{C572A759-6A51-4108-AA02-DFA0A04FC94B}">
-              <ma14:wrappingTextBoxFlag xmlns="" xmlns:m="http://schemas.openxmlformats.org/officeDocument/2006/math" xmlns:a14="http://schemas.microsoft.com/office/drawing/2010/main" xmlns:ma14="http://schemas.microsoft.com/office/mac/drawingml/2011/main" val="1"/>
+              <ma14:wrappingTextBoxFlag xmlns:ma14="http://schemas.microsoft.com/office/mac/drawingml/2011/main" xmlns:a14="http://schemas.microsoft.com/office/drawing/2010/main" xmlns:m="http://schemas.openxmlformats.org/officeDocument/2006/math" xmlns="" val="1"/>
             </a:ext>
           </a:extLst>
         </p:spPr>
@@ -8239,7 +8242,7 @@
           </a:ln>
           <a:extLst>
             <a:ext uri="{C572A759-6A51-4108-AA02-DFA0A04FC94B}">
-              <ma14:wrappingTextBoxFlag xmlns="" xmlns:m="http://schemas.openxmlformats.org/officeDocument/2006/math" xmlns:a14="http://schemas.microsoft.com/office/drawing/2010/main" xmlns:ma14="http://schemas.microsoft.com/office/mac/drawingml/2011/main" val="1"/>
+              <ma14:wrappingTextBoxFlag xmlns:ma14="http://schemas.microsoft.com/office/mac/drawingml/2011/main" xmlns:a14="http://schemas.microsoft.com/office/drawing/2010/main" xmlns:m="http://schemas.openxmlformats.org/officeDocument/2006/math" xmlns="" val="1"/>
             </a:ext>
           </a:extLst>
         </p:spPr>
@@ -8280,7 +8283,7 @@
           </a:ln>
           <a:extLst>
             <a:ext uri="{C572A759-6A51-4108-AA02-DFA0A04FC94B}">
-              <ma14:wrappingTextBoxFlag xmlns="" xmlns:m="http://schemas.openxmlformats.org/officeDocument/2006/math" xmlns:a14="http://schemas.microsoft.com/office/drawing/2010/main" xmlns:ma14="http://schemas.microsoft.com/office/mac/drawingml/2011/main" val="1"/>
+              <ma14:wrappingTextBoxFlag xmlns:ma14="http://schemas.microsoft.com/office/mac/drawingml/2011/main" xmlns:a14="http://schemas.microsoft.com/office/drawing/2010/main" xmlns:m="http://schemas.openxmlformats.org/officeDocument/2006/math" xmlns="" val="1"/>
             </a:ext>
           </a:extLst>
         </p:spPr>
@@ -8347,7 +8350,7 @@
           </a:ln>
           <a:extLst>
             <a:ext uri="{C572A759-6A51-4108-AA02-DFA0A04FC94B}">
-              <ma14:wrappingTextBoxFlag xmlns="" xmlns:m="http://schemas.openxmlformats.org/officeDocument/2006/math" xmlns:a14="http://schemas.microsoft.com/office/drawing/2010/main" xmlns:ma14="http://schemas.microsoft.com/office/mac/drawingml/2011/main" val="1"/>
+              <ma14:wrappingTextBoxFlag xmlns:ma14="http://schemas.microsoft.com/office/mac/drawingml/2011/main" xmlns:a14="http://schemas.microsoft.com/office/drawing/2010/main" xmlns:m="http://schemas.openxmlformats.org/officeDocument/2006/math" xmlns="" val="1"/>
             </a:ext>
           </a:extLst>
         </p:spPr>
@@ -8460,7 +8463,7 @@
           </a:ln>
           <a:extLst>
             <a:ext uri="{C572A759-6A51-4108-AA02-DFA0A04FC94B}">
-              <ma14:wrappingTextBoxFlag xmlns="" xmlns:m="http://schemas.openxmlformats.org/officeDocument/2006/math" xmlns:a14="http://schemas.microsoft.com/office/drawing/2010/main" xmlns:ma14="http://schemas.microsoft.com/office/mac/drawingml/2011/main" val="1"/>
+              <ma14:wrappingTextBoxFlag xmlns:ma14="http://schemas.microsoft.com/office/mac/drawingml/2011/main" xmlns:a14="http://schemas.microsoft.com/office/drawing/2010/main" xmlns:m="http://schemas.openxmlformats.org/officeDocument/2006/math" xmlns="" val="1"/>
             </a:ext>
           </a:extLst>
         </p:spPr>
@@ -8501,7 +8504,7 @@
           </a:ln>
           <a:extLst>
             <a:ext uri="{C572A759-6A51-4108-AA02-DFA0A04FC94B}">
-              <ma14:wrappingTextBoxFlag xmlns="" xmlns:m="http://schemas.openxmlformats.org/officeDocument/2006/math" xmlns:a14="http://schemas.microsoft.com/office/drawing/2010/main" xmlns:ma14="http://schemas.microsoft.com/office/mac/drawingml/2011/main" val="1"/>
+              <ma14:wrappingTextBoxFlag xmlns:ma14="http://schemas.microsoft.com/office/mac/drawingml/2011/main" xmlns:a14="http://schemas.microsoft.com/office/drawing/2010/main" xmlns:m="http://schemas.openxmlformats.org/officeDocument/2006/math" xmlns="" val="1"/>
             </a:ext>
           </a:extLst>
         </p:spPr>
@@ -8568,7 +8571,7 @@
           </a:ln>
           <a:extLst>
             <a:ext uri="{C572A759-6A51-4108-AA02-DFA0A04FC94B}">
-              <ma14:wrappingTextBoxFlag xmlns="" xmlns:m="http://schemas.openxmlformats.org/officeDocument/2006/math" xmlns:a14="http://schemas.microsoft.com/office/drawing/2010/main" xmlns:ma14="http://schemas.microsoft.com/office/mac/drawingml/2011/main" val="1"/>
+              <ma14:wrappingTextBoxFlag xmlns:ma14="http://schemas.microsoft.com/office/mac/drawingml/2011/main" xmlns:a14="http://schemas.microsoft.com/office/drawing/2010/main" xmlns:m="http://schemas.openxmlformats.org/officeDocument/2006/math" xmlns="" val="1"/>
             </a:ext>
           </a:extLst>
         </p:spPr>
@@ -8636,7 +8639,7 @@
           </a:ln>
           <a:extLst>
             <a:ext uri="{C572A759-6A51-4108-AA02-DFA0A04FC94B}">
-              <ma14:wrappingTextBoxFlag xmlns="" xmlns:m="http://schemas.openxmlformats.org/officeDocument/2006/math" xmlns:a14="http://schemas.microsoft.com/office/drawing/2010/main" xmlns:ma14="http://schemas.microsoft.com/office/mac/drawingml/2011/main" val="1"/>
+              <ma14:wrappingTextBoxFlag xmlns:ma14="http://schemas.microsoft.com/office/mac/drawingml/2011/main" xmlns:a14="http://schemas.microsoft.com/office/drawing/2010/main" xmlns:m="http://schemas.openxmlformats.org/officeDocument/2006/math" xmlns="" val="1"/>
             </a:ext>
           </a:extLst>
         </p:spPr>
@@ -8677,7 +8680,7 @@
           </a:ln>
           <a:extLst>
             <a:ext uri="{C572A759-6A51-4108-AA02-DFA0A04FC94B}">
-              <ma14:wrappingTextBoxFlag xmlns="" xmlns:m="http://schemas.openxmlformats.org/officeDocument/2006/math" xmlns:a14="http://schemas.microsoft.com/office/drawing/2010/main" xmlns:ma14="http://schemas.microsoft.com/office/mac/drawingml/2011/main" val="1"/>
+              <ma14:wrappingTextBoxFlag xmlns:ma14="http://schemas.microsoft.com/office/mac/drawingml/2011/main" xmlns:a14="http://schemas.microsoft.com/office/drawing/2010/main" xmlns:m="http://schemas.openxmlformats.org/officeDocument/2006/math" xmlns="" val="1"/>
             </a:ext>
           </a:extLst>
         </p:spPr>
@@ -8744,7 +8747,7 @@
           </a:ln>
           <a:extLst>
             <a:ext uri="{C572A759-6A51-4108-AA02-DFA0A04FC94B}">
-              <ma14:wrappingTextBoxFlag xmlns="" xmlns:m="http://schemas.openxmlformats.org/officeDocument/2006/math" xmlns:a14="http://schemas.microsoft.com/office/drawing/2010/main" xmlns:ma14="http://schemas.microsoft.com/office/mac/drawingml/2011/main" val="1"/>
+              <ma14:wrappingTextBoxFlag xmlns:ma14="http://schemas.microsoft.com/office/mac/drawingml/2011/main" xmlns:a14="http://schemas.microsoft.com/office/drawing/2010/main" xmlns:m="http://schemas.openxmlformats.org/officeDocument/2006/math" xmlns="" val="1"/>
             </a:ext>
           </a:extLst>
         </p:spPr>
@@ -8788,7 +8791,7 @@
           </a:ln>
           <a:extLst>
             <a:ext uri="{C572A759-6A51-4108-AA02-DFA0A04FC94B}">
-              <ma14:wrappingTextBoxFlag xmlns="" xmlns:m="http://schemas.openxmlformats.org/officeDocument/2006/math" xmlns:a14="http://schemas.microsoft.com/office/drawing/2010/main" xmlns:ma14="http://schemas.microsoft.com/office/mac/drawingml/2011/main" val="1"/>
+              <ma14:wrappingTextBoxFlag xmlns:ma14="http://schemas.microsoft.com/office/mac/drawingml/2011/main" xmlns:a14="http://schemas.microsoft.com/office/drawing/2010/main" xmlns:m="http://schemas.openxmlformats.org/officeDocument/2006/math" xmlns="" val="1"/>
             </a:ext>
           </a:extLst>
         </p:spPr>
@@ -8855,7 +8858,7 @@
           </a:ln>
           <a:extLst>
             <a:ext uri="{C572A759-6A51-4108-AA02-DFA0A04FC94B}">
-              <ma14:wrappingTextBoxFlag xmlns="" xmlns:m="http://schemas.openxmlformats.org/officeDocument/2006/math" xmlns:a14="http://schemas.microsoft.com/office/drawing/2010/main" xmlns:ma14="http://schemas.microsoft.com/office/mac/drawingml/2011/main" val="1"/>
+              <ma14:wrappingTextBoxFlag xmlns:ma14="http://schemas.microsoft.com/office/mac/drawingml/2011/main" xmlns:a14="http://schemas.microsoft.com/office/drawing/2010/main" xmlns:m="http://schemas.openxmlformats.org/officeDocument/2006/math" xmlns="" val="1"/>
             </a:ext>
           </a:extLst>
         </p:spPr>
@@ -8947,7 +8950,7 @@
           </a:ln>
           <a:extLst>
             <a:ext uri="{C572A759-6A51-4108-AA02-DFA0A04FC94B}">
-              <ma14:wrappingTextBoxFlag xmlns="" xmlns:m="http://schemas.openxmlformats.org/officeDocument/2006/math" xmlns:a14="http://schemas.microsoft.com/office/drawing/2010/main" xmlns:ma14="http://schemas.microsoft.com/office/mac/drawingml/2011/main" val="1"/>
+              <ma14:wrappingTextBoxFlag xmlns:ma14="http://schemas.microsoft.com/office/mac/drawingml/2011/main" xmlns:a14="http://schemas.microsoft.com/office/drawing/2010/main" xmlns:m="http://schemas.openxmlformats.org/officeDocument/2006/math" xmlns="" val="1"/>
             </a:ext>
           </a:extLst>
         </p:spPr>
@@ -8988,7 +8991,7 @@
           </a:ln>
           <a:extLst>
             <a:ext uri="{C572A759-6A51-4108-AA02-DFA0A04FC94B}">
-              <ma14:wrappingTextBoxFlag xmlns="" xmlns:m="http://schemas.openxmlformats.org/officeDocument/2006/math" xmlns:a14="http://schemas.microsoft.com/office/drawing/2010/main" xmlns:ma14="http://schemas.microsoft.com/office/mac/drawingml/2011/main" val="1"/>
+              <ma14:wrappingTextBoxFlag xmlns:ma14="http://schemas.microsoft.com/office/mac/drawingml/2011/main" xmlns:a14="http://schemas.microsoft.com/office/drawing/2010/main" xmlns:m="http://schemas.openxmlformats.org/officeDocument/2006/math" xmlns="" val="1"/>
             </a:ext>
           </a:extLst>
         </p:spPr>
@@ -9055,7 +9058,7 @@
           </a:ln>
           <a:extLst>
             <a:ext uri="{C572A759-6A51-4108-AA02-DFA0A04FC94B}">
-              <ma14:wrappingTextBoxFlag xmlns="" xmlns:m="http://schemas.openxmlformats.org/officeDocument/2006/math" xmlns:a14="http://schemas.microsoft.com/office/drawing/2010/main" xmlns:ma14="http://schemas.microsoft.com/office/mac/drawingml/2011/main" val="1"/>
+              <ma14:wrappingTextBoxFlag xmlns:ma14="http://schemas.microsoft.com/office/mac/drawingml/2011/main" xmlns:a14="http://schemas.microsoft.com/office/drawing/2010/main" xmlns:m="http://schemas.openxmlformats.org/officeDocument/2006/math" xmlns="" val="1"/>
             </a:ext>
           </a:extLst>
         </p:spPr>
@@ -9145,7 +9148,7 @@
           </a:ln>
           <a:extLst>
             <a:ext uri="{C572A759-6A51-4108-AA02-DFA0A04FC94B}">
-              <ma14:wrappingTextBoxFlag xmlns="" xmlns:m="http://schemas.openxmlformats.org/officeDocument/2006/math" xmlns:a14="http://schemas.microsoft.com/office/drawing/2010/main" xmlns:ma14="http://schemas.microsoft.com/office/mac/drawingml/2011/main" val="1"/>
+              <ma14:wrappingTextBoxFlag xmlns:ma14="http://schemas.microsoft.com/office/mac/drawingml/2011/main" xmlns:a14="http://schemas.microsoft.com/office/drawing/2010/main" xmlns:m="http://schemas.openxmlformats.org/officeDocument/2006/math" xmlns="" val="1"/>
             </a:ext>
           </a:extLst>
         </p:spPr>
@@ -9186,7 +9189,7 @@
           </a:ln>
           <a:extLst>
             <a:ext uri="{C572A759-6A51-4108-AA02-DFA0A04FC94B}">
-              <ma14:wrappingTextBoxFlag xmlns="" xmlns:m="http://schemas.openxmlformats.org/officeDocument/2006/math" xmlns:a14="http://schemas.microsoft.com/office/drawing/2010/main" xmlns:ma14="http://schemas.microsoft.com/office/mac/drawingml/2011/main" val="1"/>
+              <ma14:wrappingTextBoxFlag xmlns:ma14="http://schemas.microsoft.com/office/mac/drawingml/2011/main" xmlns:a14="http://schemas.microsoft.com/office/drawing/2010/main" xmlns:m="http://schemas.openxmlformats.org/officeDocument/2006/math" xmlns="" val="1"/>
             </a:ext>
           </a:extLst>
         </p:spPr>
@@ -9227,7 +9230,7 @@
           </a:ln>
           <a:extLst>
             <a:ext uri="{C572A759-6A51-4108-AA02-DFA0A04FC94B}">
-              <ma14:wrappingTextBoxFlag xmlns="" xmlns:m="http://schemas.openxmlformats.org/officeDocument/2006/math" xmlns:a14="http://schemas.microsoft.com/office/drawing/2010/main" xmlns:ma14="http://schemas.microsoft.com/office/mac/drawingml/2011/main" val="1"/>
+              <ma14:wrappingTextBoxFlag xmlns:ma14="http://schemas.microsoft.com/office/mac/drawingml/2011/main" xmlns:a14="http://schemas.microsoft.com/office/drawing/2010/main" xmlns:m="http://schemas.openxmlformats.org/officeDocument/2006/math" xmlns="" val="1"/>
             </a:ext>
           </a:extLst>
         </p:spPr>
@@ -9294,7 +9297,7 @@
           </a:ln>
           <a:extLst>
             <a:ext uri="{C572A759-6A51-4108-AA02-DFA0A04FC94B}">
-              <ma14:wrappingTextBoxFlag xmlns="" xmlns:m="http://schemas.openxmlformats.org/officeDocument/2006/math" xmlns:a14="http://schemas.microsoft.com/office/drawing/2010/main" xmlns:ma14="http://schemas.microsoft.com/office/mac/drawingml/2011/main" val="1"/>
+              <ma14:wrappingTextBoxFlag xmlns:ma14="http://schemas.microsoft.com/office/mac/drawingml/2011/main" xmlns:a14="http://schemas.microsoft.com/office/drawing/2010/main" xmlns:m="http://schemas.openxmlformats.org/officeDocument/2006/math" xmlns="" val="1"/>
             </a:ext>
           </a:extLst>
         </p:spPr>
@@ -9383,7 +9386,7 @@
           </a:ln>
           <a:extLst>
             <a:ext uri="{C572A759-6A51-4108-AA02-DFA0A04FC94B}">
-              <ma14:wrappingTextBoxFlag xmlns="" xmlns:m="http://schemas.openxmlformats.org/officeDocument/2006/math" xmlns:a14="http://schemas.microsoft.com/office/drawing/2010/main" xmlns:ma14="http://schemas.microsoft.com/office/mac/drawingml/2011/main" val="1"/>
+              <ma14:wrappingTextBoxFlag xmlns:ma14="http://schemas.microsoft.com/office/mac/drawingml/2011/main" xmlns:a14="http://schemas.microsoft.com/office/drawing/2010/main" xmlns:m="http://schemas.openxmlformats.org/officeDocument/2006/math" xmlns="" val="1"/>
             </a:ext>
           </a:extLst>
         </p:spPr>
@@ -9423,7 +9426,7 @@
           </a:ln>
           <a:extLst>
             <a:ext uri="{C572A759-6A51-4108-AA02-DFA0A04FC94B}">
-              <ma14:wrappingTextBoxFlag xmlns="" xmlns:m="http://schemas.openxmlformats.org/officeDocument/2006/math" xmlns:a14="http://schemas.microsoft.com/office/drawing/2010/main" xmlns:ma14="http://schemas.microsoft.com/office/mac/drawingml/2011/main" val="1"/>
+              <ma14:wrappingTextBoxFlag xmlns:ma14="http://schemas.microsoft.com/office/mac/drawingml/2011/main" xmlns:a14="http://schemas.microsoft.com/office/drawing/2010/main" xmlns:m="http://schemas.openxmlformats.org/officeDocument/2006/math" xmlns="" val="1"/>
             </a:ext>
           </a:extLst>
         </p:spPr>
@@ -9463,7 +9466,7 @@
           </a:ln>
           <a:extLst>
             <a:ext uri="{C572A759-6A51-4108-AA02-DFA0A04FC94B}">
-              <ma14:wrappingTextBoxFlag xmlns="" xmlns:m="http://schemas.openxmlformats.org/officeDocument/2006/math" xmlns:a14="http://schemas.microsoft.com/office/drawing/2010/main" xmlns:ma14="http://schemas.microsoft.com/office/mac/drawingml/2011/main" val="1"/>
+              <ma14:wrappingTextBoxFlag xmlns:ma14="http://schemas.microsoft.com/office/mac/drawingml/2011/main" xmlns:a14="http://schemas.microsoft.com/office/drawing/2010/main" xmlns:m="http://schemas.openxmlformats.org/officeDocument/2006/math" xmlns="" val="1"/>
             </a:ext>
           </a:extLst>
         </p:spPr>
@@ -9529,7 +9532,7 @@
           </a:ln>
           <a:extLst>
             <a:ext uri="{C572A759-6A51-4108-AA02-DFA0A04FC94B}">
-              <ma14:wrappingTextBoxFlag xmlns="" xmlns:m="http://schemas.openxmlformats.org/officeDocument/2006/math" xmlns:a14="http://schemas.microsoft.com/office/drawing/2010/main" xmlns:ma14="http://schemas.microsoft.com/office/mac/drawingml/2011/main" val="1"/>
+              <ma14:wrappingTextBoxFlag xmlns:ma14="http://schemas.microsoft.com/office/mac/drawingml/2011/main" xmlns:a14="http://schemas.microsoft.com/office/drawing/2010/main" xmlns:m="http://schemas.openxmlformats.org/officeDocument/2006/math" xmlns="" val="1"/>
             </a:ext>
           </a:extLst>
         </p:spPr>
@@ -9575,7 +9578,7 @@
           </a:ln>
           <a:extLst>
             <a:ext uri="{C572A759-6A51-4108-AA02-DFA0A04FC94B}">
-              <ma14:wrappingTextBoxFlag xmlns="" xmlns:m="http://schemas.openxmlformats.org/officeDocument/2006/math" xmlns:a14="http://schemas.microsoft.com/office/drawing/2010/main" xmlns:ma14="http://schemas.microsoft.com/office/mac/drawingml/2011/main" val="1"/>
+              <ma14:wrappingTextBoxFlag xmlns:ma14="http://schemas.microsoft.com/office/mac/drawingml/2011/main" xmlns:a14="http://schemas.microsoft.com/office/drawing/2010/main" xmlns:m="http://schemas.openxmlformats.org/officeDocument/2006/math" xmlns="" val="1"/>
             </a:ext>
           </a:extLst>
         </p:spPr>
@@ -9642,7 +9645,7 @@
           </a:ln>
           <a:extLst>
             <a:ext uri="{C572A759-6A51-4108-AA02-DFA0A04FC94B}">
-              <ma14:wrappingTextBoxFlag xmlns="" xmlns:m="http://schemas.openxmlformats.org/officeDocument/2006/math" xmlns:a14="http://schemas.microsoft.com/office/drawing/2010/main" xmlns:ma14="http://schemas.microsoft.com/office/mac/drawingml/2011/main" val="1"/>
+              <ma14:wrappingTextBoxFlag xmlns:ma14="http://schemas.microsoft.com/office/mac/drawingml/2011/main" xmlns:a14="http://schemas.microsoft.com/office/drawing/2010/main" xmlns:m="http://schemas.openxmlformats.org/officeDocument/2006/math" xmlns="" val="1"/>
             </a:ext>
           </a:extLst>
         </p:spPr>
@@ -9686,7 +9689,7 @@
           </a:ln>
           <a:extLst>
             <a:ext uri="{C572A759-6A51-4108-AA02-DFA0A04FC94B}">
-              <ma14:wrappingTextBoxFlag xmlns="" xmlns:m="http://schemas.openxmlformats.org/officeDocument/2006/math" xmlns:a14="http://schemas.microsoft.com/office/drawing/2010/main" xmlns:ma14="http://schemas.microsoft.com/office/mac/drawingml/2011/main" val="1"/>
+              <ma14:wrappingTextBoxFlag xmlns:ma14="http://schemas.microsoft.com/office/mac/drawingml/2011/main" xmlns:a14="http://schemas.microsoft.com/office/drawing/2010/main" xmlns:m="http://schemas.openxmlformats.org/officeDocument/2006/math" xmlns="" val="1"/>
             </a:ext>
           </a:extLst>
         </p:spPr>
@@ -9753,7 +9756,7 @@
           </a:ln>
           <a:extLst>
             <a:ext uri="{C572A759-6A51-4108-AA02-DFA0A04FC94B}">
-              <ma14:wrappingTextBoxFlag xmlns="" xmlns:m="http://schemas.openxmlformats.org/officeDocument/2006/math" xmlns:a14="http://schemas.microsoft.com/office/drawing/2010/main" xmlns:ma14="http://schemas.microsoft.com/office/mac/drawingml/2011/main" val="1"/>
+              <ma14:wrappingTextBoxFlag xmlns:ma14="http://schemas.microsoft.com/office/mac/drawingml/2011/main" xmlns:a14="http://schemas.microsoft.com/office/drawing/2010/main" xmlns:m="http://schemas.openxmlformats.org/officeDocument/2006/math" xmlns="" val="1"/>
             </a:ext>
           </a:extLst>
         </p:spPr>
@@ -9832,7 +9835,7 @@
           </a:ln>
           <a:extLst>
             <a:ext uri="{C572A759-6A51-4108-AA02-DFA0A04FC94B}">
-              <ma14:wrappingTextBoxFlag xmlns="" xmlns:m="http://schemas.openxmlformats.org/officeDocument/2006/math" xmlns:a14="http://schemas.microsoft.com/office/drawing/2010/main" xmlns:ma14="http://schemas.microsoft.com/office/mac/drawingml/2011/main" val="1"/>
+              <ma14:wrappingTextBoxFlag xmlns:ma14="http://schemas.microsoft.com/office/mac/drawingml/2011/main" xmlns:a14="http://schemas.microsoft.com/office/drawing/2010/main" xmlns:m="http://schemas.openxmlformats.org/officeDocument/2006/math" xmlns="" val="1"/>
             </a:ext>
           </a:extLst>
         </p:spPr>
@@ -9898,7 +9901,7 @@
           </a:ln>
           <a:extLst>
             <a:ext uri="{C572A759-6A51-4108-AA02-DFA0A04FC94B}">
-              <ma14:wrappingTextBoxFlag xmlns="" xmlns:m="http://schemas.openxmlformats.org/officeDocument/2006/math" xmlns:a14="http://schemas.microsoft.com/office/drawing/2010/main" xmlns:ma14="http://schemas.microsoft.com/office/mac/drawingml/2011/main" val="1"/>
+              <ma14:wrappingTextBoxFlag xmlns:ma14="http://schemas.microsoft.com/office/mac/drawingml/2011/main" xmlns:a14="http://schemas.microsoft.com/office/drawing/2010/main" xmlns:m="http://schemas.openxmlformats.org/officeDocument/2006/math" xmlns="" val="1"/>
             </a:ext>
           </a:extLst>
         </p:spPr>
@@ -9969,7 +9972,7 @@
           </a:ln>
           <a:extLst>
             <a:ext uri="{C572A759-6A51-4108-AA02-DFA0A04FC94B}">
-              <ma14:wrappingTextBoxFlag xmlns="" xmlns:m="http://schemas.openxmlformats.org/officeDocument/2006/math" xmlns:a14="http://schemas.microsoft.com/office/drawing/2010/main" xmlns:ma14="http://schemas.microsoft.com/office/mac/drawingml/2011/main" val="1"/>
+              <ma14:wrappingTextBoxFlag xmlns:ma14="http://schemas.microsoft.com/office/mac/drawingml/2011/main" xmlns:a14="http://schemas.microsoft.com/office/drawing/2010/main" xmlns:m="http://schemas.openxmlformats.org/officeDocument/2006/math" xmlns="" val="1"/>
             </a:ext>
           </a:extLst>
         </p:spPr>
@@ -10010,7 +10013,7 @@
           </a:ln>
           <a:extLst>
             <a:ext uri="{C572A759-6A51-4108-AA02-DFA0A04FC94B}">
-              <ma14:wrappingTextBoxFlag xmlns="" xmlns:m="http://schemas.openxmlformats.org/officeDocument/2006/math" xmlns:a14="http://schemas.microsoft.com/office/drawing/2010/main" xmlns:ma14="http://schemas.microsoft.com/office/mac/drawingml/2011/main" val="1"/>
+              <ma14:wrappingTextBoxFlag xmlns:ma14="http://schemas.microsoft.com/office/mac/drawingml/2011/main" xmlns:a14="http://schemas.microsoft.com/office/drawing/2010/main" xmlns:m="http://schemas.openxmlformats.org/officeDocument/2006/math" xmlns="" val="1"/>
             </a:ext>
           </a:extLst>
         </p:spPr>
@@ -10077,7 +10080,7 @@
           </a:ln>
           <a:extLst>
             <a:ext uri="{C572A759-6A51-4108-AA02-DFA0A04FC94B}">
-              <ma14:wrappingTextBoxFlag xmlns="" xmlns:m="http://schemas.openxmlformats.org/officeDocument/2006/math" xmlns:a14="http://schemas.microsoft.com/office/drawing/2010/main" xmlns:ma14="http://schemas.microsoft.com/office/mac/drawingml/2011/main" val="1"/>
+              <ma14:wrappingTextBoxFlag xmlns:ma14="http://schemas.microsoft.com/office/mac/drawingml/2011/main" xmlns:a14="http://schemas.microsoft.com/office/drawing/2010/main" xmlns:m="http://schemas.openxmlformats.org/officeDocument/2006/math" xmlns="" val="1"/>
             </a:ext>
           </a:extLst>
         </p:spPr>
@@ -10149,7 +10152,7 @@
           </a:ln>
           <a:extLst>
             <a:ext uri="{C572A759-6A51-4108-AA02-DFA0A04FC94B}">
-              <ma14:wrappingTextBoxFlag xmlns="" xmlns:m="http://schemas.openxmlformats.org/officeDocument/2006/math" xmlns:a14="http://schemas.microsoft.com/office/drawing/2010/main" xmlns:ma14="http://schemas.microsoft.com/office/mac/drawingml/2011/main" val="1"/>
+              <ma14:wrappingTextBoxFlag xmlns:ma14="http://schemas.microsoft.com/office/mac/drawingml/2011/main" xmlns:a14="http://schemas.microsoft.com/office/drawing/2010/main" xmlns:m="http://schemas.openxmlformats.org/officeDocument/2006/math" xmlns="" val="1"/>
             </a:ext>
           </a:extLst>
         </p:spPr>
@@ -10190,7 +10193,7 @@
           </a:ln>
           <a:extLst>
             <a:ext uri="{C572A759-6A51-4108-AA02-DFA0A04FC94B}">
-              <ma14:wrappingTextBoxFlag xmlns="" xmlns:m="http://schemas.openxmlformats.org/officeDocument/2006/math" xmlns:a14="http://schemas.microsoft.com/office/drawing/2010/main" xmlns:ma14="http://schemas.microsoft.com/office/mac/drawingml/2011/main" val="1"/>
+              <ma14:wrappingTextBoxFlag xmlns:ma14="http://schemas.microsoft.com/office/mac/drawingml/2011/main" xmlns:a14="http://schemas.microsoft.com/office/drawing/2010/main" xmlns:m="http://schemas.openxmlformats.org/officeDocument/2006/math" xmlns="" val="1"/>
             </a:ext>
           </a:extLst>
         </p:spPr>
@@ -10257,7 +10260,7 @@
           </a:ln>
           <a:extLst>
             <a:ext uri="{C572A759-6A51-4108-AA02-DFA0A04FC94B}">
-              <ma14:wrappingTextBoxFlag xmlns="" xmlns:m="http://schemas.openxmlformats.org/officeDocument/2006/math" xmlns:a14="http://schemas.microsoft.com/office/drawing/2010/main" xmlns:ma14="http://schemas.microsoft.com/office/mac/drawingml/2011/main" val="1"/>
+              <ma14:wrappingTextBoxFlag xmlns:ma14="http://schemas.microsoft.com/office/mac/drawingml/2011/main" xmlns:a14="http://schemas.microsoft.com/office/drawing/2010/main" xmlns:m="http://schemas.openxmlformats.org/officeDocument/2006/math" xmlns="" val="1"/>
             </a:ext>
           </a:extLst>
         </p:spPr>
@@ -10311,7 +10314,7 @@
           </a:ln>
           <a:extLst>
             <a:ext uri="{C572A759-6A51-4108-AA02-DFA0A04FC94B}">
-              <ma14:wrappingTextBoxFlag xmlns="" xmlns:m="http://schemas.openxmlformats.org/officeDocument/2006/math" xmlns:a14="http://schemas.microsoft.com/office/drawing/2010/main" xmlns:ma14="http://schemas.microsoft.com/office/mac/drawingml/2011/main" val="1"/>
+              <ma14:wrappingTextBoxFlag xmlns:ma14="http://schemas.microsoft.com/office/mac/drawingml/2011/main" xmlns:a14="http://schemas.microsoft.com/office/drawing/2010/main" xmlns:m="http://schemas.openxmlformats.org/officeDocument/2006/math" xmlns="" val="1"/>
             </a:ext>
           </a:extLst>
         </p:spPr>
@@ -10377,7 +10380,7 @@
           </a:ln>
           <a:extLst>
             <a:ext uri="{C572A759-6A51-4108-AA02-DFA0A04FC94B}">
-              <ma14:wrappingTextBoxFlag xmlns="" xmlns:m="http://schemas.openxmlformats.org/officeDocument/2006/math" xmlns:a14="http://schemas.microsoft.com/office/drawing/2010/main" xmlns:ma14="http://schemas.microsoft.com/office/mac/drawingml/2011/main" val="1"/>
+              <ma14:wrappingTextBoxFlag xmlns:ma14="http://schemas.microsoft.com/office/mac/drawingml/2011/main" xmlns:a14="http://schemas.microsoft.com/office/drawing/2010/main" xmlns:m="http://schemas.openxmlformats.org/officeDocument/2006/math" xmlns="" val="1"/>
             </a:ext>
           </a:extLst>
         </p:spPr>
@@ -10428,7 +10431,7 @@
           </a:ln>
           <a:extLst>
             <a:ext uri="{C572A759-6A51-4108-AA02-DFA0A04FC94B}">
-              <ma14:wrappingTextBoxFlag xmlns="" xmlns:m="http://schemas.openxmlformats.org/officeDocument/2006/math" xmlns:a14="http://schemas.microsoft.com/office/drawing/2010/main" xmlns:ma14="http://schemas.microsoft.com/office/mac/drawingml/2011/main" val="1"/>
+              <ma14:wrappingTextBoxFlag xmlns:ma14="http://schemas.microsoft.com/office/mac/drawingml/2011/main" xmlns:a14="http://schemas.microsoft.com/office/drawing/2010/main" xmlns:m="http://schemas.openxmlformats.org/officeDocument/2006/math" xmlns="" val="1"/>
             </a:ext>
           </a:extLst>
         </p:spPr>
@@ -10494,7 +10497,7 @@
           </a:ln>
           <a:extLst>
             <a:ext uri="{C572A759-6A51-4108-AA02-DFA0A04FC94B}">
-              <ma14:wrappingTextBoxFlag xmlns="" xmlns:m="http://schemas.openxmlformats.org/officeDocument/2006/math" xmlns:a14="http://schemas.microsoft.com/office/drawing/2010/main" xmlns:ma14="http://schemas.microsoft.com/office/mac/drawingml/2011/main" val="1"/>
+              <ma14:wrappingTextBoxFlag xmlns:ma14="http://schemas.microsoft.com/office/mac/drawingml/2011/main" xmlns:a14="http://schemas.microsoft.com/office/drawing/2010/main" xmlns:m="http://schemas.openxmlformats.org/officeDocument/2006/math" xmlns="" val="1"/>
             </a:ext>
           </a:extLst>
         </p:spPr>
@@ -10686,7 +10689,7 @@
           </a:ln>
           <a:extLst>
             <a:ext uri="{C572A759-6A51-4108-AA02-DFA0A04FC94B}">
-              <ma14:wrappingTextBoxFlag xmlns="" xmlns:m="http://schemas.openxmlformats.org/officeDocument/2006/math" xmlns:a14="http://schemas.microsoft.com/office/drawing/2010/main" xmlns:ma14="http://schemas.microsoft.com/office/mac/drawingml/2011/main" val="1"/>
+              <ma14:wrappingTextBoxFlag xmlns:ma14="http://schemas.microsoft.com/office/mac/drawingml/2011/main" xmlns:a14="http://schemas.microsoft.com/office/drawing/2010/main" xmlns:m="http://schemas.openxmlformats.org/officeDocument/2006/math" xmlns="" val="1"/>
             </a:ext>
           </a:extLst>
         </p:spPr>
@@ -10776,7 +10779,7 @@
           </a:ln>
           <a:extLst>
             <a:ext uri="{C572A759-6A51-4108-AA02-DFA0A04FC94B}">
-              <ma14:wrappingTextBoxFlag xmlns="" xmlns:m="http://schemas.openxmlformats.org/officeDocument/2006/math" xmlns:a14="http://schemas.microsoft.com/office/drawing/2010/main" xmlns:ma14="http://schemas.microsoft.com/office/mac/drawingml/2011/main" val="1"/>
+              <ma14:wrappingTextBoxFlag xmlns:ma14="http://schemas.microsoft.com/office/mac/drawingml/2011/main" xmlns:a14="http://schemas.microsoft.com/office/drawing/2010/main" xmlns:m="http://schemas.openxmlformats.org/officeDocument/2006/math" xmlns="" val="1"/>
             </a:ext>
           </a:extLst>
         </p:spPr>
@@ -10817,7 +10820,7 @@
           </a:ln>
           <a:extLst>
             <a:ext uri="{C572A759-6A51-4108-AA02-DFA0A04FC94B}">
-              <ma14:wrappingTextBoxFlag xmlns="" xmlns:m="http://schemas.openxmlformats.org/officeDocument/2006/math" xmlns:a14="http://schemas.microsoft.com/office/drawing/2010/main" xmlns:ma14="http://schemas.microsoft.com/office/mac/drawingml/2011/main" val="1"/>
+              <ma14:wrappingTextBoxFlag xmlns:ma14="http://schemas.microsoft.com/office/mac/drawingml/2011/main" xmlns:a14="http://schemas.microsoft.com/office/drawing/2010/main" xmlns:m="http://schemas.openxmlformats.org/officeDocument/2006/math" xmlns="" val="1"/>
             </a:ext>
           </a:extLst>
         </p:spPr>
@@ -10858,7 +10861,7 @@
           </a:ln>
           <a:extLst>
             <a:ext uri="{C572A759-6A51-4108-AA02-DFA0A04FC94B}">
-              <ma14:wrappingTextBoxFlag xmlns="" xmlns:m="http://schemas.openxmlformats.org/officeDocument/2006/math" xmlns:a14="http://schemas.microsoft.com/office/drawing/2010/main" xmlns:ma14="http://schemas.microsoft.com/office/mac/drawingml/2011/main" val="1"/>
+              <ma14:wrappingTextBoxFlag xmlns:ma14="http://schemas.microsoft.com/office/mac/drawingml/2011/main" xmlns:a14="http://schemas.microsoft.com/office/drawing/2010/main" xmlns:m="http://schemas.openxmlformats.org/officeDocument/2006/math" xmlns="" val="1"/>
             </a:ext>
           </a:extLst>
         </p:spPr>
@@ -10927,7 +10930,7 @@
           </a:ln>
           <a:extLst>
             <a:ext uri="{C572A759-6A51-4108-AA02-DFA0A04FC94B}">
-              <ma14:wrappingTextBoxFlag xmlns:ma14="http://schemas.microsoft.com/office/mac/drawingml/2011/main" xmlns:a14="http://schemas.microsoft.com/office/drawing/2010/main" xmlns:m="http://schemas.openxmlformats.org/officeDocument/2006/math" xmlns="" val="1"/>
+              <ma14:wrappingTextBoxFlag xmlns="" xmlns:m="http://schemas.openxmlformats.org/officeDocument/2006/math" xmlns:a14="http://schemas.microsoft.com/office/drawing/2010/main" xmlns:ma14="http://schemas.microsoft.com/office/mac/drawingml/2011/main" val="1"/>
             </a:ext>
           </a:extLst>
         </p:spPr>
@@ -11047,7 +11050,7 @@
           </a:ln>
           <a:extLst>
             <a:ext uri="{C572A759-6A51-4108-AA02-DFA0A04FC94B}">
-              <ma14:wrappingTextBoxFlag xmlns="" xmlns:m="http://schemas.openxmlformats.org/officeDocument/2006/math" xmlns:a14="http://schemas.microsoft.com/office/drawing/2010/main" xmlns:ma14="http://schemas.microsoft.com/office/mac/drawingml/2011/main" val="1"/>
+              <ma14:wrappingTextBoxFlag xmlns:ma14="http://schemas.microsoft.com/office/mac/drawingml/2011/main" xmlns:a14="http://schemas.microsoft.com/office/drawing/2010/main" xmlns:m="http://schemas.openxmlformats.org/officeDocument/2006/math" xmlns="" val="1"/>
             </a:ext>
           </a:extLst>
         </p:spPr>
@@ -11153,7 +11156,7 @@
           </a:ln>
           <a:extLst>
             <a:ext uri="{C572A759-6A51-4108-AA02-DFA0A04FC94B}">
-              <ma14:wrappingTextBoxFlag xmlns="" xmlns:m="http://schemas.openxmlformats.org/officeDocument/2006/math" xmlns:a14="http://schemas.microsoft.com/office/drawing/2010/main" xmlns:ma14="http://schemas.microsoft.com/office/mac/drawingml/2011/main" val="1"/>
+              <ma14:wrappingTextBoxFlag xmlns:ma14="http://schemas.microsoft.com/office/mac/drawingml/2011/main" xmlns:a14="http://schemas.microsoft.com/office/drawing/2010/main" xmlns:m="http://schemas.openxmlformats.org/officeDocument/2006/math" xmlns="" val="1"/>
             </a:ext>
           </a:extLst>
         </p:spPr>
@@ -11222,7 +11225,7 @@
           </a:ln>
           <a:extLst>
             <a:ext uri="{C572A759-6A51-4108-AA02-DFA0A04FC94B}">
-              <ma14:wrappingTextBoxFlag xmlns="" xmlns:m="http://schemas.openxmlformats.org/officeDocument/2006/math" xmlns:a14="http://schemas.microsoft.com/office/drawing/2010/main" xmlns:ma14="http://schemas.microsoft.com/office/mac/drawingml/2011/main" val="1"/>
+              <ma14:wrappingTextBoxFlag xmlns:ma14="http://schemas.microsoft.com/office/mac/drawingml/2011/main" xmlns:a14="http://schemas.microsoft.com/office/drawing/2010/main" xmlns:m="http://schemas.openxmlformats.org/officeDocument/2006/math" xmlns="" val="1"/>
             </a:ext>
           </a:extLst>
         </p:spPr>
@@ -11288,7 +11291,7 @@
           </a:ln>
           <a:extLst>
             <a:ext uri="{C572A759-6A51-4108-AA02-DFA0A04FC94B}">
-              <ma14:wrappingTextBoxFlag xmlns="" xmlns:m="http://schemas.openxmlformats.org/officeDocument/2006/math" xmlns:a14="http://schemas.microsoft.com/office/drawing/2010/main" xmlns:ma14="http://schemas.microsoft.com/office/mac/drawingml/2011/main" val="1"/>
+              <ma14:wrappingTextBoxFlag xmlns:ma14="http://schemas.microsoft.com/office/mac/drawingml/2011/main" xmlns:a14="http://schemas.microsoft.com/office/drawing/2010/main" xmlns:m="http://schemas.openxmlformats.org/officeDocument/2006/math" xmlns="" val="1"/>
             </a:ext>
           </a:extLst>
         </p:spPr>
@@ -11331,7 +11334,7 @@
           </a:ln>
           <a:extLst>
             <a:ext uri="{C572A759-6A51-4108-AA02-DFA0A04FC94B}">
-              <ma14:wrappingTextBoxFlag xmlns="" xmlns:m="http://schemas.openxmlformats.org/officeDocument/2006/math" xmlns:a14="http://schemas.microsoft.com/office/drawing/2010/main" xmlns:ma14="http://schemas.microsoft.com/office/mac/drawingml/2011/main" val="1"/>
+              <ma14:wrappingTextBoxFlag xmlns:ma14="http://schemas.microsoft.com/office/mac/drawingml/2011/main" xmlns:a14="http://schemas.microsoft.com/office/drawing/2010/main" xmlns:m="http://schemas.openxmlformats.org/officeDocument/2006/math" xmlns="" val="1"/>
             </a:ext>
           </a:extLst>
         </p:spPr>
@@ -11397,7 +11400,7 @@
           </a:ln>
           <a:extLst>
             <a:ext uri="{C572A759-6A51-4108-AA02-DFA0A04FC94B}">
-              <ma14:wrappingTextBoxFlag xmlns="" xmlns:m="http://schemas.openxmlformats.org/officeDocument/2006/math" xmlns:a14="http://schemas.microsoft.com/office/drawing/2010/main" xmlns:ma14="http://schemas.microsoft.com/office/mac/drawingml/2011/main" val="1"/>
+              <ma14:wrappingTextBoxFlag xmlns:ma14="http://schemas.microsoft.com/office/mac/drawingml/2011/main" xmlns:a14="http://schemas.microsoft.com/office/drawing/2010/main" xmlns:m="http://schemas.openxmlformats.org/officeDocument/2006/math" xmlns="" val="1"/>
             </a:ext>
           </a:extLst>
         </p:spPr>
@@ -11444,7 +11447,7 @@
           </a:ln>
           <a:extLst>
             <a:ext uri="{C572A759-6A51-4108-AA02-DFA0A04FC94B}">
-              <ma14:wrappingTextBoxFlag xmlns="" xmlns:m="http://schemas.openxmlformats.org/officeDocument/2006/math" xmlns:a14="http://schemas.microsoft.com/office/drawing/2010/main" xmlns:ma14="http://schemas.microsoft.com/office/mac/drawingml/2011/main" val="1"/>
+              <ma14:wrappingTextBoxFlag xmlns:ma14="http://schemas.microsoft.com/office/mac/drawingml/2011/main" xmlns:a14="http://schemas.microsoft.com/office/drawing/2010/main" xmlns:m="http://schemas.openxmlformats.org/officeDocument/2006/math" xmlns="" val="1"/>
             </a:ext>
           </a:extLst>
         </p:spPr>
@@ -11510,7 +11513,7 @@
           </a:ln>
           <a:extLst>
             <a:ext uri="{C572A759-6A51-4108-AA02-DFA0A04FC94B}">
-              <ma14:wrappingTextBoxFlag xmlns="" xmlns:m="http://schemas.openxmlformats.org/officeDocument/2006/math" xmlns:a14="http://schemas.microsoft.com/office/drawing/2010/main" xmlns:ma14="http://schemas.microsoft.com/office/mac/drawingml/2011/main" val="1"/>
+              <ma14:wrappingTextBoxFlag xmlns:ma14="http://schemas.microsoft.com/office/mac/drawingml/2011/main" xmlns:a14="http://schemas.microsoft.com/office/drawing/2010/main" xmlns:m="http://schemas.openxmlformats.org/officeDocument/2006/math" xmlns="" val="1"/>
             </a:ext>
           </a:extLst>
         </p:spPr>
@@ -11557,7 +11560,7 @@
           </a:ln>
           <a:extLst>
             <a:ext uri="{C572A759-6A51-4108-AA02-DFA0A04FC94B}">
-              <ma14:wrappingTextBoxFlag xmlns="" xmlns:m="http://schemas.openxmlformats.org/officeDocument/2006/math" xmlns:a14="http://schemas.microsoft.com/office/drawing/2010/main" xmlns:ma14="http://schemas.microsoft.com/office/mac/drawingml/2011/main" val="1"/>
+              <ma14:wrappingTextBoxFlag xmlns:ma14="http://schemas.microsoft.com/office/mac/drawingml/2011/main" xmlns:a14="http://schemas.microsoft.com/office/drawing/2010/main" xmlns:m="http://schemas.openxmlformats.org/officeDocument/2006/math" xmlns="" val="1"/>
             </a:ext>
           </a:extLst>
         </p:spPr>
@@ -11623,7 +11626,7 @@
           </a:ln>
           <a:extLst>
             <a:ext uri="{C572A759-6A51-4108-AA02-DFA0A04FC94B}">
-              <ma14:wrappingTextBoxFlag xmlns="" xmlns:m="http://schemas.openxmlformats.org/officeDocument/2006/math" xmlns:a14="http://schemas.microsoft.com/office/drawing/2010/main" xmlns:ma14="http://schemas.microsoft.com/office/mac/drawingml/2011/main" val="1"/>
+              <ma14:wrappingTextBoxFlag xmlns:ma14="http://schemas.microsoft.com/office/mac/drawingml/2011/main" xmlns:a14="http://schemas.microsoft.com/office/drawing/2010/main" xmlns:m="http://schemas.openxmlformats.org/officeDocument/2006/math" xmlns="" val="1"/>
             </a:ext>
           </a:extLst>
         </p:spPr>
@@ -11705,7 +11708,7 @@
           </a:ln>
           <a:extLst>
             <a:ext uri="{C572A759-6A51-4108-AA02-DFA0A04FC94B}">
-              <ma14:wrappingTextBoxFlag xmlns="" xmlns:m="http://schemas.openxmlformats.org/officeDocument/2006/math" xmlns:a14="http://schemas.microsoft.com/office/drawing/2010/main" xmlns:ma14="http://schemas.microsoft.com/office/mac/drawingml/2011/main" val="1"/>
+              <ma14:wrappingTextBoxFlag xmlns:ma14="http://schemas.microsoft.com/office/mac/drawingml/2011/main" xmlns:a14="http://schemas.microsoft.com/office/drawing/2010/main" xmlns:m="http://schemas.openxmlformats.org/officeDocument/2006/math" xmlns="" val="1"/>
             </a:ext>
           </a:extLst>
         </p:spPr>
@@ -11745,7 +11748,7 @@
           </a:ln>
           <a:extLst>
             <a:ext uri="{C572A759-6A51-4108-AA02-DFA0A04FC94B}">
-              <ma14:wrappingTextBoxFlag xmlns="" xmlns:m="http://schemas.openxmlformats.org/officeDocument/2006/math" xmlns:a14="http://schemas.microsoft.com/office/drawing/2010/main" xmlns:ma14="http://schemas.microsoft.com/office/mac/drawingml/2011/main" val="1"/>
+              <ma14:wrappingTextBoxFlag xmlns:ma14="http://schemas.microsoft.com/office/mac/drawingml/2011/main" xmlns:a14="http://schemas.microsoft.com/office/drawing/2010/main" xmlns:m="http://schemas.openxmlformats.org/officeDocument/2006/math" xmlns="" val="1"/>
             </a:ext>
           </a:extLst>
         </p:spPr>
@@ -11785,7 +11788,7 @@
           </a:ln>
           <a:extLst>
             <a:ext uri="{C572A759-6A51-4108-AA02-DFA0A04FC94B}">
-              <ma14:wrappingTextBoxFlag xmlns="" xmlns:m="http://schemas.openxmlformats.org/officeDocument/2006/math" xmlns:a14="http://schemas.microsoft.com/office/drawing/2010/main" xmlns:ma14="http://schemas.microsoft.com/office/mac/drawingml/2011/main" val="1"/>
+              <ma14:wrappingTextBoxFlag xmlns:ma14="http://schemas.microsoft.com/office/mac/drawingml/2011/main" xmlns:a14="http://schemas.microsoft.com/office/drawing/2010/main" xmlns:m="http://schemas.openxmlformats.org/officeDocument/2006/math" xmlns="" val="1"/>
             </a:ext>
           </a:extLst>
         </p:spPr>
@@ -11851,7 +11854,7 @@
           </a:ln>
           <a:extLst>
             <a:ext uri="{C572A759-6A51-4108-AA02-DFA0A04FC94B}">
-              <ma14:wrappingTextBoxFlag xmlns="" xmlns:m="http://schemas.openxmlformats.org/officeDocument/2006/math" xmlns:a14="http://schemas.microsoft.com/office/drawing/2010/main" xmlns:ma14="http://schemas.microsoft.com/office/mac/drawingml/2011/main" val="1"/>
+              <ma14:wrappingTextBoxFlag xmlns:ma14="http://schemas.microsoft.com/office/mac/drawingml/2011/main" xmlns:a14="http://schemas.microsoft.com/office/drawing/2010/main" xmlns:m="http://schemas.openxmlformats.org/officeDocument/2006/math" xmlns="" val="1"/>
             </a:ext>
           </a:extLst>
         </p:spPr>
@@ -11915,7 +11918,7 @@
           </a:ln>
           <a:extLst>
             <a:ext uri="{C572A759-6A51-4108-AA02-DFA0A04FC94B}">
-              <ma14:wrappingTextBoxFlag xmlns="" xmlns:m="http://schemas.openxmlformats.org/officeDocument/2006/math" xmlns:a14="http://schemas.microsoft.com/office/drawing/2010/main" xmlns:ma14="http://schemas.microsoft.com/office/mac/drawingml/2011/main" val="1"/>
+              <ma14:wrappingTextBoxFlag xmlns:ma14="http://schemas.microsoft.com/office/mac/drawingml/2011/main" xmlns:a14="http://schemas.microsoft.com/office/drawing/2010/main" xmlns:m="http://schemas.openxmlformats.org/officeDocument/2006/math" xmlns="" val="1"/>
             </a:ext>
           </a:extLst>
         </p:spPr>
@@ -11956,7 +11959,7 @@
           </a:ln>
           <a:extLst>
             <a:ext uri="{C572A759-6A51-4108-AA02-DFA0A04FC94B}">
-              <ma14:wrappingTextBoxFlag xmlns="" xmlns:m="http://schemas.openxmlformats.org/officeDocument/2006/math" xmlns:a14="http://schemas.microsoft.com/office/drawing/2010/main" xmlns:ma14="http://schemas.microsoft.com/office/mac/drawingml/2011/main" val="1"/>
+              <ma14:wrappingTextBoxFlag xmlns:ma14="http://schemas.microsoft.com/office/mac/drawingml/2011/main" xmlns:a14="http://schemas.microsoft.com/office/drawing/2010/main" xmlns:m="http://schemas.openxmlformats.org/officeDocument/2006/math" xmlns="" val="1"/>
             </a:ext>
           </a:extLst>
         </p:spPr>
@@ -12023,7 +12026,7 @@
           </a:ln>
           <a:extLst>
             <a:ext uri="{C572A759-6A51-4108-AA02-DFA0A04FC94B}">
-              <ma14:wrappingTextBoxFlag xmlns="" xmlns:m="http://schemas.openxmlformats.org/officeDocument/2006/math" xmlns:a14="http://schemas.microsoft.com/office/drawing/2010/main" xmlns:ma14="http://schemas.microsoft.com/office/mac/drawingml/2011/main" val="1"/>
+              <ma14:wrappingTextBoxFlag xmlns:ma14="http://schemas.microsoft.com/office/mac/drawingml/2011/main" xmlns:a14="http://schemas.microsoft.com/office/drawing/2010/main" xmlns:m="http://schemas.openxmlformats.org/officeDocument/2006/math" xmlns="" val="1"/>
             </a:ext>
           </a:extLst>
         </p:spPr>
@@ -12138,7 +12141,7 @@
           </a:ln>
           <a:extLst>
             <a:ext uri="{C572A759-6A51-4108-AA02-DFA0A04FC94B}">
-              <ma14:wrappingTextBoxFlag xmlns="" xmlns:m="http://schemas.openxmlformats.org/officeDocument/2006/math" xmlns:a14="http://schemas.microsoft.com/office/drawing/2010/main" xmlns:ma14="http://schemas.microsoft.com/office/mac/drawingml/2011/main" val="1"/>
+              <ma14:wrappingTextBoxFlag xmlns:ma14="http://schemas.microsoft.com/office/mac/drawingml/2011/main" xmlns:a14="http://schemas.microsoft.com/office/drawing/2010/main" xmlns:m="http://schemas.openxmlformats.org/officeDocument/2006/math" xmlns="" val="1"/>
             </a:ext>
           </a:extLst>
         </p:spPr>
@@ -12179,7 +12182,7 @@
           </a:ln>
           <a:extLst>
             <a:ext uri="{C572A759-6A51-4108-AA02-DFA0A04FC94B}">
-              <ma14:wrappingTextBoxFlag xmlns="" xmlns:m="http://schemas.openxmlformats.org/officeDocument/2006/math" xmlns:a14="http://schemas.microsoft.com/office/drawing/2010/main" xmlns:ma14="http://schemas.microsoft.com/office/mac/drawingml/2011/main" val="1"/>
+              <ma14:wrappingTextBoxFlag xmlns:ma14="http://schemas.microsoft.com/office/mac/drawingml/2011/main" xmlns:a14="http://schemas.microsoft.com/office/drawing/2010/main" xmlns:m="http://schemas.openxmlformats.org/officeDocument/2006/math" xmlns="" val="1"/>
             </a:ext>
           </a:extLst>
         </p:spPr>
@@ -12246,7 +12249,7 @@
           </a:ln>
           <a:extLst>
             <a:ext uri="{C572A759-6A51-4108-AA02-DFA0A04FC94B}">
-              <ma14:wrappingTextBoxFlag xmlns="" xmlns:m="http://schemas.openxmlformats.org/officeDocument/2006/math" xmlns:a14="http://schemas.microsoft.com/office/drawing/2010/main" xmlns:ma14="http://schemas.microsoft.com/office/mac/drawingml/2011/main" val="1"/>
+              <ma14:wrappingTextBoxFlag xmlns:ma14="http://schemas.microsoft.com/office/mac/drawingml/2011/main" xmlns:a14="http://schemas.microsoft.com/office/drawing/2010/main" xmlns:m="http://schemas.openxmlformats.org/officeDocument/2006/math" xmlns="" val="1"/>
             </a:ext>
           </a:extLst>
         </p:spPr>
@@ -12294,7 +12297,7 @@
           </a:ln>
           <a:extLst>
             <a:ext uri="{C572A759-6A51-4108-AA02-DFA0A04FC94B}">
-              <ma14:wrappingTextBoxFlag xmlns="" xmlns:m="http://schemas.openxmlformats.org/officeDocument/2006/math" xmlns:a14="http://schemas.microsoft.com/office/drawing/2010/main" xmlns:ma14="http://schemas.microsoft.com/office/mac/drawingml/2011/main" val="1"/>
+              <ma14:wrappingTextBoxFlag xmlns:ma14="http://schemas.microsoft.com/office/mac/drawingml/2011/main" xmlns:a14="http://schemas.microsoft.com/office/drawing/2010/main" xmlns:m="http://schemas.openxmlformats.org/officeDocument/2006/math" xmlns="" val="1"/>
             </a:ext>
           </a:extLst>
         </p:spPr>
@@ -12364,7 +12367,7 @@
           </a:ln>
           <a:extLst>
             <a:ext uri="{C572A759-6A51-4108-AA02-DFA0A04FC94B}">
-              <ma14:wrappingTextBoxFlag xmlns="" xmlns:m="http://schemas.openxmlformats.org/officeDocument/2006/math" xmlns:a14="http://schemas.microsoft.com/office/drawing/2010/main" xmlns:ma14="http://schemas.microsoft.com/office/mac/drawingml/2011/main" val="1"/>
+              <ma14:wrappingTextBoxFlag xmlns:ma14="http://schemas.microsoft.com/office/mac/drawingml/2011/main" xmlns:a14="http://schemas.microsoft.com/office/drawing/2010/main" xmlns:m="http://schemas.openxmlformats.org/officeDocument/2006/math" xmlns="" val="1"/>
             </a:ext>
           </a:extLst>
         </p:spPr>
@@ -12425,7 +12428,7 @@
           </a:ln>
           <a:extLst>
             <a:ext uri="{C572A759-6A51-4108-AA02-DFA0A04FC94B}">
-              <ma14:wrappingTextBoxFlag xmlns="" xmlns:m="http://schemas.openxmlformats.org/officeDocument/2006/math" xmlns:a14="http://schemas.microsoft.com/office/drawing/2010/main" xmlns:ma14="http://schemas.microsoft.com/office/mac/drawingml/2011/main" val="1"/>
+              <ma14:wrappingTextBoxFlag xmlns:ma14="http://schemas.microsoft.com/office/mac/drawingml/2011/main" xmlns:a14="http://schemas.microsoft.com/office/drawing/2010/main" xmlns:m="http://schemas.openxmlformats.org/officeDocument/2006/math" xmlns="" val="1"/>
             </a:ext>
           </a:extLst>
         </p:spPr>
@@ -12491,7 +12494,7 @@
           </a:ln>
           <a:extLst>
             <a:ext uri="{C572A759-6A51-4108-AA02-DFA0A04FC94B}">
-              <ma14:wrappingTextBoxFlag xmlns="" xmlns:m="http://schemas.openxmlformats.org/officeDocument/2006/math" xmlns:a14="http://schemas.microsoft.com/office/drawing/2010/main" xmlns:ma14="http://schemas.microsoft.com/office/mac/drawingml/2011/main" val="1"/>
+              <ma14:wrappingTextBoxFlag xmlns:ma14="http://schemas.microsoft.com/office/mac/drawingml/2011/main" xmlns:a14="http://schemas.microsoft.com/office/drawing/2010/main" xmlns:m="http://schemas.openxmlformats.org/officeDocument/2006/math" xmlns="" val="1"/>
             </a:ext>
           </a:extLst>
         </p:spPr>
@@ -12538,7 +12541,7 @@
           </a:ln>
           <a:extLst>
             <a:ext uri="{C572A759-6A51-4108-AA02-DFA0A04FC94B}">
-              <ma14:wrappingTextBoxFlag xmlns="" xmlns:m="http://schemas.openxmlformats.org/officeDocument/2006/math" xmlns:a14="http://schemas.microsoft.com/office/drawing/2010/main" xmlns:ma14="http://schemas.microsoft.com/office/mac/drawingml/2011/main" val="1"/>
+              <ma14:wrappingTextBoxFlag xmlns:ma14="http://schemas.microsoft.com/office/mac/drawingml/2011/main" xmlns:a14="http://schemas.microsoft.com/office/drawing/2010/main" xmlns:m="http://schemas.openxmlformats.org/officeDocument/2006/math" xmlns="" val="1"/>
             </a:ext>
           </a:extLst>
         </p:spPr>
@@ -12605,7 +12608,7 @@
           </a:ln>
           <a:extLst>
             <a:ext uri="{C572A759-6A51-4108-AA02-DFA0A04FC94B}">
-              <ma14:wrappingTextBoxFlag xmlns="" xmlns:m="http://schemas.openxmlformats.org/officeDocument/2006/math" xmlns:a14="http://schemas.microsoft.com/office/drawing/2010/main" xmlns:ma14="http://schemas.microsoft.com/office/mac/drawingml/2011/main" val="1"/>
+              <ma14:wrappingTextBoxFlag xmlns:ma14="http://schemas.microsoft.com/office/mac/drawingml/2011/main" xmlns:a14="http://schemas.microsoft.com/office/drawing/2010/main" xmlns:m="http://schemas.openxmlformats.org/officeDocument/2006/math" xmlns="" val="1"/>
             </a:ext>
           </a:extLst>
         </p:spPr>
@@ -12669,7 +12672,7 @@
           </a:ln>
           <a:extLst>
             <a:ext uri="{C572A759-6A51-4108-AA02-DFA0A04FC94B}">
-              <ma14:wrappingTextBoxFlag xmlns="" xmlns:m="http://schemas.openxmlformats.org/officeDocument/2006/math" xmlns:a14="http://schemas.microsoft.com/office/drawing/2010/main" xmlns:ma14="http://schemas.microsoft.com/office/mac/drawingml/2011/main" val="1"/>
+              <ma14:wrappingTextBoxFlag xmlns:ma14="http://schemas.microsoft.com/office/mac/drawingml/2011/main" xmlns:a14="http://schemas.microsoft.com/office/drawing/2010/main" xmlns:m="http://schemas.openxmlformats.org/officeDocument/2006/math" xmlns="" val="1"/>
             </a:ext>
           </a:extLst>
         </p:spPr>
@@ -12709,7 +12712,7 @@
           </a:ln>
           <a:extLst>
             <a:ext uri="{C572A759-6A51-4108-AA02-DFA0A04FC94B}">
-              <ma14:wrappingTextBoxFlag xmlns="" xmlns:m="http://schemas.openxmlformats.org/officeDocument/2006/math" xmlns:a14="http://schemas.microsoft.com/office/drawing/2010/main" xmlns:ma14="http://schemas.microsoft.com/office/mac/drawingml/2011/main" val="1"/>
+              <ma14:wrappingTextBoxFlag xmlns:ma14="http://schemas.microsoft.com/office/mac/drawingml/2011/main" xmlns:a14="http://schemas.microsoft.com/office/drawing/2010/main" xmlns:m="http://schemas.openxmlformats.org/officeDocument/2006/math" xmlns="" val="1"/>
             </a:ext>
           </a:extLst>
         </p:spPr>
@@ -12775,7 +12778,7 @@
           </a:ln>
           <a:extLst>
             <a:ext uri="{C572A759-6A51-4108-AA02-DFA0A04FC94B}">
-              <ma14:wrappingTextBoxFlag xmlns="" xmlns:m="http://schemas.openxmlformats.org/officeDocument/2006/math" xmlns:a14="http://schemas.microsoft.com/office/drawing/2010/main" xmlns:ma14="http://schemas.microsoft.com/office/mac/drawingml/2011/main" val="1"/>
+              <ma14:wrappingTextBoxFlag xmlns:ma14="http://schemas.microsoft.com/office/mac/drawingml/2011/main" xmlns:a14="http://schemas.microsoft.com/office/drawing/2010/main" xmlns:m="http://schemas.openxmlformats.org/officeDocument/2006/math" xmlns="" val="1"/>
             </a:ext>
           </a:extLst>
         </p:spPr>
@@ -12839,7 +12842,7 @@
           </a:ln>
           <a:extLst>
             <a:ext uri="{C572A759-6A51-4108-AA02-DFA0A04FC94B}">
-              <ma14:wrappingTextBoxFlag xmlns="" xmlns:m="http://schemas.openxmlformats.org/officeDocument/2006/math" xmlns:a14="http://schemas.microsoft.com/office/drawing/2010/main" xmlns:ma14="http://schemas.microsoft.com/office/mac/drawingml/2011/main" val="1"/>
+              <ma14:wrappingTextBoxFlag xmlns:ma14="http://schemas.microsoft.com/office/mac/drawingml/2011/main" xmlns:a14="http://schemas.microsoft.com/office/drawing/2010/main" xmlns:m="http://schemas.openxmlformats.org/officeDocument/2006/math" xmlns="" val="1"/>
             </a:ext>
           </a:extLst>
         </p:spPr>
@@ -12880,7 +12883,7 @@
           </a:ln>
           <a:extLst>
             <a:ext uri="{C572A759-6A51-4108-AA02-DFA0A04FC94B}">
-              <ma14:wrappingTextBoxFlag xmlns="" xmlns:m="http://schemas.openxmlformats.org/officeDocument/2006/math" xmlns:a14="http://schemas.microsoft.com/office/drawing/2010/main" xmlns:ma14="http://schemas.microsoft.com/office/mac/drawingml/2011/main" val="1"/>
+              <ma14:wrappingTextBoxFlag xmlns:ma14="http://schemas.microsoft.com/office/mac/drawingml/2011/main" xmlns:a14="http://schemas.microsoft.com/office/drawing/2010/main" xmlns:m="http://schemas.openxmlformats.org/officeDocument/2006/math" xmlns="" val="1"/>
             </a:ext>
           </a:extLst>
         </p:spPr>
@@ -12947,7 +12950,7 @@
           </a:ln>
           <a:extLst>
             <a:ext uri="{C572A759-6A51-4108-AA02-DFA0A04FC94B}">
-              <ma14:wrappingTextBoxFlag xmlns="" xmlns:m="http://schemas.openxmlformats.org/officeDocument/2006/math" xmlns:a14="http://schemas.microsoft.com/office/drawing/2010/main" xmlns:ma14="http://schemas.microsoft.com/office/mac/drawingml/2011/main" val="1"/>
+              <ma14:wrappingTextBoxFlag xmlns:ma14="http://schemas.microsoft.com/office/mac/drawingml/2011/main" xmlns:a14="http://schemas.microsoft.com/office/drawing/2010/main" xmlns:m="http://schemas.openxmlformats.org/officeDocument/2006/math" xmlns="" val="1"/>
             </a:ext>
           </a:extLst>
         </p:spPr>
@@ -13008,7 +13011,7 @@
           </a:ln>
           <a:extLst>
             <a:ext uri="{C572A759-6A51-4108-AA02-DFA0A04FC94B}">
-              <ma14:wrappingTextBoxFlag xmlns="" xmlns:m="http://schemas.openxmlformats.org/officeDocument/2006/math" xmlns:a14="http://schemas.microsoft.com/office/drawing/2010/main" xmlns:ma14="http://schemas.microsoft.com/office/mac/drawingml/2011/main" val="1"/>
+              <ma14:wrappingTextBoxFlag xmlns:ma14="http://schemas.microsoft.com/office/mac/drawingml/2011/main" xmlns:a14="http://schemas.microsoft.com/office/drawing/2010/main" xmlns:m="http://schemas.openxmlformats.org/officeDocument/2006/math" xmlns="" val="1"/>
             </a:ext>
           </a:extLst>
         </p:spPr>
@@ -13120,7 +13123,7 @@
           </a:ln>
           <a:extLst>
             <a:ext uri="{C572A759-6A51-4108-AA02-DFA0A04FC94B}">
-              <ma14:wrappingTextBoxFlag xmlns:ma14="http://schemas.microsoft.com/office/mac/drawingml/2011/main" xmlns:a14="http://schemas.microsoft.com/office/drawing/2010/main" xmlns:m="http://schemas.openxmlformats.org/officeDocument/2006/math" xmlns="" val="1"/>
+              <ma14:wrappingTextBoxFlag xmlns="" xmlns:m="http://schemas.openxmlformats.org/officeDocument/2006/math" xmlns:a14="http://schemas.microsoft.com/office/drawing/2010/main" xmlns:ma14="http://schemas.microsoft.com/office/mac/drawingml/2011/main" val="1"/>
             </a:ext>
           </a:extLst>
         </p:spPr>
@@ -13238,7 +13241,7 @@
           </a:ln>
           <a:extLst>
             <a:ext uri="{C572A759-6A51-4108-AA02-DFA0A04FC94B}">
-              <ma14:wrappingTextBoxFlag xmlns="" xmlns:m="http://schemas.openxmlformats.org/officeDocument/2006/math" xmlns:a14="http://schemas.microsoft.com/office/drawing/2010/main" xmlns:ma14="http://schemas.microsoft.com/office/mac/drawingml/2011/main" val="1"/>
+              <ma14:wrappingTextBoxFlag xmlns:ma14="http://schemas.microsoft.com/office/mac/drawingml/2011/main" xmlns:a14="http://schemas.microsoft.com/office/drawing/2010/main" xmlns:m="http://schemas.openxmlformats.org/officeDocument/2006/math" xmlns="" val="1"/>
             </a:ext>
           </a:extLst>
         </p:spPr>
@@ -13361,7 +13364,7 @@
           <a:ln/>
           <a:extLst>
             <a:ext uri="{C572A759-6A51-4108-AA02-DFA0A04FC94B}">
-              <ma14:wrappingTextBoxFlag xmlns="" xmlns:m="http://schemas.openxmlformats.org/officeDocument/2006/math" xmlns:a14="http://schemas.microsoft.com/office/drawing/2010/main" xmlns:ma14="http://schemas.microsoft.com/office/mac/drawingml/2011/main" val="1"/>
+              <ma14:wrappingTextBoxFlag xmlns:ma14="http://schemas.microsoft.com/office/mac/drawingml/2011/main" xmlns:a14="http://schemas.microsoft.com/office/drawing/2010/main" xmlns:m="http://schemas.openxmlformats.org/officeDocument/2006/math" xmlns="" val="1"/>
             </a:ext>
           </a:extLst>
         </p:spPr>
@@ -14143,7 +14146,7 @@
           </a:ln>
           <a:extLst>
             <a:ext uri="{C572A759-6A51-4108-AA02-DFA0A04FC94B}">
-              <ma14:wrappingTextBoxFlag xmlns="" xmlns:m="http://schemas.openxmlformats.org/officeDocument/2006/math" xmlns:a14="http://schemas.microsoft.com/office/drawing/2010/main" xmlns:ma14="http://schemas.microsoft.com/office/mac/drawingml/2011/main" val="1"/>
+              <ma14:wrappingTextBoxFlag xmlns:ma14="http://schemas.microsoft.com/office/mac/drawingml/2011/main" xmlns:a14="http://schemas.microsoft.com/office/drawing/2010/main" xmlns:m="http://schemas.openxmlformats.org/officeDocument/2006/math" xmlns="" val="1"/>
             </a:ext>
           </a:extLst>
         </p:spPr>
@@ -14208,7 +14211,7 @@
           </a:ln>
           <a:extLst>
             <a:ext uri="{C572A759-6A51-4108-AA02-DFA0A04FC94B}">
-              <ma14:wrappingTextBoxFlag xmlns="" xmlns:m="http://schemas.openxmlformats.org/officeDocument/2006/math" xmlns:a14="http://schemas.microsoft.com/office/drawing/2010/main" xmlns:ma14="http://schemas.microsoft.com/office/mac/drawingml/2011/main" val="1"/>
+              <ma14:wrappingTextBoxFlag xmlns:ma14="http://schemas.microsoft.com/office/mac/drawingml/2011/main" xmlns:a14="http://schemas.microsoft.com/office/drawing/2010/main" xmlns:m="http://schemas.openxmlformats.org/officeDocument/2006/math" xmlns="" val="1"/>
             </a:ext>
           </a:extLst>
         </p:spPr>
@@ -14248,7 +14251,7 @@
           </a:ln>
           <a:extLst>
             <a:ext uri="{C572A759-6A51-4108-AA02-DFA0A04FC94B}">
-              <ma14:wrappingTextBoxFlag xmlns="" xmlns:m="http://schemas.openxmlformats.org/officeDocument/2006/math" xmlns:a14="http://schemas.microsoft.com/office/drawing/2010/main" xmlns:ma14="http://schemas.microsoft.com/office/mac/drawingml/2011/main" val="1"/>
+              <ma14:wrappingTextBoxFlag xmlns:ma14="http://schemas.microsoft.com/office/mac/drawingml/2011/main" xmlns:a14="http://schemas.microsoft.com/office/drawing/2010/main" xmlns:m="http://schemas.openxmlformats.org/officeDocument/2006/math" xmlns="" val="1"/>
             </a:ext>
           </a:extLst>
         </p:spPr>
@@ -14791,10 +14794,10 @@
       </p:grpSpPr>
       <p:pic>
         <p:nvPicPr>
-          <p:cNvPr id="7" name="Picture 6">
+          <p:cNvPr id="6" name="Picture 5">
             <a:extLst>
               <a:ext uri="{FF2B5EF4-FFF2-40B4-BE49-F238E27FC236}">
-                <a16:creationId xmlns:a16="http://schemas.microsoft.com/office/drawing/2014/main" id="{99FEE04E-B30D-35D0-1761-71451D11F701}"/>
+                <a16:creationId xmlns:a16="http://schemas.microsoft.com/office/drawing/2014/main" id="{0D9F14A3-033A-83B4-0075-8EF0810446B7}"/>
               </a:ext>
             </a:extLst>
           </p:cNvPr>
@@ -14817,8 +14820,8 @@
         </p:blipFill>
         <p:spPr>
           <a:xfrm>
-            <a:off x="0" y="0"/>
-            <a:ext cx="12192000" cy="6858000"/>
+            <a:off x="1" y="-3351"/>
+            <a:ext cx="12152310" cy="6842355"/>
           </a:xfrm>
           <a:prstGeom prst="rect">
             <a:avLst/>
@@ -14833,17 +14836,13 @@
         </p:nvSpPr>
         <p:spPr>
           <a:xfrm>
-            <a:off x="902494" y="344834"/>
+            <a:off x="902494" y="230534"/>
             <a:ext cx="10387012" cy="3539430"/>
           </a:xfrm>
           <a:prstGeom prst="rect">
             <a:avLst/>
           </a:prstGeom>
-          <a:solidFill>
-            <a:schemeClr val="lt1">
-              <a:alpha val="79000"/>
-            </a:schemeClr>
-          </a:solidFill>
+          <a:noFill/>
           <a:ln>
             <a:solidFill>
               <a:schemeClr val="dk1">
@@ -14946,7 +14945,7 @@
     </p:spTree>
     <p:extLst>
       <p:ext uri="{BB962C8B-B14F-4D97-AF65-F5344CB8AC3E}">
-        <p14:creationId xmlns:p14="http://schemas.microsoft.com/office/powerpoint/2010/main" val="3545653625"/>
+        <p14:creationId xmlns:p14="http://schemas.microsoft.com/office/powerpoint/2010/main" val="642400785"/>
       </p:ext>
     </p:extLst>
   </p:cSld>
@@ -14992,7 +14991,7 @@
           </a:ln>
           <a:extLst>
             <a:ext uri="{C572A759-6A51-4108-AA02-DFA0A04FC94B}">
-              <ma14:wrappingTextBoxFlag xmlns="" xmlns:m="http://schemas.openxmlformats.org/officeDocument/2006/math" xmlns:a14="http://schemas.microsoft.com/office/drawing/2010/main" xmlns:ma14="http://schemas.microsoft.com/office/mac/drawingml/2011/main" val="1"/>
+              <ma14:wrappingTextBoxFlag xmlns:ma14="http://schemas.microsoft.com/office/mac/drawingml/2011/main" xmlns:a14="http://schemas.microsoft.com/office/drawing/2010/main" xmlns:m="http://schemas.openxmlformats.org/officeDocument/2006/math" xmlns="" val="1"/>
             </a:ext>
           </a:extLst>
         </p:spPr>
@@ -15069,7 +15068,7 @@
           </a:ln>
           <a:extLst>
             <a:ext uri="{C572A759-6A51-4108-AA02-DFA0A04FC94B}">
-              <ma14:wrappingTextBoxFlag xmlns="" xmlns:m="http://schemas.openxmlformats.org/officeDocument/2006/math" xmlns:a14="http://schemas.microsoft.com/office/drawing/2010/main" xmlns:ma14="http://schemas.microsoft.com/office/mac/drawingml/2011/main" val="1"/>
+              <ma14:wrappingTextBoxFlag xmlns:ma14="http://schemas.microsoft.com/office/mac/drawingml/2011/main" xmlns:a14="http://schemas.microsoft.com/office/drawing/2010/main" xmlns:m="http://schemas.openxmlformats.org/officeDocument/2006/math" xmlns="" val="1"/>
             </a:ext>
           </a:extLst>
         </p:spPr>
@@ -15113,7 +15112,7 @@
           </a:ln>
           <a:extLst>
             <a:ext uri="{C572A759-6A51-4108-AA02-DFA0A04FC94B}">
-              <ma14:wrappingTextBoxFlag xmlns="" xmlns:m="http://schemas.openxmlformats.org/officeDocument/2006/math" xmlns:a14="http://schemas.microsoft.com/office/drawing/2010/main" xmlns:ma14="http://schemas.microsoft.com/office/mac/drawingml/2011/main" val="1"/>
+              <ma14:wrappingTextBoxFlag xmlns:ma14="http://schemas.microsoft.com/office/mac/drawingml/2011/main" xmlns:a14="http://schemas.microsoft.com/office/drawing/2010/main" xmlns:m="http://schemas.openxmlformats.org/officeDocument/2006/math" xmlns="" val="1"/>
             </a:ext>
           </a:extLst>
         </p:spPr>
@@ -15238,7 +15237,7 @@
           </a:ln>
           <a:extLst>
             <a:ext uri="{C572A759-6A51-4108-AA02-DFA0A04FC94B}">
-              <ma14:wrappingTextBoxFlag xmlns="" xmlns:m="http://schemas.openxmlformats.org/officeDocument/2006/math" xmlns:a14="http://schemas.microsoft.com/office/drawing/2010/main" xmlns:ma14="http://schemas.microsoft.com/office/mac/drawingml/2011/main" val="1"/>
+              <ma14:wrappingTextBoxFlag xmlns:ma14="http://schemas.microsoft.com/office/mac/drawingml/2011/main" xmlns:a14="http://schemas.microsoft.com/office/drawing/2010/main" xmlns:m="http://schemas.openxmlformats.org/officeDocument/2006/math" xmlns="" val="1"/>
             </a:ext>
           </a:extLst>
         </p:spPr>
@@ -15306,7 +15305,7 @@
           </a:ln>
           <a:extLst>
             <a:ext uri="{C572A759-6A51-4108-AA02-DFA0A04FC94B}">
-              <ma14:wrappingTextBoxFlag xmlns="" xmlns:m="http://schemas.openxmlformats.org/officeDocument/2006/math" xmlns:a14="http://schemas.microsoft.com/office/drawing/2010/main" xmlns:ma14="http://schemas.microsoft.com/office/mac/drawingml/2011/main" val="1"/>
+              <ma14:wrappingTextBoxFlag xmlns:ma14="http://schemas.microsoft.com/office/mac/drawingml/2011/main" xmlns:a14="http://schemas.microsoft.com/office/drawing/2010/main" xmlns:m="http://schemas.openxmlformats.org/officeDocument/2006/math" xmlns="" val="1"/>
             </a:ext>
           </a:extLst>
         </p:spPr>
@@ -15347,7 +15346,7 @@
           </a:ln>
           <a:extLst>
             <a:ext uri="{C572A759-6A51-4108-AA02-DFA0A04FC94B}">
-              <ma14:wrappingTextBoxFlag xmlns="" xmlns:m="http://schemas.openxmlformats.org/officeDocument/2006/math" xmlns:a14="http://schemas.microsoft.com/office/drawing/2010/main" xmlns:ma14="http://schemas.microsoft.com/office/mac/drawingml/2011/main" val="1"/>
+              <ma14:wrappingTextBoxFlag xmlns:ma14="http://schemas.microsoft.com/office/mac/drawingml/2011/main" xmlns:a14="http://schemas.microsoft.com/office/drawing/2010/main" xmlns:m="http://schemas.openxmlformats.org/officeDocument/2006/math" xmlns="" val="1"/>
             </a:ext>
           </a:extLst>
         </p:spPr>
@@ -15414,7 +15413,7 @@
           </a:ln>
           <a:extLst>
             <a:ext uri="{C572A759-6A51-4108-AA02-DFA0A04FC94B}">
-              <ma14:wrappingTextBoxFlag xmlns="" xmlns:m="http://schemas.openxmlformats.org/officeDocument/2006/math" xmlns:a14="http://schemas.microsoft.com/office/drawing/2010/main" xmlns:ma14="http://schemas.microsoft.com/office/mac/drawingml/2011/main" val="1"/>
+              <ma14:wrappingTextBoxFlag xmlns:ma14="http://schemas.microsoft.com/office/mac/drawingml/2011/main" xmlns:a14="http://schemas.microsoft.com/office/drawing/2010/main" xmlns:m="http://schemas.openxmlformats.org/officeDocument/2006/math" xmlns="" val="1"/>
             </a:ext>
           </a:extLst>
         </p:spPr>
@@ -15461,7 +15460,7 @@
           </a:ln>
           <a:extLst>
             <a:ext uri="{C572A759-6A51-4108-AA02-DFA0A04FC94B}">
-              <ma14:wrappingTextBoxFlag xmlns="" xmlns:m="http://schemas.openxmlformats.org/officeDocument/2006/math" xmlns:a14="http://schemas.microsoft.com/office/drawing/2010/main" xmlns:ma14="http://schemas.microsoft.com/office/mac/drawingml/2011/main" val="1"/>
+              <ma14:wrappingTextBoxFlag xmlns:ma14="http://schemas.microsoft.com/office/mac/drawingml/2011/main" xmlns:a14="http://schemas.microsoft.com/office/drawing/2010/main" xmlns:m="http://schemas.openxmlformats.org/officeDocument/2006/math" xmlns="" val="1"/>
             </a:ext>
           </a:extLst>
         </p:spPr>
@@ -15530,7 +15529,7 @@
           </a:ln>
           <a:extLst>
             <a:ext uri="{C572A759-6A51-4108-AA02-DFA0A04FC94B}">
-              <ma14:wrappingTextBoxFlag xmlns:ma14="http://schemas.microsoft.com/office/mac/drawingml/2011/main" xmlns:a14="http://schemas.microsoft.com/office/drawing/2010/main" xmlns:m="http://schemas.openxmlformats.org/officeDocument/2006/math" xmlns="" val="1"/>
+              <ma14:wrappingTextBoxFlag xmlns="" xmlns:m="http://schemas.openxmlformats.org/officeDocument/2006/math" xmlns:a14="http://schemas.microsoft.com/office/drawing/2010/main" xmlns:ma14="http://schemas.microsoft.com/office/mac/drawingml/2011/main" val="1"/>
             </a:ext>
           </a:extLst>
         </p:spPr>
@@ -15608,7 +15607,7 @@
           </a:ln>
           <a:extLst>
             <a:ext uri="{C572A759-6A51-4108-AA02-DFA0A04FC94B}">
-              <ma14:wrappingTextBoxFlag xmlns="" xmlns:m="http://schemas.openxmlformats.org/officeDocument/2006/math" xmlns:a14="http://schemas.microsoft.com/office/drawing/2010/main" xmlns:ma14="http://schemas.microsoft.com/office/mac/drawingml/2011/main" val="1"/>
+              <ma14:wrappingTextBoxFlag xmlns:ma14="http://schemas.microsoft.com/office/mac/drawingml/2011/main" xmlns:a14="http://schemas.microsoft.com/office/drawing/2010/main" xmlns:m="http://schemas.openxmlformats.org/officeDocument/2006/math" xmlns="" val="1"/>
             </a:ext>
           </a:extLst>
         </p:spPr>
@@ -15693,7 +15692,7 @@
           </a:ln>
           <a:extLst>
             <a:ext uri="{C572A759-6A51-4108-AA02-DFA0A04FC94B}">
-              <ma14:wrappingTextBoxFlag xmlns="" xmlns:m="http://schemas.openxmlformats.org/officeDocument/2006/math" xmlns:a14="http://schemas.microsoft.com/office/drawing/2010/main" xmlns:ma14="http://schemas.microsoft.com/office/mac/drawingml/2011/main" val="1"/>
+              <ma14:wrappingTextBoxFlag xmlns:ma14="http://schemas.microsoft.com/office/mac/drawingml/2011/main" xmlns:a14="http://schemas.microsoft.com/office/drawing/2010/main" xmlns:m="http://schemas.openxmlformats.org/officeDocument/2006/math" xmlns="" val="1"/>
             </a:ext>
           </a:extLst>
         </p:spPr>
@@ -15733,7 +15732,7 @@
           </a:ln>
           <a:extLst>
             <a:ext uri="{C572A759-6A51-4108-AA02-DFA0A04FC94B}">
-              <ma14:wrappingTextBoxFlag xmlns="" xmlns:m="http://schemas.openxmlformats.org/officeDocument/2006/math" xmlns:a14="http://schemas.microsoft.com/office/drawing/2010/main" xmlns:ma14="http://schemas.microsoft.com/office/mac/drawingml/2011/main" val="1"/>
+              <ma14:wrappingTextBoxFlag xmlns:ma14="http://schemas.microsoft.com/office/mac/drawingml/2011/main" xmlns:a14="http://schemas.microsoft.com/office/drawing/2010/main" xmlns:m="http://schemas.openxmlformats.org/officeDocument/2006/math" xmlns="" val="1"/>
             </a:ext>
           </a:extLst>
         </p:spPr>
@@ -15799,7 +15798,7 @@
           </a:ln>
           <a:extLst>
             <a:ext uri="{C572A759-6A51-4108-AA02-DFA0A04FC94B}">
-              <ma14:wrappingTextBoxFlag xmlns="" xmlns:m="http://schemas.openxmlformats.org/officeDocument/2006/math" xmlns:a14="http://schemas.microsoft.com/office/drawing/2010/main" xmlns:ma14="http://schemas.microsoft.com/office/mac/drawingml/2011/main" val="1"/>
+              <ma14:wrappingTextBoxFlag xmlns:ma14="http://schemas.microsoft.com/office/mac/drawingml/2011/main" xmlns:a14="http://schemas.microsoft.com/office/drawing/2010/main" xmlns:m="http://schemas.openxmlformats.org/officeDocument/2006/math" xmlns="" val="1"/>
             </a:ext>
           </a:extLst>
         </p:spPr>
@@ -15888,7 +15887,7 @@
           </a:ln>
           <a:extLst>
             <a:ext uri="{C572A759-6A51-4108-AA02-DFA0A04FC94B}">
-              <ma14:wrappingTextBoxFlag xmlns="" xmlns:m="http://schemas.openxmlformats.org/officeDocument/2006/math" xmlns:a14="http://schemas.microsoft.com/office/drawing/2010/main" xmlns:ma14="http://schemas.microsoft.com/office/mac/drawingml/2011/main" val="1"/>
+              <ma14:wrappingTextBoxFlag xmlns:ma14="http://schemas.microsoft.com/office/mac/drawingml/2011/main" xmlns:a14="http://schemas.microsoft.com/office/drawing/2010/main" xmlns:m="http://schemas.openxmlformats.org/officeDocument/2006/math" xmlns="" val="1"/>
             </a:ext>
           </a:extLst>
         </p:spPr>
@@ -15928,7 +15927,7 @@
           </a:ln>
           <a:extLst>
             <a:ext uri="{C572A759-6A51-4108-AA02-DFA0A04FC94B}">
-              <ma14:wrappingTextBoxFlag xmlns="" xmlns:m="http://schemas.openxmlformats.org/officeDocument/2006/math" xmlns:a14="http://schemas.microsoft.com/office/drawing/2010/main" xmlns:ma14="http://schemas.microsoft.com/office/mac/drawingml/2011/main" val="1"/>
+              <ma14:wrappingTextBoxFlag xmlns:ma14="http://schemas.microsoft.com/office/mac/drawingml/2011/main" xmlns:a14="http://schemas.microsoft.com/office/drawing/2010/main" xmlns:m="http://schemas.openxmlformats.org/officeDocument/2006/math" xmlns="" val="1"/>
             </a:ext>
           </a:extLst>
         </p:spPr>
@@ -15968,7 +15967,7 @@
           </a:ln>
           <a:extLst>
             <a:ext uri="{C572A759-6A51-4108-AA02-DFA0A04FC94B}">
-              <ma14:wrappingTextBoxFlag xmlns="" xmlns:m="http://schemas.openxmlformats.org/officeDocument/2006/math" xmlns:a14="http://schemas.microsoft.com/office/drawing/2010/main" xmlns:ma14="http://schemas.microsoft.com/office/mac/drawingml/2011/main" val="1"/>
+              <ma14:wrappingTextBoxFlag xmlns:ma14="http://schemas.microsoft.com/office/mac/drawingml/2011/main" xmlns:a14="http://schemas.microsoft.com/office/drawing/2010/main" xmlns:m="http://schemas.openxmlformats.org/officeDocument/2006/math" xmlns="" val="1"/>
             </a:ext>
           </a:extLst>
         </p:spPr>
@@ -16034,7 +16033,7 @@
           </a:ln>
           <a:extLst>
             <a:ext uri="{C572A759-6A51-4108-AA02-DFA0A04FC94B}">
-              <ma14:wrappingTextBoxFlag xmlns="" xmlns:m="http://schemas.openxmlformats.org/officeDocument/2006/math" xmlns:a14="http://schemas.microsoft.com/office/drawing/2010/main" xmlns:ma14="http://schemas.microsoft.com/office/mac/drawingml/2011/main" val="1"/>
+              <ma14:wrappingTextBoxFlag xmlns:ma14="http://schemas.microsoft.com/office/mac/drawingml/2011/main" xmlns:a14="http://schemas.microsoft.com/office/drawing/2010/main" xmlns:m="http://schemas.openxmlformats.org/officeDocument/2006/math" xmlns="" val="1"/>
             </a:ext>
           </a:extLst>
         </p:spPr>
@@ -16081,7 +16080,7 @@
           </a:ln>
           <a:extLst>
             <a:ext uri="{C572A759-6A51-4108-AA02-DFA0A04FC94B}">
-              <ma14:wrappingTextBoxFlag xmlns="" xmlns:m="http://schemas.openxmlformats.org/officeDocument/2006/math" xmlns:a14="http://schemas.microsoft.com/office/drawing/2010/main" xmlns:ma14="http://schemas.microsoft.com/office/mac/drawingml/2011/main" val="1"/>
+              <ma14:wrappingTextBoxFlag xmlns:ma14="http://schemas.microsoft.com/office/mac/drawingml/2011/main" xmlns:a14="http://schemas.microsoft.com/office/drawing/2010/main" xmlns:m="http://schemas.openxmlformats.org/officeDocument/2006/math" xmlns="" val="1"/>
             </a:ext>
           </a:extLst>
         </p:spPr>
@@ -16147,7 +16146,7 @@
           </a:ln>
           <a:extLst>
             <a:ext uri="{C572A759-6A51-4108-AA02-DFA0A04FC94B}">
-              <ma14:wrappingTextBoxFlag xmlns="" xmlns:m="http://schemas.openxmlformats.org/officeDocument/2006/math" xmlns:a14="http://schemas.microsoft.com/office/drawing/2010/main" xmlns:ma14="http://schemas.microsoft.com/office/mac/drawingml/2011/main" val="1"/>
+              <ma14:wrappingTextBoxFlag xmlns:ma14="http://schemas.microsoft.com/office/mac/drawingml/2011/main" xmlns:a14="http://schemas.microsoft.com/office/drawing/2010/main" xmlns:m="http://schemas.openxmlformats.org/officeDocument/2006/math" xmlns="" val="1"/>
             </a:ext>
           </a:extLst>
         </p:spPr>
@@ -16190,7 +16189,7 @@
           </a:ln>
           <a:extLst>
             <a:ext uri="{C572A759-6A51-4108-AA02-DFA0A04FC94B}">
-              <ma14:wrappingTextBoxFlag xmlns="" xmlns:m="http://schemas.openxmlformats.org/officeDocument/2006/math" xmlns:a14="http://schemas.microsoft.com/office/drawing/2010/main" xmlns:ma14="http://schemas.microsoft.com/office/mac/drawingml/2011/main" val="1"/>
+              <ma14:wrappingTextBoxFlag xmlns:ma14="http://schemas.microsoft.com/office/mac/drawingml/2011/main" xmlns:a14="http://schemas.microsoft.com/office/drawing/2010/main" xmlns:m="http://schemas.openxmlformats.org/officeDocument/2006/math" xmlns="" val="1"/>
             </a:ext>
           </a:extLst>
         </p:spPr>
@@ -16256,7 +16255,7 @@
           </a:ln>
           <a:extLst>
             <a:ext uri="{C572A759-6A51-4108-AA02-DFA0A04FC94B}">
-              <ma14:wrappingTextBoxFlag xmlns="" xmlns:m="http://schemas.openxmlformats.org/officeDocument/2006/math" xmlns:a14="http://schemas.microsoft.com/office/drawing/2010/main" xmlns:ma14="http://schemas.microsoft.com/office/mac/drawingml/2011/main" val="1"/>
+              <ma14:wrappingTextBoxFlag xmlns:ma14="http://schemas.microsoft.com/office/mac/drawingml/2011/main" xmlns:a14="http://schemas.microsoft.com/office/drawing/2010/main" xmlns:m="http://schemas.openxmlformats.org/officeDocument/2006/math" xmlns="" val="1"/>
             </a:ext>
           </a:extLst>
         </p:spPr>
@@ -16338,7 +16337,7 @@
           </a:ln>
           <a:extLst>
             <a:ext uri="{C572A759-6A51-4108-AA02-DFA0A04FC94B}">
-              <ma14:wrappingTextBoxFlag xmlns="" xmlns:m="http://schemas.openxmlformats.org/officeDocument/2006/math" xmlns:a14="http://schemas.microsoft.com/office/drawing/2010/main" xmlns:ma14="http://schemas.microsoft.com/office/mac/drawingml/2011/main" val="1"/>
+              <ma14:wrappingTextBoxFlag xmlns:ma14="http://schemas.microsoft.com/office/mac/drawingml/2011/main" xmlns:a14="http://schemas.microsoft.com/office/drawing/2010/main" xmlns:m="http://schemas.openxmlformats.org/officeDocument/2006/math" xmlns="" val="1"/>
             </a:ext>
           </a:extLst>
         </p:spPr>
@@ -16378,7 +16377,7 @@
           </a:ln>
           <a:extLst>
             <a:ext uri="{C572A759-6A51-4108-AA02-DFA0A04FC94B}">
-              <ma14:wrappingTextBoxFlag xmlns="" xmlns:m="http://schemas.openxmlformats.org/officeDocument/2006/math" xmlns:a14="http://schemas.microsoft.com/office/drawing/2010/main" xmlns:ma14="http://schemas.microsoft.com/office/mac/drawingml/2011/main" val="1"/>
+              <ma14:wrappingTextBoxFlag xmlns:ma14="http://schemas.microsoft.com/office/mac/drawingml/2011/main" xmlns:a14="http://schemas.microsoft.com/office/drawing/2010/main" xmlns:m="http://schemas.openxmlformats.org/officeDocument/2006/math" xmlns="" val="1"/>
             </a:ext>
           </a:extLst>
         </p:spPr>
@@ -16503,7 +16502,7 @@
           </a:ln>
           <a:extLst>
             <a:ext uri="{C572A759-6A51-4108-AA02-DFA0A04FC94B}">
-              <ma14:wrappingTextBoxFlag xmlns="" xmlns:m="http://schemas.openxmlformats.org/officeDocument/2006/math" xmlns:a14="http://schemas.microsoft.com/office/drawing/2010/main" xmlns:ma14="http://schemas.microsoft.com/office/mac/drawingml/2011/main" val="1"/>
+              <ma14:wrappingTextBoxFlag xmlns:ma14="http://schemas.microsoft.com/office/mac/drawingml/2011/main" xmlns:a14="http://schemas.microsoft.com/office/drawing/2010/main" xmlns:m="http://schemas.openxmlformats.org/officeDocument/2006/math" xmlns="" val="1"/>
             </a:ext>
           </a:extLst>
         </p:spPr>
@@ -16567,7 +16566,7 @@
           </a:ln>
           <a:extLst>
             <a:ext uri="{C572A759-6A51-4108-AA02-DFA0A04FC94B}">
-              <ma14:wrappingTextBoxFlag xmlns="" xmlns:m="http://schemas.openxmlformats.org/officeDocument/2006/math" xmlns:a14="http://schemas.microsoft.com/office/drawing/2010/main" xmlns:ma14="http://schemas.microsoft.com/office/mac/drawingml/2011/main" val="1"/>
+              <ma14:wrappingTextBoxFlag xmlns:ma14="http://schemas.microsoft.com/office/mac/drawingml/2011/main" xmlns:a14="http://schemas.microsoft.com/office/drawing/2010/main" xmlns:m="http://schemas.openxmlformats.org/officeDocument/2006/math" xmlns="" val="1"/>
             </a:ext>
           </a:extLst>
         </p:spPr>
@@ -16607,7 +16606,7 @@
           </a:ln>
           <a:extLst>
             <a:ext uri="{C572A759-6A51-4108-AA02-DFA0A04FC94B}">
-              <ma14:wrappingTextBoxFlag xmlns="" xmlns:m="http://schemas.openxmlformats.org/officeDocument/2006/math" xmlns:a14="http://schemas.microsoft.com/office/drawing/2010/main" xmlns:ma14="http://schemas.microsoft.com/office/mac/drawingml/2011/main" val="1"/>
+              <ma14:wrappingTextBoxFlag xmlns:ma14="http://schemas.microsoft.com/office/mac/drawingml/2011/main" xmlns:a14="http://schemas.microsoft.com/office/drawing/2010/main" xmlns:m="http://schemas.openxmlformats.org/officeDocument/2006/math" xmlns="" val="1"/>
             </a:ext>
           </a:extLst>
         </p:spPr>
@@ -16673,7 +16672,7 @@
           </a:ln>
           <a:extLst>
             <a:ext uri="{C572A759-6A51-4108-AA02-DFA0A04FC94B}">
-              <ma14:wrappingTextBoxFlag xmlns="" xmlns:m="http://schemas.openxmlformats.org/officeDocument/2006/math" xmlns:a14="http://schemas.microsoft.com/office/drawing/2010/main" xmlns:ma14="http://schemas.microsoft.com/office/mac/drawingml/2011/main" val="1"/>
+              <ma14:wrappingTextBoxFlag xmlns:ma14="http://schemas.microsoft.com/office/mac/drawingml/2011/main" xmlns:a14="http://schemas.microsoft.com/office/drawing/2010/main" xmlns:m="http://schemas.openxmlformats.org/officeDocument/2006/math" xmlns="" val="1"/>
             </a:ext>
           </a:extLst>
         </p:spPr>
@@ -16780,7 +16779,7 @@
           </a:ln>
           <a:extLst>
             <a:ext uri="{C572A759-6A51-4108-AA02-DFA0A04FC94B}">
-              <ma14:wrappingTextBoxFlag xmlns="" xmlns:m="http://schemas.openxmlformats.org/officeDocument/2006/math" xmlns:a14="http://schemas.microsoft.com/office/drawing/2010/main" xmlns:ma14="http://schemas.microsoft.com/office/mac/drawingml/2011/main" val="1"/>
+              <ma14:wrappingTextBoxFlag xmlns:ma14="http://schemas.microsoft.com/office/mac/drawingml/2011/main" xmlns:a14="http://schemas.microsoft.com/office/drawing/2010/main" xmlns:m="http://schemas.openxmlformats.org/officeDocument/2006/math" xmlns="" val="1"/>
             </a:ext>
           </a:extLst>
         </p:spPr>
@@ -16820,7 +16819,7 @@
           </a:ln>
           <a:extLst>
             <a:ext uri="{C572A759-6A51-4108-AA02-DFA0A04FC94B}">
-              <ma14:wrappingTextBoxFlag xmlns="" xmlns:m="http://schemas.openxmlformats.org/officeDocument/2006/math" xmlns:a14="http://schemas.microsoft.com/office/drawing/2010/main" xmlns:ma14="http://schemas.microsoft.com/office/mac/drawingml/2011/main" val="1"/>
+              <ma14:wrappingTextBoxFlag xmlns:ma14="http://schemas.microsoft.com/office/mac/drawingml/2011/main" xmlns:a14="http://schemas.microsoft.com/office/drawing/2010/main" xmlns:m="http://schemas.openxmlformats.org/officeDocument/2006/math" xmlns="" val="1"/>
             </a:ext>
           </a:extLst>
         </p:spPr>
@@ -16886,7 +16885,7 @@
           </a:ln>
           <a:extLst>
             <a:ext uri="{C572A759-6A51-4108-AA02-DFA0A04FC94B}">
-              <ma14:wrappingTextBoxFlag xmlns="" xmlns:m="http://schemas.openxmlformats.org/officeDocument/2006/math" xmlns:a14="http://schemas.microsoft.com/office/drawing/2010/main" xmlns:ma14="http://schemas.microsoft.com/office/mac/drawingml/2011/main" val="1"/>
+              <ma14:wrappingTextBoxFlag xmlns:ma14="http://schemas.microsoft.com/office/mac/drawingml/2011/main" xmlns:a14="http://schemas.microsoft.com/office/drawing/2010/main" xmlns:m="http://schemas.openxmlformats.org/officeDocument/2006/math" xmlns="" val="1"/>
             </a:ext>
           </a:extLst>
         </p:spPr>
@@ -16933,7 +16932,7 @@
           </a:ln>
           <a:extLst>
             <a:ext uri="{C572A759-6A51-4108-AA02-DFA0A04FC94B}">
-              <ma14:wrappingTextBoxFlag xmlns="" xmlns:m="http://schemas.openxmlformats.org/officeDocument/2006/math" xmlns:a14="http://schemas.microsoft.com/office/drawing/2010/main" xmlns:ma14="http://schemas.microsoft.com/office/mac/drawingml/2011/main" val="1"/>
+              <ma14:wrappingTextBoxFlag xmlns:ma14="http://schemas.microsoft.com/office/mac/drawingml/2011/main" xmlns:a14="http://schemas.microsoft.com/office/drawing/2010/main" xmlns:m="http://schemas.openxmlformats.org/officeDocument/2006/math" xmlns="" val="1"/>
             </a:ext>
           </a:extLst>
         </p:spPr>
@@ -16999,7 +16998,7 @@
           </a:ln>
           <a:extLst>
             <a:ext uri="{C572A759-6A51-4108-AA02-DFA0A04FC94B}">
-              <ma14:wrappingTextBoxFlag xmlns="" xmlns:m="http://schemas.openxmlformats.org/officeDocument/2006/math" xmlns:a14="http://schemas.microsoft.com/office/drawing/2010/main" xmlns:ma14="http://schemas.microsoft.com/office/mac/drawingml/2011/main" val="1"/>
+              <ma14:wrappingTextBoxFlag xmlns:ma14="http://schemas.microsoft.com/office/mac/drawingml/2011/main" xmlns:a14="http://schemas.microsoft.com/office/drawing/2010/main" xmlns:m="http://schemas.openxmlformats.org/officeDocument/2006/math" xmlns="" val="1"/>
             </a:ext>
           </a:extLst>
         </p:spPr>
@@ -17074,7 +17073,7 @@
           </a:ln>
           <a:extLst>
             <a:ext uri="{C572A759-6A51-4108-AA02-DFA0A04FC94B}">
-              <ma14:wrappingTextBoxFlag xmlns="" xmlns:m="http://schemas.openxmlformats.org/officeDocument/2006/math" xmlns:a14="http://schemas.microsoft.com/office/drawing/2010/main" xmlns:ma14="http://schemas.microsoft.com/office/mac/drawingml/2011/main" val="1"/>
+              <ma14:wrappingTextBoxFlag xmlns:ma14="http://schemas.microsoft.com/office/mac/drawingml/2011/main" xmlns:a14="http://schemas.microsoft.com/office/drawing/2010/main" xmlns:m="http://schemas.openxmlformats.org/officeDocument/2006/math" xmlns="" val="1"/>
             </a:ext>
           </a:extLst>
         </p:spPr>
@@ -17114,7 +17113,7 @@
           </a:ln>
           <a:extLst>
             <a:ext uri="{C572A759-6A51-4108-AA02-DFA0A04FC94B}">
-              <ma14:wrappingTextBoxFlag xmlns="" xmlns:m="http://schemas.openxmlformats.org/officeDocument/2006/math" xmlns:a14="http://schemas.microsoft.com/office/drawing/2010/main" xmlns:ma14="http://schemas.microsoft.com/office/mac/drawingml/2011/main" val="1"/>
+              <ma14:wrappingTextBoxFlag xmlns:ma14="http://schemas.microsoft.com/office/mac/drawingml/2011/main" xmlns:a14="http://schemas.microsoft.com/office/drawing/2010/main" xmlns:m="http://schemas.openxmlformats.org/officeDocument/2006/math" xmlns="" val="1"/>
             </a:ext>
           </a:extLst>
         </p:spPr>
@@ -17235,7 +17234,7 @@
           </a:ln>
           <a:extLst>
             <a:ext uri="{C572A759-6A51-4108-AA02-DFA0A04FC94B}">
-              <ma14:wrappingTextBoxFlag xmlns="" xmlns:m="http://schemas.openxmlformats.org/officeDocument/2006/math" xmlns:a14="http://schemas.microsoft.com/office/drawing/2010/main" xmlns:ma14="http://schemas.microsoft.com/office/mac/drawingml/2011/main" val="1"/>
+              <ma14:wrappingTextBoxFlag xmlns:ma14="http://schemas.microsoft.com/office/mac/drawingml/2011/main" xmlns:a14="http://schemas.microsoft.com/office/drawing/2010/main" xmlns:m="http://schemas.openxmlformats.org/officeDocument/2006/math" xmlns="" val="1"/>
             </a:ext>
           </a:extLst>
         </p:spPr>
@@ -17326,7 +17325,7 @@
           </a:ln>
           <a:extLst>
             <a:ext uri="{C572A759-6A51-4108-AA02-DFA0A04FC94B}">
-              <ma14:wrappingTextBoxFlag xmlns="" xmlns:m="http://schemas.openxmlformats.org/officeDocument/2006/math" xmlns:a14="http://schemas.microsoft.com/office/drawing/2010/main" xmlns:ma14="http://schemas.microsoft.com/office/mac/drawingml/2011/main" val="1"/>
+              <ma14:wrappingTextBoxFlag xmlns:ma14="http://schemas.microsoft.com/office/mac/drawingml/2011/main" xmlns:a14="http://schemas.microsoft.com/office/drawing/2010/main" xmlns:m="http://schemas.openxmlformats.org/officeDocument/2006/math" xmlns="" val="1"/>
             </a:ext>
           </a:extLst>
         </p:spPr>
@@ -17366,7 +17365,7 @@
           </a:ln>
           <a:extLst>
             <a:ext uri="{C572A759-6A51-4108-AA02-DFA0A04FC94B}">
-              <ma14:wrappingTextBoxFlag xmlns="" xmlns:m="http://schemas.openxmlformats.org/officeDocument/2006/math" xmlns:a14="http://schemas.microsoft.com/office/drawing/2010/main" xmlns:ma14="http://schemas.microsoft.com/office/mac/drawingml/2011/main" val="1"/>
+              <ma14:wrappingTextBoxFlag xmlns:ma14="http://schemas.microsoft.com/office/mac/drawingml/2011/main" xmlns:a14="http://schemas.microsoft.com/office/drawing/2010/main" xmlns:m="http://schemas.openxmlformats.org/officeDocument/2006/math" xmlns="" val="1"/>
             </a:ext>
           </a:extLst>
         </p:spPr>
@@ -17432,7 +17431,7 @@
           </a:ln>
           <a:extLst>
             <a:ext uri="{C572A759-6A51-4108-AA02-DFA0A04FC94B}">
-              <ma14:wrappingTextBoxFlag xmlns="" xmlns:m="http://schemas.openxmlformats.org/officeDocument/2006/math" xmlns:a14="http://schemas.microsoft.com/office/drawing/2010/main" xmlns:ma14="http://schemas.microsoft.com/office/mac/drawingml/2011/main" val="1"/>
+              <ma14:wrappingTextBoxFlag xmlns:ma14="http://schemas.microsoft.com/office/mac/drawingml/2011/main" xmlns:a14="http://schemas.microsoft.com/office/drawing/2010/main" xmlns:m="http://schemas.openxmlformats.org/officeDocument/2006/math" xmlns="" val="1"/>
             </a:ext>
           </a:extLst>
         </p:spPr>
@@ -17496,7 +17495,7 @@
           </a:ln>
           <a:extLst>
             <a:ext uri="{C572A759-6A51-4108-AA02-DFA0A04FC94B}">
-              <ma14:wrappingTextBoxFlag xmlns="" xmlns:m="http://schemas.openxmlformats.org/officeDocument/2006/math" xmlns:a14="http://schemas.microsoft.com/office/drawing/2010/main" xmlns:ma14="http://schemas.microsoft.com/office/mac/drawingml/2011/main" val="1"/>
+              <ma14:wrappingTextBoxFlag xmlns:ma14="http://schemas.microsoft.com/office/mac/drawingml/2011/main" xmlns:a14="http://schemas.microsoft.com/office/drawing/2010/main" xmlns:m="http://schemas.openxmlformats.org/officeDocument/2006/math" xmlns="" val="1"/>
             </a:ext>
           </a:extLst>
         </p:spPr>
@@ -17562,7 +17561,7 @@
           </a:ln>
           <a:extLst>
             <a:ext uri="{C572A759-6A51-4108-AA02-DFA0A04FC94B}">
-              <ma14:wrappingTextBoxFlag xmlns="" xmlns:m="http://schemas.openxmlformats.org/officeDocument/2006/math" xmlns:a14="http://schemas.microsoft.com/office/drawing/2010/main" xmlns:ma14="http://schemas.microsoft.com/office/mac/drawingml/2011/main" val="1"/>
+              <ma14:wrappingTextBoxFlag xmlns:ma14="http://schemas.microsoft.com/office/mac/drawingml/2011/main" xmlns:a14="http://schemas.microsoft.com/office/drawing/2010/main" xmlns:m="http://schemas.openxmlformats.org/officeDocument/2006/math" xmlns="" val="1"/>
             </a:ext>
           </a:extLst>
         </p:spPr>
@@ -17609,7 +17608,7 @@
           </a:ln>
           <a:extLst>
             <a:ext uri="{C572A759-6A51-4108-AA02-DFA0A04FC94B}">
-              <ma14:wrappingTextBoxFlag xmlns="" xmlns:m="http://schemas.openxmlformats.org/officeDocument/2006/math" xmlns:a14="http://schemas.microsoft.com/office/drawing/2010/main" xmlns:ma14="http://schemas.microsoft.com/office/mac/drawingml/2011/main" val="1"/>
+              <ma14:wrappingTextBoxFlag xmlns:ma14="http://schemas.microsoft.com/office/mac/drawingml/2011/main" xmlns:a14="http://schemas.microsoft.com/office/drawing/2010/main" xmlns:m="http://schemas.openxmlformats.org/officeDocument/2006/math" xmlns="" val="1"/>
             </a:ext>
           </a:extLst>
         </p:spPr>
@@ -17675,7 +17674,7 @@
           </a:ln>
           <a:extLst>
             <a:ext uri="{C572A759-6A51-4108-AA02-DFA0A04FC94B}">
-              <ma14:wrappingTextBoxFlag xmlns="" xmlns:m="http://schemas.openxmlformats.org/officeDocument/2006/math" xmlns:a14="http://schemas.microsoft.com/office/drawing/2010/main" xmlns:ma14="http://schemas.microsoft.com/office/mac/drawingml/2011/main" val="1"/>
+              <ma14:wrappingTextBoxFlag xmlns:ma14="http://schemas.microsoft.com/office/mac/drawingml/2011/main" xmlns:a14="http://schemas.microsoft.com/office/drawing/2010/main" xmlns:m="http://schemas.openxmlformats.org/officeDocument/2006/math" xmlns="" val="1"/>
             </a:ext>
           </a:extLst>
         </p:spPr>
@@ -17722,7 +17721,7 @@
           </a:ln>
           <a:extLst>
             <a:ext uri="{C572A759-6A51-4108-AA02-DFA0A04FC94B}">
-              <ma14:wrappingTextBoxFlag xmlns="" xmlns:m="http://schemas.openxmlformats.org/officeDocument/2006/math" xmlns:a14="http://schemas.microsoft.com/office/drawing/2010/main" xmlns:ma14="http://schemas.microsoft.com/office/mac/drawingml/2011/main" val="1"/>
+              <ma14:wrappingTextBoxFlag xmlns:ma14="http://schemas.microsoft.com/office/mac/drawingml/2011/main" xmlns:a14="http://schemas.microsoft.com/office/drawing/2010/main" xmlns:m="http://schemas.openxmlformats.org/officeDocument/2006/math" xmlns="" val="1"/>
             </a:ext>
           </a:extLst>
         </p:spPr>
@@ -17788,7 +17787,7 @@
           </a:ln>
           <a:extLst>
             <a:ext uri="{C572A759-6A51-4108-AA02-DFA0A04FC94B}">
-              <ma14:wrappingTextBoxFlag xmlns="" xmlns:m="http://schemas.openxmlformats.org/officeDocument/2006/math" xmlns:a14="http://schemas.microsoft.com/office/drawing/2010/main" xmlns:ma14="http://schemas.microsoft.com/office/mac/drawingml/2011/main" val="1"/>
+              <ma14:wrappingTextBoxFlag xmlns:ma14="http://schemas.microsoft.com/office/mac/drawingml/2011/main" xmlns:a14="http://schemas.microsoft.com/office/drawing/2010/main" xmlns:m="http://schemas.openxmlformats.org/officeDocument/2006/math" xmlns="" val="1"/>
             </a:ext>
           </a:extLst>
         </p:spPr>
@@ -17852,7 +17851,7 @@
           </a:ln>
           <a:extLst>
             <a:ext uri="{C572A759-6A51-4108-AA02-DFA0A04FC94B}">
-              <ma14:wrappingTextBoxFlag xmlns="" xmlns:m="http://schemas.openxmlformats.org/officeDocument/2006/math" xmlns:a14="http://schemas.microsoft.com/office/drawing/2010/main" xmlns:ma14="http://schemas.microsoft.com/office/mac/drawingml/2011/main" val="1"/>
+              <ma14:wrappingTextBoxFlag xmlns:ma14="http://schemas.microsoft.com/office/mac/drawingml/2011/main" xmlns:a14="http://schemas.microsoft.com/office/drawing/2010/main" xmlns:m="http://schemas.openxmlformats.org/officeDocument/2006/math" xmlns="" val="1"/>
             </a:ext>
           </a:extLst>
         </p:spPr>
@@ -17892,7 +17891,7 @@
           </a:ln>
           <a:extLst>
             <a:ext uri="{C572A759-6A51-4108-AA02-DFA0A04FC94B}">
-              <ma14:wrappingTextBoxFlag xmlns="" xmlns:m="http://schemas.openxmlformats.org/officeDocument/2006/math" xmlns:a14="http://schemas.microsoft.com/office/drawing/2010/main" xmlns:ma14="http://schemas.microsoft.com/office/mac/drawingml/2011/main" val="1"/>
+              <ma14:wrappingTextBoxFlag xmlns:ma14="http://schemas.microsoft.com/office/mac/drawingml/2011/main" xmlns:a14="http://schemas.microsoft.com/office/drawing/2010/main" xmlns:m="http://schemas.openxmlformats.org/officeDocument/2006/math" xmlns="" val="1"/>
             </a:ext>
           </a:extLst>
         </p:spPr>
@@ -17958,7 +17957,7 @@
           </a:ln>
           <a:extLst>
             <a:ext uri="{C572A759-6A51-4108-AA02-DFA0A04FC94B}">
-              <ma14:wrappingTextBoxFlag xmlns="" xmlns:m="http://schemas.openxmlformats.org/officeDocument/2006/math" xmlns:a14="http://schemas.microsoft.com/office/drawing/2010/main" xmlns:ma14="http://schemas.microsoft.com/office/mac/drawingml/2011/main" val="1"/>
+              <ma14:wrappingTextBoxFlag xmlns:ma14="http://schemas.microsoft.com/office/mac/drawingml/2011/main" xmlns:a14="http://schemas.microsoft.com/office/drawing/2010/main" xmlns:m="http://schemas.openxmlformats.org/officeDocument/2006/math" xmlns="" val="1"/>
             </a:ext>
           </a:extLst>
         </p:spPr>
@@ -18027,7 +18026,7 @@
           </a:ln>
           <a:extLst>
             <a:ext uri="{C572A759-6A51-4108-AA02-DFA0A04FC94B}">
-              <ma14:wrappingTextBoxFlag xmlns="" xmlns:m="http://schemas.openxmlformats.org/officeDocument/2006/math" xmlns:a14="http://schemas.microsoft.com/office/drawing/2010/main" xmlns:ma14="http://schemas.microsoft.com/office/mac/drawingml/2011/main" val="1"/>
+              <ma14:wrappingTextBoxFlag xmlns:ma14="http://schemas.microsoft.com/office/mac/drawingml/2011/main" xmlns:a14="http://schemas.microsoft.com/office/drawing/2010/main" xmlns:m="http://schemas.openxmlformats.org/officeDocument/2006/math" xmlns="" val="1"/>
             </a:ext>
           </a:extLst>
         </p:spPr>
@@ -18093,7 +18092,7 @@
           </a:ln>
           <a:extLst>
             <a:ext uri="{C572A759-6A51-4108-AA02-DFA0A04FC94B}">
-              <ma14:wrappingTextBoxFlag xmlns="" xmlns:m="http://schemas.openxmlformats.org/officeDocument/2006/math" xmlns:a14="http://schemas.microsoft.com/office/drawing/2010/main" xmlns:ma14="http://schemas.microsoft.com/office/mac/drawingml/2011/main" val="1"/>
+              <ma14:wrappingTextBoxFlag xmlns:ma14="http://schemas.microsoft.com/office/mac/drawingml/2011/main" xmlns:a14="http://schemas.microsoft.com/office/drawing/2010/main" xmlns:m="http://schemas.openxmlformats.org/officeDocument/2006/math" xmlns="" val="1"/>
             </a:ext>
           </a:extLst>
         </p:spPr>
@@ -18140,7 +18139,7 @@
           </a:ln>
           <a:extLst>
             <a:ext uri="{C572A759-6A51-4108-AA02-DFA0A04FC94B}">
-              <ma14:wrappingTextBoxFlag xmlns="" xmlns:m="http://schemas.openxmlformats.org/officeDocument/2006/math" xmlns:a14="http://schemas.microsoft.com/office/drawing/2010/main" xmlns:ma14="http://schemas.microsoft.com/office/mac/drawingml/2011/main" val="1"/>
+              <ma14:wrappingTextBoxFlag xmlns:ma14="http://schemas.microsoft.com/office/mac/drawingml/2011/main" xmlns:a14="http://schemas.microsoft.com/office/drawing/2010/main" xmlns:m="http://schemas.openxmlformats.org/officeDocument/2006/math" xmlns="" val="1"/>
             </a:ext>
           </a:extLst>
         </p:spPr>
@@ -18206,7 +18205,7 @@
           </a:ln>
           <a:extLst>
             <a:ext uri="{C572A759-6A51-4108-AA02-DFA0A04FC94B}">
-              <ma14:wrappingTextBoxFlag xmlns="" xmlns:m="http://schemas.openxmlformats.org/officeDocument/2006/math" xmlns:a14="http://schemas.microsoft.com/office/drawing/2010/main" xmlns:ma14="http://schemas.microsoft.com/office/mac/drawingml/2011/main" val="1"/>
+              <ma14:wrappingTextBoxFlag xmlns:ma14="http://schemas.microsoft.com/office/mac/drawingml/2011/main" xmlns:a14="http://schemas.microsoft.com/office/drawing/2010/main" xmlns:m="http://schemas.openxmlformats.org/officeDocument/2006/math" xmlns="" val="1"/>
             </a:ext>
           </a:extLst>
         </p:spPr>
@@ -18253,7 +18252,7 @@
           </a:ln>
           <a:extLst>
             <a:ext uri="{C572A759-6A51-4108-AA02-DFA0A04FC94B}">
-              <ma14:wrappingTextBoxFlag xmlns="" xmlns:m="http://schemas.openxmlformats.org/officeDocument/2006/math" xmlns:a14="http://schemas.microsoft.com/office/drawing/2010/main" xmlns:ma14="http://schemas.microsoft.com/office/mac/drawingml/2011/main" val="1"/>
+              <ma14:wrappingTextBoxFlag xmlns:ma14="http://schemas.microsoft.com/office/mac/drawingml/2011/main" xmlns:a14="http://schemas.microsoft.com/office/drawing/2010/main" xmlns:m="http://schemas.openxmlformats.org/officeDocument/2006/math" xmlns="" val="1"/>
             </a:ext>
           </a:extLst>
         </p:spPr>
@@ -18319,7 +18318,7 @@
           </a:ln>
           <a:extLst>
             <a:ext uri="{C572A759-6A51-4108-AA02-DFA0A04FC94B}">
-              <ma14:wrappingTextBoxFlag xmlns="" xmlns:m="http://schemas.openxmlformats.org/officeDocument/2006/math" xmlns:a14="http://schemas.microsoft.com/office/drawing/2010/main" xmlns:ma14="http://schemas.microsoft.com/office/mac/drawingml/2011/main" val="1"/>
+              <ma14:wrappingTextBoxFlag xmlns:ma14="http://schemas.microsoft.com/office/mac/drawingml/2011/main" xmlns:a14="http://schemas.microsoft.com/office/drawing/2010/main" xmlns:m="http://schemas.openxmlformats.org/officeDocument/2006/math" xmlns="" val="1"/>
             </a:ext>
           </a:extLst>
         </p:spPr>
@@ -18366,7 +18365,7 @@
           </a:ln>
           <a:extLst>
             <a:ext uri="{C572A759-6A51-4108-AA02-DFA0A04FC94B}">
-              <ma14:wrappingTextBoxFlag xmlns="" xmlns:m="http://schemas.openxmlformats.org/officeDocument/2006/math" xmlns:a14="http://schemas.microsoft.com/office/drawing/2010/main" xmlns:ma14="http://schemas.microsoft.com/office/mac/drawingml/2011/main" val="1"/>
+              <ma14:wrappingTextBoxFlag xmlns:ma14="http://schemas.microsoft.com/office/mac/drawingml/2011/main" xmlns:a14="http://schemas.microsoft.com/office/drawing/2010/main" xmlns:m="http://schemas.openxmlformats.org/officeDocument/2006/math" xmlns="" val="1"/>
             </a:ext>
           </a:extLst>
         </p:spPr>
@@ -18432,7 +18431,7 @@
           </a:ln>
           <a:extLst>
             <a:ext uri="{C572A759-6A51-4108-AA02-DFA0A04FC94B}">
-              <ma14:wrappingTextBoxFlag xmlns="" xmlns:m="http://schemas.openxmlformats.org/officeDocument/2006/math" xmlns:a14="http://schemas.microsoft.com/office/drawing/2010/main" xmlns:ma14="http://schemas.microsoft.com/office/mac/drawingml/2011/main" val="1"/>
+              <ma14:wrappingTextBoxFlag xmlns:ma14="http://schemas.microsoft.com/office/mac/drawingml/2011/main" xmlns:a14="http://schemas.microsoft.com/office/drawing/2010/main" xmlns:m="http://schemas.openxmlformats.org/officeDocument/2006/math" xmlns="" val="1"/>
             </a:ext>
           </a:extLst>
         </p:spPr>
@@ -18534,7 +18533,7 @@
           </a:ln>
           <a:extLst>
             <a:ext uri="{C572A759-6A51-4108-AA02-DFA0A04FC94B}">
-              <ma14:wrappingTextBoxFlag xmlns="" xmlns:m="http://schemas.openxmlformats.org/officeDocument/2006/math" xmlns:a14="http://schemas.microsoft.com/office/drawing/2010/main" xmlns:ma14="http://schemas.microsoft.com/office/mac/drawingml/2011/main" val="1"/>
+              <ma14:wrappingTextBoxFlag xmlns:ma14="http://schemas.microsoft.com/office/mac/drawingml/2011/main" xmlns:a14="http://schemas.microsoft.com/office/drawing/2010/main" xmlns:m="http://schemas.openxmlformats.org/officeDocument/2006/math" xmlns="" val="1"/>
             </a:ext>
           </a:extLst>
         </p:spPr>
@@ -18574,7 +18573,7 @@
           </a:ln>
           <a:extLst>
             <a:ext uri="{C572A759-6A51-4108-AA02-DFA0A04FC94B}">
-              <ma14:wrappingTextBoxFlag xmlns="" xmlns:m="http://schemas.openxmlformats.org/officeDocument/2006/math" xmlns:a14="http://schemas.microsoft.com/office/drawing/2010/main" xmlns:ma14="http://schemas.microsoft.com/office/mac/drawingml/2011/main" val="1"/>
+              <ma14:wrappingTextBoxFlag xmlns:ma14="http://schemas.microsoft.com/office/mac/drawingml/2011/main" xmlns:a14="http://schemas.microsoft.com/office/drawing/2010/main" xmlns:m="http://schemas.openxmlformats.org/officeDocument/2006/math" xmlns="" val="1"/>
             </a:ext>
           </a:extLst>
         </p:spPr>
@@ -18614,7 +18613,7 @@
           </a:ln>
           <a:extLst>
             <a:ext uri="{C572A759-6A51-4108-AA02-DFA0A04FC94B}">
-              <ma14:wrappingTextBoxFlag xmlns="" xmlns:m="http://schemas.openxmlformats.org/officeDocument/2006/math" xmlns:a14="http://schemas.microsoft.com/office/drawing/2010/main" xmlns:ma14="http://schemas.microsoft.com/office/mac/drawingml/2011/main" val="1"/>
+              <ma14:wrappingTextBoxFlag xmlns:ma14="http://schemas.microsoft.com/office/mac/drawingml/2011/main" xmlns:a14="http://schemas.microsoft.com/office/drawing/2010/main" xmlns:m="http://schemas.openxmlformats.org/officeDocument/2006/math" xmlns="" val="1"/>
             </a:ext>
           </a:extLst>
         </p:spPr>
@@ -18740,7 +18739,7 @@
           </a:ln>
           <a:extLst>
             <a:ext uri="{C572A759-6A51-4108-AA02-DFA0A04FC94B}">
-              <ma14:wrappingTextBoxFlag xmlns="" xmlns:m="http://schemas.openxmlformats.org/officeDocument/2006/math" xmlns:a14="http://schemas.microsoft.com/office/drawing/2010/main" xmlns:ma14="http://schemas.microsoft.com/office/mac/drawingml/2011/main" val="1"/>
+              <ma14:wrappingTextBoxFlag xmlns:ma14="http://schemas.microsoft.com/office/mac/drawingml/2011/main" xmlns:a14="http://schemas.microsoft.com/office/drawing/2010/main" xmlns:m="http://schemas.openxmlformats.org/officeDocument/2006/math" xmlns="" val="1"/>
             </a:ext>
           </a:extLst>
         </p:spPr>
@@ -18866,7 +18865,7 @@
           </a:ln>
           <a:extLst>
             <a:ext uri="{C572A759-6A51-4108-AA02-DFA0A04FC94B}">
-              <ma14:wrappingTextBoxFlag xmlns="" xmlns:m="http://schemas.openxmlformats.org/officeDocument/2006/math" xmlns:a14="http://schemas.microsoft.com/office/drawing/2010/main" xmlns:ma14="http://schemas.microsoft.com/office/mac/drawingml/2011/main" val="1"/>
+              <ma14:wrappingTextBoxFlag xmlns:ma14="http://schemas.microsoft.com/office/mac/drawingml/2011/main" xmlns:a14="http://schemas.microsoft.com/office/drawing/2010/main" xmlns:m="http://schemas.openxmlformats.org/officeDocument/2006/math" xmlns="" val="1"/>
             </a:ext>
           </a:extLst>
         </p:spPr>
@@ -18906,7 +18905,7 @@
           </a:ln>
           <a:extLst>
             <a:ext uri="{C572A759-6A51-4108-AA02-DFA0A04FC94B}">
-              <ma14:wrappingTextBoxFlag xmlns="" xmlns:m="http://schemas.openxmlformats.org/officeDocument/2006/math" xmlns:a14="http://schemas.microsoft.com/office/drawing/2010/main" xmlns:ma14="http://schemas.microsoft.com/office/mac/drawingml/2011/main" val="1"/>
+              <ma14:wrappingTextBoxFlag xmlns:ma14="http://schemas.microsoft.com/office/mac/drawingml/2011/main" xmlns:a14="http://schemas.microsoft.com/office/drawing/2010/main" xmlns:m="http://schemas.openxmlformats.org/officeDocument/2006/math" xmlns="" val="1"/>
             </a:ext>
           </a:extLst>
         </p:spPr>
@@ -18946,7 +18945,7 @@
           </a:ln>
           <a:extLst>
             <a:ext uri="{C572A759-6A51-4108-AA02-DFA0A04FC94B}">
-              <ma14:wrappingTextBoxFlag xmlns="" xmlns:m="http://schemas.openxmlformats.org/officeDocument/2006/math" xmlns:a14="http://schemas.microsoft.com/office/drawing/2010/main" xmlns:ma14="http://schemas.microsoft.com/office/mac/drawingml/2011/main" val="1"/>
+              <ma14:wrappingTextBoxFlag xmlns:ma14="http://schemas.microsoft.com/office/mac/drawingml/2011/main" xmlns:a14="http://schemas.microsoft.com/office/drawing/2010/main" xmlns:m="http://schemas.openxmlformats.org/officeDocument/2006/math" xmlns="" val="1"/>
             </a:ext>
           </a:extLst>
         </p:spPr>
@@ -18986,7 +18985,7 @@
           </a:ln>
           <a:extLst>
             <a:ext uri="{C572A759-6A51-4108-AA02-DFA0A04FC94B}">
-              <ma14:wrappingTextBoxFlag xmlns="" xmlns:m="http://schemas.openxmlformats.org/officeDocument/2006/math" xmlns:a14="http://schemas.microsoft.com/office/drawing/2010/main" xmlns:ma14="http://schemas.microsoft.com/office/mac/drawingml/2011/main" val="1"/>
+              <ma14:wrappingTextBoxFlag xmlns:ma14="http://schemas.microsoft.com/office/mac/drawingml/2011/main" xmlns:a14="http://schemas.microsoft.com/office/drawing/2010/main" xmlns:m="http://schemas.openxmlformats.org/officeDocument/2006/math" xmlns="" val="1"/>
             </a:ext>
           </a:extLst>
         </p:spPr>
@@ -19026,7 +19025,7 @@
           </a:ln>
           <a:extLst>
             <a:ext uri="{C572A759-6A51-4108-AA02-DFA0A04FC94B}">
-              <ma14:wrappingTextBoxFlag xmlns="" xmlns:m="http://schemas.openxmlformats.org/officeDocument/2006/math" xmlns:a14="http://schemas.microsoft.com/office/drawing/2010/main" xmlns:ma14="http://schemas.microsoft.com/office/mac/drawingml/2011/main" val="1"/>
+              <ma14:wrappingTextBoxFlag xmlns:ma14="http://schemas.microsoft.com/office/mac/drawingml/2011/main" xmlns:a14="http://schemas.microsoft.com/office/drawing/2010/main" xmlns:m="http://schemas.openxmlformats.org/officeDocument/2006/math" xmlns="" val="1"/>
             </a:ext>
           </a:extLst>
         </p:spPr>
@@ -19092,7 +19091,7 @@
           </a:ln>
           <a:extLst>
             <a:ext uri="{C572A759-6A51-4108-AA02-DFA0A04FC94B}">
-              <ma14:wrappingTextBoxFlag xmlns="" xmlns:m="http://schemas.openxmlformats.org/officeDocument/2006/math" xmlns:a14="http://schemas.microsoft.com/office/drawing/2010/main" xmlns:ma14="http://schemas.microsoft.com/office/mac/drawingml/2011/main" val="1"/>
+              <ma14:wrappingTextBoxFlag xmlns:ma14="http://schemas.microsoft.com/office/mac/drawingml/2011/main" xmlns:a14="http://schemas.microsoft.com/office/drawing/2010/main" xmlns:m="http://schemas.openxmlformats.org/officeDocument/2006/math" xmlns="" val="1"/>
             </a:ext>
           </a:extLst>
         </p:spPr>
@@ -19183,7 +19182,7 @@
           </a:ln>
           <a:extLst>
             <a:ext uri="{C572A759-6A51-4108-AA02-DFA0A04FC94B}">
-              <ma14:wrappingTextBoxFlag xmlns="" xmlns:m="http://schemas.openxmlformats.org/officeDocument/2006/math" xmlns:a14="http://schemas.microsoft.com/office/drawing/2010/main" xmlns:ma14="http://schemas.microsoft.com/office/mac/drawingml/2011/main" val="1"/>
+              <ma14:wrappingTextBoxFlag xmlns:ma14="http://schemas.microsoft.com/office/mac/drawingml/2011/main" xmlns:a14="http://schemas.microsoft.com/office/drawing/2010/main" xmlns:m="http://schemas.openxmlformats.org/officeDocument/2006/math" xmlns="" val="1"/>
             </a:ext>
           </a:extLst>
         </p:spPr>
@@ -19223,7 +19222,7 @@
           </a:ln>
           <a:extLst>
             <a:ext uri="{C572A759-6A51-4108-AA02-DFA0A04FC94B}">
-              <ma14:wrappingTextBoxFlag xmlns="" xmlns:m="http://schemas.openxmlformats.org/officeDocument/2006/math" xmlns:a14="http://schemas.microsoft.com/office/drawing/2010/main" xmlns:ma14="http://schemas.microsoft.com/office/mac/drawingml/2011/main" val="1"/>
+              <ma14:wrappingTextBoxFlag xmlns:ma14="http://schemas.microsoft.com/office/mac/drawingml/2011/main" xmlns:a14="http://schemas.microsoft.com/office/drawing/2010/main" xmlns:m="http://schemas.openxmlformats.org/officeDocument/2006/math" xmlns="" val="1"/>
             </a:ext>
           </a:extLst>
         </p:spPr>
@@ -19289,7 +19288,7 @@
           </a:ln>
           <a:extLst>
             <a:ext uri="{C572A759-6A51-4108-AA02-DFA0A04FC94B}">
-              <ma14:wrappingTextBoxFlag xmlns="" xmlns:m="http://schemas.openxmlformats.org/officeDocument/2006/math" xmlns:a14="http://schemas.microsoft.com/office/drawing/2010/main" xmlns:ma14="http://schemas.microsoft.com/office/mac/drawingml/2011/main" val="1"/>
+              <ma14:wrappingTextBoxFlag xmlns:ma14="http://schemas.microsoft.com/office/mac/drawingml/2011/main" xmlns:a14="http://schemas.microsoft.com/office/drawing/2010/main" xmlns:m="http://schemas.openxmlformats.org/officeDocument/2006/math" xmlns="" val="1"/>
             </a:ext>
           </a:extLst>
         </p:spPr>
@@ -19332,7 +19331,7 @@
           </a:ln>
           <a:extLst>
             <a:ext uri="{C572A759-6A51-4108-AA02-DFA0A04FC94B}">
-              <ma14:wrappingTextBoxFlag xmlns="" xmlns:m="http://schemas.openxmlformats.org/officeDocument/2006/math" xmlns:a14="http://schemas.microsoft.com/office/drawing/2010/main" xmlns:ma14="http://schemas.microsoft.com/office/mac/drawingml/2011/main" val="1"/>
+              <ma14:wrappingTextBoxFlag xmlns:ma14="http://schemas.microsoft.com/office/mac/drawingml/2011/main" xmlns:a14="http://schemas.microsoft.com/office/drawing/2010/main" xmlns:m="http://schemas.openxmlformats.org/officeDocument/2006/math" xmlns="" val="1"/>
             </a:ext>
           </a:extLst>
         </p:spPr>
@@ -19398,7 +19397,7 @@
           </a:ln>
           <a:extLst>
             <a:ext uri="{C572A759-6A51-4108-AA02-DFA0A04FC94B}">
-              <ma14:wrappingTextBoxFlag xmlns="" xmlns:m="http://schemas.openxmlformats.org/officeDocument/2006/math" xmlns:a14="http://schemas.microsoft.com/office/drawing/2010/main" xmlns:ma14="http://schemas.microsoft.com/office/mac/drawingml/2011/main" val="1"/>
+              <ma14:wrappingTextBoxFlag xmlns:ma14="http://schemas.microsoft.com/office/mac/drawingml/2011/main" xmlns:a14="http://schemas.microsoft.com/office/drawing/2010/main" xmlns:m="http://schemas.openxmlformats.org/officeDocument/2006/math" xmlns="" val="1"/>
             </a:ext>
           </a:extLst>
         </p:spPr>
@@ -19441,7 +19440,7 @@
           </a:ln>
           <a:extLst>
             <a:ext uri="{C572A759-6A51-4108-AA02-DFA0A04FC94B}">
-              <ma14:wrappingTextBoxFlag xmlns="" xmlns:m="http://schemas.openxmlformats.org/officeDocument/2006/math" xmlns:a14="http://schemas.microsoft.com/office/drawing/2010/main" xmlns:ma14="http://schemas.microsoft.com/office/mac/drawingml/2011/main" val="1"/>
+              <ma14:wrappingTextBoxFlag xmlns:ma14="http://schemas.microsoft.com/office/mac/drawingml/2011/main" xmlns:a14="http://schemas.microsoft.com/office/drawing/2010/main" xmlns:m="http://schemas.openxmlformats.org/officeDocument/2006/math" xmlns="" val="1"/>
             </a:ext>
           </a:extLst>
         </p:spPr>
@@ -19507,7 +19506,7 @@
           </a:ln>
           <a:extLst>
             <a:ext uri="{C572A759-6A51-4108-AA02-DFA0A04FC94B}">
-              <ma14:wrappingTextBoxFlag xmlns="" xmlns:m="http://schemas.openxmlformats.org/officeDocument/2006/math" xmlns:a14="http://schemas.microsoft.com/office/drawing/2010/main" xmlns:ma14="http://schemas.microsoft.com/office/mac/drawingml/2011/main" val="1"/>
+              <ma14:wrappingTextBoxFlag xmlns:ma14="http://schemas.microsoft.com/office/mac/drawingml/2011/main" xmlns:a14="http://schemas.microsoft.com/office/drawing/2010/main" xmlns:m="http://schemas.openxmlformats.org/officeDocument/2006/math" xmlns="" val="1"/>
             </a:ext>
           </a:extLst>
         </p:spPr>
@@ -19570,7 +19569,7 @@
           </a:ln>
           <a:extLst>
             <a:ext uri="{C572A759-6A51-4108-AA02-DFA0A04FC94B}">
-              <ma14:wrappingTextBoxFlag xmlns="" xmlns:m="http://schemas.openxmlformats.org/officeDocument/2006/math" xmlns:a14="http://schemas.microsoft.com/office/drawing/2010/main" xmlns:ma14="http://schemas.microsoft.com/office/mac/drawingml/2011/main" val="1"/>
+              <ma14:wrappingTextBoxFlag xmlns:ma14="http://schemas.microsoft.com/office/mac/drawingml/2011/main" xmlns:a14="http://schemas.microsoft.com/office/drawing/2010/main" xmlns:m="http://schemas.openxmlformats.org/officeDocument/2006/math" xmlns="" val="1"/>
             </a:ext>
           </a:extLst>
         </p:spPr>
@@ -19636,7 +19635,7 @@
           </a:ln>
           <a:extLst>
             <a:ext uri="{C572A759-6A51-4108-AA02-DFA0A04FC94B}">
-              <ma14:wrappingTextBoxFlag xmlns="" xmlns:m="http://schemas.openxmlformats.org/officeDocument/2006/math" xmlns:a14="http://schemas.microsoft.com/office/drawing/2010/main" xmlns:ma14="http://schemas.microsoft.com/office/mac/drawingml/2011/main" val="1"/>
+              <ma14:wrappingTextBoxFlag xmlns:ma14="http://schemas.microsoft.com/office/mac/drawingml/2011/main" xmlns:a14="http://schemas.microsoft.com/office/drawing/2010/main" xmlns:m="http://schemas.openxmlformats.org/officeDocument/2006/math" xmlns="" val="1"/>
             </a:ext>
           </a:extLst>
         </p:spPr>
@@ -19679,7 +19678,7 @@
           </a:ln>
           <a:extLst>
             <a:ext uri="{C572A759-6A51-4108-AA02-DFA0A04FC94B}">
-              <ma14:wrappingTextBoxFlag xmlns="" xmlns:m="http://schemas.openxmlformats.org/officeDocument/2006/math" xmlns:a14="http://schemas.microsoft.com/office/drawing/2010/main" xmlns:ma14="http://schemas.microsoft.com/office/mac/drawingml/2011/main" val="1"/>
+              <ma14:wrappingTextBoxFlag xmlns:ma14="http://schemas.microsoft.com/office/mac/drawingml/2011/main" xmlns:a14="http://schemas.microsoft.com/office/drawing/2010/main" xmlns:m="http://schemas.openxmlformats.org/officeDocument/2006/math" xmlns="" val="1"/>
             </a:ext>
           </a:extLst>
         </p:spPr>
@@ -19747,7 +19746,7 @@
           </a:ln>
           <a:extLst>
             <a:ext uri="{C572A759-6A51-4108-AA02-DFA0A04FC94B}">
-              <ma14:wrappingTextBoxFlag xmlns="" xmlns:m="http://schemas.openxmlformats.org/officeDocument/2006/math" xmlns:a14="http://schemas.microsoft.com/office/drawing/2010/main" xmlns:ma14="http://schemas.microsoft.com/office/mac/drawingml/2011/main" val="1"/>
+              <ma14:wrappingTextBoxFlag xmlns:ma14="http://schemas.microsoft.com/office/mac/drawingml/2011/main" xmlns:a14="http://schemas.microsoft.com/office/drawing/2010/main" xmlns:m="http://schemas.openxmlformats.org/officeDocument/2006/math" xmlns="" val="1"/>
             </a:ext>
           </a:extLst>
         </p:spPr>
@@ -19807,7 +19806,7 @@
           </a:ln>
           <a:extLst>
             <a:ext uri="{C572A759-6A51-4108-AA02-DFA0A04FC94B}">
-              <ma14:wrappingTextBoxFlag xmlns="" xmlns:m="http://schemas.openxmlformats.org/officeDocument/2006/math" xmlns:a14="http://schemas.microsoft.com/office/drawing/2010/main" xmlns:ma14="http://schemas.microsoft.com/office/mac/drawingml/2011/main" val="1"/>
+              <ma14:wrappingTextBoxFlag xmlns:ma14="http://schemas.microsoft.com/office/mac/drawingml/2011/main" xmlns:a14="http://schemas.microsoft.com/office/drawing/2010/main" xmlns:m="http://schemas.openxmlformats.org/officeDocument/2006/math" xmlns="" val="1"/>
             </a:ext>
           </a:extLst>
         </p:spPr>
@@ -19942,7 +19941,7 @@
           </a:ln>
           <a:extLst>
             <a:ext uri="{C572A759-6A51-4108-AA02-DFA0A04FC94B}">
-              <ma14:wrappingTextBoxFlag xmlns="" xmlns:m="http://schemas.openxmlformats.org/officeDocument/2006/math" xmlns:a14="http://schemas.microsoft.com/office/drawing/2010/main" xmlns:ma14="http://schemas.microsoft.com/office/mac/drawingml/2011/main" val="1"/>
+              <ma14:wrappingTextBoxFlag xmlns:ma14="http://schemas.microsoft.com/office/mac/drawingml/2011/main" xmlns:a14="http://schemas.microsoft.com/office/drawing/2010/main" xmlns:m="http://schemas.openxmlformats.org/officeDocument/2006/math" xmlns="" val="1"/>
             </a:ext>
           </a:extLst>
         </p:spPr>
@@ -20086,7 +20085,7 @@
           </a:ln>
           <a:extLst>
             <a:ext uri="{C572A759-6A51-4108-AA02-DFA0A04FC94B}">
-              <ma14:wrappingTextBoxFlag xmlns="" xmlns:m="http://schemas.openxmlformats.org/officeDocument/2006/math" xmlns:a14="http://schemas.microsoft.com/office/drawing/2010/main" xmlns:ma14="http://schemas.microsoft.com/office/mac/drawingml/2011/main" val="1"/>
+              <ma14:wrappingTextBoxFlag xmlns:ma14="http://schemas.microsoft.com/office/mac/drawingml/2011/main" xmlns:a14="http://schemas.microsoft.com/office/drawing/2010/main" xmlns:m="http://schemas.openxmlformats.org/officeDocument/2006/math" xmlns="" val="1"/>
             </a:ext>
           </a:extLst>
         </p:spPr>
@@ -20133,7 +20132,7 @@
           </a:ln>
           <a:extLst>
             <a:ext uri="{C572A759-6A51-4108-AA02-DFA0A04FC94B}">
-              <ma14:wrappingTextBoxFlag xmlns="" xmlns:m="http://schemas.openxmlformats.org/officeDocument/2006/math" xmlns:a14="http://schemas.microsoft.com/office/drawing/2010/main" xmlns:ma14="http://schemas.microsoft.com/office/mac/drawingml/2011/main" val="1"/>
+              <ma14:wrappingTextBoxFlag xmlns:ma14="http://schemas.microsoft.com/office/mac/drawingml/2011/main" xmlns:a14="http://schemas.microsoft.com/office/drawing/2010/main" xmlns:m="http://schemas.openxmlformats.org/officeDocument/2006/math" xmlns="" val="1"/>
             </a:ext>
           </a:extLst>
         </p:spPr>
@@ -20237,7 +20236,7 @@
           </a:ln>
           <a:extLst>
             <a:ext uri="{C572A759-6A51-4108-AA02-DFA0A04FC94B}">
-              <ma14:wrappingTextBoxFlag xmlns="" xmlns:m="http://schemas.openxmlformats.org/officeDocument/2006/math" xmlns:a14="http://schemas.microsoft.com/office/drawing/2010/main" xmlns:ma14="http://schemas.microsoft.com/office/mac/drawingml/2011/main" val="1"/>
+              <ma14:wrappingTextBoxFlag xmlns:ma14="http://schemas.microsoft.com/office/mac/drawingml/2011/main" xmlns:a14="http://schemas.microsoft.com/office/drawing/2010/main" xmlns:m="http://schemas.openxmlformats.org/officeDocument/2006/math" xmlns="" val="1"/>
             </a:ext>
           </a:extLst>
         </p:spPr>
@@ -20332,7 +20331,7 @@
           </a:ln>
           <a:extLst>
             <a:ext uri="{C572A759-6A51-4108-AA02-DFA0A04FC94B}">
-              <ma14:wrappingTextBoxFlag xmlns="" xmlns:m="http://schemas.openxmlformats.org/officeDocument/2006/math" xmlns:a14="http://schemas.microsoft.com/office/drawing/2010/main" xmlns:ma14="http://schemas.microsoft.com/office/mac/drawingml/2011/main" val="1"/>
+              <ma14:wrappingTextBoxFlag xmlns:ma14="http://schemas.microsoft.com/office/mac/drawingml/2011/main" xmlns:a14="http://schemas.microsoft.com/office/drawing/2010/main" xmlns:m="http://schemas.openxmlformats.org/officeDocument/2006/math" xmlns="" val="1"/>
             </a:ext>
           </a:extLst>
         </p:spPr>
@@ -20652,7 +20651,7 @@
           </a:ln>
           <a:extLst>
             <a:ext uri="{C572A759-6A51-4108-AA02-DFA0A04FC94B}">
-              <ma14:wrappingTextBoxFlag xmlns:ma14="http://schemas.microsoft.com/office/mac/drawingml/2011/main" xmlns:a14="http://schemas.microsoft.com/office/drawing/2010/main" xmlns:m="http://schemas.openxmlformats.org/officeDocument/2006/math" xmlns="" val="1"/>
+              <ma14:wrappingTextBoxFlag xmlns="" xmlns:m="http://schemas.openxmlformats.org/officeDocument/2006/math" xmlns:a14="http://schemas.microsoft.com/office/drawing/2010/main" xmlns:ma14="http://schemas.microsoft.com/office/mac/drawingml/2011/main" val="1"/>
             </a:ext>
           </a:extLst>
         </p:spPr>
@@ -20838,7 +20837,7 @@
           </a:ln>
           <a:extLst>
             <a:ext uri="{C572A759-6A51-4108-AA02-DFA0A04FC94B}">
-              <ma14:wrappingTextBoxFlag xmlns="" xmlns:m="http://schemas.openxmlformats.org/officeDocument/2006/math" xmlns:a14="http://schemas.microsoft.com/office/drawing/2010/main" xmlns:ma14="http://schemas.microsoft.com/office/mac/drawingml/2011/main" val="1"/>
+              <ma14:wrappingTextBoxFlag xmlns:ma14="http://schemas.microsoft.com/office/mac/drawingml/2011/main" xmlns:a14="http://schemas.microsoft.com/office/drawing/2010/main" xmlns:m="http://schemas.openxmlformats.org/officeDocument/2006/math" xmlns="" val="1"/>
             </a:ext>
           </a:extLst>
         </p:spPr>
@@ -21372,7 +21371,7 @@
           </a:ln>
           <a:extLst>
             <a:ext uri="{C572A759-6A51-4108-AA02-DFA0A04FC94B}">
-              <ma14:wrappingTextBoxFlag xmlns="" xmlns:m="http://schemas.openxmlformats.org/officeDocument/2006/math" xmlns:a14="http://schemas.microsoft.com/office/drawing/2010/main" xmlns:ma14="http://schemas.microsoft.com/office/mac/drawingml/2011/main" val="1"/>
+              <ma14:wrappingTextBoxFlag xmlns:ma14="http://schemas.microsoft.com/office/mac/drawingml/2011/main" xmlns:a14="http://schemas.microsoft.com/office/drawing/2010/main" xmlns:m="http://schemas.openxmlformats.org/officeDocument/2006/math" xmlns="" val="1"/>
             </a:ext>
           </a:extLst>
         </p:spPr>
@@ -21599,7 +21598,7 @@
           </a:ln>
           <a:extLst>
             <a:ext uri="{C572A759-6A51-4108-AA02-DFA0A04FC94B}">
-              <ma14:wrappingTextBoxFlag xmlns:ma14="http://schemas.microsoft.com/office/mac/drawingml/2011/main" xmlns:a14="http://schemas.microsoft.com/office/drawing/2010/main" xmlns:m="http://schemas.openxmlformats.org/officeDocument/2006/math" xmlns="" val="1"/>
+              <ma14:wrappingTextBoxFlag xmlns="" xmlns:m="http://schemas.openxmlformats.org/officeDocument/2006/math" xmlns:a14="http://schemas.microsoft.com/office/drawing/2010/main" xmlns:ma14="http://schemas.microsoft.com/office/mac/drawingml/2011/main" val="1"/>
             </a:ext>
           </a:extLst>
         </p:spPr>
@@ -22195,7 +22194,7 @@
           </a:ln>
           <a:extLst>
             <a:ext uri="{C572A759-6A51-4108-AA02-DFA0A04FC94B}">
-              <ma14:wrappingTextBoxFlag xmlns="" xmlns:m="http://schemas.openxmlformats.org/officeDocument/2006/math" xmlns:a14="http://schemas.microsoft.com/office/drawing/2010/main" xmlns:ma14="http://schemas.microsoft.com/office/mac/drawingml/2011/main" val="1"/>
+              <ma14:wrappingTextBoxFlag xmlns:ma14="http://schemas.microsoft.com/office/mac/drawingml/2011/main" xmlns:a14="http://schemas.microsoft.com/office/drawing/2010/main" xmlns:m="http://schemas.openxmlformats.org/officeDocument/2006/math" xmlns="" val="1"/>
             </a:ext>
           </a:extLst>
         </p:spPr>
@@ -22280,7 +22279,7 @@
           </a:ln>
           <a:extLst>
             <a:ext uri="{C572A759-6A51-4108-AA02-DFA0A04FC94B}">
-              <ma14:wrappingTextBoxFlag xmlns:ma14="http://schemas.microsoft.com/office/mac/drawingml/2011/main" xmlns:a14="http://schemas.microsoft.com/office/drawing/2010/main" xmlns:m="http://schemas.openxmlformats.org/officeDocument/2006/math" xmlns="" val="1"/>
+              <ma14:wrappingTextBoxFlag xmlns="" xmlns:m="http://schemas.openxmlformats.org/officeDocument/2006/math" xmlns:a14="http://schemas.microsoft.com/office/drawing/2010/main" xmlns:ma14="http://schemas.microsoft.com/office/mac/drawingml/2011/main" val="1"/>
             </a:ext>
           </a:extLst>
         </p:spPr>
@@ -22458,7 +22457,7 @@
           </a:ln>
           <a:extLst>
             <a:ext uri="{C572A759-6A51-4108-AA02-DFA0A04FC94B}">
-              <ma14:wrappingTextBoxFlag xmlns="" xmlns:m="http://schemas.openxmlformats.org/officeDocument/2006/math" xmlns:a14="http://schemas.microsoft.com/office/drawing/2010/main" xmlns:ma14="http://schemas.microsoft.com/office/mac/drawingml/2011/main" val="1"/>
+              <ma14:wrappingTextBoxFlag xmlns:ma14="http://schemas.microsoft.com/office/mac/drawingml/2011/main" xmlns:a14="http://schemas.microsoft.com/office/drawing/2010/main" xmlns:m="http://schemas.openxmlformats.org/officeDocument/2006/math" xmlns="" val="1"/>
             </a:ext>
           </a:extLst>
         </p:spPr>
@@ -22565,7 +22564,7 @@
           </a:ln>
           <a:extLst>
             <a:ext uri="{C572A759-6A51-4108-AA02-DFA0A04FC94B}">
-              <ma14:wrappingTextBoxFlag xmlns="" xmlns:m="http://schemas.openxmlformats.org/officeDocument/2006/math" xmlns:a14="http://schemas.microsoft.com/office/drawing/2010/main" xmlns:ma14="http://schemas.microsoft.com/office/mac/drawingml/2011/main" val="1"/>
+              <ma14:wrappingTextBoxFlag xmlns:ma14="http://schemas.microsoft.com/office/mac/drawingml/2011/main" xmlns:a14="http://schemas.microsoft.com/office/drawing/2010/main" xmlns:m="http://schemas.openxmlformats.org/officeDocument/2006/math" xmlns="" val="1"/>
             </a:ext>
           </a:extLst>
         </p:spPr>
@@ -22634,7 +22633,7 @@
           </a:ln>
           <a:extLst>
             <a:ext uri="{C572A759-6A51-4108-AA02-DFA0A04FC94B}">
-              <ma14:wrappingTextBoxFlag xmlns="" xmlns:m="http://schemas.openxmlformats.org/officeDocument/2006/math" xmlns:a14="http://schemas.microsoft.com/office/drawing/2010/main" xmlns:ma14="http://schemas.microsoft.com/office/mac/drawingml/2011/main" val="1"/>
+              <ma14:wrappingTextBoxFlag xmlns:ma14="http://schemas.microsoft.com/office/mac/drawingml/2011/main" xmlns:a14="http://schemas.microsoft.com/office/drawing/2010/main" xmlns:m="http://schemas.openxmlformats.org/officeDocument/2006/math" xmlns="" val="1"/>
             </a:ext>
           </a:extLst>
         </p:spPr>
@@ -22711,7 +22710,7 @@
           </a:ln>
           <a:extLst>
             <a:ext uri="{C572A759-6A51-4108-AA02-DFA0A04FC94B}">
-              <ma14:wrappingTextBoxFlag xmlns="" xmlns:m="http://schemas.openxmlformats.org/officeDocument/2006/math" xmlns:a14="http://schemas.microsoft.com/office/drawing/2010/main" xmlns:ma14="http://schemas.microsoft.com/office/mac/drawingml/2011/main" val="1"/>
+              <ma14:wrappingTextBoxFlag xmlns:ma14="http://schemas.microsoft.com/office/mac/drawingml/2011/main" xmlns:a14="http://schemas.microsoft.com/office/drawing/2010/main" xmlns:m="http://schemas.openxmlformats.org/officeDocument/2006/math" xmlns="" val="1"/>
             </a:ext>
           </a:extLst>
         </p:spPr>
@@ -22794,7 +22793,7 @@
           </a:ln>
           <a:extLst>
             <a:ext uri="{C572A759-6A51-4108-AA02-DFA0A04FC94B}">
-              <ma14:wrappingTextBoxFlag xmlns="" xmlns:m="http://schemas.openxmlformats.org/officeDocument/2006/math" xmlns:a14="http://schemas.microsoft.com/office/drawing/2010/main" xmlns:ma14="http://schemas.microsoft.com/office/mac/drawingml/2011/main" val="1"/>
+              <ma14:wrappingTextBoxFlag xmlns:ma14="http://schemas.microsoft.com/office/mac/drawingml/2011/main" xmlns:a14="http://schemas.microsoft.com/office/drawing/2010/main" xmlns:m="http://schemas.openxmlformats.org/officeDocument/2006/math" xmlns="" val="1"/>
             </a:ext>
           </a:extLst>
         </p:spPr>
@@ -22834,7 +22833,7 @@
           </a:ln>
           <a:extLst>
             <a:ext uri="{C572A759-6A51-4108-AA02-DFA0A04FC94B}">
-              <ma14:wrappingTextBoxFlag xmlns="" xmlns:m="http://schemas.openxmlformats.org/officeDocument/2006/math" xmlns:a14="http://schemas.microsoft.com/office/drawing/2010/main" xmlns:ma14="http://schemas.microsoft.com/office/mac/drawingml/2011/main" val="1"/>
+              <ma14:wrappingTextBoxFlag xmlns:ma14="http://schemas.microsoft.com/office/mac/drawingml/2011/main" xmlns:a14="http://schemas.microsoft.com/office/drawing/2010/main" xmlns:m="http://schemas.openxmlformats.org/officeDocument/2006/math" xmlns="" val="1"/>
             </a:ext>
           </a:extLst>
         </p:spPr>
@@ -22900,7 +22899,7 @@
           </a:ln>
           <a:extLst>
             <a:ext uri="{C572A759-6A51-4108-AA02-DFA0A04FC94B}">
-              <ma14:wrappingTextBoxFlag xmlns="" xmlns:m="http://schemas.openxmlformats.org/officeDocument/2006/math" xmlns:a14="http://schemas.microsoft.com/office/drawing/2010/main" xmlns:ma14="http://schemas.microsoft.com/office/mac/drawingml/2011/main" val="1"/>
+              <ma14:wrappingTextBoxFlag xmlns:ma14="http://schemas.microsoft.com/office/mac/drawingml/2011/main" xmlns:a14="http://schemas.microsoft.com/office/drawing/2010/main" xmlns:m="http://schemas.openxmlformats.org/officeDocument/2006/math" xmlns="" val="1"/>
             </a:ext>
           </a:extLst>
         </p:spPr>
@@ -22986,7 +22985,7 @@
           </a:ln>
           <a:extLst>
             <a:ext uri="{C572A759-6A51-4108-AA02-DFA0A04FC94B}">
-              <ma14:wrappingTextBoxFlag xmlns="" xmlns:m="http://schemas.openxmlformats.org/officeDocument/2006/math" xmlns:a14="http://schemas.microsoft.com/office/drawing/2010/main" xmlns:ma14="http://schemas.microsoft.com/office/mac/drawingml/2011/main" val="1"/>
+              <ma14:wrappingTextBoxFlag xmlns:ma14="http://schemas.microsoft.com/office/mac/drawingml/2011/main" xmlns:a14="http://schemas.microsoft.com/office/drawing/2010/main" xmlns:m="http://schemas.openxmlformats.org/officeDocument/2006/math" xmlns="" val="1"/>
             </a:ext>
           </a:extLst>
         </p:spPr>
@@ -23052,7 +23051,7 @@
           </a:ln>
           <a:extLst>
             <a:ext uri="{C572A759-6A51-4108-AA02-DFA0A04FC94B}">
-              <ma14:wrappingTextBoxFlag xmlns="" xmlns:m="http://schemas.openxmlformats.org/officeDocument/2006/math" xmlns:a14="http://schemas.microsoft.com/office/drawing/2010/main" xmlns:ma14="http://schemas.microsoft.com/office/mac/drawingml/2011/main" val="1"/>
+              <ma14:wrappingTextBoxFlag xmlns:ma14="http://schemas.microsoft.com/office/mac/drawingml/2011/main" xmlns:a14="http://schemas.microsoft.com/office/drawing/2010/main" xmlns:m="http://schemas.openxmlformats.org/officeDocument/2006/math" xmlns="" val="1"/>
             </a:ext>
           </a:extLst>
         </p:spPr>
@@ -23118,7 +23117,7 @@
           </a:ln>
           <a:extLst>
             <a:ext uri="{C572A759-6A51-4108-AA02-DFA0A04FC94B}">
-              <ma14:wrappingTextBoxFlag xmlns="" xmlns:m="http://schemas.openxmlformats.org/officeDocument/2006/math" xmlns:a14="http://schemas.microsoft.com/office/drawing/2010/main" xmlns:ma14="http://schemas.microsoft.com/office/mac/drawingml/2011/main" val="1"/>
+              <ma14:wrappingTextBoxFlag xmlns:ma14="http://schemas.microsoft.com/office/mac/drawingml/2011/main" xmlns:a14="http://schemas.microsoft.com/office/drawing/2010/main" xmlns:m="http://schemas.openxmlformats.org/officeDocument/2006/math" xmlns="" val="1"/>
             </a:ext>
           </a:extLst>
         </p:spPr>
@@ -23184,7 +23183,7 @@
           </a:ln>
           <a:extLst>
             <a:ext uri="{C572A759-6A51-4108-AA02-DFA0A04FC94B}">
-              <ma14:wrappingTextBoxFlag xmlns="" xmlns:m="http://schemas.openxmlformats.org/officeDocument/2006/math" xmlns:a14="http://schemas.microsoft.com/office/drawing/2010/main" xmlns:ma14="http://schemas.microsoft.com/office/mac/drawingml/2011/main" val="1"/>
+              <ma14:wrappingTextBoxFlag xmlns:ma14="http://schemas.microsoft.com/office/mac/drawingml/2011/main" xmlns:a14="http://schemas.microsoft.com/office/drawing/2010/main" xmlns:m="http://schemas.openxmlformats.org/officeDocument/2006/math" xmlns="" val="1"/>
             </a:ext>
           </a:extLst>
         </p:spPr>
@@ -23238,7 +23237,7 @@
           </a:ln>
           <a:extLst>
             <a:ext uri="{C572A759-6A51-4108-AA02-DFA0A04FC94B}">
-              <ma14:wrappingTextBoxFlag xmlns="" xmlns:m="http://schemas.openxmlformats.org/officeDocument/2006/math" xmlns:a14="http://schemas.microsoft.com/office/drawing/2010/main" xmlns:ma14="http://schemas.microsoft.com/office/mac/drawingml/2011/main" val="1"/>
+              <ma14:wrappingTextBoxFlag xmlns:ma14="http://schemas.microsoft.com/office/mac/drawingml/2011/main" xmlns:a14="http://schemas.microsoft.com/office/drawing/2010/main" xmlns:m="http://schemas.openxmlformats.org/officeDocument/2006/math" xmlns="" val="1"/>
             </a:ext>
           </a:extLst>
         </p:spPr>
@@ -23304,7 +23303,7 @@
           </a:ln>
           <a:extLst>
             <a:ext uri="{C572A759-6A51-4108-AA02-DFA0A04FC94B}">
-              <ma14:wrappingTextBoxFlag xmlns="" xmlns:m="http://schemas.openxmlformats.org/officeDocument/2006/math" xmlns:a14="http://schemas.microsoft.com/office/drawing/2010/main" xmlns:ma14="http://schemas.microsoft.com/office/mac/drawingml/2011/main" val="1"/>
+              <ma14:wrappingTextBoxFlag xmlns:ma14="http://schemas.microsoft.com/office/mac/drawingml/2011/main" xmlns:a14="http://schemas.microsoft.com/office/drawing/2010/main" xmlns:m="http://schemas.openxmlformats.org/officeDocument/2006/math" xmlns="" val="1"/>
             </a:ext>
           </a:extLst>
         </p:spPr>
@@ -23371,7 +23370,7 @@
           </a:ln>
           <a:extLst>
             <a:ext uri="{C572A759-6A51-4108-AA02-DFA0A04FC94B}">
-              <ma14:wrappingTextBoxFlag xmlns="" xmlns:m="http://schemas.openxmlformats.org/officeDocument/2006/math" xmlns:a14="http://schemas.microsoft.com/office/drawing/2010/main" xmlns:ma14="http://schemas.microsoft.com/office/mac/drawingml/2011/main" val="1"/>
+              <ma14:wrappingTextBoxFlag xmlns:ma14="http://schemas.microsoft.com/office/mac/drawingml/2011/main" xmlns:a14="http://schemas.microsoft.com/office/drawing/2010/main" xmlns:m="http://schemas.openxmlformats.org/officeDocument/2006/math" xmlns="" val="1"/>
             </a:ext>
           </a:extLst>
         </p:spPr>
@@ -23437,7 +23436,7 @@
           </a:ln>
           <a:extLst>
             <a:ext uri="{C572A759-6A51-4108-AA02-DFA0A04FC94B}">
-              <ma14:wrappingTextBoxFlag xmlns="" xmlns:m="http://schemas.openxmlformats.org/officeDocument/2006/math" xmlns:a14="http://schemas.microsoft.com/office/drawing/2010/main" xmlns:ma14="http://schemas.microsoft.com/office/mac/drawingml/2011/main" val="1"/>
+              <ma14:wrappingTextBoxFlag xmlns:ma14="http://schemas.microsoft.com/office/mac/drawingml/2011/main" xmlns:a14="http://schemas.microsoft.com/office/drawing/2010/main" xmlns:m="http://schemas.openxmlformats.org/officeDocument/2006/math" xmlns="" val="1"/>
             </a:ext>
           </a:extLst>
         </p:spPr>
@@ -23538,7 +23537,7 @@
           </a:ln>
           <a:extLst>
             <a:ext uri="{C572A759-6A51-4108-AA02-DFA0A04FC94B}">
-              <ma14:wrappingTextBoxFlag xmlns="" xmlns:m="http://schemas.openxmlformats.org/officeDocument/2006/math" xmlns:a14="http://schemas.microsoft.com/office/drawing/2010/main" xmlns:ma14="http://schemas.microsoft.com/office/mac/drawingml/2011/main" val="1"/>
+              <ma14:wrappingTextBoxFlag xmlns:ma14="http://schemas.microsoft.com/office/mac/drawingml/2011/main" xmlns:a14="http://schemas.microsoft.com/office/drawing/2010/main" xmlns:m="http://schemas.openxmlformats.org/officeDocument/2006/math" xmlns="" val="1"/>
             </a:ext>
           </a:extLst>
         </p:spPr>
@@ -23579,7 +23578,7 @@
           </a:ln>
           <a:extLst>
             <a:ext uri="{C572A759-6A51-4108-AA02-DFA0A04FC94B}">
-              <ma14:wrappingTextBoxFlag xmlns="" xmlns:m="http://schemas.openxmlformats.org/officeDocument/2006/math" xmlns:a14="http://schemas.microsoft.com/office/drawing/2010/main" xmlns:ma14="http://schemas.microsoft.com/office/mac/drawingml/2011/main" val="1"/>
+              <ma14:wrappingTextBoxFlag xmlns:ma14="http://schemas.microsoft.com/office/mac/drawingml/2011/main" xmlns:a14="http://schemas.microsoft.com/office/drawing/2010/main" xmlns:m="http://schemas.openxmlformats.org/officeDocument/2006/math" xmlns="" val="1"/>
             </a:ext>
           </a:extLst>
         </p:spPr>
@@ -23620,7 +23619,7 @@
           </a:ln>
           <a:extLst>
             <a:ext uri="{C572A759-6A51-4108-AA02-DFA0A04FC94B}">
-              <ma14:wrappingTextBoxFlag xmlns="" xmlns:m="http://schemas.openxmlformats.org/officeDocument/2006/math" xmlns:a14="http://schemas.microsoft.com/office/drawing/2010/main" xmlns:ma14="http://schemas.microsoft.com/office/mac/drawingml/2011/main" val="1"/>
+              <ma14:wrappingTextBoxFlag xmlns:ma14="http://schemas.microsoft.com/office/mac/drawingml/2011/main" xmlns:a14="http://schemas.microsoft.com/office/drawing/2010/main" xmlns:m="http://schemas.openxmlformats.org/officeDocument/2006/math" xmlns="" val="1"/>
             </a:ext>
           </a:extLst>
         </p:spPr>
@@ -23661,7 +23660,7 @@
           </a:ln>
           <a:extLst>
             <a:ext uri="{C572A759-6A51-4108-AA02-DFA0A04FC94B}">
-              <ma14:wrappingTextBoxFlag xmlns="" xmlns:m="http://schemas.openxmlformats.org/officeDocument/2006/math" xmlns:a14="http://schemas.microsoft.com/office/drawing/2010/main" xmlns:ma14="http://schemas.microsoft.com/office/mac/drawingml/2011/main" val="1"/>
+              <ma14:wrappingTextBoxFlag xmlns:ma14="http://schemas.microsoft.com/office/mac/drawingml/2011/main" xmlns:a14="http://schemas.microsoft.com/office/drawing/2010/main" xmlns:m="http://schemas.openxmlformats.org/officeDocument/2006/math" xmlns="" val="1"/>
             </a:ext>
           </a:extLst>
         </p:spPr>
@@ -23728,7 +23727,7 @@
           </a:ln>
           <a:extLst>
             <a:ext uri="{C572A759-6A51-4108-AA02-DFA0A04FC94B}">
-              <ma14:wrappingTextBoxFlag xmlns="" xmlns:m="http://schemas.openxmlformats.org/officeDocument/2006/math" xmlns:a14="http://schemas.microsoft.com/office/drawing/2010/main" xmlns:ma14="http://schemas.microsoft.com/office/mac/drawingml/2011/main" val="1"/>
+              <ma14:wrappingTextBoxFlag xmlns:ma14="http://schemas.microsoft.com/office/mac/drawingml/2011/main" xmlns:a14="http://schemas.microsoft.com/office/drawing/2010/main" xmlns:m="http://schemas.openxmlformats.org/officeDocument/2006/math" xmlns="" val="1"/>
             </a:ext>
           </a:extLst>
         </p:spPr>
@@ -23795,7 +23794,7 @@
           </a:ln>
           <a:extLst>
             <a:ext uri="{C572A759-6A51-4108-AA02-DFA0A04FC94B}">
-              <ma14:wrappingTextBoxFlag xmlns="" xmlns:m="http://schemas.openxmlformats.org/officeDocument/2006/math" xmlns:a14="http://schemas.microsoft.com/office/drawing/2010/main" xmlns:ma14="http://schemas.microsoft.com/office/mac/drawingml/2011/main" val="1"/>
+              <ma14:wrappingTextBoxFlag xmlns:ma14="http://schemas.microsoft.com/office/mac/drawingml/2011/main" xmlns:a14="http://schemas.microsoft.com/office/drawing/2010/main" xmlns:m="http://schemas.openxmlformats.org/officeDocument/2006/math" xmlns="" val="1"/>
             </a:ext>
           </a:extLst>
         </p:spPr>
@@ -23835,7 +23834,7 @@
           </a:ln>
           <a:extLst>
             <a:ext uri="{C572A759-6A51-4108-AA02-DFA0A04FC94B}">
-              <ma14:wrappingTextBoxFlag xmlns="" xmlns:m="http://schemas.openxmlformats.org/officeDocument/2006/math" xmlns:a14="http://schemas.microsoft.com/office/drawing/2010/main" xmlns:ma14="http://schemas.microsoft.com/office/mac/drawingml/2011/main" val="1"/>
+              <ma14:wrappingTextBoxFlag xmlns:ma14="http://schemas.microsoft.com/office/mac/drawingml/2011/main" xmlns:a14="http://schemas.microsoft.com/office/drawing/2010/main" xmlns:m="http://schemas.openxmlformats.org/officeDocument/2006/math" xmlns="" val="1"/>
             </a:ext>
           </a:extLst>
         </p:spPr>
@@ -23901,7 +23900,7 @@
           </a:ln>
           <a:extLst>
             <a:ext uri="{C572A759-6A51-4108-AA02-DFA0A04FC94B}">
-              <ma14:wrappingTextBoxFlag xmlns="" xmlns:m="http://schemas.openxmlformats.org/officeDocument/2006/math" xmlns:a14="http://schemas.microsoft.com/office/drawing/2010/main" xmlns:ma14="http://schemas.microsoft.com/office/mac/drawingml/2011/main" val="1"/>
+              <ma14:wrappingTextBoxFlag xmlns:ma14="http://schemas.microsoft.com/office/mac/drawingml/2011/main" xmlns:a14="http://schemas.microsoft.com/office/drawing/2010/main" xmlns:m="http://schemas.openxmlformats.org/officeDocument/2006/math" xmlns="" val="1"/>
             </a:ext>
           </a:extLst>
         </p:spPr>
@@ -24123,7 +24122,7 @@
           </a:ln>
           <a:extLst>
             <a:ext uri="{C572A759-6A51-4108-AA02-DFA0A04FC94B}">
-              <ma14:wrappingTextBoxFlag xmlns="" xmlns:m="http://schemas.openxmlformats.org/officeDocument/2006/math" xmlns:a14="http://schemas.microsoft.com/office/drawing/2010/main" xmlns:ma14="http://schemas.microsoft.com/office/mac/drawingml/2011/main" val="1"/>
+              <ma14:wrappingTextBoxFlag xmlns:ma14="http://schemas.microsoft.com/office/mac/drawingml/2011/main" xmlns:a14="http://schemas.microsoft.com/office/drawing/2010/main" xmlns:m="http://schemas.openxmlformats.org/officeDocument/2006/math" xmlns="" val="1"/>
             </a:ext>
           </a:extLst>
         </p:spPr>
@@ -24181,7 +24180,7 @@
           </a:ln>
           <a:extLst>
             <a:ext uri="{C572A759-6A51-4108-AA02-DFA0A04FC94B}">
-              <ma14:wrappingTextBoxFlag xmlns="" xmlns:m="http://schemas.openxmlformats.org/officeDocument/2006/math" xmlns:a14="http://schemas.microsoft.com/office/drawing/2010/main" xmlns:ma14="http://schemas.microsoft.com/office/mac/drawingml/2011/main" val="1"/>
+              <ma14:wrappingTextBoxFlag xmlns:ma14="http://schemas.microsoft.com/office/mac/drawingml/2011/main" xmlns:a14="http://schemas.microsoft.com/office/drawing/2010/main" xmlns:m="http://schemas.openxmlformats.org/officeDocument/2006/math" xmlns="" val="1"/>
             </a:ext>
           </a:extLst>
         </p:spPr>
@@ -24221,7 +24220,7 @@
           </a:ln>
           <a:extLst>
             <a:ext uri="{C572A759-6A51-4108-AA02-DFA0A04FC94B}">
-              <ma14:wrappingTextBoxFlag xmlns="" xmlns:m="http://schemas.openxmlformats.org/officeDocument/2006/math" xmlns:a14="http://schemas.microsoft.com/office/drawing/2010/main" xmlns:ma14="http://schemas.microsoft.com/office/mac/drawingml/2011/main" val="1"/>
+              <ma14:wrappingTextBoxFlag xmlns:ma14="http://schemas.microsoft.com/office/mac/drawingml/2011/main" xmlns:a14="http://schemas.microsoft.com/office/drawing/2010/main" xmlns:m="http://schemas.openxmlformats.org/officeDocument/2006/math" xmlns="" val="1"/>
             </a:ext>
           </a:extLst>
         </p:spPr>
@@ -24287,7 +24286,7 @@
           </a:ln>
           <a:extLst>
             <a:ext uri="{C572A759-6A51-4108-AA02-DFA0A04FC94B}">
-              <ma14:wrappingTextBoxFlag xmlns="" xmlns:m="http://schemas.openxmlformats.org/officeDocument/2006/math" xmlns:a14="http://schemas.microsoft.com/office/drawing/2010/main" xmlns:ma14="http://schemas.microsoft.com/office/mac/drawingml/2011/main" val="1"/>
+              <ma14:wrappingTextBoxFlag xmlns:ma14="http://schemas.microsoft.com/office/mac/drawingml/2011/main" xmlns:a14="http://schemas.microsoft.com/office/drawing/2010/main" xmlns:m="http://schemas.openxmlformats.org/officeDocument/2006/math" xmlns="" val="1"/>
             </a:ext>
           </a:extLst>
         </p:spPr>
@@ -24352,7 +24351,7 @@
           </a:ln>
           <a:extLst>
             <a:ext uri="{C572A759-6A51-4108-AA02-DFA0A04FC94B}">
-              <ma14:wrappingTextBoxFlag xmlns="" xmlns:m="http://schemas.openxmlformats.org/officeDocument/2006/math" xmlns:a14="http://schemas.microsoft.com/office/drawing/2010/main" xmlns:ma14="http://schemas.microsoft.com/office/mac/drawingml/2011/main" val="1"/>
+              <ma14:wrappingTextBoxFlag xmlns:ma14="http://schemas.microsoft.com/office/mac/drawingml/2011/main" xmlns:a14="http://schemas.microsoft.com/office/drawing/2010/main" xmlns:m="http://schemas.openxmlformats.org/officeDocument/2006/math" xmlns="" val="1"/>
             </a:ext>
           </a:extLst>
         </p:spPr>
@@ -24392,7 +24391,7 @@
           </a:ln>
           <a:extLst>
             <a:ext uri="{C572A759-6A51-4108-AA02-DFA0A04FC94B}">
-              <ma14:wrappingTextBoxFlag xmlns="" xmlns:m="http://schemas.openxmlformats.org/officeDocument/2006/math" xmlns:a14="http://schemas.microsoft.com/office/drawing/2010/main" xmlns:ma14="http://schemas.microsoft.com/office/mac/drawingml/2011/main" val="1"/>
+              <ma14:wrappingTextBoxFlag xmlns:ma14="http://schemas.microsoft.com/office/mac/drawingml/2011/main" xmlns:a14="http://schemas.microsoft.com/office/drawing/2010/main" xmlns:m="http://schemas.openxmlformats.org/officeDocument/2006/math" xmlns="" val="1"/>
             </a:ext>
           </a:extLst>
         </p:spPr>
@@ -24458,7 +24457,7 @@
           </a:ln>
           <a:extLst>
             <a:ext uri="{C572A759-6A51-4108-AA02-DFA0A04FC94B}">
-              <ma14:wrappingTextBoxFlag xmlns="" xmlns:m="http://schemas.openxmlformats.org/officeDocument/2006/math" xmlns:a14="http://schemas.microsoft.com/office/drawing/2010/main" xmlns:ma14="http://schemas.microsoft.com/office/mac/drawingml/2011/main" val="1"/>
+              <ma14:wrappingTextBoxFlag xmlns:ma14="http://schemas.microsoft.com/office/mac/drawingml/2011/main" xmlns:a14="http://schemas.microsoft.com/office/drawing/2010/main" xmlns:m="http://schemas.openxmlformats.org/officeDocument/2006/math" xmlns="" val="1"/>
             </a:ext>
           </a:extLst>
         </p:spPr>
@@ -24505,7 +24504,7 @@
           </a:ln>
           <a:extLst>
             <a:ext uri="{C572A759-6A51-4108-AA02-DFA0A04FC94B}">
-              <ma14:wrappingTextBoxFlag xmlns="" xmlns:m="http://schemas.openxmlformats.org/officeDocument/2006/math" xmlns:a14="http://schemas.microsoft.com/office/drawing/2010/main" xmlns:ma14="http://schemas.microsoft.com/office/mac/drawingml/2011/main" val="1"/>
+              <ma14:wrappingTextBoxFlag xmlns:ma14="http://schemas.microsoft.com/office/mac/drawingml/2011/main" xmlns:a14="http://schemas.microsoft.com/office/drawing/2010/main" xmlns:m="http://schemas.openxmlformats.org/officeDocument/2006/math" xmlns="" val="1"/>
             </a:ext>
           </a:extLst>
         </p:spPr>
@@ -24571,7 +24570,7 @@
           </a:ln>
           <a:extLst>
             <a:ext uri="{C572A759-6A51-4108-AA02-DFA0A04FC94B}">
-              <ma14:wrappingTextBoxFlag xmlns="" xmlns:m="http://schemas.openxmlformats.org/officeDocument/2006/math" xmlns:a14="http://schemas.microsoft.com/office/drawing/2010/main" xmlns:ma14="http://schemas.microsoft.com/office/mac/drawingml/2011/main" val="1"/>
+              <ma14:wrappingTextBoxFlag xmlns:ma14="http://schemas.microsoft.com/office/mac/drawingml/2011/main" xmlns:a14="http://schemas.microsoft.com/office/drawing/2010/main" xmlns:m="http://schemas.openxmlformats.org/officeDocument/2006/math" xmlns="" val="1"/>
             </a:ext>
           </a:extLst>
         </p:spPr>
@@ -24732,7 +24731,7 @@
           </a:ln>
           <a:extLst>
             <a:ext uri="{C572A759-6A51-4108-AA02-DFA0A04FC94B}">
-              <ma14:wrappingTextBoxFlag xmlns="" xmlns:m="http://schemas.openxmlformats.org/officeDocument/2006/math" xmlns:a14="http://schemas.microsoft.com/office/drawing/2010/main" xmlns:ma14="http://schemas.microsoft.com/office/mac/drawingml/2011/main" val="1"/>
+              <ma14:wrappingTextBoxFlag xmlns:ma14="http://schemas.microsoft.com/office/mac/drawingml/2011/main" xmlns:a14="http://schemas.microsoft.com/office/drawing/2010/main" xmlns:m="http://schemas.openxmlformats.org/officeDocument/2006/math" xmlns="" val="1"/>
             </a:ext>
           </a:extLst>
         </p:spPr>
@@ -24779,7 +24778,7 @@
           </a:ln>
           <a:extLst>
             <a:ext uri="{C572A759-6A51-4108-AA02-DFA0A04FC94B}">
-              <ma14:wrappingTextBoxFlag xmlns="" xmlns:m="http://schemas.openxmlformats.org/officeDocument/2006/math" xmlns:a14="http://schemas.microsoft.com/office/drawing/2010/main" xmlns:ma14="http://schemas.microsoft.com/office/mac/drawingml/2011/main" val="1"/>
+              <ma14:wrappingTextBoxFlag xmlns:ma14="http://schemas.microsoft.com/office/mac/drawingml/2011/main" xmlns:a14="http://schemas.microsoft.com/office/drawing/2010/main" xmlns:m="http://schemas.openxmlformats.org/officeDocument/2006/math" xmlns="" val="1"/>
             </a:ext>
           </a:extLst>
         </p:spPr>
@@ -24845,7 +24844,7 @@
           </a:ln>
           <a:extLst>
             <a:ext uri="{C572A759-6A51-4108-AA02-DFA0A04FC94B}">
-              <ma14:wrappingTextBoxFlag xmlns="" xmlns:m="http://schemas.openxmlformats.org/officeDocument/2006/math" xmlns:a14="http://schemas.microsoft.com/office/drawing/2010/main" xmlns:ma14="http://schemas.microsoft.com/office/mac/drawingml/2011/main" val="1"/>
+              <ma14:wrappingTextBoxFlag xmlns:ma14="http://schemas.microsoft.com/office/mac/drawingml/2011/main" xmlns:a14="http://schemas.microsoft.com/office/drawing/2010/main" xmlns:m="http://schemas.openxmlformats.org/officeDocument/2006/math" xmlns="" val="1"/>
             </a:ext>
           </a:extLst>
         </p:spPr>
@@ -24940,7 +24939,7 @@
           </a:ln>
           <a:extLst>
             <a:ext uri="{C572A759-6A51-4108-AA02-DFA0A04FC94B}">
-              <ma14:wrappingTextBoxFlag xmlns="" xmlns:m="http://schemas.openxmlformats.org/officeDocument/2006/math" xmlns:a14="http://schemas.microsoft.com/office/drawing/2010/main" xmlns:ma14="http://schemas.microsoft.com/office/mac/drawingml/2011/main" val="1"/>
+              <ma14:wrappingTextBoxFlag xmlns:ma14="http://schemas.microsoft.com/office/mac/drawingml/2011/main" xmlns:a14="http://schemas.microsoft.com/office/drawing/2010/main" xmlns:m="http://schemas.openxmlformats.org/officeDocument/2006/math" xmlns="" val="1"/>
             </a:ext>
           </a:extLst>
         </p:spPr>
@@ -24980,7 +24979,7 @@
           </a:ln>
           <a:extLst>
             <a:ext uri="{C572A759-6A51-4108-AA02-DFA0A04FC94B}">
-              <ma14:wrappingTextBoxFlag xmlns="" xmlns:m="http://schemas.openxmlformats.org/officeDocument/2006/math" xmlns:a14="http://schemas.microsoft.com/office/drawing/2010/main" xmlns:ma14="http://schemas.microsoft.com/office/mac/drawingml/2011/main" val="1"/>
+              <ma14:wrappingTextBoxFlag xmlns:ma14="http://schemas.microsoft.com/office/mac/drawingml/2011/main" xmlns:a14="http://schemas.microsoft.com/office/drawing/2010/main" xmlns:m="http://schemas.openxmlformats.org/officeDocument/2006/math" xmlns="" val="1"/>
             </a:ext>
           </a:extLst>
         </p:spPr>
@@ -25020,7 +25019,7 @@
           </a:ln>
           <a:extLst>
             <a:ext uri="{C572A759-6A51-4108-AA02-DFA0A04FC94B}">
-              <ma14:wrappingTextBoxFlag xmlns="" xmlns:m="http://schemas.openxmlformats.org/officeDocument/2006/math" xmlns:a14="http://schemas.microsoft.com/office/drawing/2010/main" xmlns:ma14="http://schemas.microsoft.com/office/mac/drawingml/2011/main" val="1"/>
+              <ma14:wrappingTextBoxFlag xmlns:ma14="http://schemas.microsoft.com/office/mac/drawingml/2011/main" xmlns:a14="http://schemas.microsoft.com/office/drawing/2010/main" xmlns:m="http://schemas.openxmlformats.org/officeDocument/2006/math" xmlns="" val="1"/>
             </a:ext>
           </a:extLst>
         </p:spPr>
@@ -25086,7 +25085,7 @@
           </a:ln>
           <a:extLst>
             <a:ext uri="{C572A759-6A51-4108-AA02-DFA0A04FC94B}">
-              <ma14:wrappingTextBoxFlag xmlns="" xmlns:m="http://schemas.openxmlformats.org/officeDocument/2006/math" xmlns:a14="http://schemas.microsoft.com/office/drawing/2010/main" xmlns:ma14="http://schemas.microsoft.com/office/mac/drawingml/2011/main" val="1"/>
+              <ma14:wrappingTextBoxFlag xmlns:ma14="http://schemas.microsoft.com/office/mac/drawingml/2011/main" xmlns:a14="http://schemas.microsoft.com/office/drawing/2010/main" xmlns:m="http://schemas.openxmlformats.org/officeDocument/2006/math" xmlns="" val="1"/>
             </a:ext>
           </a:extLst>
         </p:spPr>
@@ -25172,7 +25171,7 @@
           </a:ln>
           <a:extLst>
             <a:ext uri="{C572A759-6A51-4108-AA02-DFA0A04FC94B}">
-              <ma14:wrappingTextBoxFlag xmlns="" xmlns:m="http://schemas.openxmlformats.org/officeDocument/2006/math" xmlns:a14="http://schemas.microsoft.com/office/drawing/2010/main" xmlns:ma14="http://schemas.microsoft.com/office/mac/drawingml/2011/main" val="1"/>
+              <ma14:wrappingTextBoxFlag xmlns:ma14="http://schemas.microsoft.com/office/mac/drawingml/2011/main" xmlns:a14="http://schemas.microsoft.com/office/drawing/2010/main" xmlns:m="http://schemas.openxmlformats.org/officeDocument/2006/math" xmlns="" val="1"/>
             </a:ext>
           </a:extLst>
         </p:spPr>
@@ -25212,7 +25211,7 @@
           </a:ln>
           <a:extLst>
             <a:ext uri="{C572A759-6A51-4108-AA02-DFA0A04FC94B}">
-              <ma14:wrappingTextBoxFlag xmlns="" xmlns:m="http://schemas.openxmlformats.org/officeDocument/2006/math" xmlns:a14="http://schemas.microsoft.com/office/drawing/2010/main" xmlns:ma14="http://schemas.microsoft.com/office/mac/drawingml/2011/main" val="1"/>
+              <ma14:wrappingTextBoxFlag xmlns:ma14="http://schemas.microsoft.com/office/mac/drawingml/2011/main" xmlns:a14="http://schemas.microsoft.com/office/drawing/2010/main" xmlns:m="http://schemas.openxmlformats.org/officeDocument/2006/math" xmlns="" val="1"/>
             </a:ext>
           </a:extLst>
         </p:spPr>
@@ -25252,7 +25251,7 @@
           </a:ln>
           <a:extLst>
             <a:ext uri="{C572A759-6A51-4108-AA02-DFA0A04FC94B}">
-              <ma14:wrappingTextBoxFlag xmlns="" xmlns:m="http://schemas.openxmlformats.org/officeDocument/2006/math" xmlns:a14="http://schemas.microsoft.com/office/drawing/2010/main" xmlns:ma14="http://schemas.microsoft.com/office/mac/drawingml/2011/main" val="1"/>
+              <ma14:wrappingTextBoxFlag xmlns:ma14="http://schemas.microsoft.com/office/mac/drawingml/2011/main" xmlns:a14="http://schemas.microsoft.com/office/drawing/2010/main" xmlns:m="http://schemas.openxmlformats.org/officeDocument/2006/math" xmlns="" val="1"/>
             </a:ext>
           </a:extLst>
         </p:spPr>
@@ -25318,7 +25317,7 @@
           </a:ln>
           <a:extLst>
             <a:ext uri="{C572A759-6A51-4108-AA02-DFA0A04FC94B}">
-              <ma14:wrappingTextBoxFlag xmlns="" xmlns:m="http://schemas.openxmlformats.org/officeDocument/2006/math" xmlns:a14="http://schemas.microsoft.com/office/drawing/2010/main" xmlns:ma14="http://schemas.microsoft.com/office/mac/drawingml/2011/main" val="1"/>
+              <ma14:wrappingTextBoxFlag xmlns:ma14="http://schemas.microsoft.com/office/mac/drawingml/2011/main" xmlns:a14="http://schemas.microsoft.com/office/drawing/2010/main" xmlns:m="http://schemas.openxmlformats.org/officeDocument/2006/math" xmlns="" val="1"/>
             </a:ext>
           </a:extLst>
         </p:spPr>
@@ -25365,7 +25364,7 @@
           </a:ln>
           <a:extLst>
             <a:ext uri="{C572A759-6A51-4108-AA02-DFA0A04FC94B}">
-              <ma14:wrappingTextBoxFlag xmlns="" xmlns:m="http://schemas.openxmlformats.org/officeDocument/2006/math" xmlns:a14="http://schemas.microsoft.com/office/drawing/2010/main" xmlns:ma14="http://schemas.microsoft.com/office/mac/drawingml/2011/main" val="1"/>
+              <ma14:wrappingTextBoxFlag xmlns:ma14="http://schemas.microsoft.com/office/mac/drawingml/2011/main" xmlns:a14="http://schemas.microsoft.com/office/drawing/2010/main" xmlns:m="http://schemas.openxmlformats.org/officeDocument/2006/math" xmlns="" val="1"/>
             </a:ext>
           </a:extLst>
         </p:spPr>
@@ -25431,7 +25430,7 @@
           </a:ln>
           <a:extLst>
             <a:ext uri="{C572A759-6A51-4108-AA02-DFA0A04FC94B}">
-              <ma14:wrappingTextBoxFlag xmlns="" xmlns:m="http://schemas.openxmlformats.org/officeDocument/2006/math" xmlns:a14="http://schemas.microsoft.com/office/drawing/2010/main" xmlns:ma14="http://schemas.microsoft.com/office/mac/drawingml/2011/main" val="1"/>
+              <ma14:wrappingTextBoxFlag xmlns:ma14="http://schemas.microsoft.com/office/mac/drawingml/2011/main" xmlns:a14="http://schemas.microsoft.com/office/drawing/2010/main" xmlns:m="http://schemas.openxmlformats.org/officeDocument/2006/math" xmlns="" val="1"/>
             </a:ext>
           </a:extLst>
         </p:spPr>
@@ -25485,7 +25484,7 @@
           </a:ln>
           <a:extLst>
             <a:ext uri="{C572A759-6A51-4108-AA02-DFA0A04FC94B}">
-              <ma14:wrappingTextBoxFlag xmlns="" xmlns:m="http://schemas.openxmlformats.org/officeDocument/2006/math" xmlns:a14="http://schemas.microsoft.com/office/drawing/2010/main" xmlns:ma14="http://schemas.microsoft.com/office/mac/drawingml/2011/main" val="1"/>
+              <ma14:wrappingTextBoxFlag xmlns:ma14="http://schemas.microsoft.com/office/mac/drawingml/2011/main" xmlns:a14="http://schemas.microsoft.com/office/drawing/2010/main" xmlns:m="http://schemas.openxmlformats.org/officeDocument/2006/math" xmlns="" val="1"/>
             </a:ext>
           </a:extLst>
         </p:spPr>
@@ -25551,7 +25550,7 @@
           </a:ln>
           <a:extLst>
             <a:ext uri="{C572A759-6A51-4108-AA02-DFA0A04FC94B}">
-              <ma14:wrappingTextBoxFlag xmlns="" xmlns:m="http://schemas.openxmlformats.org/officeDocument/2006/math" xmlns:a14="http://schemas.microsoft.com/office/drawing/2010/main" xmlns:ma14="http://schemas.microsoft.com/office/mac/drawingml/2011/main" val="1"/>
+              <ma14:wrappingTextBoxFlag xmlns:ma14="http://schemas.microsoft.com/office/mac/drawingml/2011/main" xmlns:a14="http://schemas.microsoft.com/office/drawing/2010/main" xmlns:m="http://schemas.openxmlformats.org/officeDocument/2006/math" xmlns="" val="1"/>
             </a:ext>
           </a:extLst>
         </p:spPr>
@@ -25649,7 +25648,7 @@
           </a:ln>
           <a:extLst>
             <a:ext uri="{C572A759-6A51-4108-AA02-DFA0A04FC94B}">
-              <ma14:wrappingTextBoxFlag xmlns="" xmlns:m="http://schemas.openxmlformats.org/officeDocument/2006/math" xmlns:a14="http://schemas.microsoft.com/office/drawing/2010/main" xmlns:ma14="http://schemas.microsoft.com/office/mac/drawingml/2011/main" val="1"/>
+              <ma14:wrappingTextBoxFlag xmlns:ma14="http://schemas.microsoft.com/office/mac/drawingml/2011/main" xmlns:a14="http://schemas.microsoft.com/office/drawing/2010/main" xmlns:m="http://schemas.openxmlformats.org/officeDocument/2006/math" xmlns="" val="1"/>
             </a:ext>
           </a:extLst>
         </p:spPr>
@@ -25689,7 +25688,7 @@
           </a:ln>
           <a:extLst>
             <a:ext uri="{C572A759-6A51-4108-AA02-DFA0A04FC94B}">
-              <ma14:wrappingTextBoxFlag xmlns="" xmlns:m="http://schemas.openxmlformats.org/officeDocument/2006/math" xmlns:a14="http://schemas.microsoft.com/office/drawing/2010/main" xmlns:ma14="http://schemas.microsoft.com/office/mac/drawingml/2011/main" val="1"/>
+              <ma14:wrappingTextBoxFlag xmlns:ma14="http://schemas.microsoft.com/office/mac/drawingml/2011/main" xmlns:a14="http://schemas.microsoft.com/office/drawing/2010/main" xmlns:m="http://schemas.openxmlformats.org/officeDocument/2006/math" xmlns="" val="1"/>
             </a:ext>
           </a:extLst>
         </p:spPr>
@@ -25755,7 +25754,7 @@
           </a:ln>
           <a:extLst>
             <a:ext uri="{C572A759-6A51-4108-AA02-DFA0A04FC94B}">
-              <ma14:wrappingTextBoxFlag xmlns="" xmlns:m="http://schemas.openxmlformats.org/officeDocument/2006/math" xmlns:a14="http://schemas.microsoft.com/office/drawing/2010/main" xmlns:ma14="http://schemas.microsoft.com/office/mac/drawingml/2011/main" val="1"/>
+              <ma14:wrappingTextBoxFlag xmlns:ma14="http://schemas.microsoft.com/office/mac/drawingml/2011/main" xmlns:a14="http://schemas.microsoft.com/office/drawing/2010/main" xmlns:m="http://schemas.openxmlformats.org/officeDocument/2006/math" xmlns="" val="1"/>
             </a:ext>
           </a:extLst>
         </p:spPr>
@@ -25998,7 +25997,7 @@
           </a:ln>
           <a:extLst>
             <a:ext uri="{C572A759-6A51-4108-AA02-DFA0A04FC94B}">
-              <ma14:wrappingTextBoxFlag xmlns="" xmlns:m="http://schemas.openxmlformats.org/officeDocument/2006/math" xmlns:a14="http://schemas.microsoft.com/office/drawing/2010/main" xmlns:ma14="http://schemas.microsoft.com/office/mac/drawingml/2011/main" val="1"/>
+              <ma14:wrappingTextBoxFlag xmlns:ma14="http://schemas.microsoft.com/office/mac/drawingml/2011/main" xmlns:a14="http://schemas.microsoft.com/office/drawing/2010/main" xmlns:m="http://schemas.openxmlformats.org/officeDocument/2006/math" xmlns="" val="1"/>
             </a:ext>
           </a:extLst>
         </p:spPr>
@@ -26045,7 +26044,7 @@
           </a:ln>
           <a:extLst>
             <a:ext uri="{C572A759-6A51-4108-AA02-DFA0A04FC94B}">
-              <ma14:wrappingTextBoxFlag xmlns="" xmlns:m="http://schemas.openxmlformats.org/officeDocument/2006/math" xmlns:a14="http://schemas.microsoft.com/office/drawing/2010/main" xmlns:ma14="http://schemas.microsoft.com/office/mac/drawingml/2011/main" val="1"/>
+              <ma14:wrappingTextBoxFlag xmlns:ma14="http://schemas.microsoft.com/office/mac/drawingml/2011/main" xmlns:a14="http://schemas.microsoft.com/office/drawing/2010/main" xmlns:m="http://schemas.openxmlformats.org/officeDocument/2006/math" xmlns="" val="1"/>
             </a:ext>
           </a:extLst>
         </p:spPr>
@@ -26111,7 +26110,7 @@
           </a:ln>
           <a:extLst>
             <a:ext uri="{C572A759-6A51-4108-AA02-DFA0A04FC94B}">
-              <ma14:wrappingTextBoxFlag xmlns="" xmlns:m="http://schemas.openxmlformats.org/officeDocument/2006/math" xmlns:a14="http://schemas.microsoft.com/office/drawing/2010/main" xmlns:ma14="http://schemas.microsoft.com/office/mac/drawingml/2011/main" val="1"/>
+              <ma14:wrappingTextBoxFlag xmlns:ma14="http://schemas.microsoft.com/office/mac/drawingml/2011/main" xmlns:a14="http://schemas.microsoft.com/office/drawing/2010/main" xmlns:m="http://schemas.openxmlformats.org/officeDocument/2006/math" xmlns="" val="1"/>
             </a:ext>
           </a:extLst>
         </p:spPr>
@@ -26213,7 +26212,7 @@
           </a:ln>
           <a:extLst>
             <a:ext uri="{C572A759-6A51-4108-AA02-DFA0A04FC94B}">
-              <ma14:wrappingTextBoxFlag xmlns="" xmlns:m="http://schemas.openxmlformats.org/officeDocument/2006/math" xmlns:a14="http://schemas.microsoft.com/office/drawing/2010/main" xmlns:ma14="http://schemas.microsoft.com/office/mac/drawingml/2011/main" val="1"/>
+              <ma14:wrappingTextBoxFlag xmlns:ma14="http://schemas.microsoft.com/office/mac/drawingml/2011/main" xmlns:a14="http://schemas.microsoft.com/office/drawing/2010/main" xmlns:m="http://schemas.openxmlformats.org/officeDocument/2006/math" xmlns="" val="1"/>
             </a:ext>
           </a:extLst>
         </p:spPr>
@@ -26253,7 +26252,7 @@
           </a:ln>
           <a:extLst>
             <a:ext uri="{C572A759-6A51-4108-AA02-DFA0A04FC94B}">
-              <ma14:wrappingTextBoxFlag xmlns="" xmlns:m="http://schemas.openxmlformats.org/officeDocument/2006/math" xmlns:a14="http://schemas.microsoft.com/office/drawing/2010/main" xmlns:ma14="http://schemas.microsoft.com/office/mac/drawingml/2011/main" val="1"/>
+              <ma14:wrappingTextBoxFlag xmlns:ma14="http://schemas.microsoft.com/office/mac/drawingml/2011/main" xmlns:a14="http://schemas.microsoft.com/office/drawing/2010/main" xmlns:m="http://schemas.openxmlformats.org/officeDocument/2006/math" xmlns="" val="1"/>
             </a:ext>
           </a:extLst>
         </p:spPr>
@@ -26293,7 +26292,7 @@
           </a:ln>
           <a:extLst>
             <a:ext uri="{C572A759-6A51-4108-AA02-DFA0A04FC94B}">
-              <ma14:wrappingTextBoxFlag xmlns="" xmlns:m="http://schemas.openxmlformats.org/officeDocument/2006/math" xmlns:a14="http://schemas.microsoft.com/office/drawing/2010/main" xmlns:ma14="http://schemas.microsoft.com/office/mac/drawingml/2011/main" val="1"/>
+              <ma14:wrappingTextBoxFlag xmlns:ma14="http://schemas.microsoft.com/office/mac/drawingml/2011/main" xmlns:a14="http://schemas.microsoft.com/office/drawing/2010/main" xmlns:m="http://schemas.openxmlformats.org/officeDocument/2006/math" xmlns="" val="1"/>
             </a:ext>
           </a:extLst>
         </p:spPr>
@@ -26359,7 +26358,7 @@
           </a:ln>
           <a:extLst>
             <a:ext uri="{C572A759-6A51-4108-AA02-DFA0A04FC94B}">
-              <ma14:wrappingTextBoxFlag xmlns="" xmlns:m="http://schemas.openxmlformats.org/officeDocument/2006/math" xmlns:a14="http://schemas.microsoft.com/office/drawing/2010/main" xmlns:ma14="http://schemas.microsoft.com/office/mac/drawingml/2011/main" val="1"/>
+              <ma14:wrappingTextBoxFlag xmlns:ma14="http://schemas.microsoft.com/office/mac/drawingml/2011/main" xmlns:a14="http://schemas.microsoft.com/office/drawing/2010/main" xmlns:m="http://schemas.openxmlformats.org/officeDocument/2006/math" xmlns="" val="1"/>
             </a:ext>
           </a:extLst>
         </p:spPr>
@@ -26422,7 +26421,7 @@
           </a:ln>
           <a:extLst>
             <a:ext uri="{C572A759-6A51-4108-AA02-DFA0A04FC94B}">
-              <ma14:wrappingTextBoxFlag xmlns="" xmlns:m="http://schemas.openxmlformats.org/officeDocument/2006/math" xmlns:a14="http://schemas.microsoft.com/office/drawing/2010/main" xmlns:ma14="http://schemas.microsoft.com/office/mac/drawingml/2011/main" val="1"/>
+              <ma14:wrappingTextBoxFlag xmlns:ma14="http://schemas.microsoft.com/office/mac/drawingml/2011/main" xmlns:a14="http://schemas.microsoft.com/office/drawing/2010/main" xmlns:m="http://schemas.openxmlformats.org/officeDocument/2006/math" xmlns="" val="1"/>
             </a:ext>
           </a:extLst>
         </p:spPr>
@@ -26462,7 +26461,7 @@
           </a:ln>
           <a:extLst>
             <a:ext uri="{C572A759-6A51-4108-AA02-DFA0A04FC94B}">
-              <ma14:wrappingTextBoxFlag xmlns="" xmlns:m="http://schemas.openxmlformats.org/officeDocument/2006/math" xmlns:a14="http://schemas.microsoft.com/office/drawing/2010/main" xmlns:ma14="http://schemas.microsoft.com/office/mac/drawingml/2011/main" val="1"/>
+              <ma14:wrappingTextBoxFlag xmlns:ma14="http://schemas.microsoft.com/office/mac/drawingml/2011/main" xmlns:a14="http://schemas.microsoft.com/office/drawing/2010/main" xmlns:m="http://schemas.openxmlformats.org/officeDocument/2006/math" xmlns="" val="1"/>
             </a:ext>
           </a:extLst>
         </p:spPr>
@@ -26528,7 +26527,7 @@
           </a:ln>
           <a:extLst>
             <a:ext uri="{C572A759-6A51-4108-AA02-DFA0A04FC94B}">
-              <ma14:wrappingTextBoxFlag xmlns="" xmlns:m="http://schemas.openxmlformats.org/officeDocument/2006/math" xmlns:a14="http://schemas.microsoft.com/office/drawing/2010/main" xmlns:ma14="http://schemas.microsoft.com/office/mac/drawingml/2011/main" val="1"/>
+              <ma14:wrappingTextBoxFlag xmlns:ma14="http://schemas.microsoft.com/office/mac/drawingml/2011/main" xmlns:a14="http://schemas.microsoft.com/office/drawing/2010/main" xmlns:m="http://schemas.openxmlformats.org/officeDocument/2006/math" xmlns="" val="1"/>
             </a:ext>
           </a:extLst>
         </p:spPr>
@@ -26595,7 +26594,7 @@
           </a:ln>
           <a:extLst>
             <a:ext uri="{C572A759-6A51-4108-AA02-DFA0A04FC94B}">
-              <ma14:wrappingTextBoxFlag xmlns="" xmlns:m="http://schemas.openxmlformats.org/officeDocument/2006/math" xmlns:a14="http://schemas.microsoft.com/office/drawing/2010/main" xmlns:ma14="http://schemas.microsoft.com/office/mac/drawingml/2011/main" val="1"/>
+              <ma14:wrappingTextBoxFlag xmlns:ma14="http://schemas.microsoft.com/office/mac/drawingml/2011/main" xmlns:a14="http://schemas.microsoft.com/office/drawing/2010/main" xmlns:m="http://schemas.openxmlformats.org/officeDocument/2006/math" xmlns="" val="1"/>
             </a:ext>
           </a:extLst>
         </p:spPr>
@@ -26635,7 +26634,7 @@
           </a:ln>
           <a:extLst>
             <a:ext uri="{C572A759-6A51-4108-AA02-DFA0A04FC94B}">
-              <ma14:wrappingTextBoxFlag xmlns="" xmlns:m="http://schemas.openxmlformats.org/officeDocument/2006/math" xmlns:a14="http://schemas.microsoft.com/office/drawing/2010/main" xmlns:ma14="http://schemas.microsoft.com/office/mac/drawingml/2011/main" val="1"/>
+              <ma14:wrappingTextBoxFlag xmlns:ma14="http://schemas.microsoft.com/office/mac/drawingml/2011/main" xmlns:a14="http://schemas.microsoft.com/office/drawing/2010/main" xmlns:m="http://schemas.openxmlformats.org/officeDocument/2006/math" xmlns="" val="1"/>
             </a:ext>
           </a:extLst>
         </p:spPr>
@@ -26701,7 +26700,7 @@
           </a:ln>
           <a:extLst>
             <a:ext uri="{C572A759-6A51-4108-AA02-DFA0A04FC94B}">
-              <ma14:wrappingTextBoxFlag xmlns="" xmlns:m="http://schemas.openxmlformats.org/officeDocument/2006/math" xmlns:a14="http://schemas.microsoft.com/office/drawing/2010/main" xmlns:ma14="http://schemas.microsoft.com/office/mac/drawingml/2011/main" val="1"/>
+              <ma14:wrappingTextBoxFlag xmlns:ma14="http://schemas.microsoft.com/office/mac/drawingml/2011/main" xmlns:a14="http://schemas.microsoft.com/office/drawing/2010/main" xmlns:m="http://schemas.openxmlformats.org/officeDocument/2006/math" xmlns="" val="1"/>
             </a:ext>
           </a:extLst>
         </p:spPr>
@@ -26762,7 +26761,7 @@
           </a:ln>
           <a:extLst>
             <a:ext uri="{C572A759-6A51-4108-AA02-DFA0A04FC94B}">
-              <ma14:wrappingTextBoxFlag xmlns="" xmlns:m="http://schemas.openxmlformats.org/officeDocument/2006/math" xmlns:a14="http://schemas.microsoft.com/office/drawing/2010/main" xmlns:ma14="http://schemas.microsoft.com/office/mac/drawingml/2011/main" val="1"/>
+              <ma14:wrappingTextBoxFlag xmlns:ma14="http://schemas.microsoft.com/office/mac/drawingml/2011/main" xmlns:a14="http://schemas.microsoft.com/office/drawing/2010/main" xmlns:m="http://schemas.openxmlformats.org/officeDocument/2006/math" xmlns="" val="1"/>
             </a:ext>
           </a:extLst>
         </p:spPr>
@@ -26828,7 +26827,7 @@
           </a:ln>
           <a:extLst>
             <a:ext uri="{C572A759-6A51-4108-AA02-DFA0A04FC94B}">
-              <ma14:wrappingTextBoxFlag xmlns="" xmlns:m="http://schemas.openxmlformats.org/officeDocument/2006/math" xmlns:a14="http://schemas.microsoft.com/office/drawing/2010/main" xmlns:ma14="http://schemas.microsoft.com/office/mac/drawingml/2011/main" val="1"/>
+              <ma14:wrappingTextBoxFlag xmlns:ma14="http://schemas.microsoft.com/office/mac/drawingml/2011/main" xmlns:a14="http://schemas.microsoft.com/office/drawing/2010/main" xmlns:m="http://schemas.openxmlformats.org/officeDocument/2006/math" xmlns="" val="1"/>
             </a:ext>
           </a:extLst>
         </p:spPr>
@@ -26875,7 +26874,7 @@
           </a:ln>
           <a:extLst>
             <a:ext uri="{C572A759-6A51-4108-AA02-DFA0A04FC94B}">
-              <ma14:wrappingTextBoxFlag xmlns="" xmlns:m="http://schemas.openxmlformats.org/officeDocument/2006/math" xmlns:a14="http://schemas.microsoft.com/office/drawing/2010/main" xmlns:ma14="http://schemas.microsoft.com/office/mac/drawingml/2011/main" val="1"/>
+              <ma14:wrappingTextBoxFlag xmlns:ma14="http://schemas.microsoft.com/office/mac/drawingml/2011/main" xmlns:a14="http://schemas.microsoft.com/office/drawing/2010/main" xmlns:m="http://schemas.openxmlformats.org/officeDocument/2006/math" xmlns="" val="1"/>
             </a:ext>
           </a:extLst>
         </p:spPr>
@@ -26941,7 +26940,7 @@
           </a:ln>
           <a:extLst>
             <a:ext uri="{C572A759-6A51-4108-AA02-DFA0A04FC94B}">
-              <ma14:wrappingTextBoxFlag xmlns="" xmlns:m="http://schemas.openxmlformats.org/officeDocument/2006/math" xmlns:a14="http://schemas.microsoft.com/office/drawing/2010/main" xmlns:ma14="http://schemas.microsoft.com/office/mac/drawingml/2011/main" val="1"/>
+              <ma14:wrappingTextBoxFlag xmlns:ma14="http://schemas.microsoft.com/office/mac/drawingml/2011/main" xmlns:a14="http://schemas.microsoft.com/office/drawing/2010/main" xmlns:m="http://schemas.openxmlformats.org/officeDocument/2006/math" xmlns="" val="1"/>
             </a:ext>
           </a:extLst>
         </p:spPr>
@@ -26984,7 +26983,7 @@
           </a:ln>
           <a:extLst>
             <a:ext uri="{C572A759-6A51-4108-AA02-DFA0A04FC94B}">
-              <ma14:wrappingTextBoxFlag xmlns="" xmlns:m="http://schemas.openxmlformats.org/officeDocument/2006/math" xmlns:a14="http://schemas.microsoft.com/office/drawing/2010/main" xmlns:ma14="http://schemas.microsoft.com/office/mac/drawingml/2011/main" val="1"/>
+              <ma14:wrappingTextBoxFlag xmlns:ma14="http://schemas.microsoft.com/office/mac/drawingml/2011/main" xmlns:a14="http://schemas.microsoft.com/office/drawing/2010/main" xmlns:m="http://schemas.openxmlformats.org/officeDocument/2006/math" xmlns="" val="1"/>
             </a:ext>
           </a:extLst>
         </p:spPr>
@@ -27050,7 +27049,7 @@
           </a:ln>
           <a:extLst>
             <a:ext uri="{C572A759-6A51-4108-AA02-DFA0A04FC94B}">
-              <ma14:wrappingTextBoxFlag xmlns="" xmlns:m="http://schemas.openxmlformats.org/officeDocument/2006/math" xmlns:a14="http://schemas.microsoft.com/office/drawing/2010/main" xmlns:ma14="http://schemas.microsoft.com/office/mac/drawingml/2011/main" val="1"/>
+              <ma14:wrappingTextBoxFlag xmlns:ma14="http://schemas.microsoft.com/office/mac/drawingml/2011/main" xmlns:a14="http://schemas.microsoft.com/office/drawing/2010/main" xmlns:m="http://schemas.openxmlformats.org/officeDocument/2006/math" xmlns="" val="1"/>
             </a:ext>
           </a:extLst>
         </p:spPr>
@@ -27141,7 +27140,7 @@
           </a:ln>
           <a:extLst>
             <a:ext uri="{C572A759-6A51-4108-AA02-DFA0A04FC94B}">
-              <ma14:wrappingTextBoxFlag xmlns="" xmlns:m="http://schemas.openxmlformats.org/officeDocument/2006/math" xmlns:a14="http://schemas.microsoft.com/office/drawing/2010/main" xmlns:ma14="http://schemas.microsoft.com/office/mac/drawingml/2011/main" val="1"/>
+              <ma14:wrappingTextBoxFlag xmlns:ma14="http://schemas.microsoft.com/office/mac/drawingml/2011/main" xmlns:a14="http://schemas.microsoft.com/office/drawing/2010/main" xmlns:m="http://schemas.openxmlformats.org/officeDocument/2006/math" xmlns="" val="1"/>
             </a:ext>
           </a:extLst>
         </p:spPr>
@@ -27181,7 +27180,7 @@
           </a:ln>
           <a:extLst>
             <a:ext uri="{C572A759-6A51-4108-AA02-DFA0A04FC94B}">
-              <ma14:wrappingTextBoxFlag xmlns="" xmlns:m="http://schemas.openxmlformats.org/officeDocument/2006/math" xmlns:a14="http://schemas.microsoft.com/office/drawing/2010/main" xmlns:ma14="http://schemas.microsoft.com/office/mac/drawingml/2011/main" val="1"/>
+              <ma14:wrappingTextBoxFlag xmlns:ma14="http://schemas.microsoft.com/office/mac/drawingml/2011/main" xmlns:a14="http://schemas.microsoft.com/office/drawing/2010/main" xmlns:m="http://schemas.openxmlformats.org/officeDocument/2006/math" xmlns="" val="1"/>
             </a:ext>
           </a:extLst>
         </p:spPr>
@@ -27247,7 +27246,7 @@
           </a:ln>
           <a:extLst>
             <a:ext uri="{C572A759-6A51-4108-AA02-DFA0A04FC94B}">
-              <ma14:wrappingTextBoxFlag xmlns="" xmlns:m="http://schemas.openxmlformats.org/officeDocument/2006/math" xmlns:a14="http://schemas.microsoft.com/office/drawing/2010/main" xmlns:ma14="http://schemas.microsoft.com/office/mac/drawingml/2011/main" val="1"/>
+              <ma14:wrappingTextBoxFlag xmlns:ma14="http://schemas.microsoft.com/office/mac/drawingml/2011/main" xmlns:a14="http://schemas.microsoft.com/office/drawing/2010/main" xmlns:m="http://schemas.openxmlformats.org/officeDocument/2006/math" xmlns="" val="1"/>
             </a:ext>
           </a:extLst>
         </p:spPr>
@@ -27330,7 +27329,7 @@
           </a:ln>
           <a:extLst>
             <a:ext uri="{C572A759-6A51-4108-AA02-DFA0A04FC94B}">
-              <ma14:wrappingTextBoxFlag xmlns="" xmlns:m="http://schemas.openxmlformats.org/officeDocument/2006/math" xmlns:a14="http://schemas.microsoft.com/office/drawing/2010/main" xmlns:ma14="http://schemas.microsoft.com/office/mac/drawingml/2011/main" val="1"/>
+              <ma14:wrappingTextBoxFlag xmlns:ma14="http://schemas.microsoft.com/office/mac/drawingml/2011/main" xmlns:a14="http://schemas.microsoft.com/office/drawing/2010/main" xmlns:m="http://schemas.openxmlformats.org/officeDocument/2006/math" xmlns="" val="1"/>
             </a:ext>
           </a:extLst>
         </p:spPr>
@@ -27370,7 +27369,7 @@
           </a:ln>
           <a:extLst>
             <a:ext uri="{C572A759-6A51-4108-AA02-DFA0A04FC94B}">
-              <ma14:wrappingTextBoxFlag xmlns="" xmlns:m="http://schemas.openxmlformats.org/officeDocument/2006/math" xmlns:a14="http://schemas.microsoft.com/office/drawing/2010/main" xmlns:ma14="http://schemas.microsoft.com/office/mac/drawingml/2011/main" val="1"/>
+              <ma14:wrappingTextBoxFlag xmlns:ma14="http://schemas.microsoft.com/office/mac/drawingml/2011/main" xmlns:a14="http://schemas.microsoft.com/office/drawing/2010/main" xmlns:m="http://schemas.openxmlformats.org/officeDocument/2006/math" xmlns="" val="1"/>
             </a:ext>
           </a:extLst>
         </p:spPr>
@@ -27436,7 +27435,7 @@
           </a:ln>
           <a:extLst>
             <a:ext uri="{C572A759-6A51-4108-AA02-DFA0A04FC94B}">
-              <ma14:wrappingTextBoxFlag xmlns="" xmlns:m="http://schemas.openxmlformats.org/officeDocument/2006/math" xmlns:a14="http://schemas.microsoft.com/office/drawing/2010/main" xmlns:ma14="http://schemas.microsoft.com/office/mac/drawingml/2011/main" val="1"/>
+              <ma14:wrappingTextBoxFlag xmlns:ma14="http://schemas.microsoft.com/office/mac/drawingml/2011/main" xmlns:a14="http://schemas.microsoft.com/office/drawing/2010/main" xmlns:m="http://schemas.openxmlformats.org/officeDocument/2006/math" xmlns="" val="1"/>
             </a:ext>
           </a:extLst>
         </p:spPr>
@@ -27504,7 +27503,7 @@
           </a:ln>
           <a:extLst>
             <a:ext uri="{C572A759-6A51-4108-AA02-DFA0A04FC94B}">
-              <ma14:wrappingTextBoxFlag xmlns="" xmlns:m="http://schemas.openxmlformats.org/officeDocument/2006/math" xmlns:a14="http://schemas.microsoft.com/office/drawing/2010/main" xmlns:ma14="http://schemas.microsoft.com/office/mac/drawingml/2011/main" val="1"/>
+              <ma14:wrappingTextBoxFlag xmlns:ma14="http://schemas.microsoft.com/office/mac/drawingml/2011/main" xmlns:a14="http://schemas.microsoft.com/office/drawing/2010/main" xmlns:m="http://schemas.openxmlformats.org/officeDocument/2006/math" xmlns="" val="1"/>
             </a:ext>
           </a:extLst>
         </p:spPr>
@@ -27544,7 +27543,7 @@
           </a:ln>
           <a:extLst>
             <a:ext uri="{C572A759-6A51-4108-AA02-DFA0A04FC94B}">
-              <ma14:wrappingTextBoxFlag xmlns="" xmlns:m="http://schemas.openxmlformats.org/officeDocument/2006/math" xmlns:a14="http://schemas.microsoft.com/office/drawing/2010/main" xmlns:ma14="http://schemas.microsoft.com/office/mac/drawingml/2011/main" val="1"/>
+              <ma14:wrappingTextBoxFlag xmlns:ma14="http://schemas.microsoft.com/office/mac/drawingml/2011/main" xmlns:a14="http://schemas.microsoft.com/office/drawing/2010/main" xmlns:m="http://schemas.openxmlformats.org/officeDocument/2006/math" xmlns="" val="1"/>
             </a:ext>
           </a:extLst>
         </p:spPr>
@@ -27610,7 +27609,7 @@
           </a:ln>
           <a:extLst>
             <a:ext uri="{C572A759-6A51-4108-AA02-DFA0A04FC94B}">
-              <ma14:wrappingTextBoxFlag xmlns="" xmlns:m="http://schemas.openxmlformats.org/officeDocument/2006/math" xmlns:a14="http://schemas.microsoft.com/office/drawing/2010/main" xmlns:ma14="http://schemas.microsoft.com/office/mac/drawingml/2011/main" val="1"/>
+              <ma14:wrappingTextBoxFlag xmlns:ma14="http://schemas.microsoft.com/office/mac/drawingml/2011/main" xmlns:a14="http://schemas.microsoft.com/office/drawing/2010/main" xmlns:m="http://schemas.openxmlformats.org/officeDocument/2006/math" xmlns="" val="1"/>
             </a:ext>
           </a:extLst>
         </p:spPr>
@@ -27825,7 +27824,7 @@
           </a:ln>
           <a:extLst>
             <a:ext uri="{C572A759-6A51-4108-AA02-DFA0A04FC94B}">
-              <ma14:wrappingTextBoxFlag xmlns="" xmlns:m="http://schemas.openxmlformats.org/officeDocument/2006/math" xmlns:a14="http://schemas.microsoft.com/office/drawing/2010/main" xmlns:ma14="http://schemas.microsoft.com/office/mac/drawingml/2011/main" val="1"/>
+              <ma14:wrappingTextBoxFlag xmlns:ma14="http://schemas.microsoft.com/office/mac/drawingml/2011/main" xmlns:a14="http://schemas.microsoft.com/office/drawing/2010/main" xmlns:m="http://schemas.openxmlformats.org/officeDocument/2006/math" xmlns="" val="1"/>
             </a:ext>
           </a:extLst>
         </p:spPr>
@@ -27872,7 +27871,7 @@
           </a:ln>
           <a:extLst>
             <a:ext uri="{C572A759-6A51-4108-AA02-DFA0A04FC94B}">
-              <ma14:wrappingTextBoxFlag xmlns="" xmlns:m="http://schemas.openxmlformats.org/officeDocument/2006/math" xmlns:a14="http://schemas.microsoft.com/office/drawing/2010/main" xmlns:ma14="http://schemas.microsoft.com/office/mac/drawingml/2011/main" val="1"/>
+              <ma14:wrappingTextBoxFlag xmlns:ma14="http://schemas.microsoft.com/office/mac/drawingml/2011/main" xmlns:a14="http://schemas.microsoft.com/office/drawing/2010/main" xmlns:m="http://schemas.openxmlformats.org/officeDocument/2006/math" xmlns="" val="1"/>
             </a:ext>
           </a:extLst>
         </p:spPr>
@@ -27938,7 +27937,7 @@
           </a:ln>
           <a:extLst>
             <a:ext uri="{C572A759-6A51-4108-AA02-DFA0A04FC94B}">
-              <ma14:wrappingTextBoxFlag xmlns="" xmlns:m="http://schemas.openxmlformats.org/officeDocument/2006/math" xmlns:a14="http://schemas.microsoft.com/office/drawing/2010/main" xmlns:ma14="http://schemas.microsoft.com/office/mac/drawingml/2011/main" val="1"/>
+              <ma14:wrappingTextBoxFlag xmlns:ma14="http://schemas.microsoft.com/office/mac/drawingml/2011/main" xmlns:a14="http://schemas.microsoft.com/office/drawing/2010/main" xmlns:m="http://schemas.openxmlformats.org/officeDocument/2006/math" xmlns="" val="1"/>
             </a:ext>
           </a:extLst>
         </p:spPr>
@@ -28002,7 +28001,7 @@
           </a:ln>
           <a:extLst>
             <a:ext uri="{C572A759-6A51-4108-AA02-DFA0A04FC94B}">
-              <ma14:wrappingTextBoxFlag xmlns="" xmlns:m="http://schemas.openxmlformats.org/officeDocument/2006/math" xmlns:a14="http://schemas.microsoft.com/office/drawing/2010/main" xmlns:ma14="http://schemas.microsoft.com/office/mac/drawingml/2011/main" val="1"/>
+              <ma14:wrappingTextBoxFlag xmlns:ma14="http://schemas.microsoft.com/office/mac/drawingml/2011/main" xmlns:a14="http://schemas.microsoft.com/office/drawing/2010/main" xmlns:m="http://schemas.openxmlformats.org/officeDocument/2006/math" xmlns="" val="1"/>
             </a:ext>
           </a:extLst>
         </p:spPr>
@@ -28042,7 +28041,7 @@
           </a:ln>
           <a:extLst>
             <a:ext uri="{C572A759-6A51-4108-AA02-DFA0A04FC94B}">
-              <ma14:wrappingTextBoxFlag xmlns="" xmlns:m="http://schemas.openxmlformats.org/officeDocument/2006/math" xmlns:a14="http://schemas.microsoft.com/office/drawing/2010/main" xmlns:ma14="http://schemas.microsoft.com/office/mac/drawingml/2011/main" val="1"/>
+              <ma14:wrappingTextBoxFlag xmlns:ma14="http://schemas.microsoft.com/office/mac/drawingml/2011/main" xmlns:a14="http://schemas.microsoft.com/office/drawing/2010/main" xmlns:m="http://schemas.openxmlformats.org/officeDocument/2006/math" xmlns="" val="1"/>
             </a:ext>
           </a:extLst>
         </p:spPr>
@@ -28108,7 +28107,7 @@
           </a:ln>
           <a:extLst>
             <a:ext uri="{C572A759-6A51-4108-AA02-DFA0A04FC94B}">
-              <ma14:wrappingTextBoxFlag xmlns="" xmlns:m="http://schemas.openxmlformats.org/officeDocument/2006/math" xmlns:a14="http://schemas.microsoft.com/office/drawing/2010/main" xmlns:ma14="http://schemas.microsoft.com/office/mac/drawingml/2011/main" val="1"/>
+              <ma14:wrappingTextBoxFlag xmlns:ma14="http://schemas.microsoft.com/office/mac/drawingml/2011/main" xmlns:a14="http://schemas.microsoft.com/office/drawing/2010/main" xmlns:m="http://schemas.openxmlformats.org/officeDocument/2006/math" xmlns="" val="1"/>
             </a:ext>
           </a:extLst>
         </p:spPr>
@@ -28175,7 +28174,7 @@
           </a:ln>
           <a:extLst>
             <a:ext uri="{C572A759-6A51-4108-AA02-DFA0A04FC94B}">
-              <ma14:wrappingTextBoxFlag xmlns="" xmlns:m="http://schemas.openxmlformats.org/officeDocument/2006/math" xmlns:a14="http://schemas.microsoft.com/office/drawing/2010/main" xmlns:ma14="http://schemas.microsoft.com/office/mac/drawingml/2011/main" val="1"/>
+              <ma14:wrappingTextBoxFlag xmlns:ma14="http://schemas.microsoft.com/office/mac/drawingml/2011/main" xmlns:a14="http://schemas.microsoft.com/office/drawing/2010/main" xmlns:m="http://schemas.openxmlformats.org/officeDocument/2006/math" xmlns="" val="1"/>
             </a:ext>
           </a:extLst>
         </p:spPr>
@@ -28241,7 +28240,7 @@
           </a:ln>
           <a:extLst>
             <a:ext uri="{C572A759-6A51-4108-AA02-DFA0A04FC94B}">
-              <ma14:wrappingTextBoxFlag xmlns="" xmlns:m="http://schemas.openxmlformats.org/officeDocument/2006/math" xmlns:a14="http://schemas.microsoft.com/office/drawing/2010/main" xmlns:ma14="http://schemas.microsoft.com/office/mac/drawingml/2011/main" val="1"/>
+              <ma14:wrappingTextBoxFlag xmlns:ma14="http://schemas.microsoft.com/office/mac/drawingml/2011/main" xmlns:a14="http://schemas.microsoft.com/office/drawing/2010/main" xmlns:m="http://schemas.openxmlformats.org/officeDocument/2006/math" xmlns="" val="1"/>
             </a:ext>
           </a:extLst>
         </p:spPr>
@@ -28306,7 +28305,7 @@
           </a:ln>
           <a:extLst>
             <a:ext uri="{C572A759-6A51-4108-AA02-DFA0A04FC94B}">
-              <ma14:wrappingTextBoxFlag xmlns="" xmlns:m="http://schemas.openxmlformats.org/officeDocument/2006/math" xmlns:a14="http://schemas.microsoft.com/office/drawing/2010/main" xmlns:ma14="http://schemas.microsoft.com/office/mac/drawingml/2011/main" val="1"/>
+              <ma14:wrappingTextBoxFlag xmlns:ma14="http://schemas.microsoft.com/office/mac/drawingml/2011/main" xmlns:a14="http://schemas.microsoft.com/office/drawing/2010/main" xmlns:m="http://schemas.openxmlformats.org/officeDocument/2006/math" xmlns="" val="1"/>
             </a:ext>
           </a:extLst>
         </p:spPr>
@@ -28346,7 +28345,7 @@
           </a:ln>
           <a:extLst>
             <a:ext uri="{C572A759-6A51-4108-AA02-DFA0A04FC94B}">
-              <ma14:wrappingTextBoxFlag xmlns="" xmlns:m="http://schemas.openxmlformats.org/officeDocument/2006/math" xmlns:a14="http://schemas.microsoft.com/office/drawing/2010/main" xmlns:ma14="http://schemas.microsoft.com/office/mac/drawingml/2011/main" val="1"/>
+              <ma14:wrappingTextBoxFlag xmlns:ma14="http://schemas.microsoft.com/office/mac/drawingml/2011/main" xmlns:a14="http://schemas.microsoft.com/office/drawing/2010/main" xmlns:m="http://schemas.openxmlformats.org/officeDocument/2006/math" xmlns="" val="1"/>
             </a:ext>
           </a:extLst>
         </p:spPr>
@@ -28412,7 +28411,7 @@
           </a:ln>
           <a:extLst>
             <a:ext uri="{C572A759-6A51-4108-AA02-DFA0A04FC94B}">
-              <ma14:wrappingTextBoxFlag xmlns="" xmlns:m="http://schemas.openxmlformats.org/officeDocument/2006/math" xmlns:a14="http://schemas.microsoft.com/office/drawing/2010/main" xmlns:ma14="http://schemas.microsoft.com/office/mac/drawingml/2011/main" val="1"/>
+              <ma14:wrappingTextBoxFlag xmlns:ma14="http://schemas.microsoft.com/office/mac/drawingml/2011/main" xmlns:a14="http://schemas.microsoft.com/office/drawing/2010/main" xmlns:m="http://schemas.openxmlformats.org/officeDocument/2006/math" xmlns="" val="1"/>
             </a:ext>
           </a:extLst>
         </p:spPr>
@@ -28459,7 +28458,7 @@
           </a:ln>
           <a:extLst>
             <a:ext uri="{C572A759-6A51-4108-AA02-DFA0A04FC94B}">
-              <ma14:wrappingTextBoxFlag xmlns="" xmlns:m="http://schemas.openxmlformats.org/officeDocument/2006/math" xmlns:a14="http://schemas.microsoft.com/office/drawing/2010/main" xmlns:ma14="http://schemas.microsoft.com/office/mac/drawingml/2011/main" val="1"/>
+              <ma14:wrappingTextBoxFlag xmlns:ma14="http://schemas.microsoft.com/office/mac/drawingml/2011/main" xmlns:a14="http://schemas.microsoft.com/office/drawing/2010/main" xmlns:m="http://schemas.openxmlformats.org/officeDocument/2006/math" xmlns="" val="1"/>
             </a:ext>
           </a:extLst>
         </p:spPr>
@@ -28525,7 +28524,7 @@
           </a:ln>
           <a:extLst>
             <a:ext uri="{C572A759-6A51-4108-AA02-DFA0A04FC94B}">
-              <ma14:wrappingTextBoxFlag xmlns="" xmlns:m="http://schemas.openxmlformats.org/officeDocument/2006/math" xmlns:a14="http://schemas.microsoft.com/office/drawing/2010/main" xmlns:ma14="http://schemas.microsoft.com/office/mac/drawingml/2011/main" val="1"/>
+              <ma14:wrappingTextBoxFlag xmlns:ma14="http://schemas.microsoft.com/office/mac/drawingml/2011/main" xmlns:a14="http://schemas.microsoft.com/office/drawing/2010/main" xmlns:m="http://schemas.openxmlformats.org/officeDocument/2006/math" xmlns="" val="1"/>
             </a:ext>
           </a:extLst>
         </p:spPr>
@@ -28589,7 +28588,7 @@
           </a:ln>
           <a:extLst>
             <a:ext uri="{C572A759-6A51-4108-AA02-DFA0A04FC94B}">
-              <ma14:wrappingTextBoxFlag xmlns="" xmlns:m="http://schemas.openxmlformats.org/officeDocument/2006/math" xmlns:a14="http://schemas.microsoft.com/office/drawing/2010/main" xmlns:ma14="http://schemas.microsoft.com/office/mac/drawingml/2011/main" val="1"/>
+              <ma14:wrappingTextBoxFlag xmlns:ma14="http://schemas.microsoft.com/office/mac/drawingml/2011/main" xmlns:a14="http://schemas.microsoft.com/office/drawing/2010/main" xmlns:m="http://schemas.openxmlformats.org/officeDocument/2006/math" xmlns="" val="1"/>
             </a:ext>
           </a:extLst>
         </p:spPr>
@@ -28629,7 +28628,7 @@
           </a:ln>
           <a:extLst>
             <a:ext uri="{C572A759-6A51-4108-AA02-DFA0A04FC94B}">
-              <ma14:wrappingTextBoxFlag xmlns="" xmlns:m="http://schemas.openxmlformats.org/officeDocument/2006/math" xmlns:a14="http://schemas.microsoft.com/office/drawing/2010/main" xmlns:ma14="http://schemas.microsoft.com/office/mac/drawingml/2011/main" val="1"/>
+              <ma14:wrappingTextBoxFlag xmlns:ma14="http://schemas.microsoft.com/office/mac/drawingml/2011/main" xmlns:a14="http://schemas.microsoft.com/office/drawing/2010/main" xmlns:m="http://schemas.openxmlformats.org/officeDocument/2006/math" xmlns="" val="1"/>
             </a:ext>
           </a:extLst>
         </p:spPr>
@@ -28695,7 +28694,7 @@
           </a:ln>
           <a:extLst>
             <a:ext uri="{C572A759-6A51-4108-AA02-DFA0A04FC94B}">
-              <ma14:wrappingTextBoxFlag xmlns="" xmlns:m="http://schemas.openxmlformats.org/officeDocument/2006/math" xmlns:a14="http://schemas.microsoft.com/office/drawing/2010/main" xmlns:ma14="http://schemas.microsoft.com/office/mac/drawingml/2011/main" val="1"/>
+              <ma14:wrappingTextBoxFlag xmlns:ma14="http://schemas.microsoft.com/office/mac/drawingml/2011/main" xmlns:a14="http://schemas.microsoft.com/office/drawing/2010/main" xmlns:m="http://schemas.openxmlformats.org/officeDocument/2006/math" xmlns="" val="1"/>
             </a:ext>
           </a:extLst>
         </p:spPr>
@@ -28760,7 +28759,7 @@
           </a:ln>
           <a:extLst>
             <a:ext uri="{C572A759-6A51-4108-AA02-DFA0A04FC94B}">
-              <ma14:wrappingTextBoxFlag xmlns="" xmlns:m="http://schemas.openxmlformats.org/officeDocument/2006/math" xmlns:a14="http://schemas.microsoft.com/office/drawing/2010/main" xmlns:ma14="http://schemas.microsoft.com/office/mac/drawingml/2011/main" val="1"/>
+              <ma14:wrappingTextBoxFlag xmlns:ma14="http://schemas.microsoft.com/office/mac/drawingml/2011/main" xmlns:a14="http://schemas.microsoft.com/office/drawing/2010/main" xmlns:m="http://schemas.openxmlformats.org/officeDocument/2006/math" xmlns="" val="1"/>
             </a:ext>
           </a:extLst>
         </p:spPr>
@@ -28800,7 +28799,7 @@
           </a:ln>
           <a:extLst>
             <a:ext uri="{C572A759-6A51-4108-AA02-DFA0A04FC94B}">
-              <ma14:wrappingTextBoxFlag xmlns="" xmlns:m="http://schemas.openxmlformats.org/officeDocument/2006/math" xmlns:a14="http://schemas.microsoft.com/office/drawing/2010/main" xmlns:ma14="http://schemas.microsoft.com/office/mac/drawingml/2011/main" val="1"/>
+              <ma14:wrappingTextBoxFlag xmlns:ma14="http://schemas.microsoft.com/office/mac/drawingml/2011/main" xmlns:a14="http://schemas.microsoft.com/office/drawing/2010/main" xmlns:m="http://schemas.openxmlformats.org/officeDocument/2006/math" xmlns="" val="1"/>
             </a:ext>
           </a:extLst>
         </p:spPr>
@@ -28866,7 +28865,7 @@
           </a:ln>
           <a:extLst>
             <a:ext uri="{C572A759-6A51-4108-AA02-DFA0A04FC94B}">
-              <ma14:wrappingTextBoxFlag xmlns="" xmlns:m="http://schemas.openxmlformats.org/officeDocument/2006/math" xmlns:a14="http://schemas.microsoft.com/office/drawing/2010/main" xmlns:ma14="http://schemas.microsoft.com/office/mac/drawingml/2011/main" val="1"/>
+              <ma14:wrappingTextBoxFlag xmlns:ma14="http://schemas.microsoft.com/office/mac/drawingml/2011/main" xmlns:a14="http://schemas.microsoft.com/office/drawing/2010/main" xmlns:m="http://schemas.openxmlformats.org/officeDocument/2006/math" xmlns="" val="1"/>
             </a:ext>
           </a:extLst>
         </p:spPr>
@@ -28912,7 +28911,7 @@
           </a:ln>
           <a:extLst>
             <a:ext uri="{C572A759-6A51-4108-AA02-DFA0A04FC94B}">
-              <ma14:wrappingTextBoxFlag xmlns="" xmlns:m="http://schemas.openxmlformats.org/officeDocument/2006/math" xmlns:a14="http://schemas.microsoft.com/office/drawing/2010/main" xmlns:ma14="http://schemas.microsoft.com/office/mac/drawingml/2011/main" val="1"/>
+              <ma14:wrappingTextBoxFlag xmlns:ma14="http://schemas.microsoft.com/office/mac/drawingml/2011/main" xmlns:a14="http://schemas.microsoft.com/office/drawing/2010/main" xmlns:m="http://schemas.openxmlformats.org/officeDocument/2006/math" xmlns="" val="1"/>
             </a:ext>
           </a:extLst>
         </p:spPr>
@@ -28978,7 +28977,7 @@
           </a:ln>
           <a:extLst>
             <a:ext uri="{C572A759-6A51-4108-AA02-DFA0A04FC94B}">
-              <ma14:wrappingTextBoxFlag xmlns="" xmlns:m="http://schemas.openxmlformats.org/officeDocument/2006/math" xmlns:a14="http://schemas.microsoft.com/office/drawing/2010/main" xmlns:ma14="http://schemas.microsoft.com/office/mac/drawingml/2011/main" val="1"/>
+              <ma14:wrappingTextBoxFlag xmlns:ma14="http://schemas.microsoft.com/office/mac/drawingml/2011/main" xmlns:a14="http://schemas.microsoft.com/office/drawing/2010/main" xmlns:m="http://schemas.openxmlformats.org/officeDocument/2006/math" xmlns="" val="1"/>
             </a:ext>
           </a:extLst>
         </p:spPr>
@@ -29042,7 +29041,7 @@
           </a:ln>
           <a:extLst>
             <a:ext uri="{C572A759-6A51-4108-AA02-DFA0A04FC94B}">
-              <ma14:wrappingTextBoxFlag xmlns="" xmlns:m="http://schemas.openxmlformats.org/officeDocument/2006/math" xmlns:a14="http://schemas.microsoft.com/office/drawing/2010/main" xmlns:ma14="http://schemas.microsoft.com/office/mac/drawingml/2011/main" val="1"/>
+              <ma14:wrappingTextBoxFlag xmlns:ma14="http://schemas.microsoft.com/office/mac/drawingml/2011/main" xmlns:a14="http://schemas.microsoft.com/office/drawing/2010/main" xmlns:m="http://schemas.openxmlformats.org/officeDocument/2006/math" xmlns="" val="1"/>
             </a:ext>
           </a:extLst>
         </p:spPr>
@@ -29082,7 +29081,7 @@
           </a:ln>
           <a:extLst>
             <a:ext uri="{C572A759-6A51-4108-AA02-DFA0A04FC94B}">
-              <ma14:wrappingTextBoxFlag xmlns="" xmlns:m="http://schemas.openxmlformats.org/officeDocument/2006/math" xmlns:a14="http://schemas.microsoft.com/office/drawing/2010/main" xmlns:ma14="http://schemas.microsoft.com/office/mac/drawingml/2011/main" val="1"/>
+              <ma14:wrappingTextBoxFlag xmlns:ma14="http://schemas.microsoft.com/office/mac/drawingml/2011/main" xmlns:a14="http://schemas.microsoft.com/office/drawing/2010/main" xmlns:m="http://schemas.openxmlformats.org/officeDocument/2006/math" xmlns="" val="1"/>
             </a:ext>
           </a:extLst>
         </p:spPr>
@@ -29148,7 +29147,7 @@
           </a:ln>
           <a:extLst>
             <a:ext uri="{C572A759-6A51-4108-AA02-DFA0A04FC94B}">
-              <ma14:wrappingTextBoxFlag xmlns="" xmlns:m="http://schemas.openxmlformats.org/officeDocument/2006/math" xmlns:a14="http://schemas.microsoft.com/office/drawing/2010/main" xmlns:ma14="http://schemas.microsoft.com/office/mac/drawingml/2011/main" val="1"/>
+              <ma14:wrappingTextBoxFlag xmlns:ma14="http://schemas.microsoft.com/office/mac/drawingml/2011/main" xmlns:a14="http://schemas.microsoft.com/office/drawing/2010/main" xmlns:m="http://schemas.openxmlformats.org/officeDocument/2006/math" xmlns="" val="1"/>
             </a:ext>
           </a:extLst>
         </p:spPr>
@@ -29220,7 +29219,7 @@
           </a:ln>
           <a:extLst>
             <a:ext uri="{C572A759-6A51-4108-AA02-DFA0A04FC94B}">
-              <ma14:wrappingTextBoxFlag xmlns="" xmlns:m="http://schemas.openxmlformats.org/officeDocument/2006/math" xmlns:a14="http://schemas.microsoft.com/office/drawing/2010/main" xmlns:ma14="http://schemas.microsoft.com/office/mac/drawingml/2011/main" val="1"/>
+              <ma14:wrappingTextBoxFlag xmlns:ma14="http://schemas.microsoft.com/office/mac/drawingml/2011/main" xmlns:a14="http://schemas.microsoft.com/office/drawing/2010/main" xmlns:m="http://schemas.openxmlformats.org/officeDocument/2006/math" xmlns="" val="1"/>
             </a:ext>
           </a:extLst>
         </p:spPr>
@@ -29261,7 +29260,7 @@
           </a:ln>
           <a:extLst>
             <a:ext uri="{C572A759-6A51-4108-AA02-DFA0A04FC94B}">
-              <ma14:wrappingTextBoxFlag xmlns="" xmlns:m="http://schemas.openxmlformats.org/officeDocument/2006/math" xmlns:a14="http://schemas.microsoft.com/office/drawing/2010/main" xmlns:ma14="http://schemas.microsoft.com/office/mac/drawingml/2011/main" val="1"/>
+              <ma14:wrappingTextBoxFlag xmlns:ma14="http://schemas.microsoft.com/office/mac/drawingml/2011/main" xmlns:a14="http://schemas.microsoft.com/office/drawing/2010/main" xmlns:m="http://schemas.openxmlformats.org/officeDocument/2006/math" xmlns="" val="1"/>
             </a:ext>
           </a:extLst>
         </p:spPr>
